--- a/lectures/SQL-01-Basics.pptx
+++ b/lectures/SQL-01-Basics.pptx
@@ -5,26 +5,28 @@
     <p:sldMasterId id="2147483660" r:id="rId1"/>
   </p:sldMasterIdLst>
   <p:notesMasterIdLst>
-    <p:notesMasterId r:id="rId19"/>
+    <p:notesMasterId r:id="rId21"/>
   </p:notesMasterIdLst>
   <p:sldIdLst>
     <p:sldId id="258" r:id="rId2"/>
     <p:sldId id="298" r:id="rId3"/>
     <p:sldId id="299" r:id="rId4"/>
-    <p:sldId id="300" r:id="rId5"/>
-    <p:sldId id="302" r:id="rId6"/>
-    <p:sldId id="301" r:id="rId7"/>
-    <p:sldId id="306" r:id="rId8"/>
-    <p:sldId id="304" r:id="rId9"/>
-    <p:sldId id="305" r:id="rId10"/>
-    <p:sldId id="307" r:id="rId11"/>
-    <p:sldId id="310" r:id="rId12"/>
-    <p:sldId id="313" r:id="rId13"/>
-    <p:sldId id="316" r:id="rId14"/>
-    <p:sldId id="319" r:id="rId15"/>
-    <p:sldId id="321" r:id="rId16"/>
-    <p:sldId id="322" r:id="rId17"/>
-    <p:sldId id="273" r:id="rId18"/>
+    <p:sldId id="323" r:id="rId5"/>
+    <p:sldId id="324" r:id="rId6"/>
+    <p:sldId id="300" r:id="rId7"/>
+    <p:sldId id="302" r:id="rId8"/>
+    <p:sldId id="301" r:id="rId9"/>
+    <p:sldId id="306" r:id="rId10"/>
+    <p:sldId id="304" r:id="rId11"/>
+    <p:sldId id="305" r:id="rId12"/>
+    <p:sldId id="307" r:id="rId13"/>
+    <p:sldId id="310" r:id="rId14"/>
+    <p:sldId id="313" r:id="rId15"/>
+    <p:sldId id="316" r:id="rId16"/>
+    <p:sldId id="319" r:id="rId17"/>
+    <p:sldId id="321" r:id="rId18"/>
+    <p:sldId id="322" r:id="rId19"/>
+    <p:sldId id="273" r:id="rId20"/>
   </p:sldIdLst>
   <p:sldSz cx="12192000" cy="6858000"/>
   <p:notesSz cx="6858000" cy="9144000"/>
@@ -482,11 +484,11 @@
 </file>
 
 <file path=ppt/notesSlides/notesSlide1.xml><?xml version="1.0" encoding="utf-8"?>
-<p:notes xmlns:a="http://schemas.openxmlformats.org/drawingml/2006/main" xmlns:r="http://schemas.openxmlformats.org/officeDocument/2006/relationships" xmlns:p="http://schemas.openxmlformats.org/presentationml/2006/main" showMasterSp="0" showMasterPhAnim="0">
+<p:notes xmlns:a="http://schemas.openxmlformats.org/drawingml/2006/main" xmlns:r="http://schemas.openxmlformats.org/officeDocument/2006/relationships" xmlns:p="http://schemas.openxmlformats.org/presentationml/2006/main">
   <p:cSld>
     <p:spTree>
       <p:nvGrpSpPr>
-        <p:cNvPr id="1" name="Shape 217"/>
+        <p:cNvPr id="1" name=""/>
         <p:cNvGrpSpPr/>
         <p:nvPr/>
       </p:nvGrpSpPr>
@@ -500,7 +502,281 @@
       </p:grpSpPr>
       <p:sp>
         <p:nvSpPr>
-          <p:cNvPr id="218" name="Shape 218"/>
+          <p:cNvPr id="13313" name="Slide Image Placeholder 1"/>
+          <p:cNvSpPr>
+            <a:spLocks noGrp="1" noRot="1" noChangeAspect="1" noTextEdit="1"/>
+          </p:cNvSpPr>
+          <p:nvPr>
+            <p:ph type="sldImg"/>
+          </p:nvPr>
+        </p:nvSpPr>
+        <p:spPr bwMode="auto">
+          <a:noFill/>
+          <a:ln>
+            <a:solidFill>
+              <a:srgbClr val="000000"/>
+            </a:solidFill>
+            <a:miter lim="800000"/>
+            <a:headEnd/>
+            <a:tailEnd/>
+          </a:ln>
+          <a:extLst>
+            <a:ext uri="{909E8E84-426E-40DD-AFC4-6F175D3DCCD1}">
+              <a14:hiddenFill xmlns:a14="http://schemas.microsoft.com/office/drawing/2010/main">
+                <a:solidFill>
+                  <a:srgbClr val="FFFFFF"/>
+                </a:solidFill>
+              </a14:hiddenFill>
+            </a:ext>
+            <a:ext uri="{FAA26D3D-D897-4be2-8F04-BA451C77F1D7}">
+              <ma14:placeholderFlag xmlns:ma14="http://schemas.microsoft.com/office/mac/drawingml/2011/main" val="1"/>
+            </a:ext>
+          </a:extLst>
+        </p:spPr>
+      </p:sp>
+      <p:sp>
+        <p:nvSpPr>
+          <p:cNvPr id="13314" name="Notes Placeholder 2"/>
+          <p:cNvSpPr>
+            <a:spLocks noGrp="1"/>
+          </p:cNvSpPr>
+          <p:nvPr>
+            <p:ph type="body" idx="1"/>
+          </p:nvPr>
+        </p:nvSpPr>
+        <p:spPr bwMode="auto">
+          <a:noFill/>
+          <a:extLst>
+            <a:ext uri="{909E8E84-426E-40DD-AFC4-6F175D3DCCD1}">
+              <a14:hiddenFill xmlns:a14="http://schemas.microsoft.com/office/drawing/2010/main">
+                <a:solidFill>
+                  <a:srgbClr val="FFFFFF"/>
+                </a:solidFill>
+              </a14:hiddenFill>
+            </a:ext>
+            <a:ext uri="{91240B29-F687-4F45-9708-019B960494DF}">
+              <a14:hiddenLine xmlns:a14="http://schemas.microsoft.com/office/drawing/2010/main" w="9525">
+                <a:solidFill>
+                  <a:srgbClr val="000000"/>
+                </a:solidFill>
+                <a:miter lim="800000"/>
+                <a:headEnd/>
+                <a:tailEnd/>
+              </a14:hiddenLine>
+            </a:ext>
+            <a:ext uri="{FAA26D3D-D897-4be2-8F04-BA451C77F1D7}">
+              <ma14:placeholderFlag xmlns:ma14="http://schemas.microsoft.com/office/mac/drawingml/2011/main" val="1"/>
+            </a:ext>
+          </a:extLst>
+        </p:spPr>
+        <p:txBody>
+          <a:bodyPr wrap="square" numCol="1" anchor="t" anchorCtr="0" compatLnSpc="1">
+            <a:prstTxWarp prst="textNoShape">
+              <a:avLst/>
+            </a:prstTxWarp>
+          </a:bodyPr>
+          <a:lstStyle/>
+          <a:p>
+            <a:pPr eaLnBrk="1" hangingPunct="1"/>
+            <a:endParaRPr lang="x-none" altLang="x-none">
+              <a:ea typeface="ＭＳ Ｐゴシック" charset="-128"/>
+            </a:endParaRPr>
+          </a:p>
+        </p:txBody>
+      </p:sp>
+      <p:sp>
+        <p:nvSpPr>
+          <p:cNvPr id="13315" name="Slide Number Placeholder 3"/>
+          <p:cNvSpPr>
+            <a:spLocks noGrp="1"/>
+          </p:cNvSpPr>
+          <p:nvPr>
+            <p:ph type="sldNum" sz="quarter" idx="5"/>
+          </p:nvPr>
+        </p:nvSpPr>
+        <p:spPr bwMode="auto">
+          <a:noFill/>
+          <a:extLst>
+            <a:ext uri="{909E8E84-426E-40DD-AFC4-6F175D3DCCD1}">
+              <a14:hiddenFill xmlns:a14="http://schemas.microsoft.com/office/drawing/2010/main">
+                <a:solidFill>
+                  <a:srgbClr val="FFFFFF"/>
+                </a:solidFill>
+              </a14:hiddenFill>
+            </a:ext>
+            <a:ext uri="{91240B29-F687-4F45-9708-019B960494DF}">
+              <a14:hiddenLine xmlns:a14="http://schemas.microsoft.com/office/drawing/2010/main" w="9525">
+                <a:solidFill>
+                  <a:srgbClr val="000000"/>
+                </a:solidFill>
+                <a:miter lim="800000"/>
+                <a:headEnd/>
+                <a:tailEnd/>
+              </a14:hiddenLine>
+            </a:ext>
+          </a:extLst>
+        </p:spPr>
+        <p:txBody>
+          <a:bodyPr/>
+          <a:lstStyle>
+            <a:lvl1pPr>
+              <a:defRPr sz="3600">
+                <a:solidFill>
+                  <a:srgbClr val="FFFFFF"/>
+                </a:solidFill>
+                <a:latin typeface="Gill Sans" charset="0"/>
+                <a:ea typeface="ヒラギノ角ゴ ProN W3" charset="-128"/>
+                <a:sym typeface="Gill Sans" charset="0"/>
+              </a:defRPr>
+            </a:lvl1pPr>
+            <a:lvl2pPr marL="742950" indent="-285750">
+              <a:defRPr sz="3600">
+                <a:solidFill>
+                  <a:srgbClr val="FFFFFF"/>
+                </a:solidFill>
+                <a:latin typeface="Gill Sans" charset="0"/>
+                <a:ea typeface="ヒラギノ角ゴ ProN W3" charset="-128"/>
+                <a:sym typeface="Gill Sans" charset="0"/>
+              </a:defRPr>
+            </a:lvl2pPr>
+            <a:lvl3pPr marL="1143000" indent="-228600">
+              <a:defRPr sz="3600">
+                <a:solidFill>
+                  <a:srgbClr val="FFFFFF"/>
+                </a:solidFill>
+                <a:latin typeface="Gill Sans" charset="0"/>
+                <a:ea typeface="ヒラギノ角ゴ ProN W3" charset="-128"/>
+                <a:sym typeface="Gill Sans" charset="0"/>
+              </a:defRPr>
+            </a:lvl3pPr>
+            <a:lvl4pPr marL="1600200" indent="-228600">
+              <a:defRPr sz="3600">
+                <a:solidFill>
+                  <a:srgbClr val="FFFFFF"/>
+                </a:solidFill>
+                <a:latin typeface="Gill Sans" charset="0"/>
+                <a:ea typeface="ヒラギノ角ゴ ProN W3" charset="-128"/>
+                <a:sym typeface="Gill Sans" charset="0"/>
+              </a:defRPr>
+            </a:lvl4pPr>
+            <a:lvl5pPr marL="2057400" indent="-228600">
+              <a:defRPr sz="3600">
+                <a:solidFill>
+                  <a:srgbClr val="FFFFFF"/>
+                </a:solidFill>
+                <a:latin typeface="Gill Sans" charset="0"/>
+                <a:ea typeface="ヒラギノ角ゴ ProN W3" charset="-128"/>
+                <a:sym typeface="Gill Sans" charset="0"/>
+              </a:defRPr>
+            </a:lvl5pPr>
+            <a:lvl6pPr marL="2514600" indent="-228600" eaLnBrk="0" fontAlgn="base" hangingPunct="0">
+              <a:spcBef>
+                <a:spcPct val="0"/>
+              </a:spcBef>
+              <a:spcAft>
+                <a:spcPct val="0"/>
+              </a:spcAft>
+              <a:defRPr sz="3600">
+                <a:solidFill>
+                  <a:srgbClr val="FFFFFF"/>
+                </a:solidFill>
+                <a:latin typeface="Gill Sans" charset="0"/>
+                <a:ea typeface="ヒラギノ角ゴ ProN W3" charset="-128"/>
+                <a:sym typeface="Gill Sans" charset="0"/>
+              </a:defRPr>
+            </a:lvl6pPr>
+            <a:lvl7pPr marL="2971800" indent="-228600" eaLnBrk="0" fontAlgn="base" hangingPunct="0">
+              <a:spcBef>
+                <a:spcPct val="0"/>
+              </a:spcBef>
+              <a:spcAft>
+                <a:spcPct val="0"/>
+              </a:spcAft>
+              <a:defRPr sz="3600">
+                <a:solidFill>
+                  <a:srgbClr val="FFFFFF"/>
+                </a:solidFill>
+                <a:latin typeface="Gill Sans" charset="0"/>
+                <a:ea typeface="ヒラギノ角ゴ ProN W3" charset="-128"/>
+                <a:sym typeface="Gill Sans" charset="0"/>
+              </a:defRPr>
+            </a:lvl7pPr>
+            <a:lvl8pPr marL="3429000" indent="-228600" eaLnBrk="0" fontAlgn="base" hangingPunct="0">
+              <a:spcBef>
+                <a:spcPct val="0"/>
+              </a:spcBef>
+              <a:spcAft>
+                <a:spcPct val="0"/>
+              </a:spcAft>
+              <a:defRPr sz="3600">
+                <a:solidFill>
+                  <a:srgbClr val="FFFFFF"/>
+                </a:solidFill>
+                <a:latin typeface="Gill Sans" charset="0"/>
+                <a:ea typeface="ヒラギノ角ゴ ProN W3" charset="-128"/>
+                <a:sym typeface="Gill Sans" charset="0"/>
+              </a:defRPr>
+            </a:lvl8pPr>
+            <a:lvl9pPr marL="3886200" indent="-228600" eaLnBrk="0" fontAlgn="base" hangingPunct="0">
+              <a:spcBef>
+                <a:spcPct val="0"/>
+              </a:spcBef>
+              <a:spcAft>
+                <a:spcPct val="0"/>
+              </a:spcAft>
+              <a:defRPr sz="3600">
+                <a:solidFill>
+                  <a:srgbClr val="FFFFFF"/>
+                </a:solidFill>
+                <a:latin typeface="Gill Sans" charset="0"/>
+                <a:ea typeface="ヒラギノ角ゴ ProN W3" charset="-128"/>
+                <a:sym typeface="Gill Sans" charset="0"/>
+              </a:defRPr>
+            </a:lvl9pPr>
+          </a:lstStyle>
+          <a:p>
+            <a:fld id="{6FF31ED5-7C20-294A-98B2-1C5CE6453DA8}" type="slidenum">
+              <a:rPr lang="en-US" altLang="x-none" sz="1200"/>
+              <a:pPr/>
+              <a:t>5</a:t>
+            </a:fld>
+            <a:endParaRPr lang="en-US" altLang="x-none" sz="1200"/>
+          </a:p>
+        </p:txBody>
+      </p:sp>
+    </p:spTree>
+    <p:extLst>
+      <p:ext uri="{BB962C8B-B14F-4D97-AF65-F5344CB8AC3E}">
+        <p14:creationId xmlns:p14="http://schemas.microsoft.com/office/powerpoint/2010/main" val="1956785413"/>
+      </p:ext>
+    </p:extLst>
+  </p:cSld>
+  <p:clrMapOvr>
+    <a:masterClrMapping/>
+  </p:clrMapOvr>
+</p:notes>
+</file>
+
+<file path=ppt/notesSlides/notesSlide10.xml><?xml version="1.0" encoding="utf-8"?>
+<p:notes xmlns:a="http://schemas.openxmlformats.org/drawingml/2006/main" xmlns:r="http://schemas.openxmlformats.org/officeDocument/2006/relationships" xmlns:p="http://schemas.openxmlformats.org/presentationml/2006/main" showMasterSp="0" showMasterPhAnim="0">
+  <p:cSld>
+    <p:spTree>
+      <p:nvGrpSpPr>
+        <p:cNvPr id="1" name="Shape 433"/>
+        <p:cNvGrpSpPr/>
+        <p:nvPr/>
+      </p:nvGrpSpPr>
+      <p:grpSpPr>
+        <a:xfrm>
+          <a:off x="0" y="0"/>
+          <a:ext cx="0" cy="0"/>
+          <a:chOff x="0" y="0"/>
+          <a:chExt cx="0" cy="0"/>
+        </a:xfrm>
+      </p:grpSpPr>
+      <p:sp>
+        <p:nvSpPr>
+          <p:cNvPr id="434" name="Shape 434"/>
           <p:cNvSpPr txBox="1">
             <a:spLocks noGrp="1"/>
           </p:cNvSpPr>
@@ -551,7 +827,7 @@
       </p:sp>
       <p:sp>
         <p:nvSpPr>
-          <p:cNvPr id="219" name="Shape 219"/>
+          <p:cNvPr id="435" name="Shape 435"/>
           <p:cNvSpPr>
             <a:spLocks noGrp="1" noRot="1" noChangeAspect="1"/>
           </p:cNvSpPr>
@@ -603,7 +879,7 @@
     </p:spTree>
     <p:extLst>
       <p:ext uri="{BB962C8B-B14F-4D97-AF65-F5344CB8AC3E}">
-        <p14:creationId xmlns:p14="http://schemas.microsoft.com/office/powerpoint/2010/main" val="398488944"/>
+        <p14:creationId xmlns:p14="http://schemas.microsoft.com/office/powerpoint/2010/main" val="1747895639"/>
       </p:ext>
     </p:extLst>
   </p:cSld>
@@ -613,7 +889,7 @@
 </p:notes>
 </file>
 
-<file path=ppt/notesSlides/notesSlide10.xml><?xml version="1.0" encoding="utf-8"?>
+<file path=ppt/notesSlides/notesSlide11.xml><?xml version="1.0" encoding="utf-8"?>
 <p:notes xmlns:a="http://schemas.openxmlformats.org/drawingml/2006/main" xmlns:r="http://schemas.openxmlformats.org/officeDocument/2006/relationships" xmlns:p="http://schemas.openxmlformats.org/presentationml/2006/main" showMasterSp="0" showMasterPhAnim="0">
   <p:cSld>
     <p:spTree>
@@ -745,7 +1021,7 @@
 </p:notes>
 </file>
 
-<file path=ppt/notesSlides/notesSlide11.xml><?xml version="1.0" encoding="utf-8"?>
+<file path=ppt/notesSlides/notesSlide12.xml><?xml version="1.0" encoding="utf-8"?>
 <p:notes xmlns:a="http://schemas.openxmlformats.org/drawingml/2006/main" xmlns:r="http://schemas.openxmlformats.org/officeDocument/2006/relationships" xmlns:p="http://schemas.openxmlformats.org/presentationml/2006/main" showMasterSp="0" showMasterPhAnim="0">
   <p:cSld>
     <p:spTree>
@@ -877,7 +1153,7 @@
 </p:notes>
 </file>
 
-<file path=ppt/notesSlides/notesSlide12.xml><?xml version="1.0" encoding="utf-8"?>
+<file path=ppt/notesSlides/notesSlide13.xml><?xml version="1.0" encoding="utf-8"?>
 <p:notes xmlns:a="http://schemas.openxmlformats.org/drawingml/2006/main" xmlns:r="http://schemas.openxmlformats.org/officeDocument/2006/relationships" xmlns:p="http://schemas.openxmlformats.org/presentationml/2006/main" showMasterSp="0" showMasterPhAnim="0">
   <p:cSld>
     <p:spTree>
@@ -1014,7 +1290,7 @@
   <p:cSld>
     <p:spTree>
       <p:nvGrpSpPr>
-        <p:cNvPr id="1" name="Shape 312"/>
+        <p:cNvPr id="1" name="Shape 217"/>
         <p:cNvGrpSpPr/>
         <p:nvPr/>
       </p:nvGrpSpPr>
@@ -1028,7 +1304,7 @@
       </p:grpSpPr>
       <p:sp>
         <p:nvSpPr>
-          <p:cNvPr id="313" name="Shape 313"/>
+          <p:cNvPr id="218" name="Shape 218"/>
           <p:cNvSpPr txBox="1">
             <a:spLocks noGrp="1"/>
           </p:cNvSpPr>
@@ -1079,7 +1355,7 @@
       </p:sp>
       <p:sp>
         <p:nvSpPr>
-          <p:cNvPr id="314" name="Shape 314"/>
+          <p:cNvPr id="219" name="Shape 219"/>
           <p:cNvSpPr>
             <a:spLocks noGrp="1" noRot="1" noChangeAspect="1"/>
           </p:cNvSpPr>
@@ -1131,7 +1407,7 @@
     </p:spTree>
     <p:extLst>
       <p:ext uri="{BB962C8B-B14F-4D97-AF65-F5344CB8AC3E}">
-        <p14:creationId xmlns:p14="http://schemas.microsoft.com/office/powerpoint/2010/main" val="1109913055"/>
+        <p14:creationId xmlns:p14="http://schemas.microsoft.com/office/powerpoint/2010/main" val="398488944"/>
       </p:ext>
     </p:extLst>
   </p:cSld>
@@ -1146,7 +1422,7 @@
   <p:cSld>
     <p:spTree>
       <p:nvGrpSpPr>
-        <p:cNvPr id="1" name="Shape 305"/>
+        <p:cNvPr id="1" name="Shape 312"/>
         <p:cNvGrpSpPr/>
         <p:nvPr/>
       </p:nvGrpSpPr>
@@ -1160,7 +1436,7 @@
       </p:grpSpPr>
       <p:sp>
         <p:nvSpPr>
-          <p:cNvPr id="306" name="Shape 306"/>
+          <p:cNvPr id="313" name="Shape 313"/>
           <p:cNvSpPr txBox="1">
             <a:spLocks noGrp="1"/>
           </p:cNvSpPr>
@@ -1211,7 +1487,7 @@
       </p:sp>
       <p:sp>
         <p:nvSpPr>
-          <p:cNvPr id="307" name="Shape 307"/>
+          <p:cNvPr id="314" name="Shape 314"/>
           <p:cNvSpPr>
             <a:spLocks noGrp="1" noRot="1" noChangeAspect="1"/>
           </p:cNvSpPr>
@@ -1263,7 +1539,7 @@
     </p:spTree>
     <p:extLst>
       <p:ext uri="{BB962C8B-B14F-4D97-AF65-F5344CB8AC3E}">
-        <p14:creationId xmlns:p14="http://schemas.microsoft.com/office/powerpoint/2010/main" val="1073975647"/>
+        <p14:creationId xmlns:p14="http://schemas.microsoft.com/office/powerpoint/2010/main" val="1109913055"/>
       </p:ext>
     </p:extLst>
   </p:cSld>
@@ -1278,7 +1554,7 @@
   <p:cSld>
     <p:spTree>
       <p:nvGrpSpPr>
-        <p:cNvPr id="1" name="Shape 369"/>
+        <p:cNvPr id="1" name="Shape 305"/>
         <p:cNvGrpSpPr/>
         <p:nvPr/>
       </p:nvGrpSpPr>
@@ -1292,7 +1568,7 @@
       </p:grpSpPr>
       <p:sp>
         <p:nvSpPr>
-          <p:cNvPr id="370" name="Shape 370"/>
+          <p:cNvPr id="306" name="Shape 306"/>
           <p:cNvSpPr txBox="1">
             <a:spLocks noGrp="1"/>
           </p:cNvSpPr>
@@ -1343,7 +1619,7 @@
       </p:sp>
       <p:sp>
         <p:nvSpPr>
-          <p:cNvPr id="371" name="Shape 371"/>
+          <p:cNvPr id="307" name="Shape 307"/>
           <p:cNvSpPr>
             <a:spLocks noGrp="1" noRot="1" noChangeAspect="1"/>
           </p:cNvSpPr>
@@ -1395,7 +1671,7 @@
     </p:spTree>
     <p:extLst>
       <p:ext uri="{BB962C8B-B14F-4D97-AF65-F5344CB8AC3E}">
-        <p14:creationId xmlns:p14="http://schemas.microsoft.com/office/powerpoint/2010/main" val="1416565030"/>
+        <p14:creationId xmlns:p14="http://schemas.microsoft.com/office/powerpoint/2010/main" val="1073975647"/>
       </p:ext>
     </p:extLst>
   </p:cSld>
@@ -1410,7 +1686,7 @@
   <p:cSld>
     <p:spTree>
       <p:nvGrpSpPr>
-        <p:cNvPr id="1" name="Shape 351"/>
+        <p:cNvPr id="1" name="Shape 369"/>
         <p:cNvGrpSpPr/>
         <p:nvPr/>
       </p:nvGrpSpPr>
@@ -1424,7 +1700,7 @@
       </p:grpSpPr>
       <p:sp>
         <p:nvSpPr>
-          <p:cNvPr id="352" name="Shape 352"/>
+          <p:cNvPr id="370" name="Shape 370"/>
           <p:cNvSpPr txBox="1">
             <a:spLocks noGrp="1"/>
           </p:cNvSpPr>
@@ -1475,7 +1751,7 @@
       </p:sp>
       <p:sp>
         <p:nvSpPr>
-          <p:cNvPr id="353" name="Shape 353"/>
+          <p:cNvPr id="371" name="Shape 371"/>
           <p:cNvSpPr>
             <a:spLocks noGrp="1" noRot="1" noChangeAspect="1"/>
           </p:cNvSpPr>
@@ -1527,7 +1803,7 @@
     </p:spTree>
     <p:extLst>
       <p:ext uri="{BB962C8B-B14F-4D97-AF65-F5344CB8AC3E}">
-        <p14:creationId xmlns:p14="http://schemas.microsoft.com/office/powerpoint/2010/main" val="1884427641"/>
+        <p14:creationId xmlns:p14="http://schemas.microsoft.com/office/powerpoint/2010/main" val="1416565030"/>
       </p:ext>
     </p:extLst>
   </p:cSld>
@@ -1542,7 +1818,7 @@
   <p:cSld>
     <p:spTree>
       <p:nvGrpSpPr>
-        <p:cNvPr id="1" name="Shape 376"/>
+        <p:cNvPr id="1" name="Shape 351"/>
         <p:cNvGrpSpPr/>
         <p:nvPr/>
       </p:nvGrpSpPr>
@@ -1556,7 +1832,7 @@
       </p:grpSpPr>
       <p:sp>
         <p:nvSpPr>
-          <p:cNvPr id="377" name="Shape 377"/>
+          <p:cNvPr id="352" name="Shape 352"/>
           <p:cNvSpPr txBox="1">
             <a:spLocks noGrp="1"/>
           </p:cNvSpPr>
@@ -1607,7 +1883,7 @@
       </p:sp>
       <p:sp>
         <p:nvSpPr>
-          <p:cNvPr id="378" name="Shape 378"/>
+          <p:cNvPr id="353" name="Shape 353"/>
           <p:cNvSpPr>
             <a:spLocks noGrp="1" noRot="1" noChangeAspect="1"/>
           </p:cNvSpPr>
@@ -1659,7 +1935,7 @@
     </p:spTree>
     <p:extLst>
       <p:ext uri="{BB962C8B-B14F-4D97-AF65-F5344CB8AC3E}">
-        <p14:creationId xmlns:p14="http://schemas.microsoft.com/office/powerpoint/2010/main" val="1101299839"/>
+        <p14:creationId xmlns:p14="http://schemas.microsoft.com/office/powerpoint/2010/main" val="1884427641"/>
       </p:ext>
     </p:extLst>
   </p:cSld>
@@ -1674,7 +1950,7 @@
   <p:cSld>
     <p:spTree>
       <p:nvGrpSpPr>
-        <p:cNvPr id="1" name="Shape 395"/>
+        <p:cNvPr id="1" name="Shape 376"/>
         <p:cNvGrpSpPr/>
         <p:nvPr/>
       </p:nvGrpSpPr>
@@ -1688,7 +1964,7 @@
       </p:grpSpPr>
       <p:sp>
         <p:nvSpPr>
-          <p:cNvPr id="396" name="Shape 396"/>
+          <p:cNvPr id="377" name="Shape 377"/>
           <p:cNvSpPr txBox="1">
             <a:spLocks noGrp="1"/>
           </p:cNvSpPr>
@@ -1739,7 +2015,7 @@
       </p:sp>
       <p:sp>
         <p:nvSpPr>
-          <p:cNvPr id="397" name="Shape 397"/>
+          <p:cNvPr id="378" name="Shape 378"/>
           <p:cNvSpPr>
             <a:spLocks noGrp="1" noRot="1" noChangeAspect="1"/>
           </p:cNvSpPr>
@@ -1791,7 +2067,7 @@
     </p:spTree>
     <p:extLst>
       <p:ext uri="{BB962C8B-B14F-4D97-AF65-F5344CB8AC3E}">
-        <p14:creationId xmlns:p14="http://schemas.microsoft.com/office/powerpoint/2010/main" val="1007987814"/>
+        <p14:creationId xmlns:p14="http://schemas.microsoft.com/office/powerpoint/2010/main" val="1101299839"/>
       </p:ext>
     </p:extLst>
   </p:cSld>
@@ -1806,7 +2082,7 @@
   <p:cSld>
     <p:spTree>
       <p:nvGrpSpPr>
-        <p:cNvPr id="1" name="Shape 414"/>
+        <p:cNvPr id="1" name="Shape 395"/>
         <p:cNvGrpSpPr/>
         <p:nvPr/>
       </p:nvGrpSpPr>
@@ -1820,7 +2096,7 @@
       </p:grpSpPr>
       <p:sp>
         <p:nvSpPr>
-          <p:cNvPr id="415" name="Shape 415"/>
+          <p:cNvPr id="396" name="Shape 396"/>
           <p:cNvSpPr txBox="1">
             <a:spLocks noGrp="1"/>
           </p:cNvSpPr>
@@ -1871,7 +2147,7 @@
       </p:sp>
       <p:sp>
         <p:nvSpPr>
-          <p:cNvPr id="416" name="Shape 416"/>
+          <p:cNvPr id="397" name="Shape 397"/>
           <p:cNvSpPr>
             <a:spLocks noGrp="1" noRot="1" noChangeAspect="1"/>
           </p:cNvSpPr>
@@ -1923,7 +2199,7 @@
     </p:spTree>
     <p:extLst>
       <p:ext uri="{BB962C8B-B14F-4D97-AF65-F5344CB8AC3E}">
-        <p14:creationId xmlns:p14="http://schemas.microsoft.com/office/powerpoint/2010/main" val="890677141"/>
+        <p14:creationId xmlns:p14="http://schemas.microsoft.com/office/powerpoint/2010/main" val="1007987814"/>
       </p:ext>
     </p:extLst>
   </p:cSld>
@@ -1938,7 +2214,7 @@
   <p:cSld>
     <p:spTree>
       <p:nvGrpSpPr>
-        <p:cNvPr id="1" name="Shape 433"/>
+        <p:cNvPr id="1" name="Shape 414"/>
         <p:cNvGrpSpPr/>
         <p:nvPr/>
       </p:nvGrpSpPr>
@@ -1952,7 +2228,7 @@
       </p:grpSpPr>
       <p:sp>
         <p:nvSpPr>
-          <p:cNvPr id="434" name="Shape 434"/>
+          <p:cNvPr id="415" name="Shape 415"/>
           <p:cNvSpPr txBox="1">
             <a:spLocks noGrp="1"/>
           </p:cNvSpPr>
@@ -2003,7 +2279,7 @@
       </p:sp>
       <p:sp>
         <p:nvSpPr>
-          <p:cNvPr id="435" name="Shape 435"/>
+          <p:cNvPr id="416" name="Shape 416"/>
           <p:cNvSpPr>
             <a:spLocks noGrp="1" noRot="1" noChangeAspect="1"/>
           </p:cNvSpPr>
@@ -2055,7 +2331,7 @@
     </p:spTree>
     <p:extLst>
       <p:ext uri="{BB962C8B-B14F-4D97-AF65-F5344CB8AC3E}">
-        <p14:creationId xmlns:p14="http://schemas.microsoft.com/office/powerpoint/2010/main" val="1747895639"/>
+        <p14:creationId xmlns:p14="http://schemas.microsoft.com/office/powerpoint/2010/main" val="890677141"/>
       </p:ext>
     </p:extLst>
   </p:cSld>
@@ -4884,10 +5160,10 @@
           <p:cNvPr id="10" name="Rectangle 9">
             <a:extLst>
               <a:ext uri="{FF2B5EF4-FFF2-40B4-BE49-F238E27FC236}">
-                <a16:creationId xmlns="" xmlns:a16="http://schemas.microsoft.com/office/drawing/2014/main" id="{E20EB187-900F-4AF5-813B-101456D9FD39}"/>
+                <a16:creationId xmlns:a16="http://schemas.microsoft.com/office/drawing/2014/main" xmlns="" id="{E20EB187-900F-4AF5-813B-101456D9FD39}"/>
               </a:ext>
               <a:ext uri="{C183D7F6-B498-43B3-948B-1728B52AA6E4}">
-                <adec:decorative xmlns="" xmlns:adec="http://schemas.microsoft.com/office/drawing/2017/decorative" val="1"/>
+                <adec:decorative xmlns:adec="http://schemas.microsoft.com/office/drawing/2017/decorative" xmlns="" val="1"/>
               </a:ext>
             </a:extLst>
           </p:cNvPr>
@@ -4996,9 +5272,10 @@
           <a:p>
             <a:pPr algn="l"/>
             <a:r>
-              <a:rPr lang="en-US" sz="8000" dirty="0"/>
-              <a:t>Introduction to Dynamic Web Content</a:t>
-            </a:r>
+              <a:rPr lang="en-US" sz="8000" dirty="0" smtClean="0"/>
+              <a:t>Single Table SQL</a:t>
+            </a:r>
+            <a:endParaRPr lang="en-US" sz="8000" dirty="0"/>
           </a:p>
         </p:txBody>
       </p:sp>
@@ -5060,10 +5337,10 @@
           <p:cNvPr id="12" name="Straight Connector 11">
             <a:extLst>
               <a:ext uri="{FF2B5EF4-FFF2-40B4-BE49-F238E27FC236}">
-                <a16:creationId xmlns="" xmlns:a16="http://schemas.microsoft.com/office/drawing/2014/main" id="{624D17C8-E9C2-48A4-AA36-D7048A6CCC41}"/>
+                <a16:creationId xmlns:a16="http://schemas.microsoft.com/office/drawing/2014/main" xmlns="" id="{624D17C8-E9C2-48A4-AA36-D7048A6CCC41}"/>
               </a:ext>
               <a:ext uri="{C183D7F6-B498-43B3-948B-1728B52AA6E4}">
-                <adec:decorative xmlns="" xmlns:adec="http://schemas.microsoft.com/office/drawing/2017/decorative" val="1"/>
+                <adec:decorative xmlns:adec="http://schemas.microsoft.com/office/drawing/2017/decorative" xmlns="" val="1"/>
               </a:ext>
             </a:extLst>
           </p:cNvPr>
@@ -5179,7 +5456,7 @@
   <p:cSld>
     <p:spTree>
       <p:nvGrpSpPr>
-        <p:cNvPr id="1" name="Shape 379"/>
+        <p:cNvPr id="1" name=""/>
         <p:cNvGrpSpPr/>
         <p:nvPr/>
       </p:nvGrpSpPr>
@@ -5193,260 +5470,60 @@
       </p:grpSpPr>
       <p:sp>
         <p:nvSpPr>
-          <p:cNvPr id="380" name="Shape 380"/>
-          <p:cNvSpPr txBox="1">
+          <p:cNvPr id="3" name="Title 2"/>
+          <p:cNvSpPr>
             <a:spLocks noGrp="1"/>
           </p:cNvSpPr>
           <p:nvPr>
             <p:ph type="title"/>
           </p:nvPr>
         </p:nvSpPr>
-        <p:spPr>
-          <a:prstGeom prst="rect">
-            <a:avLst/>
-          </a:prstGeom>
-          <a:noFill/>
-          <a:ln>
-            <a:noFill/>
-          </a:ln>
-        </p:spPr>
-        <p:txBody>
-          <a:bodyPr vert="horz" lIns="28567" tIns="28567" rIns="28567" bIns="28567" rtlCol="0" anchor="ctr" anchorCtr="0">
-            <a:noAutofit/>
-          </a:bodyPr>
+        <p:spPr/>
+        <p:txBody>
+          <a:bodyPr/>
           <a:lstStyle/>
           <a:p>
-            <a:pPr algn="ctr">
-              <a:lnSpc>
-                <a:spcPct val="100000"/>
-              </a:lnSpc>
-              <a:spcBef>
-                <a:spcPts val="0"/>
-              </a:spcBef>
-              <a:buClr>
-                <a:srgbClr val="FF7F00"/>
-              </a:buClr>
-              <a:buSzPct val="25000"/>
-            </a:pPr>
-            <a:r>
-              <a:rPr lang="en" sz="5733" dirty="0">
-                <a:solidFill>
-                  <a:srgbClr val="FFD966"/>
-                </a:solidFill>
-                <a:latin typeface="Arial" charset="0"/>
-                <a:ea typeface="Arial" charset="0"/>
-                <a:cs typeface="Arial" charset="0"/>
-                <a:sym typeface="Cabin"/>
-              </a:rPr>
-              <a:t>SQL:</a:t>
-            </a:r>
-            <a:r>
-              <a:rPr lang="en" sz="5733" dirty="0">
-                <a:solidFill>
-                  <a:srgbClr val="FF7F00"/>
-                </a:solidFill>
-                <a:latin typeface="Arial" charset="0"/>
-                <a:ea typeface="Arial" charset="0"/>
-                <a:cs typeface="Arial" charset="0"/>
-                <a:sym typeface="Cabin"/>
-              </a:rPr>
-              <a:t> Insert</a:t>
-            </a:r>
-          </a:p>
-        </p:txBody>
-      </p:sp>
-      <p:sp>
-        <p:nvSpPr>
-          <p:cNvPr id="381" name="Shape 381"/>
-          <p:cNvSpPr txBox="1">
+            <a:r>
+              <a:rPr lang="en-US" dirty="0" smtClean="0"/>
+              <a:t>Lets Make a Database</a:t>
+            </a:r>
+            <a:endParaRPr lang="en-US" dirty="0"/>
+          </a:p>
+        </p:txBody>
+      </p:sp>
+      <p:sp>
+        <p:nvSpPr>
+          <p:cNvPr id="4" name="Text Placeholder 3"/>
+          <p:cNvSpPr>
             <a:spLocks noGrp="1"/>
           </p:cNvSpPr>
           <p:nvPr>
             <p:ph type="body" idx="1"/>
           </p:nvPr>
         </p:nvSpPr>
-        <p:spPr>
-          <a:xfrm>
-            <a:off x="866775" y="1952625"/>
-            <a:ext cx="10449000" cy="1055899"/>
-          </a:xfrm>
-          <a:prstGeom prst="rect">
-            <a:avLst/>
-          </a:prstGeom>
-          <a:noFill/>
-          <a:ln>
-            <a:noFill/>
-          </a:ln>
-        </p:spPr>
-        <p:txBody>
-          <a:bodyPr vert="horz" lIns="28567" tIns="28567" rIns="28567" bIns="28567" rtlCol="0" anchor="t" anchorCtr="0">
-            <a:noAutofit/>
-          </a:bodyPr>
+        <p:spPr/>
+        <p:txBody>
+          <a:bodyPr/>
           <a:lstStyle/>
           <a:p>
-            <a:pPr marL="160863" indent="0">
-              <a:lnSpc>
-                <a:spcPct val="100000"/>
-              </a:lnSpc>
-              <a:spcBef>
-                <a:spcPts val="0"/>
-              </a:spcBef>
-              <a:buClr>
-                <a:schemeClr val="lt1"/>
-              </a:buClr>
-              <a:buSzPct val="175000"/>
-              <a:buNone/>
-            </a:pPr>
-            <a:r>
-              <a:rPr lang="en" sz="2667" dirty="0">
-                <a:solidFill>
-                  <a:schemeClr val="lt1"/>
-                </a:solidFill>
-                <a:latin typeface="Arial" charset="0"/>
-                <a:ea typeface="Arial" charset="0"/>
-                <a:cs typeface="Arial" charset="0"/>
-                <a:sym typeface="Cabin"/>
-              </a:rPr>
-              <a:t>The Insert statement inserts a row into a table</a:t>
-            </a:r>
-          </a:p>
-        </p:txBody>
-      </p:sp>
-      <p:sp>
-        <p:nvSpPr>
-          <p:cNvPr id="382" name="Shape 382"/>
-          <p:cNvSpPr txBox="1"/>
-          <p:nvPr/>
-        </p:nvSpPr>
-        <p:spPr>
-          <a:xfrm>
-            <a:off x="283368" y="4662487"/>
-            <a:ext cx="11799224" cy="552373"/>
-          </a:xfrm>
-          <a:prstGeom prst="rect">
-            <a:avLst/>
-          </a:prstGeom>
-          <a:noFill/>
-          <a:ln>
-            <a:noFill/>
-          </a:ln>
-        </p:spPr>
-        <p:txBody>
-          <a:bodyPr lIns="0" tIns="0" rIns="0" bIns="0" anchor="ctr" anchorCtr="0">
-            <a:noAutofit/>
-          </a:bodyPr>
-          <a:lstStyle/>
-          <a:p>
-            <a:pPr algn="ctr">
-              <a:buClr>
-                <a:srgbClr val="FF7F00"/>
-              </a:buClr>
-              <a:buSzPct val="25000"/>
-            </a:pPr>
-            <a:r>
-              <a:rPr lang="en" sz="2667" dirty="0">
-                <a:solidFill>
-                  <a:srgbClr val="FF7F00"/>
-                </a:solidFill>
-                <a:latin typeface="Arial" charset="0"/>
-                <a:ea typeface="Arial" charset="0"/>
-                <a:cs typeface="Arial" charset="0"/>
-                <a:sym typeface="Cabin"/>
-              </a:rPr>
-              <a:t>INSERT INTO </a:t>
-            </a:r>
-            <a:r>
-              <a:rPr lang="en" sz="2667" dirty="0">
-                <a:solidFill>
-                  <a:srgbClr val="FFFF00"/>
-                </a:solidFill>
-                <a:latin typeface="Arial" charset="0"/>
-                <a:ea typeface="Arial" charset="0"/>
-                <a:cs typeface="Arial" charset="0"/>
-                <a:sym typeface="Cabin"/>
-              </a:rPr>
-              <a:t>Users</a:t>
-            </a:r>
-            <a:r>
-              <a:rPr lang="en" sz="2667" dirty="0">
-                <a:solidFill>
-                  <a:srgbClr val="00FF00"/>
-                </a:solidFill>
-                <a:latin typeface="Arial" charset="0"/>
-                <a:ea typeface="Arial" charset="0"/>
-                <a:cs typeface="Arial" charset="0"/>
-                <a:sym typeface="Cabin"/>
-              </a:rPr>
-              <a:t> (name, email) </a:t>
-            </a:r>
-            <a:r>
-              <a:rPr lang="en" sz="2667" dirty="0">
-                <a:solidFill>
-                  <a:srgbClr val="FF7F00"/>
-                </a:solidFill>
-                <a:latin typeface="Arial" charset="0"/>
-                <a:ea typeface="Arial" charset="0"/>
-                <a:cs typeface="Arial" charset="0"/>
-                <a:sym typeface="Cabin"/>
-              </a:rPr>
-              <a:t>VALUES</a:t>
-            </a:r>
-            <a:r>
-              <a:rPr lang="en" sz="2667" dirty="0">
-                <a:solidFill>
-                  <a:srgbClr val="00FF00"/>
-                </a:solidFill>
-                <a:latin typeface="Arial" charset="0"/>
-                <a:ea typeface="Arial" charset="0"/>
-                <a:cs typeface="Arial" charset="0"/>
-                <a:sym typeface="Cabin"/>
-              </a:rPr>
-              <a:t> ('Kristin', '</a:t>
-            </a:r>
-            <a:r>
-              <a:rPr lang="en" sz="2667" dirty="0" err="1">
-                <a:solidFill>
-                  <a:srgbClr val="00FF00"/>
-                </a:solidFill>
-                <a:latin typeface="Arial" charset="0"/>
-                <a:ea typeface="Arial" charset="0"/>
-                <a:cs typeface="Arial" charset="0"/>
-                <a:sym typeface="Cabin"/>
-              </a:rPr>
-              <a:t>kf@umich.edu</a:t>
-            </a:r>
-            <a:r>
-              <a:rPr lang="en" sz="2667" dirty="0">
-                <a:solidFill>
-                  <a:srgbClr val="00FF00"/>
-                </a:solidFill>
-                <a:latin typeface="Arial" charset="0"/>
-                <a:ea typeface="Arial" charset="0"/>
-                <a:cs typeface="Arial" charset="0"/>
-                <a:sym typeface="Cabin"/>
-              </a:rPr>
-              <a:t>')</a:t>
-            </a:r>
+            <a:r>
+              <a:rPr lang="en-US" dirty="0" smtClean="0"/>
+              <a:t>https://www.dj4e.com/lectures/SQL-01-Basics.txt</a:t>
+            </a:r>
+            <a:endParaRPr lang="en-US" dirty="0"/>
           </a:p>
         </p:txBody>
       </p:sp>
     </p:spTree>
     <p:extLst>
       <p:ext uri="{BB962C8B-B14F-4D97-AF65-F5344CB8AC3E}">
-        <p14:creationId xmlns:p14="http://schemas.microsoft.com/office/powerpoint/2010/main" val="35458694"/>
+        <p14:creationId xmlns:p14="http://schemas.microsoft.com/office/powerpoint/2010/main" val="1726213738"/>
       </p:ext>
     </p:extLst>
   </p:cSld>
   <p:clrMapOvr>
     <a:masterClrMapping/>
   </p:clrMapOvr>
-  <p:timing>
-    <p:tnLst>
-      <p:par>
-        <p:cTn id="1" dur="indefinite" restart="never" nodeType="tmRoot"/>
-      </p:par>
-    </p:tnLst>
-  </p:timing>
 </p:sld>
 </file>
 
@@ -5455,7 +5532,7 @@
   <p:cSld>
     <p:spTree>
       <p:nvGrpSpPr>
-        <p:cNvPr id="1" name="Shape 398"/>
+        <p:cNvPr id="1" name="Shape 354"/>
         <p:cNvGrpSpPr/>
         <p:nvPr/>
       </p:nvGrpSpPr>
@@ -5469,7 +5546,7 @@
       </p:grpSpPr>
       <p:sp>
         <p:nvSpPr>
-          <p:cNvPr id="399" name="Shape 399"/>
+          <p:cNvPr id="355" name="Shape 355"/>
           <p:cNvSpPr txBox="1">
             <a:spLocks noGrp="1"/>
           </p:cNvSpPr>
@@ -5500,7 +5577,7 @@
                 <a:spcPts val="0"/>
               </a:spcBef>
               <a:buClr>
-                <a:srgbClr val="FF7F00"/>
+                <a:srgbClr val="00FF00"/>
               </a:buClr>
               <a:buSzPct val="25000"/>
             </a:pPr>
@@ -5514,37 +5591,21 @@
                 <a:cs typeface="Arial" charset="0"/>
                 <a:sym typeface="Cabin"/>
               </a:rPr>
-              <a:t>SQL:</a:t>
-            </a:r>
-            <a:r>
-              <a:rPr lang="en" sz="5733" dirty="0">
-                <a:solidFill>
-                  <a:srgbClr val="FF7F00"/>
-                </a:solidFill>
-                <a:latin typeface="Arial" charset="0"/>
-                <a:ea typeface="Arial" charset="0"/>
-                <a:cs typeface="Arial" charset="0"/>
-                <a:sym typeface="Cabin"/>
-              </a:rPr>
-              <a:t> Delete</a:t>
-            </a:r>
-          </a:p>
-        </p:txBody>
-      </p:sp>
-      <p:sp>
-        <p:nvSpPr>
-          <p:cNvPr id="400" name="Shape 400"/>
-          <p:cNvSpPr txBox="1">
-            <a:spLocks noGrp="1"/>
-          </p:cNvSpPr>
-          <p:nvPr>
-            <p:ph type="body" idx="1"/>
-          </p:nvPr>
+              <a:t>Start Simple - A Single Table</a:t>
+            </a:r>
+          </a:p>
+        </p:txBody>
+      </p:sp>
+      <p:sp>
+        <p:nvSpPr>
+          <p:cNvPr id="357" name="Shape 357"/>
+          <p:cNvSpPr txBox="1"/>
+          <p:nvPr/>
         </p:nvSpPr>
         <p:spPr>
           <a:xfrm>
-            <a:off x="866775" y="1952625"/>
-            <a:ext cx="10449000" cy="1161728"/>
+            <a:off x="8195624" y="2756127"/>
+            <a:ext cx="3516923" cy="1685076"/>
           </a:xfrm>
           <a:prstGeom prst="rect">
             <a:avLst/>
@@ -5555,149 +5616,703 @@
           </a:ln>
         </p:spPr>
         <p:txBody>
-          <a:bodyPr vert="horz" lIns="28567" tIns="28567" rIns="28567" bIns="28567" rtlCol="0" anchor="t" anchorCtr="0">
+          <a:bodyPr lIns="68567" tIns="34267" rIns="68567" bIns="34267" anchor="t" anchorCtr="0">
             <a:noAutofit/>
           </a:bodyPr>
           <a:lstStyle/>
           <a:p>
-            <a:pPr marL="160863" indent="0">
-              <a:lnSpc>
-                <a:spcPct val="100000"/>
-              </a:lnSpc>
-              <a:spcBef>
-                <a:spcPts val="0"/>
-              </a:spcBef>
+            <a:pPr>
+              <a:buClr>
+                <a:srgbClr val="FF8000"/>
+              </a:buClr>
+              <a:buSzPct val="25000"/>
+            </a:pPr>
+            <a:r>
+              <a:rPr lang="en" sz="2133" b="1" dirty="0">
+                <a:solidFill>
+                  <a:srgbClr val="FF8000"/>
+                </a:solidFill>
+                <a:latin typeface="Courier New"/>
+                <a:ea typeface="Courier New"/>
+                <a:cs typeface="Courier New"/>
+                <a:sym typeface="Courier New"/>
+              </a:rPr>
+              <a:t>CREATE TABLE </a:t>
+            </a:r>
+            <a:r>
+              <a:rPr lang="en" sz="2133" b="1" dirty="0">
+                <a:solidFill>
+                  <a:srgbClr val="FFFF00"/>
+                </a:solidFill>
+                <a:latin typeface="Courier New"/>
+                <a:ea typeface="Courier New"/>
+                <a:cs typeface="Courier New"/>
+                <a:sym typeface="Courier New"/>
+              </a:rPr>
+              <a:t>Users</a:t>
+            </a:r>
+            <a:r>
+              <a:rPr lang="en" sz="2133" b="1" dirty="0">
+                <a:solidFill>
+                  <a:schemeClr val="lt1"/>
+                </a:solidFill>
+                <a:latin typeface="Courier New"/>
+                <a:ea typeface="Courier New"/>
+                <a:cs typeface="Courier New"/>
+                <a:sym typeface="Courier New"/>
+              </a:rPr>
+              <a:t>( </a:t>
+            </a:r>
+          </a:p>
+          <a:p>
+            <a:pPr>
               <a:buClr>
                 <a:schemeClr val="lt1"/>
               </a:buClr>
-              <a:buSzPct val="175000"/>
-              <a:buNone/>
+              <a:buSzPct val="25000"/>
             </a:pPr>
             <a:r>
-              <a:rPr lang="en" sz="2667" dirty="0">
+              <a:rPr lang="en" sz="2133" b="1" dirty="0">
                 <a:solidFill>
                   <a:schemeClr val="lt1"/>
                 </a:solidFill>
-                <a:latin typeface="Arial" charset="0"/>
-                <a:ea typeface="Arial" charset="0"/>
-                <a:cs typeface="Arial" charset="0"/>
-                <a:sym typeface="Cabin"/>
-              </a:rPr>
-              <a:t>Deletes a row in a table based on selection criteria</a:t>
-            </a:r>
-          </a:p>
-        </p:txBody>
-      </p:sp>
-      <p:sp>
-        <p:nvSpPr>
-          <p:cNvPr id="401" name="Shape 401"/>
+                <a:latin typeface="Courier New"/>
+                <a:ea typeface="Courier New"/>
+                <a:cs typeface="Courier New"/>
+                <a:sym typeface="Courier New"/>
+              </a:rPr>
+              <a:t>  name </a:t>
+            </a:r>
+            <a:r>
+              <a:rPr lang="en" sz="2133" b="1" dirty="0">
+                <a:solidFill>
+                  <a:srgbClr val="FF8000"/>
+                </a:solidFill>
+                <a:latin typeface="Courier New"/>
+                <a:ea typeface="Courier New"/>
+                <a:cs typeface="Courier New"/>
+                <a:sym typeface="Courier New"/>
+              </a:rPr>
+              <a:t>VARCHAR</a:t>
+            </a:r>
+            <a:r>
+              <a:rPr lang="en" sz="2133" b="1" dirty="0">
+                <a:solidFill>
+                  <a:srgbClr val="FFFFFF"/>
+                </a:solidFill>
+                <a:latin typeface="Courier New"/>
+                <a:ea typeface="Courier New"/>
+                <a:cs typeface="Courier New"/>
+                <a:sym typeface="Courier New"/>
+              </a:rPr>
+              <a:t>(128), </a:t>
+            </a:r>
+          </a:p>
+          <a:p>
+            <a:pPr>
+              <a:buClr>
+                <a:srgbClr val="FFFFFF"/>
+              </a:buClr>
+              <a:buSzPct val="25000"/>
+            </a:pPr>
+            <a:r>
+              <a:rPr lang="en" sz="2133" b="1" dirty="0">
+                <a:solidFill>
+                  <a:srgbClr val="FFFFFF"/>
+                </a:solidFill>
+                <a:latin typeface="Courier New"/>
+                <a:ea typeface="Courier New"/>
+                <a:cs typeface="Courier New"/>
+                <a:sym typeface="Courier New"/>
+              </a:rPr>
+              <a:t>  email </a:t>
+            </a:r>
+            <a:r>
+              <a:rPr lang="en" sz="2133" b="1" dirty="0">
+                <a:solidFill>
+                  <a:srgbClr val="FF8000"/>
+                </a:solidFill>
+                <a:latin typeface="Courier New"/>
+                <a:ea typeface="Courier New"/>
+                <a:cs typeface="Courier New"/>
+                <a:sym typeface="Courier New"/>
+              </a:rPr>
+              <a:t>VARCHAR</a:t>
+            </a:r>
+            <a:r>
+              <a:rPr lang="en" sz="2133" b="1" dirty="0">
+                <a:solidFill>
+                  <a:srgbClr val="FFFFFF"/>
+                </a:solidFill>
+                <a:latin typeface="Courier New"/>
+                <a:ea typeface="Courier New"/>
+                <a:cs typeface="Courier New"/>
+                <a:sym typeface="Courier New"/>
+              </a:rPr>
+              <a:t>(128)</a:t>
+            </a:r>
+          </a:p>
+          <a:p>
+            <a:pPr>
+              <a:buClr>
+                <a:srgbClr val="FFFFFF"/>
+              </a:buClr>
+              <a:buSzPct val="25000"/>
+            </a:pPr>
+            <a:r>
+              <a:rPr lang="en" sz="2133" b="1" dirty="0">
+                <a:solidFill>
+                  <a:srgbClr val="FFFFFF"/>
+                </a:solidFill>
+                <a:latin typeface="Courier New"/>
+                <a:ea typeface="Courier New"/>
+                <a:cs typeface="Courier New"/>
+                <a:sym typeface="Courier New"/>
+              </a:rPr>
+              <a:t>)</a:t>
+            </a:r>
+          </a:p>
+          <a:p>
+            <a:pPr>
+              <a:buClr>
+                <a:srgbClr val="000000"/>
+              </a:buClr>
+            </a:pPr>
+            <a:endParaRPr sz="2133" b="1" dirty="0">
+              <a:solidFill>
+                <a:srgbClr val="000000"/>
+              </a:solidFill>
+              <a:latin typeface="Arial"/>
+              <a:ea typeface="Arial"/>
+              <a:cs typeface="Arial"/>
+              <a:sym typeface="Arial"/>
+            </a:endParaRPr>
+          </a:p>
+        </p:txBody>
+      </p:sp>
+      <p:sp>
+        <p:nvSpPr>
+          <p:cNvPr id="2" name="TextBox 1"/>
           <p:cNvSpPr txBox="1"/>
           <p:nvPr/>
         </p:nvSpPr>
         <p:spPr>
           <a:xfrm>
-            <a:off x="453787" y="4829175"/>
-            <a:ext cx="11434275" cy="580948"/>
+            <a:off x="1285875" y="1690688"/>
+            <a:ext cx="5902578" cy="4801314"/>
           </a:xfrm>
           <a:prstGeom prst="rect">
             <a:avLst/>
           </a:prstGeom>
           <a:noFill/>
-          <a:ln>
-            <a:noFill/>
-          </a:ln>
         </p:spPr>
         <p:txBody>
-          <a:bodyPr lIns="0" tIns="0" rIns="0" bIns="0" anchor="ctr" anchorCtr="0">
-            <a:noAutofit/>
+          <a:bodyPr wrap="none" rtlCol="0">
+            <a:spAutoFit/>
           </a:bodyPr>
           <a:lstStyle/>
           <a:p>
-            <a:pPr algn="ctr">
-              <a:buClr>
-                <a:srgbClr val="FF7F00"/>
-              </a:buClr>
-              <a:buSzPct val="25000"/>
-            </a:pPr>
-            <a:r>
-              <a:rPr lang="en" sz="3467" dirty="0">
-                <a:solidFill>
-                  <a:srgbClr val="FF7F00"/>
-                </a:solidFill>
-                <a:latin typeface="Arial" charset="0"/>
-                <a:ea typeface="Arial" charset="0"/>
-                <a:cs typeface="Arial" charset="0"/>
-                <a:sym typeface="Cabin"/>
-              </a:rPr>
-              <a:t>DELETE FROM</a:t>
-            </a:r>
-            <a:r>
-              <a:rPr lang="en" sz="3467" dirty="0">
-                <a:solidFill>
-                  <a:srgbClr val="FFFF00"/>
-                </a:solidFill>
-                <a:latin typeface="Arial" charset="0"/>
-                <a:ea typeface="Arial" charset="0"/>
-                <a:cs typeface="Arial" charset="0"/>
-                <a:sym typeface="Cabin"/>
-              </a:rPr>
-              <a:t> Users </a:t>
-            </a:r>
-            <a:r>
-              <a:rPr lang="en" sz="3467" dirty="0">
-                <a:solidFill>
-                  <a:srgbClr val="FF7F00"/>
-                </a:solidFill>
-                <a:latin typeface="Arial" charset="0"/>
-                <a:ea typeface="Arial" charset="0"/>
-                <a:cs typeface="Arial" charset="0"/>
-                <a:sym typeface="Cabin"/>
-              </a:rPr>
-              <a:t>WHERE</a:t>
-            </a:r>
-            <a:r>
-              <a:rPr lang="en" sz="3467" dirty="0">
-                <a:solidFill>
-                  <a:srgbClr val="FFFF00"/>
-                </a:solidFill>
-                <a:latin typeface="Arial" charset="0"/>
-                <a:ea typeface="Arial" charset="0"/>
-                <a:cs typeface="Arial" charset="0"/>
-                <a:sym typeface="Cabin"/>
-              </a:rPr>
-              <a:t> email='</a:t>
-            </a:r>
-            <a:r>
-              <a:rPr lang="en" sz="3467" dirty="0" err="1">
-                <a:solidFill>
-                  <a:srgbClr val="FFFF00"/>
-                </a:solidFill>
-                <a:latin typeface="Arial" charset="0"/>
-                <a:ea typeface="Arial" charset="0"/>
-                <a:cs typeface="Arial" charset="0"/>
-                <a:sym typeface="Cabin"/>
-              </a:rPr>
-              <a:t>ted@umich.edu</a:t>
-            </a:r>
-            <a:r>
-              <a:rPr lang="en" sz="3467" dirty="0">
-                <a:solidFill>
-                  <a:srgbClr val="FFFF00"/>
-                </a:solidFill>
-                <a:latin typeface="Arial" charset="0"/>
-                <a:ea typeface="Arial" charset="0"/>
-                <a:cs typeface="Arial" charset="0"/>
-                <a:sym typeface="Cabin"/>
-              </a:rPr>
-              <a:t>'</a:t>
-            </a:r>
+            <a:r>
+              <a:rPr lang="en-US" b="1" dirty="0">
+                <a:solidFill>
+                  <a:srgbClr val="17B111"/>
+                </a:solidFill>
+                <a:latin typeface="Menlo-Bold" charset="0"/>
+              </a:rPr>
+              <a:t>$ </a:t>
+            </a:r>
+            <a:r>
+              <a:rPr lang="en-US" dirty="0">
+                <a:solidFill>
+                  <a:srgbClr val="C9CEC4"/>
+                </a:solidFill>
+                <a:latin typeface="Menlo-Regular" charset="0"/>
+              </a:rPr>
+              <a:t>sqlite3 zip.sqlite3</a:t>
+            </a:r>
+            <a:endParaRPr lang="en-US" dirty="0">
+              <a:solidFill>
+                <a:srgbClr val="ECECEC"/>
+              </a:solidFill>
+              <a:latin typeface="Menlo-Regular" charset="0"/>
+            </a:endParaRPr>
+          </a:p>
+          <a:p>
+            <a:r>
+              <a:rPr lang="it-IT" dirty="0" err="1">
+                <a:solidFill>
+                  <a:srgbClr val="C9CEC4"/>
+                </a:solidFill>
+                <a:latin typeface="Menlo-Regular" charset="0"/>
+              </a:rPr>
+              <a:t>SQLite</a:t>
+            </a:r>
+            <a:r>
+              <a:rPr lang="it-IT" dirty="0">
+                <a:solidFill>
+                  <a:srgbClr val="C9CEC4"/>
+                </a:solidFill>
+                <a:latin typeface="Menlo-Regular" charset="0"/>
+              </a:rPr>
+              <a:t> </a:t>
+            </a:r>
+            <a:r>
+              <a:rPr lang="it-IT" dirty="0" err="1">
+                <a:solidFill>
+                  <a:srgbClr val="C9CEC4"/>
+                </a:solidFill>
+                <a:latin typeface="Menlo-Regular" charset="0"/>
+              </a:rPr>
+              <a:t>version</a:t>
+            </a:r>
+            <a:r>
+              <a:rPr lang="it-IT" dirty="0">
+                <a:solidFill>
+                  <a:srgbClr val="C9CEC4"/>
+                </a:solidFill>
+                <a:latin typeface="Menlo-Regular" charset="0"/>
+              </a:rPr>
+              <a:t> 3.11.0 2016-02-15 17:29:24</a:t>
+            </a:r>
+            <a:endParaRPr lang="it-IT" dirty="0">
+              <a:solidFill>
+                <a:srgbClr val="ECECEC"/>
+              </a:solidFill>
+              <a:latin typeface="Menlo-Regular" charset="0"/>
+            </a:endParaRPr>
+          </a:p>
+          <a:p>
+            <a:r>
+              <a:rPr lang="it-IT" dirty="0" err="1">
+                <a:solidFill>
+                  <a:srgbClr val="C9CEC4"/>
+                </a:solidFill>
+                <a:latin typeface="Menlo-Regular" charset="0"/>
+              </a:rPr>
+              <a:t>Enter</a:t>
+            </a:r>
+            <a:r>
+              <a:rPr lang="it-IT" dirty="0">
+                <a:solidFill>
+                  <a:srgbClr val="C9CEC4"/>
+                </a:solidFill>
+                <a:latin typeface="Menlo-Regular" charset="0"/>
+              </a:rPr>
+              <a:t> ".help" for </a:t>
+            </a:r>
+            <a:r>
+              <a:rPr lang="it-IT" dirty="0" err="1">
+                <a:solidFill>
+                  <a:srgbClr val="C9CEC4"/>
+                </a:solidFill>
+                <a:latin typeface="Menlo-Regular" charset="0"/>
+              </a:rPr>
+              <a:t>usage</a:t>
+            </a:r>
+            <a:r>
+              <a:rPr lang="it-IT" dirty="0">
+                <a:solidFill>
+                  <a:srgbClr val="C9CEC4"/>
+                </a:solidFill>
+                <a:latin typeface="Menlo-Regular" charset="0"/>
+              </a:rPr>
+              <a:t> </a:t>
+            </a:r>
+            <a:r>
+              <a:rPr lang="it-IT" dirty="0" err="1">
+                <a:solidFill>
+                  <a:srgbClr val="C9CEC4"/>
+                </a:solidFill>
+                <a:latin typeface="Menlo-Regular" charset="0"/>
+              </a:rPr>
+              <a:t>hints</a:t>
+            </a:r>
+            <a:r>
+              <a:rPr lang="it-IT" dirty="0">
+                <a:solidFill>
+                  <a:srgbClr val="C9CEC4"/>
+                </a:solidFill>
+                <a:latin typeface="Menlo-Regular" charset="0"/>
+              </a:rPr>
+              <a:t>.</a:t>
+            </a:r>
+            <a:endParaRPr lang="it-IT" dirty="0">
+              <a:solidFill>
+                <a:srgbClr val="ECECEC"/>
+              </a:solidFill>
+              <a:latin typeface="Menlo-Regular" charset="0"/>
+            </a:endParaRPr>
+          </a:p>
+          <a:p>
+            <a:r>
+              <a:rPr lang="it-IT" dirty="0" err="1">
+                <a:solidFill>
+                  <a:srgbClr val="C9CEC4"/>
+                </a:solidFill>
+                <a:latin typeface="Menlo-Regular" charset="0"/>
+              </a:rPr>
+              <a:t>sqlite</a:t>
+            </a:r>
+            <a:r>
+              <a:rPr lang="it-IT" dirty="0">
+                <a:solidFill>
+                  <a:srgbClr val="C9CEC4"/>
+                </a:solidFill>
+                <a:latin typeface="Menlo-Regular" charset="0"/>
+              </a:rPr>
+              <a:t>&gt; .</a:t>
+            </a:r>
+            <a:r>
+              <a:rPr lang="it-IT" dirty="0" err="1">
+                <a:solidFill>
+                  <a:srgbClr val="C9CEC4"/>
+                </a:solidFill>
+                <a:latin typeface="Menlo-Regular" charset="0"/>
+              </a:rPr>
+              <a:t>tables</a:t>
+            </a:r>
+            <a:endParaRPr lang="it-IT" dirty="0">
+              <a:solidFill>
+                <a:srgbClr val="ECECEC"/>
+              </a:solidFill>
+              <a:latin typeface="Menlo-Regular" charset="0"/>
+            </a:endParaRPr>
+          </a:p>
+          <a:p>
+            <a:r>
+              <a:rPr lang="it-IT" dirty="0" err="1">
+                <a:solidFill>
+                  <a:srgbClr val="C9CEC4"/>
+                </a:solidFill>
+                <a:latin typeface="Menlo-Regular" charset="0"/>
+              </a:rPr>
+              <a:t>sqlite</a:t>
+            </a:r>
+            <a:r>
+              <a:rPr lang="it-IT" dirty="0">
+                <a:solidFill>
+                  <a:srgbClr val="C9CEC4"/>
+                </a:solidFill>
+                <a:latin typeface="Menlo-Regular" charset="0"/>
+              </a:rPr>
+              <a:t>&gt; CREATE TABLE </a:t>
+            </a:r>
+            <a:r>
+              <a:rPr lang="it-IT" dirty="0" err="1">
+                <a:solidFill>
+                  <a:srgbClr val="C9CEC4"/>
+                </a:solidFill>
+                <a:latin typeface="Menlo-Regular" charset="0"/>
+              </a:rPr>
+              <a:t>Users</a:t>
+            </a:r>
+            <a:r>
+              <a:rPr lang="it-IT" dirty="0">
+                <a:solidFill>
+                  <a:srgbClr val="C9CEC4"/>
+                </a:solidFill>
+                <a:latin typeface="Menlo-Regular" charset="0"/>
+              </a:rPr>
+              <a:t>( </a:t>
+            </a:r>
+            <a:endParaRPr lang="it-IT" dirty="0">
+              <a:solidFill>
+                <a:srgbClr val="ECECEC"/>
+              </a:solidFill>
+              <a:latin typeface="Menlo-Regular" charset="0"/>
+            </a:endParaRPr>
+          </a:p>
+          <a:p>
+            <a:r>
+              <a:rPr lang="mr-IN" dirty="0">
+                <a:solidFill>
+                  <a:srgbClr val="C9CEC4"/>
+                </a:solidFill>
+                <a:latin typeface="Menlo-Regular" charset="0"/>
+              </a:rPr>
+              <a:t>   ...&gt;   </a:t>
+            </a:r>
+            <a:r>
+              <a:rPr lang="mr-IN" dirty="0" err="1">
+                <a:solidFill>
+                  <a:srgbClr val="C9CEC4"/>
+                </a:solidFill>
+                <a:latin typeface="Menlo-Regular" charset="0"/>
+              </a:rPr>
+              <a:t>name</a:t>
+            </a:r>
+            <a:r>
+              <a:rPr lang="mr-IN" dirty="0">
+                <a:solidFill>
+                  <a:srgbClr val="C9CEC4"/>
+                </a:solidFill>
+                <a:latin typeface="Menlo-Regular" charset="0"/>
+              </a:rPr>
+              <a:t> VARCHAR(128), </a:t>
+            </a:r>
+            <a:endParaRPr lang="mr-IN" dirty="0">
+              <a:solidFill>
+                <a:srgbClr val="ECECEC"/>
+              </a:solidFill>
+              <a:latin typeface="Menlo-Regular" charset="0"/>
+            </a:endParaRPr>
+          </a:p>
+          <a:p>
+            <a:r>
+              <a:rPr lang="mr-IN" dirty="0">
+                <a:solidFill>
+                  <a:srgbClr val="C9CEC4"/>
+                </a:solidFill>
+                <a:latin typeface="Menlo-Regular" charset="0"/>
+              </a:rPr>
+              <a:t>   ...&gt;   </a:t>
+            </a:r>
+            <a:r>
+              <a:rPr lang="mr-IN" dirty="0" err="1">
+                <a:solidFill>
+                  <a:srgbClr val="C9CEC4"/>
+                </a:solidFill>
+                <a:latin typeface="Menlo-Regular" charset="0"/>
+              </a:rPr>
+              <a:t>email</a:t>
+            </a:r>
+            <a:r>
+              <a:rPr lang="mr-IN" dirty="0">
+                <a:solidFill>
+                  <a:srgbClr val="C9CEC4"/>
+                </a:solidFill>
+                <a:latin typeface="Menlo-Regular" charset="0"/>
+              </a:rPr>
+              <a:t> VARCHAR(128)</a:t>
+            </a:r>
+            <a:endParaRPr lang="mr-IN" dirty="0">
+              <a:solidFill>
+                <a:srgbClr val="ECECEC"/>
+              </a:solidFill>
+              <a:latin typeface="Menlo-Regular" charset="0"/>
+            </a:endParaRPr>
+          </a:p>
+          <a:p>
+            <a:r>
+              <a:rPr lang="mr-IN" dirty="0">
+                <a:solidFill>
+                  <a:srgbClr val="C9CEC4"/>
+                </a:solidFill>
+                <a:latin typeface="Menlo-Regular" charset="0"/>
+              </a:rPr>
+              <a:t>   ...&gt; )</a:t>
+            </a:r>
+            <a:endParaRPr lang="mr-IN" dirty="0">
+              <a:solidFill>
+                <a:srgbClr val="ECECEC"/>
+              </a:solidFill>
+              <a:latin typeface="Menlo-Regular" charset="0"/>
+            </a:endParaRPr>
+          </a:p>
+          <a:p>
+            <a:r>
+              <a:rPr lang="mr-IN" dirty="0">
+                <a:solidFill>
+                  <a:srgbClr val="C9CEC4"/>
+                </a:solidFill>
+                <a:latin typeface="Menlo-Regular" charset="0"/>
+              </a:rPr>
+              <a:t>   ...&gt; ;</a:t>
+            </a:r>
+            <a:endParaRPr lang="mr-IN" dirty="0">
+              <a:solidFill>
+                <a:srgbClr val="ECECEC"/>
+              </a:solidFill>
+              <a:latin typeface="Menlo-Regular" charset="0"/>
+            </a:endParaRPr>
+          </a:p>
+          <a:p>
+            <a:r>
+              <a:rPr lang="en-US" dirty="0" err="1">
+                <a:solidFill>
+                  <a:srgbClr val="C9CEC4"/>
+                </a:solidFill>
+                <a:latin typeface="Menlo-Regular" charset="0"/>
+              </a:rPr>
+              <a:t>sqlite</a:t>
+            </a:r>
+            <a:r>
+              <a:rPr lang="en-US" dirty="0">
+                <a:solidFill>
+                  <a:srgbClr val="C9CEC4"/>
+                </a:solidFill>
+                <a:latin typeface="Menlo-Regular" charset="0"/>
+              </a:rPr>
+              <a:t>&gt; .tables</a:t>
+            </a:r>
+            <a:endParaRPr lang="en-US" dirty="0">
+              <a:solidFill>
+                <a:srgbClr val="ECECEC"/>
+              </a:solidFill>
+              <a:latin typeface="Menlo-Regular" charset="0"/>
+            </a:endParaRPr>
+          </a:p>
+          <a:p>
+            <a:r>
+              <a:rPr lang="en-US" dirty="0">
+                <a:solidFill>
+                  <a:srgbClr val="C9CEC4"/>
+                </a:solidFill>
+                <a:latin typeface="Menlo-Regular" charset="0"/>
+              </a:rPr>
+              <a:t>Users</a:t>
+            </a:r>
+            <a:endParaRPr lang="en-US" dirty="0">
+              <a:solidFill>
+                <a:srgbClr val="ECECEC"/>
+              </a:solidFill>
+              <a:latin typeface="Menlo-Regular" charset="0"/>
+            </a:endParaRPr>
+          </a:p>
+          <a:p>
+            <a:r>
+              <a:rPr lang="en-US" dirty="0" err="1">
+                <a:solidFill>
+                  <a:srgbClr val="C9CEC4"/>
+                </a:solidFill>
+                <a:latin typeface="Menlo-Regular" charset="0"/>
+              </a:rPr>
+              <a:t>sqlite</a:t>
+            </a:r>
+            <a:r>
+              <a:rPr lang="en-US" dirty="0">
+                <a:solidFill>
+                  <a:srgbClr val="C9CEC4"/>
+                </a:solidFill>
+                <a:latin typeface="Menlo-Regular" charset="0"/>
+              </a:rPr>
+              <a:t>&gt; .schema Users</a:t>
+            </a:r>
+            <a:endParaRPr lang="en-US" dirty="0">
+              <a:solidFill>
+                <a:srgbClr val="ECECEC"/>
+              </a:solidFill>
+              <a:latin typeface="Menlo-Regular" charset="0"/>
+            </a:endParaRPr>
+          </a:p>
+          <a:p>
+            <a:r>
+              <a:rPr lang="en-US" dirty="0">
+                <a:solidFill>
+                  <a:srgbClr val="C9CEC4"/>
+                </a:solidFill>
+                <a:latin typeface="Menlo-Regular" charset="0"/>
+              </a:rPr>
+              <a:t>CREATE TABLE Users( </a:t>
+            </a:r>
+            <a:endParaRPr lang="en-US" dirty="0">
+              <a:solidFill>
+                <a:srgbClr val="ECECEC"/>
+              </a:solidFill>
+              <a:latin typeface="Menlo-Regular" charset="0"/>
+            </a:endParaRPr>
+          </a:p>
+          <a:p>
+            <a:r>
+              <a:rPr lang="mr-IN" dirty="0">
+                <a:solidFill>
+                  <a:srgbClr val="C9CEC4"/>
+                </a:solidFill>
+                <a:latin typeface="Menlo-Regular" charset="0"/>
+              </a:rPr>
+              <a:t>  </a:t>
+            </a:r>
+            <a:r>
+              <a:rPr lang="mr-IN" dirty="0" err="1">
+                <a:solidFill>
+                  <a:srgbClr val="C9CEC4"/>
+                </a:solidFill>
+                <a:latin typeface="Menlo-Regular" charset="0"/>
+              </a:rPr>
+              <a:t>name</a:t>
+            </a:r>
+            <a:r>
+              <a:rPr lang="mr-IN" dirty="0">
+                <a:solidFill>
+                  <a:srgbClr val="C9CEC4"/>
+                </a:solidFill>
+                <a:latin typeface="Menlo-Regular" charset="0"/>
+              </a:rPr>
+              <a:t> VARCHAR(128), </a:t>
+            </a:r>
+            <a:endParaRPr lang="mr-IN" dirty="0">
+              <a:solidFill>
+                <a:srgbClr val="ECECEC"/>
+              </a:solidFill>
+              <a:latin typeface="Menlo-Regular" charset="0"/>
+            </a:endParaRPr>
+          </a:p>
+          <a:p>
+            <a:r>
+              <a:rPr lang="en-US" dirty="0">
+                <a:solidFill>
+                  <a:srgbClr val="C9CEC4"/>
+                </a:solidFill>
+                <a:latin typeface="Menlo-Regular" charset="0"/>
+              </a:rPr>
+              <a:t>  email VARCHAR(128)</a:t>
+            </a:r>
+            <a:endParaRPr lang="en-US" dirty="0">
+              <a:solidFill>
+                <a:srgbClr val="ECECEC"/>
+              </a:solidFill>
+              <a:latin typeface="Menlo-Regular" charset="0"/>
+            </a:endParaRPr>
+          </a:p>
+          <a:p>
+            <a:r>
+              <a:rPr lang="mr-IN" dirty="0">
+                <a:solidFill>
+                  <a:srgbClr val="C9CEC4"/>
+                </a:solidFill>
+                <a:latin typeface="Menlo-Regular" charset="0"/>
+              </a:rPr>
+              <a:t>);</a:t>
+            </a:r>
+            <a:endParaRPr lang="mr-IN" dirty="0">
+              <a:solidFill>
+                <a:srgbClr val="ECECEC"/>
+              </a:solidFill>
+              <a:latin typeface="Menlo-Regular" charset="0"/>
+            </a:endParaRPr>
+          </a:p>
+          <a:p>
+            <a:r>
+              <a:rPr lang="en-US" dirty="0" err="1">
+                <a:solidFill>
+                  <a:srgbClr val="C9CEC4"/>
+                </a:solidFill>
+                <a:latin typeface="Menlo-Regular" charset="0"/>
+              </a:rPr>
+              <a:t>sqlite</a:t>
+            </a:r>
+            <a:r>
+              <a:rPr lang="en-US" dirty="0">
+                <a:solidFill>
+                  <a:srgbClr val="C9CEC4"/>
+                </a:solidFill>
+                <a:latin typeface="Menlo-Regular" charset="0"/>
+              </a:rPr>
+              <a:t>&gt; </a:t>
+            </a:r>
+            <a:endParaRPr lang="en-US" dirty="0">
+              <a:solidFill>
+                <a:srgbClr val="ECECEC"/>
+              </a:solidFill>
+              <a:latin typeface="Menlo-Regular" charset="0"/>
+            </a:endParaRPr>
           </a:p>
         </p:txBody>
       </p:sp>
     </p:spTree>
     <p:extLst>
       <p:ext uri="{BB962C8B-B14F-4D97-AF65-F5344CB8AC3E}">
-        <p14:creationId xmlns:p14="http://schemas.microsoft.com/office/powerpoint/2010/main" val="1677849453"/>
+        <p14:creationId xmlns:p14="http://schemas.microsoft.com/office/powerpoint/2010/main" val="158678624"/>
       </p:ext>
     </p:extLst>
   </p:cSld>
@@ -5719,7 +6334,7 @@
   <p:cSld>
     <p:spTree>
       <p:nvGrpSpPr>
-        <p:cNvPr id="1" name="Shape 417"/>
+        <p:cNvPr id="1" name="Shape 379"/>
         <p:cNvGrpSpPr/>
         <p:nvPr/>
       </p:nvGrpSpPr>
@@ -5733,7 +6348,7 @@
       </p:grpSpPr>
       <p:sp>
         <p:nvSpPr>
-          <p:cNvPr id="418" name="Shape 418"/>
+          <p:cNvPr id="380" name="Shape 380"/>
           <p:cNvSpPr txBox="1">
             <a:spLocks noGrp="1"/>
           </p:cNvSpPr>
@@ -5790,14 +6405,14 @@
                 <a:cs typeface="Arial" charset="0"/>
                 <a:sym typeface="Cabin"/>
               </a:rPr>
-              <a:t> Update</a:t>
-            </a:r>
-          </a:p>
-        </p:txBody>
-      </p:sp>
-      <p:sp>
-        <p:nvSpPr>
-          <p:cNvPr id="419" name="Shape 419"/>
+              <a:t> Insert</a:t>
+            </a:r>
+          </a:p>
+        </p:txBody>
+      </p:sp>
+      <p:sp>
+        <p:nvSpPr>
+          <p:cNvPr id="381" name="Shape 381"/>
           <p:cNvSpPr txBox="1">
             <a:spLocks noGrp="1"/>
           </p:cNvSpPr>
@@ -5807,8 +6422,8 @@
         </p:nvSpPr>
         <p:spPr>
           <a:xfrm>
-            <a:off x="866775" y="1952626"/>
-            <a:ext cx="10449000" cy="1116373"/>
+            <a:off x="866775" y="1952625"/>
+            <a:ext cx="10449000" cy="1055899"/>
           </a:xfrm>
           <a:prstGeom prst="rect">
             <a:avLst/>
@@ -5847,21 +6462,21 @@
                 <a:cs typeface="Arial" charset="0"/>
                 <a:sym typeface="Cabin"/>
               </a:rPr>
-              <a:t>Allows the updating of a field with a where clause</a:t>
-            </a:r>
-          </a:p>
-        </p:txBody>
-      </p:sp>
-      <p:sp>
-        <p:nvSpPr>
-          <p:cNvPr id="420" name="Shape 420"/>
+              <a:t>The Insert statement inserts a row into a table</a:t>
+            </a:r>
+          </a:p>
+        </p:txBody>
+      </p:sp>
+      <p:sp>
+        <p:nvSpPr>
+          <p:cNvPr id="382" name="Shape 382"/>
           <p:cNvSpPr txBox="1"/>
           <p:nvPr/>
         </p:nvSpPr>
         <p:spPr>
           <a:xfrm>
-            <a:off x="163724" y="4205652"/>
-            <a:ext cx="11805299" cy="1172307"/>
+            <a:off x="283368" y="4662487"/>
+            <a:ext cx="11799224" cy="552373"/>
           </a:xfrm>
           <a:prstGeom prst="rect">
             <a:avLst/>
@@ -5884,7 +6499,7 @@
               <a:buSzPct val="25000"/>
             </a:pPr>
             <a:r>
-              <a:rPr lang="en" sz="3200" dirty="0">
+              <a:rPr lang="en" sz="2667" dirty="0">
                 <a:solidFill>
                   <a:srgbClr val="FF7F00"/>
                 </a:solidFill>
@@ -5893,10 +6508,10 @@
                 <a:cs typeface="Arial" charset="0"/>
                 <a:sym typeface="Cabin"/>
               </a:rPr>
-              <a:t>UPDATE</a:t>
-            </a:r>
-            <a:r>
-              <a:rPr lang="en" sz="3200" dirty="0">
+              <a:t>INSERT INTO </a:t>
+            </a:r>
+            <a:r>
+              <a:rPr lang="en" sz="2667" dirty="0">
                 <a:solidFill>
                   <a:srgbClr val="FFFF00"/>
                 </a:solidFill>
@@ -5905,79 +6520,67 @@
                 <a:cs typeface="Arial" charset="0"/>
                 <a:sym typeface="Cabin"/>
               </a:rPr>
-              <a:t> Users </a:t>
-            </a:r>
-            <a:r>
-              <a:rPr lang="en" sz="3200" dirty="0">
-                <a:solidFill>
-                  <a:srgbClr val="FF7F00"/>
+              <a:t>Users</a:t>
+            </a:r>
+            <a:r>
+              <a:rPr lang="en" sz="2667" dirty="0">
+                <a:solidFill>
+                  <a:srgbClr val="00FF00"/>
                 </a:solidFill>
                 <a:latin typeface="Arial" charset="0"/>
                 <a:ea typeface="Arial" charset="0"/>
                 <a:cs typeface="Arial" charset="0"/>
                 <a:sym typeface="Cabin"/>
               </a:rPr>
-              <a:t>SET</a:t>
-            </a:r>
-            <a:r>
-              <a:rPr lang="en" sz="3200" dirty="0">
-                <a:solidFill>
-                  <a:srgbClr val="FFFF00"/>
+              <a:t> (name, email) </a:t>
+            </a:r>
+            <a:r>
+              <a:rPr lang="en" sz="2667" dirty="0">
+                <a:solidFill>
+                  <a:srgbClr val="FF7F00"/>
                 </a:solidFill>
                 <a:latin typeface="Arial" charset="0"/>
                 <a:ea typeface="Arial" charset="0"/>
                 <a:cs typeface="Arial" charset="0"/>
                 <a:sym typeface="Cabin"/>
               </a:rPr>
-              <a:t> name='Charles' </a:t>
-            </a:r>
-            <a:r>
-              <a:rPr lang="en" sz="3200" dirty="0">
-                <a:solidFill>
-                  <a:srgbClr val="FF7F00"/>
+              <a:t>VALUES</a:t>
+            </a:r>
+            <a:r>
+              <a:rPr lang="en" sz="2667" dirty="0">
+                <a:solidFill>
+                  <a:srgbClr val="00FF00"/>
                 </a:solidFill>
                 <a:latin typeface="Arial" charset="0"/>
                 <a:ea typeface="Arial" charset="0"/>
                 <a:cs typeface="Arial" charset="0"/>
                 <a:sym typeface="Cabin"/>
               </a:rPr>
-              <a:t>WHERE</a:t>
-            </a:r>
-            <a:r>
-              <a:rPr lang="en" sz="3200" dirty="0">
-                <a:solidFill>
-                  <a:srgbClr val="FFFF00"/>
+              <a:t> ('Kristin', '</a:t>
+            </a:r>
+            <a:r>
+              <a:rPr lang="en" sz="2667" dirty="0" err="1">
+                <a:solidFill>
+                  <a:srgbClr val="00FF00"/>
                 </a:solidFill>
                 <a:latin typeface="Arial" charset="0"/>
                 <a:ea typeface="Arial" charset="0"/>
                 <a:cs typeface="Arial" charset="0"/>
                 <a:sym typeface="Cabin"/>
               </a:rPr>
-              <a:t> email='</a:t>
-            </a:r>
-            <a:r>
-              <a:rPr lang="en" sz="3200" dirty="0" err="1">
-                <a:solidFill>
-                  <a:srgbClr val="FFFF00"/>
+              <a:t>kf@umich.edu</a:t>
+            </a:r>
+            <a:r>
+              <a:rPr lang="en" sz="2667" dirty="0">
+                <a:solidFill>
+                  <a:srgbClr val="00FF00"/>
                 </a:solidFill>
                 <a:latin typeface="Arial" charset="0"/>
                 <a:ea typeface="Arial" charset="0"/>
                 <a:cs typeface="Arial" charset="0"/>
                 <a:sym typeface="Cabin"/>
               </a:rPr>
-              <a:t>csev@umich.edu</a:t>
-            </a:r>
-            <a:r>
-              <a:rPr lang="en" sz="3200" dirty="0">
-                <a:solidFill>
-                  <a:srgbClr val="FFFF00"/>
-                </a:solidFill>
-                <a:latin typeface="Arial" charset="0"/>
-                <a:ea typeface="Arial" charset="0"/>
-                <a:cs typeface="Arial" charset="0"/>
-                <a:sym typeface="Cabin"/>
-              </a:rPr>
-              <a:t>'</a:t>
+              <a:t>')</a:t>
             </a:r>
           </a:p>
         </p:txBody>
@@ -5985,7 +6588,7 @@
     </p:spTree>
     <p:extLst>
       <p:ext uri="{BB962C8B-B14F-4D97-AF65-F5344CB8AC3E}">
-        <p14:creationId xmlns:p14="http://schemas.microsoft.com/office/powerpoint/2010/main" val="775891675"/>
+        <p14:creationId xmlns:p14="http://schemas.microsoft.com/office/powerpoint/2010/main" val="35458694"/>
       </p:ext>
     </p:extLst>
   </p:cSld>
@@ -6007,7 +6610,7 @@
   <p:cSld>
     <p:spTree>
       <p:nvGrpSpPr>
-        <p:cNvPr id="1" name="Shape 436"/>
+        <p:cNvPr id="1" name="Shape 398"/>
         <p:cNvGrpSpPr/>
         <p:nvPr/>
       </p:nvGrpSpPr>
@@ -6021,7 +6624,7 @@
       </p:grpSpPr>
       <p:sp>
         <p:nvSpPr>
-          <p:cNvPr id="437" name="Shape 437"/>
+          <p:cNvPr id="399" name="Shape 399"/>
           <p:cNvSpPr txBox="1">
             <a:spLocks noGrp="1"/>
           </p:cNvSpPr>
@@ -6052,7 +6655,7 @@
                 <a:spcPts val="0"/>
               </a:spcBef>
               <a:buClr>
-                <a:schemeClr val="lt1"/>
+                <a:srgbClr val="FF7F00"/>
               </a:buClr>
               <a:buSzPct val="25000"/>
             </a:pPr>
@@ -6066,38 +6669,26 @@
                 <a:cs typeface="Arial" charset="0"/>
                 <a:sym typeface="Cabin"/>
               </a:rPr>
-              <a:t>Retrieving Records:</a:t>
+              <a:t>SQL:</a:t>
             </a:r>
             <a:r>
               <a:rPr lang="en" sz="5733" dirty="0">
                 <a:solidFill>
-                  <a:schemeClr val="lt1"/>
+                  <a:srgbClr val="FF7F00"/>
                 </a:solidFill>
                 <a:latin typeface="Arial" charset="0"/>
                 <a:ea typeface="Arial" charset="0"/>
                 <a:cs typeface="Arial" charset="0"/>
                 <a:sym typeface="Cabin"/>
               </a:rPr>
-              <a:t> </a:t>
-            </a:r>
-            <a:r>
-              <a:rPr lang="en" sz="5733" dirty="0">
-                <a:solidFill>
-                  <a:srgbClr val="FF7F00"/>
-                </a:solidFill>
-                <a:latin typeface="Arial" charset="0"/>
-                <a:ea typeface="Arial" charset="0"/>
-                <a:cs typeface="Arial" charset="0"/>
-                <a:sym typeface="Cabin"/>
-              </a:rPr>
-              <a:t>Select</a:t>
-            </a:r>
-          </a:p>
-        </p:txBody>
-      </p:sp>
-      <p:sp>
-        <p:nvSpPr>
-          <p:cNvPr id="438" name="Shape 438"/>
+              <a:t> Delete</a:t>
+            </a:r>
+          </a:p>
+        </p:txBody>
+      </p:sp>
+      <p:sp>
+        <p:nvSpPr>
+          <p:cNvPr id="400" name="Shape 400"/>
           <p:cNvSpPr txBox="1">
             <a:spLocks noGrp="1"/>
           </p:cNvSpPr>
@@ -6107,8 +6698,8 @@
         </p:nvSpPr>
         <p:spPr>
           <a:xfrm>
-            <a:off x="866775" y="1904923"/>
-            <a:ext cx="10449000" cy="1542031"/>
+            <a:off x="866775" y="1952625"/>
+            <a:ext cx="10449000" cy="1161728"/>
           </a:xfrm>
           <a:prstGeom prst="rect">
             <a:avLst/>
@@ -6147,21 +6738,21 @@
                 <a:cs typeface="Arial" charset="0"/>
                 <a:sym typeface="Cabin"/>
               </a:rPr>
-              <a:t>The select statement retrieves a group of records - you can either retrieve all the records or a subset of the records with a WHERE clause</a:t>
-            </a:r>
-          </a:p>
-        </p:txBody>
-      </p:sp>
-      <p:sp>
-        <p:nvSpPr>
-          <p:cNvPr id="439" name="Shape 439"/>
+              <a:t>Deletes a row in a table based on selection criteria</a:t>
+            </a:r>
+          </a:p>
+        </p:txBody>
+      </p:sp>
+      <p:sp>
+        <p:nvSpPr>
+          <p:cNvPr id="401" name="Shape 401"/>
           <p:cNvSpPr txBox="1"/>
           <p:nvPr/>
         </p:nvSpPr>
         <p:spPr>
           <a:xfrm>
-            <a:off x="286848" y="4147553"/>
-            <a:ext cx="11381571" cy="600073"/>
+            <a:off x="453787" y="4829175"/>
+            <a:ext cx="11434275" cy="580948"/>
           </a:xfrm>
           <a:prstGeom prst="rect">
             <a:avLst/>
@@ -6184,7 +6775,7 @@
               <a:buSzPct val="25000"/>
             </a:pPr>
             <a:r>
-              <a:rPr lang="en" sz="3333" dirty="0">
+              <a:rPr lang="en" sz="3467" dirty="0">
                 <a:solidFill>
                   <a:srgbClr val="FF7F00"/>
                 </a:solidFill>
@@ -6193,10 +6784,10 @@
                 <a:cs typeface="Arial" charset="0"/>
                 <a:sym typeface="Cabin"/>
               </a:rPr>
-              <a:t>SELECT</a:t>
-            </a:r>
-            <a:r>
-              <a:rPr lang="en" sz="3333" dirty="0">
+              <a:t>DELETE FROM</a:t>
+            </a:r>
+            <a:r>
+              <a:rPr lang="en" sz="3467" dirty="0">
                 <a:solidFill>
                   <a:srgbClr val="FFFF00"/>
                 </a:solidFill>
@@ -6205,10 +6796,10 @@
                 <a:cs typeface="Arial" charset="0"/>
                 <a:sym typeface="Cabin"/>
               </a:rPr>
-              <a:t> * </a:t>
-            </a:r>
-            <a:r>
-              <a:rPr lang="en" sz="3333" dirty="0">
+              <a:t> Users </a:t>
+            </a:r>
+            <a:r>
+              <a:rPr lang="en" sz="3467" dirty="0">
                 <a:solidFill>
                   <a:srgbClr val="FF7F00"/>
                 </a:solidFill>
@@ -6217,10 +6808,10 @@
                 <a:cs typeface="Arial" charset="0"/>
                 <a:sym typeface="Cabin"/>
               </a:rPr>
-              <a:t>FROM</a:t>
-            </a:r>
-            <a:r>
-              <a:rPr lang="en" sz="3333" dirty="0">
+              <a:t>WHERE</a:t>
+            </a:r>
+            <a:r>
+              <a:rPr lang="en" sz="3467" dirty="0">
                 <a:solidFill>
                   <a:srgbClr val="FFFF00"/>
                 </a:solidFill>
@@ -6229,56 +6820,22 @@
                 <a:cs typeface="Arial" charset="0"/>
                 <a:sym typeface="Cabin"/>
               </a:rPr>
-              <a:t> Users</a:t>
-            </a:r>
-          </a:p>
-        </p:txBody>
-      </p:sp>
-      <p:sp>
-        <p:nvSpPr>
-          <p:cNvPr id="440" name="Shape 440"/>
-          <p:cNvSpPr txBox="1"/>
-          <p:nvPr/>
-        </p:nvSpPr>
-        <p:spPr>
-          <a:xfrm>
-            <a:off x="169616" y="5071477"/>
-            <a:ext cx="11894456" cy="600073"/>
-          </a:xfrm>
-          <a:prstGeom prst="rect">
-            <a:avLst/>
-          </a:prstGeom>
-          <a:noFill/>
-          <a:ln>
-            <a:noFill/>
-          </a:ln>
-        </p:spPr>
-        <p:txBody>
-          <a:bodyPr lIns="0" tIns="0" rIns="0" bIns="0" anchor="ctr" anchorCtr="0">
-            <a:noAutofit/>
-          </a:bodyPr>
-          <a:lstStyle/>
-          <a:p>
-            <a:pPr algn="ctr">
-              <a:buClr>
-                <a:srgbClr val="FF7F00"/>
-              </a:buClr>
-              <a:buSzPct val="25000"/>
-            </a:pPr>
-            <a:r>
-              <a:rPr lang="en" sz="3333" dirty="0">
-                <a:solidFill>
-                  <a:srgbClr val="FF7F00"/>
+              <a:t> email='</a:t>
+            </a:r>
+            <a:r>
+              <a:rPr lang="en" sz="3467" dirty="0" err="1">
+                <a:solidFill>
+                  <a:srgbClr val="FFFF00"/>
                 </a:solidFill>
                 <a:latin typeface="Arial" charset="0"/>
                 <a:ea typeface="Arial" charset="0"/>
                 <a:cs typeface="Arial" charset="0"/>
                 <a:sym typeface="Cabin"/>
               </a:rPr>
-              <a:t>SELECT</a:t>
-            </a:r>
-            <a:r>
-              <a:rPr lang="en" sz="3333" dirty="0">
+              <a:t>ted@umich.edu</a:t>
+            </a:r>
+            <a:r>
+              <a:rPr lang="en" sz="3467" dirty="0">
                 <a:solidFill>
                   <a:srgbClr val="FFFF00"/>
                 </a:solidFill>
@@ -6287,78 +6844,6 @@
                 <a:cs typeface="Arial" charset="0"/>
                 <a:sym typeface="Cabin"/>
               </a:rPr>
-              <a:t> * </a:t>
-            </a:r>
-            <a:r>
-              <a:rPr lang="en" sz="3333" dirty="0">
-                <a:solidFill>
-                  <a:srgbClr val="FF7F00"/>
-                </a:solidFill>
-                <a:latin typeface="Arial" charset="0"/>
-                <a:ea typeface="Arial" charset="0"/>
-                <a:cs typeface="Arial" charset="0"/>
-                <a:sym typeface="Cabin"/>
-              </a:rPr>
-              <a:t>FROM</a:t>
-            </a:r>
-            <a:r>
-              <a:rPr lang="en" sz="3333" dirty="0">
-                <a:solidFill>
-                  <a:srgbClr val="FFFF00"/>
-                </a:solidFill>
-                <a:latin typeface="Arial" charset="0"/>
-                <a:ea typeface="Arial" charset="0"/>
-                <a:cs typeface="Arial" charset="0"/>
-                <a:sym typeface="Cabin"/>
-              </a:rPr>
-              <a:t> Users </a:t>
-            </a:r>
-            <a:r>
-              <a:rPr lang="en" sz="3333" dirty="0">
-                <a:solidFill>
-                  <a:srgbClr val="FF7F00"/>
-                </a:solidFill>
-                <a:latin typeface="Arial" charset="0"/>
-                <a:ea typeface="Arial" charset="0"/>
-                <a:cs typeface="Arial" charset="0"/>
-                <a:sym typeface="Cabin"/>
-              </a:rPr>
-              <a:t>WHERE</a:t>
-            </a:r>
-            <a:r>
-              <a:rPr lang="en" sz="3333" dirty="0">
-                <a:solidFill>
-                  <a:srgbClr val="FFFF00"/>
-                </a:solidFill>
-                <a:latin typeface="Arial" charset="0"/>
-                <a:ea typeface="Arial" charset="0"/>
-                <a:cs typeface="Arial" charset="0"/>
-                <a:sym typeface="Cabin"/>
-              </a:rPr>
-              <a:t> email='</a:t>
-            </a:r>
-            <a:r>
-              <a:rPr lang="en" sz="3333" dirty="0" err="1">
-                <a:solidFill>
-                  <a:srgbClr val="FFFF00"/>
-                </a:solidFill>
-                <a:latin typeface="Arial" charset="0"/>
-                <a:ea typeface="Arial" charset="0"/>
-                <a:cs typeface="Arial" charset="0"/>
-                <a:sym typeface="Cabin"/>
-              </a:rPr>
-              <a:t>csev@umich.edu</a:t>
-            </a:r>
-            <a:r>
-              <a:rPr lang="en" sz="3333" dirty="0">
-                <a:solidFill>
-                  <a:srgbClr val="FFFF00"/>
-                </a:solidFill>
-                <a:latin typeface="Arial" charset="0"/>
-                <a:ea typeface="Arial" charset="0"/>
-                <a:cs typeface="Arial" charset="0"/>
-                <a:sym typeface="Cabin"/>
-              </a:rPr>
               <a:t>'</a:t>
             </a:r>
           </a:p>
@@ -6367,7 +6852,7 @@
     </p:spTree>
     <p:extLst>
       <p:ext uri="{BB962C8B-B14F-4D97-AF65-F5344CB8AC3E}">
-        <p14:creationId xmlns:p14="http://schemas.microsoft.com/office/powerpoint/2010/main" val="735310811"/>
+        <p14:creationId xmlns:p14="http://schemas.microsoft.com/office/powerpoint/2010/main" val="1677849453"/>
       </p:ext>
     </p:extLst>
   </p:cSld>
@@ -6389,7 +6874,7 @@
   <p:cSld>
     <p:spTree>
       <p:nvGrpSpPr>
-        <p:cNvPr id="1" name="Shape 454"/>
+        <p:cNvPr id="1" name="Shape 417"/>
         <p:cNvGrpSpPr/>
         <p:nvPr/>
       </p:nvGrpSpPr>
@@ -6403,7 +6888,7 @@
       </p:grpSpPr>
       <p:sp>
         <p:nvSpPr>
-          <p:cNvPr id="455" name="Shape 455"/>
+          <p:cNvPr id="418" name="Shape 418"/>
           <p:cNvSpPr txBox="1">
             <a:spLocks noGrp="1"/>
           </p:cNvSpPr>
@@ -6448,7 +6933,7 @@
                 <a:cs typeface="Arial" charset="0"/>
                 <a:sym typeface="Cabin"/>
               </a:rPr>
-              <a:t>Sorting with</a:t>
+              <a:t>SQL:</a:t>
             </a:r>
             <a:r>
               <a:rPr lang="en" sz="5733" dirty="0">
@@ -6460,14 +6945,14 @@
                 <a:cs typeface="Arial" charset="0"/>
                 <a:sym typeface="Cabin"/>
               </a:rPr>
-              <a:t> ORDER BY</a:t>
-            </a:r>
-          </a:p>
-        </p:txBody>
-      </p:sp>
-      <p:sp>
-        <p:nvSpPr>
-          <p:cNvPr id="456" name="Shape 456"/>
+              <a:t> Update</a:t>
+            </a:r>
+          </a:p>
+        </p:txBody>
+      </p:sp>
+      <p:sp>
+        <p:nvSpPr>
+          <p:cNvPr id="419" name="Shape 419"/>
           <p:cNvSpPr txBox="1">
             <a:spLocks noGrp="1"/>
           </p:cNvSpPr>
@@ -6477,8 +6962,8 @@
         </p:nvSpPr>
         <p:spPr>
           <a:xfrm>
-            <a:off x="866775" y="1952625"/>
-            <a:ext cx="10449000" cy="1358265"/>
+            <a:off x="866775" y="1952626"/>
+            <a:ext cx="10449000" cy="1116373"/>
           </a:xfrm>
           <a:prstGeom prst="rect">
             <a:avLst/>
@@ -6517,69 +7002,21 @@
                 <a:cs typeface="Arial" charset="0"/>
                 <a:sym typeface="Cabin"/>
               </a:rPr>
-              <a:t>You can add an </a:t>
-            </a:r>
-            <a:r>
-              <a:rPr lang="en" sz="2667" dirty="0">
-                <a:solidFill>
-                  <a:srgbClr val="FF7F00"/>
-                </a:solidFill>
-                <a:latin typeface="Arial" charset="0"/>
-                <a:ea typeface="Arial" charset="0"/>
-                <a:cs typeface="Arial" charset="0"/>
-                <a:sym typeface="Cabin"/>
-              </a:rPr>
-              <a:t>ORDER BY </a:t>
-            </a:r>
-            <a:r>
-              <a:rPr lang="en" sz="2667" dirty="0">
-                <a:solidFill>
-                  <a:schemeClr val="lt1"/>
-                </a:solidFill>
-                <a:latin typeface="Arial" charset="0"/>
-                <a:ea typeface="Arial" charset="0"/>
-                <a:cs typeface="Arial" charset="0"/>
-                <a:sym typeface="Cabin"/>
-              </a:rPr>
-              <a:t>clause to </a:t>
-            </a:r>
-            <a:r>
-              <a:rPr lang="en" sz="2667" dirty="0">
-                <a:solidFill>
-                  <a:srgbClr val="FF7F00"/>
-                </a:solidFill>
-                <a:latin typeface="Arial" charset="0"/>
-                <a:ea typeface="Arial" charset="0"/>
-                <a:cs typeface="Arial" charset="0"/>
-                <a:sym typeface="Cabin"/>
-              </a:rPr>
-              <a:t>SELECT</a:t>
-            </a:r>
-            <a:r>
-              <a:rPr lang="en" sz="2667" dirty="0">
-                <a:solidFill>
-                  <a:schemeClr val="lt1"/>
-                </a:solidFill>
-                <a:latin typeface="Arial" charset="0"/>
-                <a:ea typeface="Arial" charset="0"/>
-                <a:cs typeface="Arial" charset="0"/>
-                <a:sym typeface="Cabin"/>
-              </a:rPr>
-              <a:t> statements to get the results sorted in ascending or descending order</a:t>
-            </a:r>
-          </a:p>
-        </p:txBody>
-      </p:sp>
-      <p:sp>
-        <p:nvSpPr>
-          <p:cNvPr id="457" name="Shape 457"/>
+              <a:t>Allows the updating of a field with a where clause</a:t>
+            </a:r>
+          </a:p>
+        </p:txBody>
+      </p:sp>
+      <p:sp>
+        <p:nvSpPr>
+          <p:cNvPr id="420" name="Shape 420"/>
           <p:cNvSpPr txBox="1"/>
           <p:nvPr/>
         </p:nvSpPr>
         <p:spPr>
           <a:xfrm>
-            <a:off x="395653" y="4429124"/>
-            <a:ext cx="11473963" cy="561973"/>
+            <a:off x="163724" y="4205652"/>
+            <a:ext cx="11805299" cy="1172307"/>
           </a:xfrm>
           <a:prstGeom prst="rect">
             <a:avLst/>
@@ -6602,7 +7039,7 @@
               <a:buSzPct val="25000"/>
             </a:pPr>
             <a:r>
-              <a:rPr lang="en" sz="3333" dirty="0">
+              <a:rPr lang="en" sz="3200" dirty="0">
                 <a:solidFill>
                   <a:srgbClr val="FF7F00"/>
                 </a:solidFill>
@@ -6611,46 +7048,46 @@
                 <a:cs typeface="Arial" charset="0"/>
                 <a:sym typeface="Cabin"/>
               </a:rPr>
-              <a:t>SELECT</a:t>
-            </a:r>
-            <a:r>
-              <a:rPr lang="en" sz="3333" dirty="0">
-                <a:solidFill>
-                  <a:schemeClr val="lt1"/>
+              <a:t>UPDATE</a:t>
+            </a:r>
+            <a:r>
+              <a:rPr lang="en" sz="3200" dirty="0">
+                <a:solidFill>
+                  <a:srgbClr val="FFFF00"/>
                 </a:solidFill>
                 <a:latin typeface="Arial" charset="0"/>
                 <a:ea typeface="Arial" charset="0"/>
                 <a:cs typeface="Arial" charset="0"/>
                 <a:sym typeface="Cabin"/>
               </a:rPr>
-              <a:t> </a:t>
-            </a:r>
-            <a:r>
-              <a:rPr lang="en" sz="3333" dirty="0">
-                <a:solidFill>
-                  <a:srgbClr val="FFFF00"/>
+              <a:t> Users </a:t>
+            </a:r>
+            <a:r>
+              <a:rPr lang="en" sz="3200" dirty="0">
+                <a:solidFill>
+                  <a:srgbClr val="FF7F00"/>
                 </a:solidFill>
                 <a:latin typeface="Arial" charset="0"/>
                 <a:ea typeface="Arial" charset="0"/>
                 <a:cs typeface="Arial" charset="0"/>
                 <a:sym typeface="Cabin"/>
               </a:rPr>
-              <a:t>*</a:t>
-            </a:r>
-            <a:r>
-              <a:rPr lang="en" sz="3333" dirty="0">
-                <a:solidFill>
-                  <a:schemeClr val="lt1"/>
+              <a:t>SET</a:t>
+            </a:r>
+            <a:r>
+              <a:rPr lang="en" sz="3200" dirty="0">
+                <a:solidFill>
+                  <a:srgbClr val="FFFF00"/>
                 </a:solidFill>
                 <a:latin typeface="Arial" charset="0"/>
                 <a:ea typeface="Arial" charset="0"/>
                 <a:cs typeface="Arial" charset="0"/>
                 <a:sym typeface="Cabin"/>
               </a:rPr>
-              <a:t> </a:t>
-            </a:r>
-            <a:r>
-              <a:rPr lang="en" sz="3333" dirty="0">
+              <a:t> name='Charles' </a:t>
+            </a:r>
+            <a:r>
+              <a:rPr lang="en" sz="3200" dirty="0">
                 <a:solidFill>
                   <a:srgbClr val="FF7F00"/>
                 </a:solidFill>
@@ -6659,22 +7096,22 @@
                 <a:cs typeface="Arial" charset="0"/>
                 <a:sym typeface="Cabin"/>
               </a:rPr>
-              <a:t>FROM</a:t>
-            </a:r>
-            <a:r>
-              <a:rPr lang="en" sz="3333" dirty="0">
-                <a:solidFill>
-                  <a:schemeClr val="lt1"/>
+              <a:t>WHERE</a:t>
+            </a:r>
+            <a:r>
+              <a:rPr lang="en" sz="3200" dirty="0">
+                <a:solidFill>
+                  <a:srgbClr val="FFFF00"/>
                 </a:solidFill>
                 <a:latin typeface="Arial" charset="0"/>
                 <a:ea typeface="Arial" charset="0"/>
                 <a:cs typeface="Arial" charset="0"/>
                 <a:sym typeface="Cabin"/>
               </a:rPr>
-              <a:t> </a:t>
-            </a:r>
-            <a:r>
-              <a:rPr lang="en" sz="3333" dirty="0">
+              <a:t> email='</a:t>
+            </a:r>
+            <a:r>
+              <a:rPr lang="en" sz="3200" dirty="0" err="1">
                 <a:solidFill>
                   <a:srgbClr val="FFFF00"/>
                 </a:solidFill>
@@ -6683,262 +7120,27 @@
                 <a:cs typeface="Arial" charset="0"/>
                 <a:sym typeface="Cabin"/>
               </a:rPr>
-              <a:t>Users</a:t>
-            </a:r>
-            <a:r>
-              <a:rPr lang="en" sz="3333" dirty="0">
-                <a:solidFill>
-                  <a:schemeClr val="lt1"/>
+              <a:t>csev@umich.edu</a:t>
+            </a:r>
+            <a:r>
+              <a:rPr lang="en" sz="3200" dirty="0">
+                <a:solidFill>
+                  <a:srgbClr val="FFFF00"/>
                 </a:solidFill>
                 <a:latin typeface="Arial" charset="0"/>
                 <a:ea typeface="Arial" charset="0"/>
                 <a:cs typeface="Arial" charset="0"/>
                 <a:sym typeface="Cabin"/>
               </a:rPr>
-              <a:t> </a:t>
-            </a:r>
-            <a:r>
-              <a:rPr lang="en" sz="3333" dirty="0">
-                <a:solidFill>
-                  <a:srgbClr val="FF7F00"/>
-                </a:solidFill>
-                <a:latin typeface="Arial" charset="0"/>
-                <a:ea typeface="Arial" charset="0"/>
-                <a:cs typeface="Arial" charset="0"/>
-                <a:sym typeface="Cabin"/>
-              </a:rPr>
-              <a:t>ORDER BY</a:t>
-            </a:r>
-            <a:r>
-              <a:rPr lang="en" sz="3333" dirty="0">
-                <a:solidFill>
-                  <a:schemeClr val="lt1"/>
-                </a:solidFill>
-                <a:latin typeface="Arial" charset="0"/>
-                <a:ea typeface="Arial" charset="0"/>
-                <a:cs typeface="Arial" charset="0"/>
-                <a:sym typeface="Cabin"/>
-              </a:rPr>
-              <a:t> </a:t>
-            </a:r>
-            <a:r>
-              <a:rPr lang="en" sz="3333" dirty="0">
-                <a:solidFill>
-                  <a:srgbClr val="FFFF00"/>
-                </a:solidFill>
-                <a:latin typeface="Arial" charset="0"/>
-                <a:ea typeface="Arial" charset="0"/>
-                <a:cs typeface="Arial" charset="0"/>
-                <a:sym typeface="Cabin"/>
-              </a:rPr>
-              <a:t>email</a:t>
-            </a:r>
-          </a:p>
-        </p:txBody>
-      </p:sp>
-      <p:sp>
-        <p:nvSpPr>
-          <p:cNvPr id="458" name="Shape 458"/>
-          <p:cNvSpPr txBox="1"/>
-          <p:nvPr/>
-        </p:nvSpPr>
-        <p:spPr>
-          <a:xfrm>
-            <a:off x="146539" y="5314950"/>
-            <a:ext cx="11620499" cy="561973"/>
-          </a:xfrm>
-          <a:prstGeom prst="rect">
-            <a:avLst/>
-          </a:prstGeom>
-          <a:noFill/>
-          <a:ln>
-            <a:noFill/>
-          </a:ln>
-        </p:spPr>
-        <p:txBody>
-          <a:bodyPr lIns="0" tIns="0" rIns="0" bIns="0" anchor="ctr" anchorCtr="0">
-            <a:noAutofit/>
-          </a:bodyPr>
-          <a:lstStyle/>
-          <a:p>
-            <a:pPr lvl="0" algn="ctr">
-              <a:buClr>
-                <a:srgbClr val="FF7F00"/>
-              </a:buClr>
-              <a:buSzPct val="25000"/>
-            </a:pPr>
-            <a:r>
-              <a:rPr lang="en" sz="3333" dirty="0">
-                <a:solidFill>
-                  <a:srgbClr val="FF7F00"/>
-                </a:solidFill>
-                <a:latin typeface="Arial" charset="0"/>
-                <a:ea typeface="Arial" charset="0"/>
-                <a:cs typeface="Arial" charset="0"/>
-                <a:sym typeface="Cabin"/>
-              </a:rPr>
-              <a:t>SELECT</a:t>
-            </a:r>
-            <a:r>
-              <a:rPr lang="en" sz="3333" dirty="0">
-                <a:solidFill>
-                  <a:schemeClr val="lt1"/>
-                </a:solidFill>
-                <a:latin typeface="Arial" charset="0"/>
-                <a:ea typeface="Arial" charset="0"/>
-                <a:cs typeface="Arial" charset="0"/>
-                <a:sym typeface="Cabin"/>
-              </a:rPr>
-              <a:t> </a:t>
-            </a:r>
-            <a:r>
-              <a:rPr lang="en" sz="3333" dirty="0">
-                <a:solidFill>
-                  <a:srgbClr val="FFFF00"/>
-                </a:solidFill>
-                <a:latin typeface="Arial" charset="0"/>
-                <a:ea typeface="Arial" charset="0"/>
-                <a:cs typeface="Arial" charset="0"/>
-                <a:sym typeface="Cabin"/>
-              </a:rPr>
-              <a:t>*</a:t>
-            </a:r>
-            <a:r>
-              <a:rPr lang="en" sz="3333" dirty="0">
-                <a:solidFill>
-                  <a:schemeClr val="lt1"/>
-                </a:solidFill>
-                <a:latin typeface="Arial" charset="0"/>
-                <a:ea typeface="Arial" charset="0"/>
-                <a:cs typeface="Arial" charset="0"/>
-                <a:sym typeface="Cabin"/>
-              </a:rPr>
-              <a:t> </a:t>
-            </a:r>
-            <a:r>
-              <a:rPr lang="en" sz="3333" dirty="0">
-                <a:solidFill>
-                  <a:srgbClr val="FF7F00"/>
-                </a:solidFill>
-                <a:latin typeface="Arial" charset="0"/>
-                <a:ea typeface="Arial" charset="0"/>
-                <a:cs typeface="Arial" charset="0"/>
-                <a:sym typeface="Cabin"/>
-              </a:rPr>
-              <a:t>FROM</a:t>
-            </a:r>
-            <a:r>
-              <a:rPr lang="en" sz="3333" dirty="0">
-                <a:solidFill>
-                  <a:schemeClr val="lt1"/>
-                </a:solidFill>
-                <a:latin typeface="Arial" charset="0"/>
-                <a:ea typeface="Arial" charset="0"/>
-                <a:cs typeface="Arial" charset="0"/>
-                <a:sym typeface="Cabin"/>
-              </a:rPr>
-              <a:t> </a:t>
-            </a:r>
-            <a:r>
-              <a:rPr lang="en" sz="3333" dirty="0">
-                <a:solidFill>
-                  <a:srgbClr val="FFFF00"/>
-                </a:solidFill>
-                <a:latin typeface="Arial" charset="0"/>
-                <a:ea typeface="Arial" charset="0"/>
-                <a:cs typeface="Arial" charset="0"/>
-                <a:sym typeface="Cabin"/>
-              </a:rPr>
-              <a:t>Users</a:t>
-            </a:r>
-            <a:r>
-              <a:rPr lang="en" sz="3333" dirty="0">
-                <a:solidFill>
-                  <a:schemeClr val="lt1"/>
-                </a:solidFill>
-                <a:latin typeface="Arial" charset="0"/>
-                <a:ea typeface="Arial" charset="0"/>
-                <a:cs typeface="Arial" charset="0"/>
-                <a:sym typeface="Cabin"/>
-              </a:rPr>
-              <a:t> </a:t>
-            </a:r>
-            <a:r>
-              <a:rPr lang="en" sz="3333" dirty="0">
-                <a:solidFill>
-                  <a:srgbClr val="FF7F00"/>
-                </a:solidFill>
-                <a:latin typeface="Arial" charset="0"/>
-                <a:ea typeface="Arial" charset="0"/>
-                <a:cs typeface="Arial" charset="0"/>
-                <a:sym typeface="Cabin"/>
-              </a:rPr>
-              <a:t>ORDER BY</a:t>
-            </a:r>
-            <a:r>
-              <a:rPr lang="en" sz="3333" dirty="0">
-                <a:solidFill>
-                  <a:schemeClr val="lt1"/>
-                </a:solidFill>
-                <a:latin typeface="Arial" charset="0"/>
-                <a:ea typeface="Arial" charset="0"/>
-                <a:cs typeface="Arial" charset="0"/>
-                <a:sym typeface="Cabin"/>
-              </a:rPr>
-              <a:t> </a:t>
-            </a:r>
-            <a:r>
-              <a:rPr lang="en" sz="3333" dirty="0">
-                <a:solidFill>
-                  <a:srgbClr val="FFFF00"/>
-                </a:solidFill>
-                <a:latin typeface="Arial" charset="0"/>
-                <a:ea typeface="Arial" charset="0"/>
-                <a:cs typeface="Arial" charset="0"/>
-                <a:sym typeface="Cabin"/>
-              </a:rPr>
-              <a:t>name</a:t>
-            </a:r>
-            <a:r>
-              <a:rPr lang="en-US" sz="3333">
-                <a:solidFill>
-                  <a:srgbClr val="FFFF00"/>
-                </a:solidFill>
-                <a:latin typeface="Arial" charset="0"/>
-                <a:ea typeface="Arial" charset="0"/>
-                <a:cs typeface="Arial" charset="0"/>
-                <a:sym typeface="Cabin"/>
-              </a:rPr>
-              <a:t> </a:t>
-            </a:r>
-            <a:r>
-              <a:rPr lang="en-US" sz="3333">
-                <a:solidFill>
-                  <a:srgbClr val="FF7F00"/>
-                </a:solidFill>
-                <a:latin typeface="Arial" charset="0"/>
-                <a:ea typeface="Arial" charset="0"/>
-                <a:cs typeface="Arial" charset="0"/>
-                <a:sym typeface="Cabin"/>
-              </a:rPr>
-              <a:t>DESC</a:t>
-            </a:r>
-            <a:endParaRPr lang="en" sz="3333" dirty="0">
-              <a:solidFill>
-                <a:srgbClr val="FFFF00"/>
-              </a:solidFill>
-              <a:latin typeface="Arial" charset="0"/>
-              <a:ea typeface="Arial" charset="0"/>
-              <a:cs typeface="Arial" charset="0"/>
-              <a:sym typeface="Cabin"/>
-            </a:endParaRPr>
+              <a:t>'</a:t>
+            </a:r>
           </a:p>
         </p:txBody>
       </p:sp>
     </p:spTree>
     <p:extLst>
       <p:ext uri="{BB962C8B-B14F-4D97-AF65-F5344CB8AC3E}">
-        <p14:creationId xmlns:p14="http://schemas.microsoft.com/office/powerpoint/2010/main" val="1332682851"/>
+        <p14:creationId xmlns:p14="http://schemas.microsoft.com/office/powerpoint/2010/main" val="775891675"/>
       </p:ext>
     </p:extLst>
   </p:cSld>
@@ -6960,6 +7162,959 @@
   <p:cSld>
     <p:spTree>
       <p:nvGrpSpPr>
+        <p:cNvPr id="1" name="Shape 436"/>
+        <p:cNvGrpSpPr/>
+        <p:nvPr/>
+      </p:nvGrpSpPr>
+      <p:grpSpPr>
+        <a:xfrm>
+          <a:off x="0" y="0"/>
+          <a:ext cx="0" cy="0"/>
+          <a:chOff x="0" y="0"/>
+          <a:chExt cx="0" cy="0"/>
+        </a:xfrm>
+      </p:grpSpPr>
+      <p:sp>
+        <p:nvSpPr>
+          <p:cNvPr id="437" name="Shape 437"/>
+          <p:cNvSpPr txBox="1">
+            <a:spLocks noGrp="1"/>
+          </p:cNvSpPr>
+          <p:nvPr>
+            <p:ph type="title"/>
+          </p:nvPr>
+        </p:nvSpPr>
+        <p:spPr>
+          <a:prstGeom prst="rect">
+            <a:avLst/>
+          </a:prstGeom>
+          <a:noFill/>
+          <a:ln>
+            <a:noFill/>
+          </a:ln>
+        </p:spPr>
+        <p:txBody>
+          <a:bodyPr vert="horz" lIns="28567" tIns="28567" rIns="28567" bIns="28567" rtlCol="0" anchor="ctr" anchorCtr="0">
+            <a:noAutofit/>
+          </a:bodyPr>
+          <a:lstStyle/>
+          <a:p>
+            <a:pPr algn="ctr">
+              <a:lnSpc>
+                <a:spcPct val="100000"/>
+              </a:lnSpc>
+              <a:spcBef>
+                <a:spcPts val="0"/>
+              </a:spcBef>
+              <a:buClr>
+                <a:schemeClr val="lt1"/>
+              </a:buClr>
+              <a:buSzPct val="25000"/>
+            </a:pPr>
+            <a:r>
+              <a:rPr lang="en" sz="5733" dirty="0">
+                <a:solidFill>
+                  <a:srgbClr val="FFD966"/>
+                </a:solidFill>
+                <a:latin typeface="Arial" charset="0"/>
+                <a:ea typeface="Arial" charset="0"/>
+                <a:cs typeface="Arial" charset="0"/>
+                <a:sym typeface="Cabin"/>
+              </a:rPr>
+              <a:t>Retrieving Records:</a:t>
+            </a:r>
+            <a:r>
+              <a:rPr lang="en" sz="5733" dirty="0">
+                <a:solidFill>
+                  <a:schemeClr val="lt1"/>
+                </a:solidFill>
+                <a:latin typeface="Arial" charset="0"/>
+                <a:ea typeface="Arial" charset="0"/>
+                <a:cs typeface="Arial" charset="0"/>
+                <a:sym typeface="Cabin"/>
+              </a:rPr>
+              <a:t> </a:t>
+            </a:r>
+            <a:r>
+              <a:rPr lang="en" sz="5733" dirty="0">
+                <a:solidFill>
+                  <a:srgbClr val="FF7F00"/>
+                </a:solidFill>
+                <a:latin typeface="Arial" charset="0"/>
+                <a:ea typeface="Arial" charset="0"/>
+                <a:cs typeface="Arial" charset="0"/>
+                <a:sym typeface="Cabin"/>
+              </a:rPr>
+              <a:t>Select</a:t>
+            </a:r>
+          </a:p>
+        </p:txBody>
+      </p:sp>
+      <p:sp>
+        <p:nvSpPr>
+          <p:cNvPr id="438" name="Shape 438"/>
+          <p:cNvSpPr txBox="1">
+            <a:spLocks noGrp="1"/>
+          </p:cNvSpPr>
+          <p:nvPr>
+            <p:ph type="body" idx="1"/>
+          </p:nvPr>
+        </p:nvSpPr>
+        <p:spPr>
+          <a:xfrm>
+            <a:off x="866775" y="1904923"/>
+            <a:ext cx="10449000" cy="1542031"/>
+          </a:xfrm>
+          <a:prstGeom prst="rect">
+            <a:avLst/>
+          </a:prstGeom>
+          <a:noFill/>
+          <a:ln>
+            <a:noFill/>
+          </a:ln>
+        </p:spPr>
+        <p:txBody>
+          <a:bodyPr vert="horz" lIns="28567" tIns="28567" rIns="28567" bIns="28567" rtlCol="0" anchor="t" anchorCtr="0">
+            <a:noAutofit/>
+          </a:bodyPr>
+          <a:lstStyle/>
+          <a:p>
+            <a:pPr marL="160863" indent="0">
+              <a:lnSpc>
+                <a:spcPct val="100000"/>
+              </a:lnSpc>
+              <a:spcBef>
+                <a:spcPts val="0"/>
+              </a:spcBef>
+              <a:buClr>
+                <a:schemeClr val="lt1"/>
+              </a:buClr>
+              <a:buSzPct val="175000"/>
+              <a:buNone/>
+            </a:pPr>
+            <a:r>
+              <a:rPr lang="en" sz="2667" dirty="0">
+                <a:solidFill>
+                  <a:schemeClr val="lt1"/>
+                </a:solidFill>
+                <a:latin typeface="Arial" charset="0"/>
+                <a:ea typeface="Arial" charset="0"/>
+                <a:cs typeface="Arial" charset="0"/>
+                <a:sym typeface="Cabin"/>
+              </a:rPr>
+              <a:t>The select statement retrieves a group of records - you can either retrieve all the records or a subset of the records with a WHERE clause</a:t>
+            </a:r>
+          </a:p>
+        </p:txBody>
+      </p:sp>
+      <p:sp>
+        <p:nvSpPr>
+          <p:cNvPr id="439" name="Shape 439"/>
+          <p:cNvSpPr txBox="1"/>
+          <p:nvPr/>
+        </p:nvSpPr>
+        <p:spPr>
+          <a:xfrm>
+            <a:off x="286848" y="4147553"/>
+            <a:ext cx="11381571" cy="600073"/>
+          </a:xfrm>
+          <a:prstGeom prst="rect">
+            <a:avLst/>
+          </a:prstGeom>
+          <a:noFill/>
+          <a:ln>
+            <a:noFill/>
+          </a:ln>
+        </p:spPr>
+        <p:txBody>
+          <a:bodyPr lIns="0" tIns="0" rIns="0" bIns="0" anchor="ctr" anchorCtr="0">
+            <a:noAutofit/>
+          </a:bodyPr>
+          <a:lstStyle/>
+          <a:p>
+            <a:pPr algn="ctr">
+              <a:buClr>
+                <a:srgbClr val="FF7F00"/>
+              </a:buClr>
+              <a:buSzPct val="25000"/>
+            </a:pPr>
+            <a:r>
+              <a:rPr lang="en" sz="3333" dirty="0">
+                <a:solidFill>
+                  <a:srgbClr val="FF7F00"/>
+                </a:solidFill>
+                <a:latin typeface="Arial" charset="0"/>
+                <a:ea typeface="Arial" charset="0"/>
+                <a:cs typeface="Arial" charset="0"/>
+                <a:sym typeface="Cabin"/>
+              </a:rPr>
+              <a:t>SELECT</a:t>
+            </a:r>
+            <a:r>
+              <a:rPr lang="en" sz="3333" dirty="0">
+                <a:solidFill>
+                  <a:srgbClr val="FFFF00"/>
+                </a:solidFill>
+                <a:latin typeface="Arial" charset="0"/>
+                <a:ea typeface="Arial" charset="0"/>
+                <a:cs typeface="Arial" charset="0"/>
+                <a:sym typeface="Cabin"/>
+              </a:rPr>
+              <a:t> * </a:t>
+            </a:r>
+            <a:r>
+              <a:rPr lang="en" sz="3333" dirty="0">
+                <a:solidFill>
+                  <a:srgbClr val="FF7F00"/>
+                </a:solidFill>
+                <a:latin typeface="Arial" charset="0"/>
+                <a:ea typeface="Arial" charset="0"/>
+                <a:cs typeface="Arial" charset="0"/>
+                <a:sym typeface="Cabin"/>
+              </a:rPr>
+              <a:t>FROM</a:t>
+            </a:r>
+            <a:r>
+              <a:rPr lang="en" sz="3333" dirty="0">
+                <a:solidFill>
+                  <a:srgbClr val="FFFF00"/>
+                </a:solidFill>
+                <a:latin typeface="Arial" charset="0"/>
+                <a:ea typeface="Arial" charset="0"/>
+                <a:cs typeface="Arial" charset="0"/>
+                <a:sym typeface="Cabin"/>
+              </a:rPr>
+              <a:t> Users</a:t>
+            </a:r>
+          </a:p>
+        </p:txBody>
+      </p:sp>
+      <p:sp>
+        <p:nvSpPr>
+          <p:cNvPr id="440" name="Shape 440"/>
+          <p:cNvSpPr txBox="1"/>
+          <p:nvPr/>
+        </p:nvSpPr>
+        <p:spPr>
+          <a:xfrm>
+            <a:off x="169616" y="5071477"/>
+            <a:ext cx="11894456" cy="600073"/>
+          </a:xfrm>
+          <a:prstGeom prst="rect">
+            <a:avLst/>
+          </a:prstGeom>
+          <a:noFill/>
+          <a:ln>
+            <a:noFill/>
+          </a:ln>
+        </p:spPr>
+        <p:txBody>
+          <a:bodyPr lIns="0" tIns="0" rIns="0" bIns="0" anchor="ctr" anchorCtr="0">
+            <a:noAutofit/>
+          </a:bodyPr>
+          <a:lstStyle/>
+          <a:p>
+            <a:pPr algn="ctr">
+              <a:buClr>
+                <a:srgbClr val="FF7F00"/>
+              </a:buClr>
+              <a:buSzPct val="25000"/>
+            </a:pPr>
+            <a:r>
+              <a:rPr lang="en" sz="3333" dirty="0">
+                <a:solidFill>
+                  <a:srgbClr val="FF7F00"/>
+                </a:solidFill>
+                <a:latin typeface="Arial" charset="0"/>
+                <a:ea typeface="Arial" charset="0"/>
+                <a:cs typeface="Arial" charset="0"/>
+                <a:sym typeface="Cabin"/>
+              </a:rPr>
+              <a:t>SELECT</a:t>
+            </a:r>
+            <a:r>
+              <a:rPr lang="en" sz="3333" dirty="0">
+                <a:solidFill>
+                  <a:srgbClr val="FFFF00"/>
+                </a:solidFill>
+                <a:latin typeface="Arial" charset="0"/>
+                <a:ea typeface="Arial" charset="0"/>
+                <a:cs typeface="Arial" charset="0"/>
+                <a:sym typeface="Cabin"/>
+              </a:rPr>
+              <a:t> * </a:t>
+            </a:r>
+            <a:r>
+              <a:rPr lang="en" sz="3333" dirty="0">
+                <a:solidFill>
+                  <a:srgbClr val="FF7F00"/>
+                </a:solidFill>
+                <a:latin typeface="Arial" charset="0"/>
+                <a:ea typeface="Arial" charset="0"/>
+                <a:cs typeface="Arial" charset="0"/>
+                <a:sym typeface="Cabin"/>
+              </a:rPr>
+              <a:t>FROM</a:t>
+            </a:r>
+            <a:r>
+              <a:rPr lang="en" sz="3333" dirty="0">
+                <a:solidFill>
+                  <a:srgbClr val="FFFF00"/>
+                </a:solidFill>
+                <a:latin typeface="Arial" charset="0"/>
+                <a:ea typeface="Arial" charset="0"/>
+                <a:cs typeface="Arial" charset="0"/>
+                <a:sym typeface="Cabin"/>
+              </a:rPr>
+              <a:t> Users </a:t>
+            </a:r>
+            <a:r>
+              <a:rPr lang="en" sz="3333" dirty="0">
+                <a:solidFill>
+                  <a:srgbClr val="FF7F00"/>
+                </a:solidFill>
+                <a:latin typeface="Arial" charset="0"/>
+                <a:ea typeface="Arial" charset="0"/>
+                <a:cs typeface="Arial" charset="0"/>
+                <a:sym typeface="Cabin"/>
+              </a:rPr>
+              <a:t>WHERE</a:t>
+            </a:r>
+            <a:r>
+              <a:rPr lang="en" sz="3333" dirty="0">
+                <a:solidFill>
+                  <a:srgbClr val="FFFF00"/>
+                </a:solidFill>
+                <a:latin typeface="Arial" charset="0"/>
+                <a:ea typeface="Arial" charset="0"/>
+                <a:cs typeface="Arial" charset="0"/>
+                <a:sym typeface="Cabin"/>
+              </a:rPr>
+              <a:t> email='</a:t>
+            </a:r>
+            <a:r>
+              <a:rPr lang="en" sz="3333" dirty="0" err="1">
+                <a:solidFill>
+                  <a:srgbClr val="FFFF00"/>
+                </a:solidFill>
+                <a:latin typeface="Arial" charset="0"/>
+                <a:ea typeface="Arial" charset="0"/>
+                <a:cs typeface="Arial" charset="0"/>
+                <a:sym typeface="Cabin"/>
+              </a:rPr>
+              <a:t>csev@umich.edu</a:t>
+            </a:r>
+            <a:r>
+              <a:rPr lang="en" sz="3333" dirty="0">
+                <a:solidFill>
+                  <a:srgbClr val="FFFF00"/>
+                </a:solidFill>
+                <a:latin typeface="Arial" charset="0"/>
+                <a:ea typeface="Arial" charset="0"/>
+                <a:cs typeface="Arial" charset="0"/>
+                <a:sym typeface="Cabin"/>
+              </a:rPr>
+              <a:t>'</a:t>
+            </a:r>
+          </a:p>
+        </p:txBody>
+      </p:sp>
+    </p:spTree>
+    <p:extLst>
+      <p:ext uri="{BB962C8B-B14F-4D97-AF65-F5344CB8AC3E}">
+        <p14:creationId xmlns:p14="http://schemas.microsoft.com/office/powerpoint/2010/main" val="735310811"/>
+      </p:ext>
+    </p:extLst>
+  </p:cSld>
+  <p:clrMapOvr>
+    <a:masterClrMapping/>
+  </p:clrMapOvr>
+  <p:timing>
+    <p:tnLst>
+      <p:par>
+        <p:cTn id="1" dur="indefinite" restart="never" nodeType="tmRoot"/>
+      </p:par>
+    </p:tnLst>
+  </p:timing>
+</p:sld>
+</file>
+
+<file path=ppt/slides/slide16.xml><?xml version="1.0" encoding="utf-8"?>
+<p:sld xmlns:a="http://schemas.openxmlformats.org/drawingml/2006/main" xmlns:r="http://schemas.openxmlformats.org/officeDocument/2006/relationships" xmlns:p="http://schemas.openxmlformats.org/presentationml/2006/main">
+  <p:cSld>
+    <p:spTree>
+      <p:nvGrpSpPr>
+        <p:cNvPr id="1" name="Shape 454"/>
+        <p:cNvGrpSpPr/>
+        <p:nvPr/>
+      </p:nvGrpSpPr>
+      <p:grpSpPr>
+        <a:xfrm>
+          <a:off x="0" y="0"/>
+          <a:ext cx="0" cy="0"/>
+          <a:chOff x="0" y="0"/>
+          <a:chExt cx="0" cy="0"/>
+        </a:xfrm>
+      </p:grpSpPr>
+      <p:sp>
+        <p:nvSpPr>
+          <p:cNvPr id="455" name="Shape 455"/>
+          <p:cNvSpPr txBox="1">
+            <a:spLocks noGrp="1"/>
+          </p:cNvSpPr>
+          <p:nvPr>
+            <p:ph type="title"/>
+          </p:nvPr>
+        </p:nvSpPr>
+        <p:spPr>
+          <a:prstGeom prst="rect">
+            <a:avLst/>
+          </a:prstGeom>
+          <a:noFill/>
+          <a:ln>
+            <a:noFill/>
+          </a:ln>
+        </p:spPr>
+        <p:txBody>
+          <a:bodyPr vert="horz" lIns="28567" tIns="28567" rIns="28567" bIns="28567" rtlCol="0" anchor="ctr" anchorCtr="0">
+            <a:noAutofit/>
+          </a:bodyPr>
+          <a:lstStyle/>
+          <a:p>
+            <a:pPr algn="ctr">
+              <a:lnSpc>
+                <a:spcPct val="100000"/>
+              </a:lnSpc>
+              <a:spcBef>
+                <a:spcPts val="0"/>
+              </a:spcBef>
+              <a:buClr>
+                <a:srgbClr val="FF7F00"/>
+              </a:buClr>
+              <a:buSzPct val="25000"/>
+            </a:pPr>
+            <a:r>
+              <a:rPr lang="en" sz="5733" dirty="0">
+                <a:solidFill>
+                  <a:srgbClr val="FFD966"/>
+                </a:solidFill>
+                <a:latin typeface="Arial" charset="0"/>
+                <a:ea typeface="Arial" charset="0"/>
+                <a:cs typeface="Arial" charset="0"/>
+                <a:sym typeface="Cabin"/>
+              </a:rPr>
+              <a:t>Sorting with</a:t>
+            </a:r>
+            <a:r>
+              <a:rPr lang="en" sz="5733" dirty="0">
+                <a:solidFill>
+                  <a:srgbClr val="FF7F00"/>
+                </a:solidFill>
+                <a:latin typeface="Arial" charset="0"/>
+                <a:ea typeface="Arial" charset="0"/>
+                <a:cs typeface="Arial" charset="0"/>
+                <a:sym typeface="Cabin"/>
+              </a:rPr>
+              <a:t> ORDER BY</a:t>
+            </a:r>
+          </a:p>
+        </p:txBody>
+      </p:sp>
+      <p:sp>
+        <p:nvSpPr>
+          <p:cNvPr id="456" name="Shape 456"/>
+          <p:cNvSpPr txBox="1">
+            <a:spLocks noGrp="1"/>
+          </p:cNvSpPr>
+          <p:nvPr>
+            <p:ph type="body" idx="1"/>
+          </p:nvPr>
+        </p:nvSpPr>
+        <p:spPr>
+          <a:xfrm>
+            <a:off x="866775" y="1952625"/>
+            <a:ext cx="10449000" cy="1358265"/>
+          </a:xfrm>
+          <a:prstGeom prst="rect">
+            <a:avLst/>
+          </a:prstGeom>
+          <a:noFill/>
+          <a:ln>
+            <a:noFill/>
+          </a:ln>
+        </p:spPr>
+        <p:txBody>
+          <a:bodyPr vert="horz" lIns="28567" tIns="28567" rIns="28567" bIns="28567" rtlCol="0" anchor="t" anchorCtr="0">
+            <a:noAutofit/>
+          </a:bodyPr>
+          <a:lstStyle/>
+          <a:p>
+            <a:pPr marL="160863" indent="0">
+              <a:lnSpc>
+                <a:spcPct val="100000"/>
+              </a:lnSpc>
+              <a:spcBef>
+                <a:spcPts val="0"/>
+              </a:spcBef>
+              <a:buClr>
+                <a:schemeClr val="lt1"/>
+              </a:buClr>
+              <a:buSzPct val="175000"/>
+              <a:buNone/>
+            </a:pPr>
+            <a:r>
+              <a:rPr lang="en" sz="2667" dirty="0">
+                <a:solidFill>
+                  <a:schemeClr val="lt1"/>
+                </a:solidFill>
+                <a:latin typeface="Arial" charset="0"/>
+                <a:ea typeface="Arial" charset="0"/>
+                <a:cs typeface="Arial" charset="0"/>
+                <a:sym typeface="Cabin"/>
+              </a:rPr>
+              <a:t>You can add an </a:t>
+            </a:r>
+            <a:r>
+              <a:rPr lang="en" sz="2667" dirty="0">
+                <a:solidFill>
+                  <a:srgbClr val="FF7F00"/>
+                </a:solidFill>
+                <a:latin typeface="Arial" charset="0"/>
+                <a:ea typeface="Arial" charset="0"/>
+                <a:cs typeface="Arial" charset="0"/>
+                <a:sym typeface="Cabin"/>
+              </a:rPr>
+              <a:t>ORDER BY </a:t>
+            </a:r>
+            <a:r>
+              <a:rPr lang="en" sz="2667" dirty="0">
+                <a:solidFill>
+                  <a:schemeClr val="lt1"/>
+                </a:solidFill>
+                <a:latin typeface="Arial" charset="0"/>
+                <a:ea typeface="Arial" charset="0"/>
+                <a:cs typeface="Arial" charset="0"/>
+                <a:sym typeface="Cabin"/>
+              </a:rPr>
+              <a:t>clause to </a:t>
+            </a:r>
+            <a:r>
+              <a:rPr lang="en" sz="2667" dirty="0">
+                <a:solidFill>
+                  <a:srgbClr val="FF7F00"/>
+                </a:solidFill>
+                <a:latin typeface="Arial" charset="0"/>
+                <a:ea typeface="Arial" charset="0"/>
+                <a:cs typeface="Arial" charset="0"/>
+                <a:sym typeface="Cabin"/>
+              </a:rPr>
+              <a:t>SELECT</a:t>
+            </a:r>
+            <a:r>
+              <a:rPr lang="en" sz="2667" dirty="0">
+                <a:solidFill>
+                  <a:schemeClr val="lt1"/>
+                </a:solidFill>
+                <a:latin typeface="Arial" charset="0"/>
+                <a:ea typeface="Arial" charset="0"/>
+                <a:cs typeface="Arial" charset="0"/>
+                <a:sym typeface="Cabin"/>
+              </a:rPr>
+              <a:t> statements to get the results sorted in ascending or descending order</a:t>
+            </a:r>
+          </a:p>
+        </p:txBody>
+      </p:sp>
+      <p:sp>
+        <p:nvSpPr>
+          <p:cNvPr id="457" name="Shape 457"/>
+          <p:cNvSpPr txBox="1"/>
+          <p:nvPr/>
+        </p:nvSpPr>
+        <p:spPr>
+          <a:xfrm>
+            <a:off x="395653" y="4429124"/>
+            <a:ext cx="11473963" cy="561973"/>
+          </a:xfrm>
+          <a:prstGeom prst="rect">
+            <a:avLst/>
+          </a:prstGeom>
+          <a:noFill/>
+          <a:ln>
+            <a:noFill/>
+          </a:ln>
+        </p:spPr>
+        <p:txBody>
+          <a:bodyPr lIns="0" tIns="0" rIns="0" bIns="0" anchor="ctr" anchorCtr="0">
+            <a:noAutofit/>
+          </a:bodyPr>
+          <a:lstStyle/>
+          <a:p>
+            <a:pPr algn="ctr">
+              <a:buClr>
+                <a:srgbClr val="FF7F00"/>
+              </a:buClr>
+              <a:buSzPct val="25000"/>
+            </a:pPr>
+            <a:r>
+              <a:rPr lang="en" sz="3333" dirty="0">
+                <a:solidFill>
+                  <a:srgbClr val="FF7F00"/>
+                </a:solidFill>
+                <a:latin typeface="Arial" charset="0"/>
+                <a:ea typeface="Arial" charset="0"/>
+                <a:cs typeface="Arial" charset="0"/>
+                <a:sym typeface="Cabin"/>
+              </a:rPr>
+              <a:t>SELECT</a:t>
+            </a:r>
+            <a:r>
+              <a:rPr lang="en" sz="3333" dirty="0">
+                <a:solidFill>
+                  <a:schemeClr val="lt1"/>
+                </a:solidFill>
+                <a:latin typeface="Arial" charset="0"/>
+                <a:ea typeface="Arial" charset="0"/>
+                <a:cs typeface="Arial" charset="0"/>
+                <a:sym typeface="Cabin"/>
+              </a:rPr>
+              <a:t> </a:t>
+            </a:r>
+            <a:r>
+              <a:rPr lang="en" sz="3333" dirty="0">
+                <a:solidFill>
+                  <a:srgbClr val="FFFF00"/>
+                </a:solidFill>
+                <a:latin typeface="Arial" charset="0"/>
+                <a:ea typeface="Arial" charset="0"/>
+                <a:cs typeface="Arial" charset="0"/>
+                <a:sym typeface="Cabin"/>
+              </a:rPr>
+              <a:t>*</a:t>
+            </a:r>
+            <a:r>
+              <a:rPr lang="en" sz="3333" dirty="0">
+                <a:solidFill>
+                  <a:schemeClr val="lt1"/>
+                </a:solidFill>
+                <a:latin typeface="Arial" charset="0"/>
+                <a:ea typeface="Arial" charset="0"/>
+                <a:cs typeface="Arial" charset="0"/>
+                <a:sym typeface="Cabin"/>
+              </a:rPr>
+              <a:t> </a:t>
+            </a:r>
+            <a:r>
+              <a:rPr lang="en" sz="3333" dirty="0">
+                <a:solidFill>
+                  <a:srgbClr val="FF7F00"/>
+                </a:solidFill>
+                <a:latin typeface="Arial" charset="0"/>
+                <a:ea typeface="Arial" charset="0"/>
+                <a:cs typeface="Arial" charset="0"/>
+                <a:sym typeface="Cabin"/>
+              </a:rPr>
+              <a:t>FROM</a:t>
+            </a:r>
+            <a:r>
+              <a:rPr lang="en" sz="3333" dirty="0">
+                <a:solidFill>
+                  <a:schemeClr val="lt1"/>
+                </a:solidFill>
+                <a:latin typeface="Arial" charset="0"/>
+                <a:ea typeface="Arial" charset="0"/>
+                <a:cs typeface="Arial" charset="0"/>
+                <a:sym typeface="Cabin"/>
+              </a:rPr>
+              <a:t> </a:t>
+            </a:r>
+            <a:r>
+              <a:rPr lang="en" sz="3333" dirty="0">
+                <a:solidFill>
+                  <a:srgbClr val="FFFF00"/>
+                </a:solidFill>
+                <a:latin typeface="Arial" charset="0"/>
+                <a:ea typeface="Arial" charset="0"/>
+                <a:cs typeface="Arial" charset="0"/>
+                <a:sym typeface="Cabin"/>
+              </a:rPr>
+              <a:t>Users</a:t>
+            </a:r>
+            <a:r>
+              <a:rPr lang="en" sz="3333" dirty="0">
+                <a:solidFill>
+                  <a:schemeClr val="lt1"/>
+                </a:solidFill>
+                <a:latin typeface="Arial" charset="0"/>
+                <a:ea typeface="Arial" charset="0"/>
+                <a:cs typeface="Arial" charset="0"/>
+                <a:sym typeface="Cabin"/>
+              </a:rPr>
+              <a:t> </a:t>
+            </a:r>
+            <a:r>
+              <a:rPr lang="en" sz="3333" dirty="0">
+                <a:solidFill>
+                  <a:srgbClr val="FF7F00"/>
+                </a:solidFill>
+                <a:latin typeface="Arial" charset="0"/>
+                <a:ea typeface="Arial" charset="0"/>
+                <a:cs typeface="Arial" charset="0"/>
+                <a:sym typeface="Cabin"/>
+              </a:rPr>
+              <a:t>ORDER BY</a:t>
+            </a:r>
+            <a:r>
+              <a:rPr lang="en" sz="3333" dirty="0">
+                <a:solidFill>
+                  <a:schemeClr val="lt1"/>
+                </a:solidFill>
+                <a:latin typeface="Arial" charset="0"/>
+                <a:ea typeface="Arial" charset="0"/>
+                <a:cs typeface="Arial" charset="0"/>
+                <a:sym typeface="Cabin"/>
+              </a:rPr>
+              <a:t> </a:t>
+            </a:r>
+            <a:r>
+              <a:rPr lang="en" sz="3333" dirty="0">
+                <a:solidFill>
+                  <a:srgbClr val="FFFF00"/>
+                </a:solidFill>
+                <a:latin typeface="Arial" charset="0"/>
+                <a:ea typeface="Arial" charset="0"/>
+                <a:cs typeface="Arial" charset="0"/>
+                <a:sym typeface="Cabin"/>
+              </a:rPr>
+              <a:t>email</a:t>
+            </a:r>
+          </a:p>
+        </p:txBody>
+      </p:sp>
+      <p:sp>
+        <p:nvSpPr>
+          <p:cNvPr id="458" name="Shape 458"/>
+          <p:cNvSpPr txBox="1"/>
+          <p:nvPr/>
+        </p:nvSpPr>
+        <p:spPr>
+          <a:xfrm>
+            <a:off x="146539" y="5314950"/>
+            <a:ext cx="11620499" cy="561973"/>
+          </a:xfrm>
+          <a:prstGeom prst="rect">
+            <a:avLst/>
+          </a:prstGeom>
+          <a:noFill/>
+          <a:ln>
+            <a:noFill/>
+          </a:ln>
+        </p:spPr>
+        <p:txBody>
+          <a:bodyPr lIns="0" tIns="0" rIns="0" bIns="0" anchor="ctr" anchorCtr="0">
+            <a:noAutofit/>
+          </a:bodyPr>
+          <a:lstStyle/>
+          <a:p>
+            <a:pPr lvl="0" algn="ctr">
+              <a:buClr>
+                <a:srgbClr val="FF7F00"/>
+              </a:buClr>
+              <a:buSzPct val="25000"/>
+            </a:pPr>
+            <a:r>
+              <a:rPr lang="en" sz="3333" dirty="0">
+                <a:solidFill>
+                  <a:srgbClr val="FF7F00"/>
+                </a:solidFill>
+                <a:latin typeface="Arial" charset="0"/>
+                <a:ea typeface="Arial" charset="0"/>
+                <a:cs typeface="Arial" charset="0"/>
+                <a:sym typeface="Cabin"/>
+              </a:rPr>
+              <a:t>SELECT</a:t>
+            </a:r>
+            <a:r>
+              <a:rPr lang="en" sz="3333" dirty="0">
+                <a:solidFill>
+                  <a:schemeClr val="lt1"/>
+                </a:solidFill>
+                <a:latin typeface="Arial" charset="0"/>
+                <a:ea typeface="Arial" charset="0"/>
+                <a:cs typeface="Arial" charset="0"/>
+                <a:sym typeface="Cabin"/>
+              </a:rPr>
+              <a:t> </a:t>
+            </a:r>
+            <a:r>
+              <a:rPr lang="en" sz="3333" dirty="0">
+                <a:solidFill>
+                  <a:srgbClr val="FFFF00"/>
+                </a:solidFill>
+                <a:latin typeface="Arial" charset="0"/>
+                <a:ea typeface="Arial" charset="0"/>
+                <a:cs typeface="Arial" charset="0"/>
+                <a:sym typeface="Cabin"/>
+              </a:rPr>
+              <a:t>*</a:t>
+            </a:r>
+            <a:r>
+              <a:rPr lang="en" sz="3333" dirty="0">
+                <a:solidFill>
+                  <a:schemeClr val="lt1"/>
+                </a:solidFill>
+                <a:latin typeface="Arial" charset="0"/>
+                <a:ea typeface="Arial" charset="0"/>
+                <a:cs typeface="Arial" charset="0"/>
+                <a:sym typeface="Cabin"/>
+              </a:rPr>
+              <a:t> </a:t>
+            </a:r>
+            <a:r>
+              <a:rPr lang="en" sz="3333" dirty="0">
+                <a:solidFill>
+                  <a:srgbClr val="FF7F00"/>
+                </a:solidFill>
+                <a:latin typeface="Arial" charset="0"/>
+                <a:ea typeface="Arial" charset="0"/>
+                <a:cs typeface="Arial" charset="0"/>
+                <a:sym typeface="Cabin"/>
+              </a:rPr>
+              <a:t>FROM</a:t>
+            </a:r>
+            <a:r>
+              <a:rPr lang="en" sz="3333" dirty="0">
+                <a:solidFill>
+                  <a:schemeClr val="lt1"/>
+                </a:solidFill>
+                <a:latin typeface="Arial" charset="0"/>
+                <a:ea typeface="Arial" charset="0"/>
+                <a:cs typeface="Arial" charset="0"/>
+                <a:sym typeface="Cabin"/>
+              </a:rPr>
+              <a:t> </a:t>
+            </a:r>
+            <a:r>
+              <a:rPr lang="en" sz="3333" dirty="0">
+                <a:solidFill>
+                  <a:srgbClr val="FFFF00"/>
+                </a:solidFill>
+                <a:latin typeface="Arial" charset="0"/>
+                <a:ea typeface="Arial" charset="0"/>
+                <a:cs typeface="Arial" charset="0"/>
+                <a:sym typeface="Cabin"/>
+              </a:rPr>
+              <a:t>Users</a:t>
+            </a:r>
+            <a:r>
+              <a:rPr lang="en" sz="3333" dirty="0">
+                <a:solidFill>
+                  <a:schemeClr val="lt1"/>
+                </a:solidFill>
+                <a:latin typeface="Arial" charset="0"/>
+                <a:ea typeface="Arial" charset="0"/>
+                <a:cs typeface="Arial" charset="0"/>
+                <a:sym typeface="Cabin"/>
+              </a:rPr>
+              <a:t> </a:t>
+            </a:r>
+            <a:r>
+              <a:rPr lang="en" sz="3333" dirty="0">
+                <a:solidFill>
+                  <a:srgbClr val="FF7F00"/>
+                </a:solidFill>
+                <a:latin typeface="Arial" charset="0"/>
+                <a:ea typeface="Arial" charset="0"/>
+                <a:cs typeface="Arial" charset="0"/>
+                <a:sym typeface="Cabin"/>
+              </a:rPr>
+              <a:t>ORDER BY</a:t>
+            </a:r>
+            <a:r>
+              <a:rPr lang="en" sz="3333" dirty="0">
+                <a:solidFill>
+                  <a:schemeClr val="lt1"/>
+                </a:solidFill>
+                <a:latin typeface="Arial" charset="0"/>
+                <a:ea typeface="Arial" charset="0"/>
+                <a:cs typeface="Arial" charset="0"/>
+                <a:sym typeface="Cabin"/>
+              </a:rPr>
+              <a:t> </a:t>
+            </a:r>
+            <a:r>
+              <a:rPr lang="en" sz="3333" dirty="0">
+                <a:solidFill>
+                  <a:srgbClr val="FFFF00"/>
+                </a:solidFill>
+                <a:latin typeface="Arial" charset="0"/>
+                <a:ea typeface="Arial" charset="0"/>
+                <a:cs typeface="Arial" charset="0"/>
+                <a:sym typeface="Cabin"/>
+              </a:rPr>
+              <a:t>name</a:t>
+            </a:r>
+            <a:r>
+              <a:rPr lang="en-US" sz="3333">
+                <a:solidFill>
+                  <a:srgbClr val="FFFF00"/>
+                </a:solidFill>
+                <a:latin typeface="Arial" charset="0"/>
+                <a:ea typeface="Arial" charset="0"/>
+                <a:cs typeface="Arial" charset="0"/>
+                <a:sym typeface="Cabin"/>
+              </a:rPr>
+              <a:t> </a:t>
+            </a:r>
+            <a:r>
+              <a:rPr lang="en-US" sz="3333">
+                <a:solidFill>
+                  <a:srgbClr val="FF7F00"/>
+                </a:solidFill>
+                <a:latin typeface="Arial" charset="0"/>
+                <a:ea typeface="Arial" charset="0"/>
+                <a:cs typeface="Arial" charset="0"/>
+                <a:sym typeface="Cabin"/>
+              </a:rPr>
+              <a:t>DESC</a:t>
+            </a:r>
+            <a:endParaRPr lang="en" sz="3333" dirty="0">
+              <a:solidFill>
+                <a:srgbClr val="FFFF00"/>
+              </a:solidFill>
+              <a:latin typeface="Arial" charset="0"/>
+              <a:ea typeface="Arial" charset="0"/>
+              <a:cs typeface="Arial" charset="0"/>
+              <a:sym typeface="Cabin"/>
+            </a:endParaRPr>
+          </a:p>
+        </p:txBody>
+      </p:sp>
+    </p:spTree>
+    <p:extLst>
+      <p:ext uri="{BB962C8B-B14F-4D97-AF65-F5344CB8AC3E}">
+        <p14:creationId xmlns:p14="http://schemas.microsoft.com/office/powerpoint/2010/main" val="1332682851"/>
+      </p:ext>
+    </p:extLst>
+  </p:cSld>
+  <p:clrMapOvr>
+    <a:masterClrMapping/>
+  </p:clrMapOvr>
+  <p:timing>
+    <p:tnLst>
+      <p:par>
+        <p:cTn id="1" dur="indefinite" restart="never" nodeType="tmRoot"/>
+      </p:par>
+    </p:tnLst>
+  </p:timing>
+</p:sld>
+</file>
+
+<file path=ppt/slides/slide17.xml><?xml version="1.0" encoding="utf-8"?>
+<p:sld xmlns:a="http://schemas.openxmlformats.org/drawingml/2006/main" xmlns:r="http://schemas.openxmlformats.org/officeDocument/2006/relationships" xmlns:p="http://schemas.openxmlformats.org/presentationml/2006/main">
+  <p:cSld>
+    <p:spTree>
+      <p:nvGrpSpPr>
         <p:cNvPr id="1" name="Shape 467"/>
         <p:cNvGrpSpPr/>
         <p:nvPr/>
@@ -7608,7 +8763,7 @@
 </p:sld>
 </file>
 
-<file path=ppt/slides/slide16.xml><?xml version="1.0" encoding="utf-8"?>
+<file path=ppt/slides/slide18.xml><?xml version="1.0" encoding="utf-8"?>
 <p:sld xmlns:a="http://schemas.openxmlformats.org/drawingml/2006/main" xmlns:r="http://schemas.openxmlformats.org/officeDocument/2006/relationships" xmlns:p="http://schemas.openxmlformats.org/presentationml/2006/main">
   <p:cSld>
     <p:spTree>
@@ -7745,7 +8900,7 @@
 </p:sld>
 </file>
 
-<file path=ppt/slides/slide17.xml><?xml version="1.0" encoding="utf-8"?>
+<file path=ppt/slides/slide19.xml><?xml version="1.0" encoding="utf-8"?>
 <p:sld xmlns:a="http://schemas.openxmlformats.org/drawingml/2006/main" xmlns:r="http://schemas.openxmlformats.org/officeDocument/2006/relationships" xmlns:p="http://schemas.openxmlformats.org/presentationml/2006/main">
   <p:cSld>
     <p:spTree>
@@ -9601,11 +10756,11 @@
   <p:clrMapOvr>
     <a:masterClrMapping/>
   </p:clrMapOvr>
-  <mc:AlternateContent xmlns:mc="http://schemas.openxmlformats.org/markup-compatibility/2006">
-    <mc:Choice xmlns:p14="http://schemas.microsoft.com/office/powerpoint/2010/main" Requires="p14">
+  <mc:AlternateContent xmlns:mc="http://schemas.openxmlformats.org/markup-compatibility/2006" xmlns:p14="http://schemas.microsoft.com/office/powerpoint/2010/main">
+    <mc:Choice Requires="p14">
       <p:transition spd="slow" p14:dur="2000"/>
     </mc:Choice>
-    <mc:Fallback>
+    <mc:Fallback xmlns="">
       <p:transition spd="slow"/>
     </mc:Fallback>
   </mc:AlternateContent>
@@ -9701,13 +10856,8 @@
           <a:p>
             <a:r>
               <a:rPr lang="en-US" altLang="en-US" sz="3200" dirty="0"/>
-              <a:t>Sorting might not be the best </a:t>
-            </a:r>
-            <a:r>
-              <a:rPr lang="en-US" altLang="en-US" sz="3200" dirty="0"/>
-              <a:t>idea</a:t>
-            </a:r>
-            <a:endParaRPr lang="en-US" altLang="en-US" sz="3200" dirty="0"/>
+              <a:t>Sorting might not be the best idea</a:t>
+            </a:r>
           </a:p>
         </p:txBody>
       </p:sp>
@@ -9746,14 +10896,14 @@
           </a:ln>
           <a:extLst>
             <a:ext uri="{909E8E84-426E-40dd-AFC4-6F175D3DCCD1}">
-              <a14:hiddenFill xmlns="" xmlns:a14="http://schemas.microsoft.com/office/drawing/2010/main">
+              <a14:hiddenFill xmlns:a14="http://schemas.microsoft.com/office/drawing/2010/main" xmlns="">
                 <a:solidFill>
                   <a:srgbClr val="FFFFFF"/>
                 </a:solidFill>
               </a14:hiddenFill>
             </a:ext>
             <a:ext uri="{91240B29-F687-4f45-9708-019B960494DF}">
-              <a14:hiddenLine xmlns="" xmlns:a14="http://schemas.microsoft.com/office/drawing/2010/main" w="9525">
+              <a14:hiddenLine xmlns:a14="http://schemas.microsoft.com/office/drawing/2010/main" xmlns="" w="9525">
                 <a:solidFill>
                   <a:srgbClr val="000000"/>
                 </a:solidFill>
@@ -9787,14 +10937,14 @@
           </a:ln>
           <a:extLst>
             <a:ext uri="{909E8E84-426E-40dd-AFC4-6F175D3DCCD1}">
-              <a14:hiddenFill xmlns="" xmlns:a14="http://schemas.microsoft.com/office/drawing/2010/main">
+              <a14:hiddenFill xmlns:a14="http://schemas.microsoft.com/office/drawing/2010/main" xmlns="">
                 <a:solidFill>
                   <a:srgbClr val="FFFFFF"/>
                 </a:solidFill>
               </a14:hiddenFill>
             </a:ext>
             <a:ext uri="{91240B29-F687-4f45-9708-019B960494DF}">
-              <a14:hiddenLine xmlns="" xmlns:a14="http://schemas.microsoft.com/office/drawing/2010/main" w="9525">
+              <a14:hiddenLine xmlns:a14="http://schemas.microsoft.com/office/drawing/2010/main" xmlns="" w="9525">
                 <a:solidFill>
                   <a:srgbClr val="000000"/>
                 </a:solidFill>
@@ -10049,7 +11199,7 @@
   <p:cSld>
     <p:spTree>
       <p:nvGrpSpPr>
-        <p:cNvPr id="1" name="Shape 220"/>
+        <p:cNvPr id="1" name=""/>
         <p:cNvGrpSpPr/>
         <p:nvPr/>
       </p:nvGrpSpPr>
@@ -10063,66 +11213,123 @@
       </p:grpSpPr>
       <p:sp>
         <p:nvSpPr>
-          <p:cNvPr id="221" name="Shape 221"/>
-          <p:cNvSpPr txBox="1">
-            <a:spLocks noGrp="1"/>
+          <p:cNvPr id="11265" name="Rectangle 1"/>
+          <p:cNvSpPr>
+            <a:spLocks noGrp="1" noChangeArrowheads="1"/>
           </p:cNvSpPr>
           <p:nvPr>
             <p:ph type="title"/>
           </p:nvPr>
         </p:nvSpPr>
         <p:spPr>
-          <a:prstGeom prst="rect">
-            <a:avLst/>
-          </a:prstGeom>
-          <a:noFill/>
-          <a:ln>
-            <a:noFill/>
-          </a:ln>
+          <a:xfrm>
+            <a:off x="1133475" y="180975"/>
+            <a:ext cx="10620375" cy="1714500"/>
+          </a:xfrm>
         </p:spPr>
         <p:txBody>
-          <a:bodyPr vert="horz" lIns="28567" tIns="28567" rIns="28567" bIns="28567" rtlCol="0" anchor="ctr" anchorCtr="0">
-            <a:noAutofit/>
-          </a:bodyPr>
+          <a:bodyPr/>
           <a:lstStyle/>
           <a:p>
-            <a:pPr algn="ctr">
-              <a:lnSpc>
-                <a:spcPct val="100000"/>
-              </a:lnSpc>
-              <a:spcBef>
-                <a:spcPts val="0"/>
-              </a:spcBef>
-              <a:buClr>
-                <a:srgbClr val="00FF00"/>
-              </a:buClr>
-              <a:buSzPct val="25000"/>
-            </a:pPr>
-            <a:r>
-              <a:rPr lang="en" sz="5733" dirty="0">
-                <a:solidFill>
-                  <a:srgbClr val="FFD966"/>
-                </a:solidFill>
-                <a:latin typeface="Arial" charset="0"/>
-                <a:ea typeface="Arial" charset="0"/>
-                <a:cs typeface="Arial" charset="0"/>
-                <a:sym typeface="Cabin"/>
-              </a:rPr>
-              <a:t>Relational Databases</a:t>
-            </a:r>
-          </a:p>
-        </p:txBody>
-      </p:sp>
-      <p:sp>
-        <p:nvSpPr>
-          <p:cNvPr id="222" name="Shape 222"/>
-          <p:cNvSpPr txBox="1"/>
-          <p:nvPr/>
+            <a:pPr eaLnBrk="1" hangingPunct="1"/>
+            <a:r>
+              <a:rPr lang="en-US" altLang="x-none" sz="5400" u="sng">
+                <a:solidFill>
+                  <a:srgbClr val="FFCC66"/>
+                </a:solidFill>
+              </a:rPr>
+              <a:t>S</a:t>
+            </a:r>
+            <a:r>
+              <a:rPr lang="en-US" altLang="x-none" sz="5400">
+                <a:solidFill>
+                  <a:srgbClr val="FFCC66"/>
+                </a:solidFill>
+              </a:rPr>
+              <a:t>tructured </a:t>
+            </a:r>
+            <a:r>
+              <a:rPr lang="en-US" altLang="x-none" sz="5400" u="sng">
+                <a:solidFill>
+                  <a:srgbClr val="FFCC66"/>
+                </a:solidFill>
+              </a:rPr>
+              <a:t>Q</a:t>
+            </a:r>
+            <a:r>
+              <a:rPr lang="en-US" altLang="x-none" sz="5400">
+                <a:solidFill>
+                  <a:srgbClr val="FFCC66"/>
+                </a:solidFill>
+              </a:rPr>
+              <a:t>uery </a:t>
+            </a:r>
+            <a:r>
+              <a:rPr lang="en-US" altLang="x-none" sz="5400" u="sng">
+                <a:solidFill>
+                  <a:srgbClr val="FFCC66"/>
+                </a:solidFill>
+              </a:rPr>
+              <a:t>L</a:t>
+            </a:r>
+            <a:r>
+              <a:rPr lang="en-US" altLang="x-none" sz="5400">
+                <a:solidFill>
+                  <a:srgbClr val="FFCC66"/>
+                </a:solidFill>
+              </a:rPr>
+              <a:t>anguage</a:t>
+            </a:r>
+          </a:p>
+        </p:txBody>
+      </p:sp>
+      <p:sp>
+        <p:nvSpPr>
+          <p:cNvPr id="11266" name="Rectangle 2"/>
+          <p:cNvSpPr>
+            <a:spLocks noGrp="1" noChangeArrowheads="1"/>
+          </p:cNvSpPr>
+          <p:nvPr>
+            <p:ph type="body" idx="1"/>
+          </p:nvPr>
         </p:nvSpPr>
         <p:spPr>
           <a:xfrm>
-            <a:off x="2373748" y="5850269"/>
-            <a:ext cx="7711875" cy="466648"/>
+            <a:off x="666750" y="1943100"/>
+            <a:ext cx="4857750" cy="3429000"/>
+          </a:xfrm>
+        </p:spPr>
+        <p:txBody>
+          <a:bodyPr/>
+          <a:lstStyle/>
+          <a:p>
+            <a:pPr marL="828675"/>
+            <a:r>
+              <a:rPr lang="en-US" altLang="x-none"/>
+              <a:t>Structured Query Language (SQL) came out of a government / industry partnership</a:t>
+            </a:r>
+          </a:p>
+          <a:p>
+            <a:pPr marL="828675"/>
+            <a:r>
+              <a:rPr lang="en-US" altLang="x-none"/>
+              <a:t>National Institute of Standards and Technology (NIST)</a:t>
+            </a:r>
+          </a:p>
+        </p:txBody>
+      </p:sp>
+      <p:sp>
+        <p:nvSpPr>
+          <p:cNvPr id="11267" name="Rectangle 3"/>
+          <p:cNvSpPr>
+            <a:spLocks/>
+          </p:cNvSpPr>
+          <p:nvPr/>
+        </p:nvSpPr>
+        <p:spPr bwMode="auto">
+          <a:xfrm>
+            <a:off x="7467600" y="5714420"/>
+            <a:ext cx="4178516" cy="415498"/>
           </a:xfrm>
           <a:prstGeom prst="rect">
             <a:avLst/>
@@ -10131,45 +11338,185 @@
           <a:ln>
             <a:noFill/>
           </a:ln>
+          <a:extLst>
+            <a:ext uri="{909E8E84-426E-40DD-AFC4-6F175D3DCCD1}">
+              <a14:hiddenFill xmlns:a14="http://schemas.microsoft.com/office/drawing/2010/main">
+                <a:solidFill>
+                  <a:srgbClr val="FFFFFF"/>
+                </a:solidFill>
+              </a14:hiddenFill>
+            </a:ext>
+            <a:ext uri="{91240B29-F687-4F45-9708-019B960494DF}">
+              <a14:hiddenLine xmlns:a14="http://schemas.microsoft.com/office/drawing/2010/main" w="12700">
+                <a:solidFill>
+                  <a:srgbClr val="000000"/>
+                </a:solidFill>
+                <a:miter lim="800000"/>
+                <a:headEnd/>
+                <a:tailEnd/>
+              </a14:hiddenLine>
+            </a:ext>
+          </a:extLst>
         </p:spPr>
         <p:txBody>
-          <a:bodyPr lIns="0" tIns="0" rIns="0" bIns="0" anchor="ctr" anchorCtr="0">
-            <a:noAutofit/>
+          <a:bodyPr wrap="none" lIns="0" tIns="0" rIns="0" bIns="0" anchor="ctr">
+            <a:spAutoFit/>
           </a:bodyPr>
-          <a:lstStyle/>
-          <a:p>
-            <a:pPr algn="ctr">
-              <a:buClr>
-                <a:schemeClr val="lt1"/>
-              </a:buClr>
-              <a:buSzPct val="25000"/>
-            </a:pPr>
-            <a:r>
-              <a:rPr lang="en" sz="2667" u="sng" dirty="0">
+          <a:lstStyle>
+            <a:lvl1pPr>
+              <a:defRPr sz="3600">
+                <a:solidFill>
+                  <a:srgbClr val="FFFFFF"/>
+                </a:solidFill>
+                <a:latin typeface="Gill Sans" charset="0"/>
+                <a:ea typeface="ヒラギノ角ゴ ProN W3" charset="-128"/>
+                <a:sym typeface="Gill Sans" charset="0"/>
+              </a:defRPr>
+            </a:lvl1pPr>
+            <a:lvl2pPr marL="742950" indent="-285750">
+              <a:defRPr sz="3600">
+                <a:solidFill>
+                  <a:srgbClr val="FFFFFF"/>
+                </a:solidFill>
+                <a:latin typeface="Gill Sans" charset="0"/>
+                <a:ea typeface="ヒラギノ角ゴ ProN W3" charset="-128"/>
+                <a:sym typeface="Gill Sans" charset="0"/>
+              </a:defRPr>
+            </a:lvl2pPr>
+            <a:lvl3pPr marL="1143000" indent="-228600">
+              <a:defRPr sz="3600">
+                <a:solidFill>
+                  <a:srgbClr val="FFFFFF"/>
+                </a:solidFill>
+                <a:latin typeface="Gill Sans" charset="0"/>
+                <a:ea typeface="ヒラギノ角ゴ ProN W3" charset="-128"/>
+                <a:sym typeface="Gill Sans" charset="0"/>
+              </a:defRPr>
+            </a:lvl3pPr>
+            <a:lvl4pPr marL="1600200" indent="-228600">
+              <a:defRPr sz="3600">
+                <a:solidFill>
+                  <a:srgbClr val="FFFFFF"/>
+                </a:solidFill>
+                <a:latin typeface="Gill Sans" charset="0"/>
+                <a:ea typeface="ヒラギノ角ゴ ProN W3" charset="-128"/>
+                <a:sym typeface="Gill Sans" charset="0"/>
+              </a:defRPr>
+            </a:lvl4pPr>
+            <a:lvl5pPr marL="2057400" indent="-228600">
+              <a:defRPr sz="3600">
+                <a:solidFill>
+                  <a:srgbClr val="FFFFFF"/>
+                </a:solidFill>
+                <a:latin typeface="Gill Sans" charset="0"/>
+                <a:ea typeface="ヒラギノ角ゴ ProN W3" charset="-128"/>
+                <a:sym typeface="Gill Sans" charset="0"/>
+              </a:defRPr>
+            </a:lvl5pPr>
+            <a:lvl6pPr marL="2514600" indent="-228600" eaLnBrk="0" fontAlgn="base" hangingPunct="0">
+              <a:spcBef>
+                <a:spcPct val="0"/>
+              </a:spcBef>
+              <a:spcAft>
+                <a:spcPct val="0"/>
+              </a:spcAft>
+              <a:defRPr sz="3600">
+                <a:solidFill>
+                  <a:srgbClr val="FFFFFF"/>
+                </a:solidFill>
+                <a:latin typeface="Gill Sans" charset="0"/>
+                <a:ea typeface="ヒラギノ角ゴ ProN W3" charset="-128"/>
+                <a:sym typeface="Gill Sans" charset="0"/>
+              </a:defRPr>
+            </a:lvl6pPr>
+            <a:lvl7pPr marL="2971800" indent="-228600" eaLnBrk="0" fontAlgn="base" hangingPunct="0">
+              <a:spcBef>
+                <a:spcPct val="0"/>
+              </a:spcBef>
+              <a:spcAft>
+                <a:spcPct val="0"/>
+              </a:spcAft>
+              <a:defRPr sz="3600">
+                <a:solidFill>
+                  <a:srgbClr val="FFFFFF"/>
+                </a:solidFill>
+                <a:latin typeface="Gill Sans" charset="0"/>
+                <a:ea typeface="ヒラギノ角ゴ ProN W3" charset="-128"/>
+                <a:sym typeface="Gill Sans" charset="0"/>
+              </a:defRPr>
+            </a:lvl7pPr>
+            <a:lvl8pPr marL="3429000" indent="-228600" eaLnBrk="0" fontAlgn="base" hangingPunct="0">
+              <a:spcBef>
+                <a:spcPct val="0"/>
+              </a:spcBef>
+              <a:spcAft>
+                <a:spcPct val="0"/>
+              </a:spcAft>
+              <a:defRPr sz="3600">
+                <a:solidFill>
+                  <a:srgbClr val="FFFFFF"/>
+                </a:solidFill>
+                <a:latin typeface="Gill Sans" charset="0"/>
+                <a:ea typeface="ヒラギノ角ゴ ProN W3" charset="-128"/>
+                <a:sym typeface="Gill Sans" charset="0"/>
+              </a:defRPr>
+            </a:lvl8pPr>
+            <a:lvl9pPr marL="3886200" indent="-228600" eaLnBrk="0" fontAlgn="base" hangingPunct="0">
+              <a:spcBef>
+                <a:spcPct val="0"/>
+              </a:spcBef>
+              <a:spcAft>
+                <a:spcPct val="0"/>
+              </a:spcAft>
+              <a:defRPr sz="3600">
+                <a:solidFill>
+                  <a:srgbClr val="FFFFFF"/>
+                </a:solidFill>
+                <a:latin typeface="Gill Sans" charset="0"/>
+                <a:ea typeface="ヒラギノ角ゴ ProN W3" charset="-128"/>
+                <a:sym typeface="Gill Sans" charset="0"/>
+              </a:defRPr>
+            </a:lvl9pPr>
+          </a:lstStyle>
+          <a:p>
+            <a:pPr eaLnBrk="1" hangingPunct="1"/>
+            <a:r>
+              <a:rPr lang="en-US" altLang="x-none" sz="2700">
                 <a:solidFill>
                   <a:srgbClr val="FFFF00"/>
                 </a:solidFill>
-                <a:latin typeface="Arial" charset="0"/>
-                <a:ea typeface="Arial" charset="0"/>
-                <a:cs typeface="Arial" charset="0"/>
-                <a:sym typeface="Cabin"/>
-                <a:hlinkClick r:id="rId3"/>
-              </a:rPr>
-              <a:t>http://en.wikipedia.org/wiki/Relational_database</a:t>
-            </a:r>
-          </a:p>
-        </p:txBody>
-      </p:sp>
-      <p:sp>
-        <p:nvSpPr>
-          <p:cNvPr id="223" name="Shape 223"/>
-          <p:cNvSpPr txBox="1"/>
+                <a:ea typeface="ＭＳ Ｐゴシック" charset="-128"/>
+              </a:rPr>
+              <a:t>https://youtu.be/rLUm3vst87g</a:t>
+            </a:r>
+          </a:p>
+        </p:txBody>
+      </p:sp>
+      <p:pic>
+        <p:nvPicPr>
+          <p:cNvPr id="11268" name="Picture 1" descr="Untitled.png"/>
+          <p:cNvPicPr>
+            <a:picLocks noChangeAspect="1"/>
+          </p:cNvPicPr>
           <p:nvPr/>
-        </p:nvSpPr>
-        <p:spPr>
+        </p:nvPicPr>
+        <p:blipFill>
+          <a:blip r:embed="rId2">
+            <a:extLst>
+              <a:ext uri="{28A0092B-C50C-407E-A947-70E740481C1C}">
+                <a14:useLocalDpi xmlns:a14="http://schemas.microsoft.com/office/drawing/2010/main" val="0"/>
+              </a:ext>
+            </a:extLst>
+          </a:blip>
+          <a:srcRect/>
+          <a:stretch>
+            <a:fillRect/>
+          </a:stretch>
+        </p:blipFill>
+        <p:spPr bwMode="auto">
           <a:xfrm>
-            <a:off x="1443791" y="1995487"/>
-            <a:ext cx="9571789" cy="3409948"/>
+            <a:off x="6267450" y="2228850"/>
+            <a:ext cx="5370910" cy="3064669"/>
           </a:xfrm>
           <a:prstGeom prst="rect">
             <a:avLst/>
@@ -10178,44 +11525,45 @@
           <a:ln>
             <a:noFill/>
           </a:ln>
+          <a:extLst>
+            <a:ext uri="{909E8E84-426E-40DD-AFC4-6F175D3DCCD1}">
+              <a14:hiddenFill xmlns:a14="http://schemas.microsoft.com/office/drawing/2010/main">
+                <a:solidFill>
+                  <a:srgbClr val="FFFFFF"/>
+                </a:solidFill>
+              </a14:hiddenFill>
+            </a:ext>
+            <a:ext uri="{91240B29-F687-4F45-9708-019B960494DF}">
+              <a14:hiddenLine xmlns:a14="http://schemas.microsoft.com/office/drawing/2010/main" w="9525">
+                <a:solidFill>
+                  <a:srgbClr val="000000"/>
+                </a:solidFill>
+                <a:miter lim="800000"/>
+                <a:headEnd/>
+                <a:tailEnd/>
+              </a14:hiddenLine>
+            </a:ext>
+          </a:extLst>
         </p:spPr>
-        <p:txBody>
-          <a:bodyPr lIns="0" tIns="0" rIns="0" bIns="0" anchor="ctr" anchorCtr="0">
-            <a:noAutofit/>
-          </a:bodyPr>
-          <a:lstStyle/>
-          <a:p>
-            <a:pPr algn="ctr">
-              <a:buClr>
-                <a:srgbClr val="FFFF00"/>
-              </a:buClr>
-              <a:buSzPct val="25000"/>
-            </a:pPr>
-            <a:r>
-              <a:rPr lang="en" sz="3333" dirty="0">
-                <a:solidFill>
-                  <a:srgbClr val="FFFFFF"/>
-                </a:solidFill>
-                <a:latin typeface="Arial" charset="0"/>
-                <a:ea typeface="Arial" charset="0"/>
-                <a:cs typeface="Arial" charset="0"/>
-                <a:sym typeface="Cabin"/>
-              </a:rPr>
-              <a:t>Relational databases model data by storing rows and columns in tables.  The power of the relational database lies in its ability to efficiently retrieve data from those tables and in particular where there are multiple tables and the relationships between those tables involved in the query.</a:t>
-            </a:r>
-          </a:p>
-        </p:txBody>
-      </p:sp>
+      </p:pic>
     </p:spTree>
     <p:extLst>
       <p:ext uri="{BB962C8B-B14F-4D97-AF65-F5344CB8AC3E}">
-        <p14:creationId xmlns:p14="http://schemas.microsoft.com/office/powerpoint/2010/main" val="974038575"/>
+        <p14:creationId xmlns:p14="http://schemas.microsoft.com/office/powerpoint/2010/main" val="440380889"/>
       </p:ext>
     </p:extLst>
   </p:cSld>
   <p:clrMapOvr>
     <a:masterClrMapping/>
   </p:clrMapOvr>
+  <mc:AlternateContent xmlns:mc="http://schemas.openxmlformats.org/markup-compatibility/2006">
+    <mc:Choice xmlns:p14="http://schemas.microsoft.com/office/powerpoint/2010/main" Requires="p14">
+      <p:transition spd="slow" p14:dur="2000"/>
+    </mc:Choice>
+    <mc:Fallback>
+      <p:transition spd="slow"/>
+    </mc:Fallback>
+  </mc:AlternateContent>
   <p:timing>
     <p:tnLst>
       <p:par>
@@ -10231,7 +11579,7 @@
   <p:cSld>
     <p:spTree>
       <p:nvGrpSpPr>
-        <p:cNvPr id="1" name="Shape 315"/>
+        <p:cNvPr id="1" name=""/>
         <p:cNvGrpSpPr/>
         <p:nvPr/>
       </p:nvGrpSpPr>
@@ -10245,61 +11593,41 @@
       </p:grpSpPr>
       <p:sp>
         <p:nvSpPr>
-          <p:cNvPr id="316" name="Shape 316"/>
-          <p:cNvSpPr txBox="1">
-            <a:spLocks noGrp="1"/>
+          <p:cNvPr id="12289" name="Rectangle 1"/>
+          <p:cNvSpPr>
+            <a:spLocks noGrp="1" noChangeArrowheads="1"/>
           </p:cNvSpPr>
           <p:nvPr>
             <p:ph type="title"/>
           </p:nvPr>
         </p:nvSpPr>
         <p:spPr>
-          <a:prstGeom prst="rect">
-            <a:avLst/>
-          </a:prstGeom>
-          <a:noFill/>
-          <a:ln>
-            <a:noFill/>
-          </a:ln>
+          <a:xfrm>
+            <a:off x="866775" y="180975"/>
+            <a:ext cx="5915025" cy="1724025"/>
+          </a:xfrm>
         </p:spPr>
         <p:txBody>
-          <a:bodyPr vert="horz" lIns="28567" tIns="28567" rIns="28567" bIns="28567" rtlCol="0" anchor="ctr" anchorCtr="0">
-            <a:noAutofit/>
-          </a:bodyPr>
+          <a:bodyPr/>
           <a:lstStyle/>
           <a:p>
-            <a:pPr algn="ctr">
-              <a:lnSpc>
-                <a:spcPct val="100000"/>
-              </a:lnSpc>
-              <a:spcBef>
-                <a:spcPts val="0"/>
-              </a:spcBef>
-              <a:buClr>
-                <a:srgbClr val="00FF00"/>
-              </a:buClr>
-              <a:buSzPct val="25000"/>
-            </a:pPr>
-            <a:r>
-              <a:rPr lang="en" sz="5733" dirty="0">
-                <a:solidFill>
-                  <a:srgbClr val="FFD966"/>
-                </a:solidFill>
-                <a:latin typeface="Arial" charset="0"/>
-                <a:ea typeface="Arial" charset="0"/>
-                <a:cs typeface="Arial" charset="0"/>
-                <a:sym typeface="Cabin"/>
-              </a:rPr>
-              <a:t>Common Database Systems</a:t>
-            </a:r>
-          </a:p>
-        </p:txBody>
-      </p:sp>
-      <p:sp>
-        <p:nvSpPr>
-          <p:cNvPr id="317" name="Shape 317"/>
-          <p:cNvSpPr txBox="1">
-            <a:spLocks noGrp="1"/>
+            <a:pPr eaLnBrk="1" hangingPunct="1"/>
+            <a:r>
+              <a:rPr lang="en-US" altLang="x-none" sz="5400">
+                <a:solidFill>
+                  <a:srgbClr val="FFCC66"/>
+                </a:solidFill>
+              </a:rPr>
+              <a:t>SQL</a:t>
+            </a:r>
+          </a:p>
+        </p:txBody>
+      </p:sp>
+      <p:sp>
+        <p:nvSpPr>
+          <p:cNvPr id="12290" name="Rectangle 2"/>
+          <p:cNvSpPr>
+            <a:spLocks noGrp="1" noChangeArrowheads="1"/>
           </p:cNvSpPr>
           <p:nvPr>
             <p:ph type="body" idx="1"/>
@@ -10307,8 +11635,80 @@
         </p:nvSpPr>
         <p:spPr>
           <a:xfrm>
-            <a:off x="498945" y="1952625"/>
-            <a:ext cx="11339636" cy="3973716"/>
+            <a:off x="666750" y="1943100"/>
+            <a:ext cx="5343525" cy="4276725"/>
+          </a:xfrm>
+        </p:spPr>
+        <p:txBody>
+          <a:bodyPr/>
+          <a:lstStyle/>
+          <a:p>
+            <a:pPr marL="161925" indent="0">
+              <a:buNone/>
+            </a:pPr>
+            <a:r>
+              <a:rPr lang="en-US" altLang="x-none">
+                <a:solidFill>
+                  <a:srgbClr val="FFFF00"/>
+                </a:solidFill>
+              </a:rPr>
+              <a:t>Structured Query Language</a:t>
+            </a:r>
+            <a:r>
+              <a:rPr lang="en-US" altLang="x-none"/>
+              <a:t> is the language we use to issue commands to the database</a:t>
+            </a:r>
+          </a:p>
+          <a:p>
+            <a:pPr marL="600075" lvl="2" indent="0">
+              <a:buNone/>
+            </a:pPr>
+            <a:r>
+              <a:rPr lang="en-US" altLang="x-none"/>
+              <a:t>-  Create/Insert data</a:t>
+            </a:r>
+          </a:p>
+          <a:p>
+            <a:pPr marL="600075" lvl="2" indent="0">
+              <a:buNone/>
+            </a:pPr>
+            <a:r>
+              <a:rPr lang="en-US" altLang="x-none"/>
+              <a:t>-  Read/Select some data</a:t>
+            </a:r>
+          </a:p>
+          <a:p>
+            <a:pPr marL="600075" lvl="2" indent="0">
+              <a:buNone/>
+            </a:pPr>
+            <a:r>
+              <a:rPr lang="en-US" altLang="x-none"/>
+              <a:t>-  Update data</a:t>
+            </a:r>
+          </a:p>
+          <a:p>
+            <a:pPr marL="600075" lvl="2" indent="0">
+              <a:buNone/>
+            </a:pPr>
+            <a:r>
+              <a:rPr lang="en-US" altLang="x-none"/>
+              <a:t>-  Delete data </a:t>
+            </a:r>
+          </a:p>
+        </p:txBody>
+      </p:sp>
+      <p:sp>
+        <p:nvSpPr>
+          <p:cNvPr id="12291" name="Rectangle 3"/>
+          <p:cNvSpPr>
+            <a:spLocks/>
+          </p:cNvSpPr>
+          <p:nvPr/>
+        </p:nvSpPr>
+        <p:spPr bwMode="auto">
+          <a:xfrm>
+            <a:off x="3524250" y="5600731"/>
+            <a:ext cx="8354616" cy="830997"/>
           </a:xfrm>
           <a:prstGeom prst="rect">
             <a:avLst/>
@@ -10317,296 +11717,244 @@
           <a:ln>
             <a:noFill/>
           </a:ln>
+          <a:extLst>
+            <a:ext uri="{909E8E84-426E-40DD-AFC4-6F175D3DCCD1}">
+              <a14:hiddenFill xmlns:a14="http://schemas.microsoft.com/office/drawing/2010/main">
+                <a:solidFill>
+                  <a:srgbClr val="FFFFFF"/>
+                </a:solidFill>
+              </a14:hiddenFill>
+            </a:ext>
+            <a:ext uri="{91240B29-F687-4F45-9708-019B960494DF}">
+              <a14:hiddenLine xmlns:a14="http://schemas.microsoft.com/office/drawing/2010/main" w="12700">
+                <a:solidFill>
+                  <a:srgbClr val="000000"/>
+                </a:solidFill>
+                <a:miter lim="800000"/>
+                <a:headEnd/>
+                <a:tailEnd/>
+              </a14:hiddenLine>
+            </a:ext>
+          </a:extLst>
         </p:spPr>
         <p:txBody>
-          <a:bodyPr vert="horz" lIns="28567" tIns="28567" rIns="28567" bIns="28567" rtlCol="0" anchor="ctr" anchorCtr="0">
-            <a:noAutofit/>
+          <a:bodyPr lIns="0" tIns="0" rIns="0" bIns="0" anchor="ctr">
+            <a:spAutoFit/>
           </a:bodyPr>
-          <a:lstStyle/>
-          <a:p>
-            <a:pPr marL="338658" indent="-338658">
-              <a:lnSpc>
-                <a:spcPct val="100000"/>
-              </a:lnSpc>
+          <a:lstStyle>
+            <a:lvl1pPr>
+              <a:defRPr sz="3600">
+                <a:solidFill>
+                  <a:srgbClr val="FFFFFF"/>
+                </a:solidFill>
+                <a:latin typeface="Gill Sans" charset="0"/>
+                <a:ea typeface="ヒラギノ角ゴ ProN W3" charset="-128"/>
+                <a:sym typeface="Gill Sans" charset="0"/>
+              </a:defRPr>
+            </a:lvl1pPr>
+            <a:lvl2pPr marL="742950" indent="-285750">
+              <a:defRPr sz="3600">
+                <a:solidFill>
+                  <a:srgbClr val="FFFFFF"/>
+                </a:solidFill>
+                <a:latin typeface="Gill Sans" charset="0"/>
+                <a:ea typeface="ヒラギノ角ゴ ProN W3" charset="-128"/>
+                <a:sym typeface="Gill Sans" charset="0"/>
+              </a:defRPr>
+            </a:lvl2pPr>
+            <a:lvl3pPr marL="1143000" indent="-228600">
+              <a:defRPr sz="3600">
+                <a:solidFill>
+                  <a:srgbClr val="FFFFFF"/>
+                </a:solidFill>
+                <a:latin typeface="Gill Sans" charset="0"/>
+                <a:ea typeface="ヒラギノ角ゴ ProN W3" charset="-128"/>
+                <a:sym typeface="Gill Sans" charset="0"/>
+              </a:defRPr>
+            </a:lvl3pPr>
+            <a:lvl4pPr marL="1600200" indent="-228600">
+              <a:defRPr sz="3600">
+                <a:solidFill>
+                  <a:srgbClr val="FFFFFF"/>
+                </a:solidFill>
+                <a:latin typeface="Gill Sans" charset="0"/>
+                <a:ea typeface="ヒラギノ角ゴ ProN W3" charset="-128"/>
+                <a:sym typeface="Gill Sans" charset="0"/>
+              </a:defRPr>
+            </a:lvl4pPr>
+            <a:lvl5pPr marL="2057400" indent="-228600">
+              <a:defRPr sz="3600">
+                <a:solidFill>
+                  <a:srgbClr val="FFFFFF"/>
+                </a:solidFill>
+                <a:latin typeface="Gill Sans" charset="0"/>
+                <a:ea typeface="ヒラギノ角ゴ ProN W3" charset="-128"/>
+                <a:sym typeface="Gill Sans" charset="0"/>
+              </a:defRPr>
+            </a:lvl5pPr>
+            <a:lvl6pPr marL="2514600" indent="-228600" eaLnBrk="0" fontAlgn="base" hangingPunct="0">
               <a:spcBef>
-                <a:spcPts val="0"/>
+                <a:spcPct val="0"/>
               </a:spcBef>
-              <a:buClr>
-                <a:schemeClr val="lt1"/>
-              </a:buClr>
-              <a:buSzPct val="100000"/>
-              <a:buFont typeface="Cabin"/>
-              <a:buChar char="•"/>
-            </a:pPr>
-            <a:r>
-              <a:rPr lang="en" sz="2667" dirty="0">
-                <a:solidFill>
-                  <a:schemeClr val="lt1"/>
-                </a:solidFill>
-                <a:latin typeface="Arial" charset="0"/>
-                <a:ea typeface="Arial" charset="0"/>
-                <a:cs typeface="Arial" charset="0"/>
-                <a:sym typeface="Cabin"/>
-              </a:rPr>
-              <a:t>Three major Database Management Systems in wide use</a:t>
-            </a:r>
-          </a:p>
-          <a:p>
-            <a:pPr marL="338658" lvl="1" indent="0">
-              <a:lnSpc>
-                <a:spcPct val="100000"/>
-              </a:lnSpc>
+              <a:spcAft>
+                <a:spcPct val="0"/>
+              </a:spcAft>
+              <a:defRPr sz="3600">
+                <a:solidFill>
+                  <a:srgbClr val="FFFFFF"/>
+                </a:solidFill>
+                <a:latin typeface="Gill Sans" charset="0"/>
+                <a:ea typeface="ヒラギノ角ゴ ProN W3" charset="-128"/>
+                <a:sym typeface="Gill Sans" charset="0"/>
+              </a:defRPr>
+            </a:lvl6pPr>
+            <a:lvl7pPr marL="2971800" indent="-228600" eaLnBrk="0" fontAlgn="base" hangingPunct="0">
               <a:spcBef>
-                <a:spcPts val="800"/>
+                <a:spcPct val="0"/>
               </a:spcBef>
-              <a:buClr>
-                <a:schemeClr val="lt1"/>
-              </a:buClr>
-              <a:buSzPct val="100000"/>
-              <a:buNone/>
-            </a:pPr>
-            <a:r>
-              <a:rPr lang="en-US" sz="2667" dirty="0">
-                <a:solidFill>
-                  <a:srgbClr val="00FF00"/>
-                </a:solidFill>
-                <a:latin typeface="Arial" charset="0"/>
-                <a:ea typeface="Arial" charset="0"/>
-                <a:cs typeface="Arial" charset="0"/>
-                <a:sym typeface="Cabin"/>
-              </a:rPr>
-              <a:t>-  </a:t>
-            </a:r>
-            <a:r>
-              <a:rPr lang="en" sz="2667" dirty="0">
-                <a:solidFill>
-                  <a:srgbClr val="00FF00"/>
-                </a:solidFill>
-                <a:latin typeface="Arial" charset="0"/>
-                <a:ea typeface="Arial" charset="0"/>
-                <a:cs typeface="Arial" charset="0"/>
-                <a:sym typeface="Cabin"/>
-              </a:rPr>
-              <a:t>Oracle</a:t>
-            </a:r>
-            <a:r>
-              <a:rPr lang="en" sz="2667" dirty="0">
-                <a:solidFill>
-                  <a:schemeClr val="lt1"/>
-                </a:solidFill>
-                <a:latin typeface="Arial" charset="0"/>
-                <a:ea typeface="Arial" charset="0"/>
-                <a:cs typeface="Arial" charset="0"/>
-                <a:sym typeface="Cabin"/>
-              </a:rPr>
-              <a:t> - Large, commercial, enterprise-scale, very very tweakable</a:t>
-            </a:r>
-          </a:p>
-          <a:p>
-            <a:pPr marL="338658" lvl="1" indent="0">
-              <a:lnSpc>
-                <a:spcPct val="100000"/>
-              </a:lnSpc>
+              <a:spcAft>
+                <a:spcPct val="0"/>
+              </a:spcAft>
+              <a:defRPr sz="3600">
+                <a:solidFill>
+                  <a:srgbClr val="FFFFFF"/>
+                </a:solidFill>
+                <a:latin typeface="Gill Sans" charset="0"/>
+                <a:ea typeface="ヒラギノ角ゴ ProN W3" charset="-128"/>
+                <a:sym typeface="Gill Sans" charset="0"/>
+              </a:defRPr>
+            </a:lvl7pPr>
+            <a:lvl8pPr marL="3429000" indent="-228600" eaLnBrk="0" fontAlgn="base" hangingPunct="0">
               <a:spcBef>
-                <a:spcPts val="800"/>
+                <a:spcPct val="0"/>
               </a:spcBef>
-              <a:buClr>
-                <a:schemeClr val="lt1"/>
-              </a:buClr>
-              <a:buSzPct val="100000"/>
-              <a:buNone/>
-            </a:pPr>
-            <a:r>
-              <a:rPr lang="en-US" sz="2667" dirty="0" err="1">
-                <a:solidFill>
-                  <a:srgbClr val="00FF00"/>
-                </a:solidFill>
-                <a:latin typeface="Arial" charset="0"/>
-                <a:ea typeface="Arial" charset="0"/>
-                <a:cs typeface="Arial" charset="0"/>
-                <a:sym typeface="Cabin"/>
-              </a:rPr>
-              <a:t>-  </a:t>
-            </a:r>
-            <a:r>
-              <a:rPr lang="en" sz="2667" dirty="0" err="1">
-                <a:solidFill>
-                  <a:srgbClr val="00FF00"/>
-                </a:solidFill>
-                <a:latin typeface="Arial" charset="0"/>
-                <a:ea typeface="Arial" charset="0"/>
-                <a:cs typeface="Arial" charset="0"/>
-                <a:sym typeface="Cabin"/>
-              </a:rPr>
-              <a:t>MySql</a:t>
-            </a:r>
-            <a:r>
-              <a:rPr lang="en" sz="2667" dirty="0">
-                <a:solidFill>
-                  <a:schemeClr val="lt1"/>
-                </a:solidFill>
-                <a:latin typeface="Arial" charset="0"/>
-                <a:ea typeface="Arial" charset="0"/>
-                <a:cs typeface="Arial" charset="0"/>
-                <a:sym typeface="Cabin"/>
-              </a:rPr>
-              <a:t> - Simpler but very fast and scalable - commercial open source</a:t>
-            </a:r>
-          </a:p>
-          <a:p>
-            <a:pPr marL="338658" lvl="1" indent="0">
-              <a:lnSpc>
-                <a:spcPct val="100000"/>
-              </a:lnSpc>
+              <a:spcAft>
+                <a:spcPct val="0"/>
+              </a:spcAft>
+              <a:defRPr sz="3600">
+                <a:solidFill>
+                  <a:srgbClr val="FFFFFF"/>
+                </a:solidFill>
+                <a:latin typeface="Gill Sans" charset="0"/>
+                <a:ea typeface="ヒラギノ角ゴ ProN W3" charset="-128"/>
+                <a:sym typeface="Gill Sans" charset="0"/>
+              </a:defRPr>
+            </a:lvl8pPr>
+            <a:lvl9pPr marL="3886200" indent="-228600" eaLnBrk="0" fontAlgn="base" hangingPunct="0">
               <a:spcBef>
-                <a:spcPts val="800"/>
+                <a:spcPct val="0"/>
               </a:spcBef>
-              <a:buClr>
-                <a:schemeClr val="lt1"/>
-              </a:buClr>
-              <a:buSzPct val="100000"/>
-              <a:buNone/>
-            </a:pPr>
-            <a:r>
-              <a:rPr lang="en-US" sz="2667" dirty="0" err="1">
-                <a:solidFill>
-                  <a:srgbClr val="00FF00"/>
-                </a:solidFill>
-                <a:latin typeface="Arial" charset="0"/>
-                <a:ea typeface="Arial" charset="0"/>
-                <a:cs typeface="Arial" charset="0"/>
-                <a:sym typeface="Cabin"/>
-              </a:rPr>
-              <a:t>-  </a:t>
-            </a:r>
-            <a:r>
-              <a:rPr lang="en" sz="2667" dirty="0" err="1">
-                <a:solidFill>
-                  <a:srgbClr val="00FF00"/>
-                </a:solidFill>
-                <a:latin typeface="Arial" charset="0"/>
-                <a:ea typeface="Arial" charset="0"/>
-                <a:cs typeface="Arial" charset="0"/>
-                <a:sym typeface="Cabin"/>
-              </a:rPr>
-              <a:t>SqlServer</a:t>
-            </a:r>
-            <a:r>
-              <a:rPr lang="en" sz="2667" dirty="0">
-                <a:solidFill>
-                  <a:schemeClr val="lt1"/>
-                </a:solidFill>
-                <a:latin typeface="Arial" charset="0"/>
-                <a:ea typeface="Arial" charset="0"/>
-                <a:cs typeface="Arial" charset="0"/>
-                <a:sym typeface="Cabin"/>
-              </a:rPr>
-              <a:t> - Very nice - from Microsoft (also Access)</a:t>
-            </a:r>
-          </a:p>
-          <a:p>
-            <a:pPr marL="338658" indent="-338658">
-              <a:lnSpc>
-                <a:spcPct val="100000"/>
-              </a:lnSpc>
-              <a:spcBef>
-                <a:spcPts val="800"/>
-              </a:spcBef>
-              <a:buClr>
-                <a:schemeClr val="lt1"/>
-              </a:buClr>
-              <a:buSzPct val="100000"/>
-              <a:buFont typeface="Cabin"/>
-              <a:buChar char="•"/>
-            </a:pPr>
-            <a:r>
-              <a:rPr lang="en" sz="2667" dirty="0">
-                <a:solidFill>
-                  <a:schemeClr val="lt1"/>
-                </a:solidFill>
-                <a:latin typeface="Arial" charset="0"/>
-                <a:ea typeface="Arial" charset="0"/>
-                <a:cs typeface="Arial" charset="0"/>
-                <a:sym typeface="Cabin"/>
-              </a:rPr>
-              <a:t>Many other smaller projects, free and open source</a:t>
-            </a:r>
-          </a:p>
-          <a:p>
-            <a:pPr marL="338658" lvl="1" indent="0">
-              <a:lnSpc>
-                <a:spcPct val="100000"/>
-              </a:lnSpc>
-              <a:spcBef>
-                <a:spcPts val="800"/>
-              </a:spcBef>
-              <a:buClr>
-                <a:schemeClr val="lt1"/>
-              </a:buClr>
-              <a:buSzPct val="100000"/>
-              <a:buNone/>
-            </a:pPr>
-            <a:r>
-              <a:rPr lang="en-US" sz="2667" dirty="0">
-                <a:solidFill>
-                  <a:schemeClr val="lt1"/>
-                </a:solidFill>
-                <a:latin typeface="Arial" charset="0"/>
-                <a:ea typeface="Arial" charset="0"/>
-                <a:cs typeface="Arial" charset="0"/>
-                <a:sym typeface="Cabin"/>
-              </a:rPr>
-              <a:t>-  </a:t>
-            </a:r>
-            <a:r>
-              <a:rPr lang="en" sz="2667" dirty="0">
-                <a:solidFill>
-                  <a:schemeClr val="lt1"/>
-                </a:solidFill>
-                <a:latin typeface="Arial" charset="0"/>
-                <a:ea typeface="Arial" charset="0"/>
-                <a:cs typeface="Arial" charset="0"/>
-                <a:sym typeface="Cabin"/>
-              </a:rPr>
-              <a:t>HSQL, </a:t>
-            </a:r>
-            <a:r>
-              <a:rPr lang="en" sz="2667" dirty="0">
-                <a:solidFill>
-                  <a:srgbClr val="00FF00"/>
-                </a:solidFill>
-                <a:latin typeface="Arial" charset="0"/>
-                <a:ea typeface="Arial" charset="0"/>
-                <a:cs typeface="Arial" charset="0"/>
-                <a:sym typeface="Cabin"/>
-              </a:rPr>
-              <a:t>SQLite</a:t>
-            </a:r>
-            <a:r>
-              <a:rPr lang="en" sz="2667" dirty="0">
-                <a:solidFill>
-                  <a:schemeClr val="lt1"/>
-                </a:solidFill>
-                <a:latin typeface="Arial" charset="0"/>
-                <a:ea typeface="Arial" charset="0"/>
-                <a:cs typeface="Arial" charset="0"/>
-                <a:sym typeface="Cabin"/>
-              </a:rPr>
-              <a:t>, Postgres, ... </a:t>
-            </a:r>
-          </a:p>
-        </p:txBody>
-      </p:sp>
+              <a:spcAft>
+                <a:spcPct val="0"/>
+              </a:spcAft>
+              <a:defRPr sz="3600">
+                <a:solidFill>
+                  <a:srgbClr val="FFFFFF"/>
+                </a:solidFill>
+                <a:latin typeface="Gill Sans" charset="0"/>
+                <a:ea typeface="ヒラギノ角ゴ ProN W3" charset="-128"/>
+                <a:sym typeface="Gill Sans" charset="0"/>
+              </a:defRPr>
+            </a:lvl9pPr>
+          </a:lstStyle>
+          <a:p>
+            <a:pPr algn="r" eaLnBrk="1" hangingPunct="1"/>
+            <a:r>
+              <a:rPr lang="en-US" altLang="x-none" sz="2700">
+                <a:solidFill>
+                  <a:srgbClr val="FFFF00"/>
+                </a:solidFill>
+                <a:ea typeface="ＭＳ Ｐゴシック" charset="-128"/>
+              </a:rPr>
+              <a:t>http://en.wikipedia.org/wiki/SQL</a:t>
+            </a:r>
+          </a:p>
+          <a:p>
+            <a:pPr algn="r" eaLnBrk="1" hangingPunct="1"/>
+            <a:r>
+              <a:rPr lang="en-US" altLang="x-none" sz="2700">
+                <a:solidFill>
+                  <a:srgbClr val="FFFF00"/>
+                </a:solidFill>
+                <a:ea typeface="ＭＳ Ｐゴシック" charset="-128"/>
+              </a:rPr>
+              <a:t>https://en.wikipedia.org/wiki/ANSI-SPARC_Architecture</a:t>
+            </a:r>
+          </a:p>
+        </p:txBody>
+      </p:sp>
+      <p:pic>
+        <p:nvPicPr>
+          <p:cNvPr id="12292" name="Picture 4" descr="ANSI-SPARC_DB_model.jpg"/>
+          <p:cNvPicPr>
+            <a:picLocks noChangeAspect="1"/>
+          </p:cNvPicPr>
+          <p:nvPr/>
+        </p:nvPicPr>
+        <p:blipFill>
+          <a:blip r:embed="rId3">
+            <a:extLst>
+              <a:ext uri="{28A0092B-C50C-407E-A947-70E740481C1C}">
+                <a14:useLocalDpi xmlns:a14="http://schemas.microsoft.com/office/drawing/2010/main" val="0"/>
+              </a:ext>
+            </a:extLst>
+          </a:blip>
+          <a:srcRect/>
+          <a:stretch>
+            <a:fillRect/>
+          </a:stretch>
+        </p:blipFill>
+        <p:spPr bwMode="auto">
+          <a:xfrm>
+            <a:off x="7467601" y="1200150"/>
+            <a:ext cx="4242197" cy="4129088"/>
+          </a:xfrm>
+          <a:prstGeom prst="rect">
+            <a:avLst/>
+          </a:prstGeom>
+          <a:noFill/>
+          <a:ln>
+            <a:noFill/>
+          </a:ln>
+          <a:extLst>
+            <a:ext uri="{909E8E84-426E-40DD-AFC4-6F175D3DCCD1}">
+              <a14:hiddenFill xmlns:a14="http://schemas.microsoft.com/office/drawing/2010/main">
+                <a:solidFill>
+                  <a:srgbClr val="FFFFFF"/>
+                </a:solidFill>
+              </a14:hiddenFill>
+            </a:ext>
+            <a:ext uri="{91240B29-F687-4F45-9708-019B960494DF}">
+              <a14:hiddenLine xmlns:a14="http://schemas.microsoft.com/office/drawing/2010/main" w="9525">
+                <a:solidFill>
+                  <a:srgbClr val="000000"/>
+                </a:solidFill>
+                <a:miter lim="800000"/>
+                <a:headEnd/>
+                <a:tailEnd/>
+              </a14:hiddenLine>
+            </a:ext>
+          </a:extLst>
+        </p:spPr>
+      </p:pic>
     </p:spTree>
     <p:extLst>
       <p:ext uri="{BB962C8B-B14F-4D97-AF65-F5344CB8AC3E}">
-        <p14:creationId xmlns:p14="http://schemas.microsoft.com/office/powerpoint/2010/main" val="2143205398"/>
+        <p14:creationId xmlns:p14="http://schemas.microsoft.com/office/powerpoint/2010/main" val="278917481"/>
       </p:ext>
     </p:extLst>
   </p:cSld>
   <p:clrMapOvr>
     <a:masterClrMapping/>
   </p:clrMapOvr>
+  <mc:AlternateContent xmlns:mc="http://schemas.openxmlformats.org/markup-compatibility/2006">
+    <mc:Choice xmlns:p14="http://schemas.microsoft.com/office/powerpoint/2010/main" Requires="p14">
+      <p:transition spd="slow" p14:dur="2000"/>
+    </mc:Choice>
+    <mc:Fallback>
+      <p:transition spd="slow"/>
+    </mc:Fallback>
+  </mc:AlternateContent>
   <p:timing>
     <p:tnLst>
       <p:par>
@@ -10622,7 +11970,7 @@
   <p:cSld>
     <p:spTree>
       <p:nvGrpSpPr>
-        <p:cNvPr id="1" name="Shape 308"/>
+        <p:cNvPr id="1" name="Shape 220"/>
         <p:cNvGrpSpPr/>
         <p:nvPr/>
       </p:nvGrpSpPr>
@@ -10636,7 +11984,7 @@
       </p:grpSpPr>
       <p:sp>
         <p:nvSpPr>
-          <p:cNvPr id="309" name="Shape 309"/>
+          <p:cNvPr id="221" name="Shape 221"/>
           <p:cNvSpPr txBox="1">
             <a:spLocks noGrp="1"/>
           </p:cNvSpPr>
@@ -10681,21 +12029,21 @@
                 <a:cs typeface="Arial" charset="0"/>
                 <a:sym typeface="Cabin"/>
               </a:rPr>
-              <a:t>Database Model</a:t>
-            </a:r>
-          </a:p>
-        </p:txBody>
-      </p:sp>
-      <p:sp>
-        <p:nvSpPr>
-          <p:cNvPr id="310" name="Shape 310"/>
+              <a:t>Relational Databases</a:t>
+            </a:r>
+          </a:p>
+        </p:txBody>
+      </p:sp>
+      <p:sp>
+        <p:nvSpPr>
+          <p:cNvPr id="222" name="Shape 222"/>
           <p:cNvSpPr txBox="1"/>
           <p:nvPr/>
         </p:nvSpPr>
         <p:spPr>
           <a:xfrm>
-            <a:off x="2524960" y="5781455"/>
-            <a:ext cx="7383371" cy="466800"/>
+            <a:off x="2373748" y="5850269"/>
+            <a:ext cx="7711875" cy="466648"/>
           </a:xfrm>
           <a:prstGeom prst="rect">
             <a:avLst/>
@@ -10713,7 +12061,7 @@
           <a:p>
             <a:pPr algn="ctr">
               <a:buClr>
-                <a:srgbClr val="FFFF00"/>
+                <a:schemeClr val="lt1"/>
               </a:buClr>
               <a:buSzPct val="25000"/>
             </a:pPr>
@@ -10728,21 +12076,21 @@
                 <a:sym typeface="Cabin"/>
                 <a:hlinkClick r:id="rId3"/>
               </a:rPr>
-              <a:t>http://en.wikipedia.org/wiki/Database_model</a:t>
-            </a:r>
-          </a:p>
-        </p:txBody>
-      </p:sp>
-      <p:sp>
-        <p:nvSpPr>
-          <p:cNvPr id="311" name="Shape 311"/>
+              <a:t>http://en.wikipedia.org/wiki/Relational_database</a:t>
+            </a:r>
+          </a:p>
+        </p:txBody>
+      </p:sp>
+      <p:sp>
+        <p:nvSpPr>
+          <p:cNvPr id="223" name="Shape 223"/>
           <p:cNvSpPr txBox="1"/>
           <p:nvPr/>
         </p:nvSpPr>
         <p:spPr>
           <a:xfrm>
-            <a:off x="1712119" y="1985962"/>
-            <a:ext cx="8753399" cy="3409873"/>
+            <a:off x="1443791" y="1995487"/>
+            <a:ext cx="9571789" cy="3409948"/>
           </a:xfrm>
           <a:prstGeom prst="rect">
             <a:avLst/>
@@ -10760,93 +12108,21 @@
           <a:p>
             <a:pPr algn="ctr">
               <a:buClr>
-                <a:schemeClr val="lt1"/>
+                <a:srgbClr val="FFFF00"/>
               </a:buClr>
               <a:buSzPct val="25000"/>
             </a:pPr>
             <a:r>
-              <a:rPr lang="en" sz="2800" dirty="0">
-                <a:solidFill>
-                  <a:schemeClr val="lt1"/>
+              <a:rPr lang="en" sz="3333" dirty="0">
+                <a:solidFill>
+                  <a:srgbClr val="FFFFFF"/>
                 </a:solidFill>
                 <a:latin typeface="Arial" charset="0"/>
                 <a:ea typeface="Arial" charset="0"/>
                 <a:cs typeface="Arial" charset="0"/>
                 <a:sym typeface="Cabin"/>
               </a:rPr>
-              <a:t>A </a:t>
-            </a:r>
-            <a:r>
-              <a:rPr lang="en" sz="2800" dirty="0">
-                <a:solidFill>
-                  <a:srgbClr val="00FF00"/>
-                </a:solidFill>
-                <a:latin typeface="Arial" charset="0"/>
-                <a:ea typeface="Arial" charset="0"/>
-                <a:cs typeface="Arial" charset="0"/>
-                <a:sym typeface="Cabin"/>
-              </a:rPr>
-              <a:t>database model</a:t>
-            </a:r>
-            <a:r>
-              <a:rPr lang="en" sz="2800" dirty="0">
-                <a:solidFill>
-                  <a:schemeClr val="lt1"/>
-                </a:solidFill>
-                <a:latin typeface="Arial" charset="0"/>
-                <a:ea typeface="Arial" charset="0"/>
-                <a:cs typeface="Arial" charset="0"/>
-                <a:sym typeface="Cabin"/>
-              </a:rPr>
-              <a:t> or </a:t>
-            </a:r>
-            <a:r>
-              <a:rPr lang="en" sz="2800" dirty="0">
-                <a:solidFill>
-                  <a:srgbClr val="00FF00"/>
-                </a:solidFill>
-                <a:latin typeface="Arial" charset="0"/>
-                <a:ea typeface="Arial" charset="0"/>
-                <a:cs typeface="Arial" charset="0"/>
-                <a:sym typeface="Cabin"/>
-              </a:rPr>
-              <a:t>database schema</a:t>
-            </a:r>
-            <a:r>
-              <a:rPr lang="en" sz="2800" dirty="0">
-                <a:solidFill>
-                  <a:schemeClr val="lt1"/>
-                </a:solidFill>
-                <a:latin typeface="Arial" charset="0"/>
-                <a:ea typeface="Arial" charset="0"/>
-                <a:cs typeface="Arial" charset="0"/>
-                <a:sym typeface="Cabin"/>
-              </a:rPr>
-              <a:t> is the </a:t>
-            </a:r>
-            <a:r>
-              <a:rPr lang="en" sz="2800" dirty="0">
-                <a:solidFill>
-                  <a:srgbClr val="FF00FF"/>
-                </a:solidFill>
-                <a:latin typeface="Arial" charset="0"/>
-                <a:ea typeface="Arial" charset="0"/>
-                <a:cs typeface="Arial" charset="0"/>
-                <a:sym typeface="Cabin"/>
-              </a:rPr>
-              <a:t>structure or format of a database</a:t>
-            </a:r>
-            <a:r>
-              <a:rPr lang="en" sz="2800" dirty="0">
-                <a:solidFill>
-                  <a:schemeClr val="lt1"/>
-                </a:solidFill>
-                <a:latin typeface="Arial" charset="0"/>
-                <a:ea typeface="Arial" charset="0"/>
-                <a:cs typeface="Arial" charset="0"/>
-                <a:sym typeface="Cabin"/>
-              </a:rPr>
-              <a:t>, described in a formal language supported by the database management system. In other words, a “database model” is the application of a data model when used in conjunction with a database management system.</a:t>
+              <a:t>Relational databases model data by storing rows and columns in tables.  The power of the relational database lies in its ability to efficiently retrieve data from those tables and in particular where there are multiple tables and the relationships between those tables involved in the query.</a:t>
             </a:r>
           </a:p>
         </p:txBody>
@@ -10854,7 +12130,7 @@
     </p:spTree>
     <p:extLst>
       <p:ext uri="{BB962C8B-B14F-4D97-AF65-F5344CB8AC3E}">
-        <p14:creationId xmlns:p14="http://schemas.microsoft.com/office/powerpoint/2010/main" val="996950163"/>
+        <p14:creationId xmlns:p14="http://schemas.microsoft.com/office/powerpoint/2010/main" val="974038575"/>
       </p:ext>
     </p:extLst>
   </p:cSld>
@@ -10876,7 +12152,7 @@
   <p:cSld>
     <p:spTree>
       <p:nvGrpSpPr>
-        <p:cNvPr id="1" name="Shape 372"/>
+        <p:cNvPr id="1" name="Shape 315"/>
         <p:cNvGrpSpPr/>
         <p:nvPr/>
       </p:nvGrpSpPr>
@@ -10890,7 +12166,7 @@
       </p:grpSpPr>
       <p:sp>
         <p:nvSpPr>
-          <p:cNvPr id="373" name="Shape 373"/>
+          <p:cNvPr id="316" name="Shape 316"/>
           <p:cNvSpPr txBox="1">
             <a:spLocks noGrp="1"/>
           </p:cNvSpPr>
@@ -10921,7 +12197,7 @@
                 <a:spcPts val="0"/>
               </a:spcBef>
               <a:buClr>
-                <a:srgbClr val="FFFF00"/>
+                <a:srgbClr val="00FF00"/>
               </a:buClr>
               <a:buSzPct val="25000"/>
             </a:pPr>
@@ -10935,21 +12211,25 @@
                 <a:cs typeface="Arial" charset="0"/>
                 <a:sym typeface="Cabin"/>
               </a:rPr>
-              <a:t>SQL</a:t>
-            </a:r>
-          </a:p>
-        </p:txBody>
-      </p:sp>
-      <p:sp>
-        <p:nvSpPr>
-          <p:cNvPr id="375" name="Shape 375"/>
-          <p:cNvSpPr txBox="1"/>
-          <p:nvPr/>
+              <a:t>Common Database Systems</a:t>
+            </a:r>
+          </a:p>
+        </p:txBody>
+      </p:sp>
+      <p:sp>
+        <p:nvSpPr>
+          <p:cNvPr id="317" name="Shape 317"/>
+          <p:cNvSpPr txBox="1">
+            <a:spLocks noGrp="1"/>
+          </p:cNvSpPr>
+          <p:nvPr>
+            <p:ph type="body" idx="1"/>
+          </p:nvPr>
         </p:nvSpPr>
         <p:spPr>
           <a:xfrm>
-            <a:off x="6663397" y="6008288"/>
-            <a:ext cx="5084999" cy="466648"/>
+            <a:off x="498945" y="1952625"/>
+            <a:ext cx="11339636" cy="3973716"/>
           </a:xfrm>
           <a:prstGeom prst="rect">
             <a:avLst/>
@@ -10960,63 +12240,12 @@
           </a:ln>
         </p:spPr>
         <p:txBody>
-          <a:bodyPr lIns="0" tIns="0" rIns="0" bIns="0" anchor="ctr" anchorCtr="0">
-            <a:noAutofit/>
-          </a:bodyPr>
-          <a:lstStyle/>
-          <a:p>
-            <a:pPr algn="ctr">
-              <a:buClr>
-                <a:schemeClr val="lt1"/>
-              </a:buClr>
-              <a:buSzPct val="25000"/>
-            </a:pPr>
-            <a:r>
-              <a:rPr lang="en" sz="2667" u="sng" dirty="0">
-                <a:solidFill>
-                  <a:srgbClr val="FFFF00"/>
-                </a:solidFill>
-                <a:latin typeface="Arial" charset="0"/>
-                <a:ea typeface="Arial" charset="0"/>
-                <a:cs typeface="Arial" charset="0"/>
-                <a:sym typeface="Cabin"/>
-                <a:hlinkClick r:id="rId3"/>
-              </a:rPr>
-              <a:t>http://en.wikipedia.org/wiki/SQL</a:t>
-            </a:r>
-          </a:p>
-        </p:txBody>
-      </p:sp>
-      <p:sp>
-        <p:nvSpPr>
-          <p:cNvPr id="6" name="Shape 249"/>
-          <p:cNvSpPr txBox="1">
-            <a:spLocks noGrp="1"/>
-          </p:cNvSpPr>
-          <p:nvPr>
-            <p:ph type="body" idx="1"/>
-          </p:nvPr>
-        </p:nvSpPr>
-        <p:spPr>
-          <a:xfrm>
-            <a:off x="866775" y="1952625"/>
-            <a:ext cx="10449000" cy="3837652"/>
-          </a:xfrm>
-          <a:prstGeom prst="rect">
-            <a:avLst/>
-          </a:prstGeom>
-          <a:noFill/>
-          <a:ln>
-            <a:noFill/>
-          </a:ln>
-        </p:spPr>
-        <p:txBody>
           <a:bodyPr vert="horz" lIns="28567" tIns="28567" rIns="28567" bIns="28567" rtlCol="0" anchor="ctr" anchorCtr="0">
             <a:noAutofit/>
           </a:bodyPr>
           <a:lstStyle/>
           <a:p>
-            <a:pPr marL="0" indent="0">
+            <a:pPr marL="338658" indent="-338658">
               <a:lnSpc>
                 <a:spcPct val="100000"/>
               </a:lnSpc>
@@ -11027,31 +12256,20 @@
                 <a:schemeClr val="lt1"/>
               </a:buClr>
               <a:buSzPct val="100000"/>
-              <a:buNone/>
+              <a:buFont typeface="Cabin"/>
+              <a:buChar char="•"/>
             </a:pPr>
             <a:r>
               <a:rPr lang="en" sz="2667" dirty="0">
                 <a:solidFill>
-                  <a:srgbClr val="FFFF00"/>
+                  <a:schemeClr val="lt1"/>
                 </a:solidFill>
                 <a:latin typeface="Arial" charset="0"/>
                 <a:ea typeface="Arial" charset="0"/>
                 <a:cs typeface="Arial" charset="0"/>
                 <a:sym typeface="Cabin"/>
               </a:rPr>
-              <a:t>Structured Query Language</a:t>
-            </a:r>
-            <a:r>
-              <a:rPr lang="en" sz="2667" dirty="0">
-                <a:solidFill>
-                  <a:schemeClr val="lt1"/>
-                </a:solidFill>
-                <a:latin typeface="Arial" charset="0"/>
-                <a:ea typeface="Arial" charset="0"/>
-                <a:cs typeface="Arial" charset="0"/>
-                <a:sym typeface="Cabin"/>
-              </a:rPr>
-              <a:t> is the language we use to issue commands to the database</a:t>
+              <a:t>Three major Database Management Systems in wide use</a:t>
             </a:r>
           </a:p>
           <a:p>
@@ -11060,7 +12278,7 @@
                 <a:spcPct val="100000"/>
               </a:lnSpc>
               <a:spcBef>
-                <a:spcPts val="3333"/>
+                <a:spcPts val="800"/>
               </a:spcBef>
               <a:buClr>
                 <a:schemeClr val="lt1"/>
@@ -11071,7 +12289,7 @@
             <a:r>
               <a:rPr lang="en-US" sz="2667" dirty="0">
                 <a:solidFill>
-                  <a:schemeClr val="lt1"/>
+                  <a:srgbClr val="00FF00"/>
                 </a:solidFill>
                 <a:latin typeface="Arial" charset="0"/>
                 <a:ea typeface="Arial" charset="0"/>
@@ -11083,17 +12301,17 @@
             <a:r>
               <a:rPr lang="en" sz="2667" dirty="0">
                 <a:solidFill>
-                  <a:schemeClr val="lt1"/>
+                  <a:srgbClr val="00FF00"/>
                 </a:solidFill>
                 <a:latin typeface="Arial" charset="0"/>
                 <a:ea typeface="Arial" charset="0"/>
                 <a:cs typeface="Arial" charset="0"/>
                 <a:sym typeface="Cabin"/>
               </a:rPr>
-              <a:t>Create </a:t>
-            </a:r>
-            <a:r>
-              <a:rPr lang="en-US" sz="2667" dirty="0">
+              <a:t>Oracle</a:t>
+            </a:r>
+            <a:r>
+              <a:rPr lang="en" sz="2667" dirty="0">
                 <a:solidFill>
                   <a:schemeClr val="lt1"/>
                 </a:solidFill>
@@ -11102,41 +12320,8 @@
                 <a:cs typeface="Arial" charset="0"/>
                 <a:sym typeface="Cabin"/>
               </a:rPr>
-              <a:t>data (</a:t>
-            </a:r>
-            <a:r>
-              <a:rPr lang="en-US" sz="2667" dirty="0" err="1">
-                <a:solidFill>
-                  <a:schemeClr val="lt1"/>
-                </a:solidFill>
-                <a:latin typeface="Arial" charset="0"/>
-                <a:ea typeface="Arial" charset="0"/>
-                <a:cs typeface="Arial" charset="0"/>
-                <a:sym typeface="Cabin"/>
-              </a:rPr>
-              <a:t>a.k.a</a:t>
-            </a:r>
-            <a:r>
-              <a:rPr lang="en-US" sz="2667" dirty="0">
-                <a:solidFill>
-                  <a:schemeClr val="lt1"/>
-                </a:solidFill>
-                <a:latin typeface="Arial" charset="0"/>
-                <a:ea typeface="Arial" charset="0"/>
-                <a:cs typeface="Arial" charset="0"/>
-                <a:sym typeface="Cabin"/>
-              </a:rPr>
-              <a:t> Insert)</a:t>
-            </a:r>
-            <a:endParaRPr lang="en" sz="2667" dirty="0">
-              <a:solidFill>
-                <a:schemeClr val="lt1"/>
-              </a:solidFill>
-              <a:latin typeface="Arial" charset="0"/>
-              <a:ea typeface="Arial" charset="0"/>
-              <a:cs typeface="Arial" charset="0"/>
-              <a:sym typeface="Cabin"/>
-            </a:endParaRPr>
+              <a:t> - Large, commercial, enterprise-scale, very very tweakable</a:t>
+            </a:r>
           </a:p>
           <a:p>
             <a:pPr marL="338658" lvl="1" indent="0">
@@ -11144,7 +12329,7 @@
                 <a:spcPct val="100000"/>
               </a:lnSpc>
               <a:spcBef>
-                <a:spcPts val="3333"/>
+                <a:spcPts val="800"/>
               </a:spcBef>
               <a:buClr>
                 <a:schemeClr val="lt1"/>
@@ -11153,9 +12338,9 @@
               <a:buNone/>
             </a:pPr>
             <a:r>
-              <a:rPr lang="en-US" sz="2667" dirty="0">
-                <a:solidFill>
-                  <a:schemeClr val="lt1"/>
+              <a:rPr lang="en-US" sz="2667" dirty="0" err="1">
+                <a:solidFill>
+                  <a:srgbClr val="00FF00"/>
                 </a:solidFill>
                 <a:latin typeface="Arial" charset="0"/>
                 <a:ea typeface="Arial" charset="0"/>
@@ -11165,16 +12350,28 @@
               <a:t>-  </a:t>
             </a:r>
             <a:r>
-              <a:rPr lang="en" sz="2667" dirty="0">
-                <a:solidFill>
-                  <a:schemeClr val="lt1"/>
+              <a:rPr lang="en" sz="2667" dirty="0" err="1">
+                <a:solidFill>
+                  <a:srgbClr val="00FF00"/>
                 </a:solidFill>
                 <a:latin typeface="Arial" charset="0"/>
                 <a:ea typeface="Arial" charset="0"/>
                 <a:cs typeface="Arial" charset="0"/>
                 <a:sym typeface="Cabin"/>
               </a:rPr>
-              <a:t>Retrieve data</a:t>
+              <a:t>MySql</a:t>
+            </a:r>
+            <a:r>
+              <a:rPr lang="en" sz="2667" dirty="0">
+                <a:solidFill>
+                  <a:schemeClr val="lt1"/>
+                </a:solidFill>
+                <a:latin typeface="Arial" charset="0"/>
+                <a:ea typeface="Arial" charset="0"/>
+                <a:cs typeface="Arial" charset="0"/>
+                <a:sym typeface="Cabin"/>
+              </a:rPr>
+              <a:t> - Simpler but very fast and scalable - commercial open source</a:t>
             </a:r>
           </a:p>
           <a:p>
@@ -11183,7 +12380,7 @@
                 <a:spcPct val="100000"/>
               </a:lnSpc>
               <a:spcBef>
-                <a:spcPts val="3333"/>
+                <a:spcPts val="800"/>
               </a:spcBef>
               <a:buClr>
                 <a:schemeClr val="lt1"/>
@@ -11192,26 +12389,69 @@
               <a:buNone/>
             </a:pPr>
             <a:r>
-              <a:rPr lang="en-US" sz="2667" dirty="0">
-                <a:solidFill>
-                  <a:schemeClr val="lt1"/>
+              <a:rPr lang="en-US" sz="2667" dirty="0" err="1">
+                <a:solidFill>
+                  <a:srgbClr val="00FF00"/>
                 </a:solidFill>
                 <a:latin typeface="Arial" charset="0"/>
                 <a:ea typeface="Arial" charset="0"/>
                 <a:cs typeface="Arial" charset="0"/>
                 <a:sym typeface="Cabin"/>
               </a:rPr>
-              <a:t>-  Update data</a:t>
-            </a:r>
-            <a:endParaRPr lang="en" sz="2667" dirty="0">
-              <a:solidFill>
+              <a:t>-  </a:t>
+            </a:r>
+            <a:r>
+              <a:rPr lang="en" sz="2667" dirty="0" err="1">
+                <a:solidFill>
+                  <a:srgbClr val="00FF00"/>
+                </a:solidFill>
+                <a:latin typeface="Arial" charset="0"/>
+                <a:ea typeface="Arial" charset="0"/>
+                <a:cs typeface="Arial" charset="0"/>
+                <a:sym typeface="Cabin"/>
+              </a:rPr>
+              <a:t>SqlServer</a:t>
+            </a:r>
+            <a:r>
+              <a:rPr lang="en" sz="2667" dirty="0">
+                <a:solidFill>
+                  <a:schemeClr val="lt1"/>
+                </a:solidFill>
+                <a:latin typeface="Arial" charset="0"/>
+                <a:ea typeface="Arial" charset="0"/>
+                <a:cs typeface="Arial" charset="0"/>
+                <a:sym typeface="Cabin"/>
+              </a:rPr>
+              <a:t> - Very nice - from Microsoft (also Access)</a:t>
+            </a:r>
+          </a:p>
+          <a:p>
+            <a:pPr marL="338658" indent="-338658">
+              <a:lnSpc>
+                <a:spcPct val="100000"/>
+              </a:lnSpc>
+              <a:spcBef>
+                <a:spcPts val="800"/>
+              </a:spcBef>
+              <a:buClr>
                 <a:schemeClr val="lt1"/>
-              </a:solidFill>
-              <a:latin typeface="Arial" charset="0"/>
-              <a:ea typeface="Arial" charset="0"/>
-              <a:cs typeface="Arial" charset="0"/>
-              <a:sym typeface="Cabin"/>
-            </a:endParaRPr>
+              </a:buClr>
+              <a:buSzPct val="100000"/>
+              <a:buFont typeface="Cabin"/>
+              <a:buChar char="•"/>
+            </a:pPr>
+            <a:r>
+              <a:rPr lang="en" sz="2667" dirty="0">
+                <a:solidFill>
+                  <a:schemeClr val="lt1"/>
+                </a:solidFill>
+                <a:latin typeface="Arial" charset="0"/>
+                <a:ea typeface="Arial" charset="0"/>
+                <a:cs typeface="Arial" charset="0"/>
+                <a:sym typeface="Cabin"/>
+              </a:rPr>
+              <a:t>Many other smaller projects, free and open source</a:t>
+            </a:r>
           </a:p>
           <a:p>
             <a:pPr marL="338658" lvl="1" indent="0">
@@ -11219,11 +12459,8 @@
                 <a:spcPct val="100000"/>
               </a:lnSpc>
               <a:spcBef>
-                <a:spcPts val="3333"/>
+                <a:spcPts val="800"/>
               </a:spcBef>
-              <a:spcAft>
-                <a:spcPts val="800"/>
-              </a:spcAft>
               <a:buClr>
                 <a:schemeClr val="lt1"/>
               </a:buClr>
@@ -11252,24 +12489,39 @@
                 <a:cs typeface="Arial" charset="0"/>
                 <a:sym typeface="Cabin"/>
               </a:rPr>
-              <a:t>Delete data </a:t>
-            </a:r>
-            <a:endParaRPr lang="en" sz="2667" dirty="0">
-              <a:solidFill>
-                <a:schemeClr val="lt1"/>
-              </a:solidFill>
-              <a:latin typeface="Arial" charset="0"/>
-              <a:ea typeface="Arial" charset="0"/>
-              <a:cs typeface="Arial" charset="0"/>
-              <a:sym typeface="Cabin"/>
-            </a:endParaRPr>
+              <a:t>HSQL, </a:t>
+            </a:r>
+            <a:r>
+              <a:rPr lang="en" sz="2667" dirty="0">
+                <a:solidFill>
+                  <a:srgbClr val="00FF00"/>
+                </a:solidFill>
+                <a:latin typeface="Arial" charset="0"/>
+                <a:ea typeface="Arial" charset="0"/>
+                <a:cs typeface="Arial" charset="0"/>
+                <a:sym typeface="Cabin"/>
+              </a:rPr>
+              <a:t>SQLite</a:t>
+            </a:r>
+            <a:r>
+              <a:rPr lang="en" sz="2667" dirty="0">
+                <a:solidFill>
+                  <a:schemeClr val="lt1"/>
+                </a:solidFill>
+                <a:latin typeface="Arial" charset="0"/>
+                <a:ea typeface="Arial" charset="0"/>
+                <a:cs typeface="Arial" charset="0"/>
+                <a:sym typeface="Cabin"/>
+              </a:rPr>
+              <a:t>, Postgres, ... </a:t>
+            </a:r>
           </a:p>
         </p:txBody>
       </p:sp>
     </p:spTree>
     <p:extLst>
       <p:ext uri="{BB962C8B-B14F-4D97-AF65-F5344CB8AC3E}">
-        <p14:creationId xmlns:p14="http://schemas.microsoft.com/office/powerpoint/2010/main" val="931295138"/>
+        <p14:creationId xmlns:p14="http://schemas.microsoft.com/office/powerpoint/2010/main" val="2143205398"/>
       </p:ext>
     </p:extLst>
   </p:cSld>
@@ -11291,7 +12543,7 @@
   <p:cSld>
     <p:spTree>
       <p:nvGrpSpPr>
-        <p:cNvPr id="1" name=""/>
+        <p:cNvPr id="1" name="Shape 308"/>
         <p:cNvGrpSpPr/>
         <p:nvPr/>
       </p:nvGrpSpPr>
@@ -11305,83 +12557,7 @@
       </p:grpSpPr>
       <p:sp>
         <p:nvSpPr>
-          <p:cNvPr id="3" name="Title 2"/>
-          <p:cNvSpPr>
-            <a:spLocks noGrp="1"/>
-          </p:cNvSpPr>
-          <p:nvPr>
-            <p:ph type="title"/>
-          </p:nvPr>
-        </p:nvSpPr>
-        <p:spPr/>
-        <p:txBody>
-          <a:bodyPr/>
-          <a:lstStyle/>
-          <a:p>
-            <a:r>
-              <a:rPr lang="en-US" dirty="0" smtClean="0"/>
-              <a:t>Lets Make a Database</a:t>
-            </a:r>
-            <a:endParaRPr lang="en-US" dirty="0"/>
-          </a:p>
-        </p:txBody>
-      </p:sp>
-      <p:sp>
-        <p:nvSpPr>
-          <p:cNvPr id="4" name="Text Placeholder 3"/>
-          <p:cNvSpPr>
-            <a:spLocks noGrp="1"/>
-          </p:cNvSpPr>
-          <p:nvPr>
-            <p:ph type="body" idx="1"/>
-          </p:nvPr>
-        </p:nvSpPr>
-        <p:spPr/>
-        <p:txBody>
-          <a:bodyPr/>
-          <a:lstStyle/>
-          <a:p>
-            <a:r>
-              <a:rPr lang="en-US" dirty="0" smtClean="0"/>
-              <a:t>https://www.dj4e.com/lectures/SQL-01-Basics.txt</a:t>
-            </a:r>
-            <a:endParaRPr lang="en-US" dirty="0"/>
-          </a:p>
-        </p:txBody>
-      </p:sp>
-    </p:spTree>
-    <p:extLst>
-      <p:ext uri="{BB962C8B-B14F-4D97-AF65-F5344CB8AC3E}">
-        <p14:creationId xmlns:p14="http://schemas.microsoft.com/office/powerpoint/2010/main" val="1726213738"/>
-      </p:ext>
-    </p:extLst>
-  </p:cSld>
-  <p:clrMapOvr>
-    <a:masterClrMapping/>
-  </p:clrMapOvr>
-</p:sld>
-</file>
-
-<file path=ppt/slides/slide9.xml><?xml version="1.0" encoding="utf-8"?>
-<p:sld xmlns:a="http://schemas.openxmlformats.org/drawingml/2006/main" xmlns:r="http://schemas.openxmlformats.org/officeDocument/2006/relationships" xmlns:p="http://schemas.openxmlformats.org/presentationml/2006/main">
-  <p:cSld>
-    <p:spTree>
-      <p:nvGrpSpPr>
-        <p:cNvPr id="1" name="Shape 354"/>
-        <p:cNvGrpSpPr/>
-        <p:nvPr/>
-      </p:nvGrpSpPr>
-      <p:grpSpPr>
-        <a:xfrm>
-          <a:off x="0" y="0"/>
-          <a:ext cx="0" cy="0"/>
-          <a:chOff x="0" y="0"/>
-          <a:chExt cx="0" cy="0"/>
-        </a:xfrm>
-      </p:grpSpPr>
-      <p:sp>
-        <p:nvSpPr>
-          <p:cNvPr id="355" name="Shape 355"/>
+          <p:cNvPr id="309" name="Shape 309"/>
           <p:cNvSpPr txBox="1">
             <a:spLocks noGrp="1"/>
           </p:cNvSpPr>
@@ -11426,21 +12602,21 @@
                 <a:cs typeface="Arial" charset="0"/>
                 <a:sym typeface="Cabin"/>
               </a:rPr>
-              <a:t>Start Simple - A Single Table</a:t>
-            </a:r>
-          </a:p>
-        </p:txBody>
-      </p:sp>
-      <p:sp>
-        <p:nvSpPr>
-          <p:cNvPr id="357" name="Shape 357"/>
+              <a:t>Database Model</a:t>
+            </a:r>
+          </a:p>
+        </p:txBody>
+      </p:sp>
+      <p:sp>
+        <p:nvSpPr>
+          <p:cNvPr id="310" name="Shape 310"/>
           <p:cNvSpPr txBox="1"/>
           <p:nvPr/>
         </p:nvSpPr>
         <p:spPr>
           <a:xfrm>
-            <a:off x="8195624" y="2756127"/>
-            <a:ext cx="3516923" cy="1685076"/>
+            <a:off x="2524960" y="5781455"/>
+            <a:ext cx="7383371" cy="466800"/>
           </a:xfrm>
           <a:prstGeom prst="rect">
             <a:avLst/>
@@ -11451,703 +12627,561 @@
           </a:ln>
         </p:spPr>
         <p:txBody>
-          <a:bodyPr lIns="68567" tIns="34267" rIns="68567" bIns="34267" anchor="t" anchorCtr="0">
+          <a:bodyPr lIns="0" tIns="0" rIns="0" bIns="0" anchor="ctr" anchorCtr="0">
             <a:noAutofit/>
           </a:bodyPr>
           <a:lstStyle/>
           <a:p>
-            <a:pPr>
+            <a:pPr algn="ctr">
               <a:buClr>
-                <a:srgbClr val="FF8000"/>
+                <a:srgbClr val="FFFF00"/>
               </a:buClr>
               <a:buSzPct val="25000"/>
             </a:pPr>
             <a:r>
-              <a:rPr lang="en" sz="2133" b="1" dirty="0">
-                <a:solidFill>
-                  <a:srgbClr val="FF8000"/>
-                </a:solidFill>
-                <a:latin typeface="Courier New"/>
-                <a:ea typeface="Courier New"/>
-                <a:cs typeface="Courier New"/>
-                <a:sym typeface="Courier New"/>
-              </a:rPr>
-              <a:t>CREATE TABLE </a:t>
-            </a:r>
-            <a:r>
-              <a:rPr lang="en" sz="2133" b="1" dirty="0">
+              <a:rPr lang="en" sz="2667" u="sng" dirty="0">
                 <a:solidFill>
                   <a:srgbClr val="FFFF00"/>
                 </a:solidFill>
-                <a:latin typeface="Courier New"/>
-                <a:ea typeface="Courier New"/>
-                <a:cs typeface="Courier New"/>
-                <a:sym typeface="Courier New"/>
-              </a:rPr>
-              <a:t>Users</a:t>
-            </a:r>
-            <a:r>
-              <a:rPr lang="en" sz="2133" b="1" dirty="0">
-                <a:solidFill>
-                  <a:schemeClr val="lt1"/>
-                </a:solidFill>
-                <a:latin typeface="Courier New"/>
-                <a:ea typeface="Courier New"/>
-                <a:cs typeface="Courier New"/>
-                <a:sym typeface="Courier New"/>
-              </a:rPr>
-              <a:t>( </a:t>
-            </a:r>
-          </a:p>
-          <a:p>
-            <a:pPr>
+                <a:latin typeface="Arial" charset="0"/>
+                <a:ea typeface="Arial" charset="0"/>
+                <a:cs typeface="Arial" charset="0"/>
+                <a:sym typeface="Cabin"/>
+                <a:hlinkClick r:id="rId3"/>
+              </a:rPr>
+              <a:t>http://en.wikipedia.org/wiki/Database_model</a:t>
+            </a:r>
+          </a:p>
+        </p:txBody>
+      </p:sp>
+      <p:sp>
+        <p:nvSpPr>
+          <p:cNvPr id="311" name="Shape 311"/>
+          <p:cNvSpPr txBox="1"/>
+          <p:nvPr/>
+        </p:nvSpPr>
+        <p:spPr>
+          <a:xfrm>
+            <a:off x="1712119" y="1985962"/>
+            <a:ext cx="8753399" cy="3409873"/>
+          </a:xfrm>
+          <a:prstGeom prst="rect">
+            <a:avLst/>
+          </a:prstGeom>
+          <a:noFill/>
+          <a:ln>
+            <a:noFill/>
+          </a:ln>
+        </p:spPr>
+        <p:txBody>
+          <a:bodyPr lIns="0" tIns="0" rIns="0" bIns="0" anchor="ctr" anchorCtr="0">
+            <a:noAutofit/>
+          </a:bodyPr>
+          <a:lstStyle/>
+          <a:p>
+            <a:pPr algn="ctr">
               <a:buClr>
                 <a:schemeClr val="lt1"/>
               </a:buClr>
               <a:buSzPct val="25000"/>
             </a:pPr>
             <a:r>
-              <a:rPr lang="en" sz="2133" b="1" dirty="0">
+              <a:rPr lang="en" sz="2800" dirty="0">
                 <a:solidFill>
                   <a:schemeClr val="lt1"/>
                 </a:solidFill>
-                <a:latin typeface="Courier New"/>
-                <a:ea typeface="Courier New"/>
-                <a:cs typeface="Courier New"/>
-                <a:sym typeface="Courier New"/>
-              </a:rPr>
-              <a:t>  name </a:t>
-            </a:r>
-            <a:r>
-              <a:rPr lang="en" sz="2133" b="1" dirty="0">
-                <a:solidFill>
-                  <a:srgbClr val="FF8000"/>
-                </a:solidFill>
-                <a:latin typeface="Courier New"/>
-                <a:ea typeface="Courier New"/>
-                <a:cs typeface="Courier New"/>
-                <a:sym typeface="Courier New"/>
-              </a:rPr>
-              <a:t>VARCHAR</a:t>
-            </a:r>
-            <a:r>
-              <a:rPr lang="en" sz="2133" b="1" dirty="0">
-                <a:solidFill>
-                  <a:srgbClr val="FFFFFF"/>
-                </a:solidFill>
-                <a:latin typeface="Courier New"/>
-                <a:ea typeface="Courier New"/>
-                <a:cs typeface="Courier New"/>
-                <a:sym typeface="Courier New"/>
-              </a:rPr>
-              <a:t>(128), </a:t>
-            </a:r>
-          </a:p>
-          <a:p>
-            <a:pPr>
+                <a:latin typeface="Arial" charset="0"/>
+                <a:ea typeface="Arial" charset="0"/>
+                <a:cs typeface="Arial" charset="0"/>
+                <a:sym typeface="Cabin"/>
+              </a:rPr>
+              <a:t>A </a:t>
+            </a:r>
+            <a:r>
+              <a:rPr lang="en" sz="2800" dirty="0">
+                <a:solidFill>
+                  <a:srgbClr val="00FF00"/>
+                </a:solidFill>
+                <a:latin typeface="Arial" charset="0"/>
+                <a:ea typeface="Arial" charset="0"/>
+                <a:cs typeface="Arial" charset="0"/>
+                <a:sym typeface="Cabin"/>
+              </a:rPr>
+              <a:t>database model</a:t>
+            </a:r>
+            <a:r>
+              <a:rPr lang="en" sz="2800" dirty="0">
+                <a:solidFill>
+                  <a:schemeClr val="lt1"/>
+                </a:solidFill>
+                <a:latin typeface="Arial" charset="0"/>
+                <a:ea typeface="Arial" charset="0"/>
+                <a:cs typeface="Arial" charset="0"/>
+                <a:sym typeface="Cabin"/>
+              </a:rPr>
+              <a:t> or </a:t>
+            </a:r>
+            <a:r>
+              <a:rPr lang="en" sz="2800" dirty="0">
+                <a:solidFill>
+                  <a:srgbClr val="00FF00"/>
+                </a:solidFill>
+                <a:latin typeface="Arial" charset="0"/>
+                <a:ea typeface="Arial" charset="0"/>
+                <a:cs typeface="Arial" charset="0"/>
+                <a:sym typeface="Cabin"/>
+              </a:rPr>
+              <a:t>database schema</a:t>
+            </a:r>
+            <a:r>
+              <a:rPr lang="en" sz="2800" dirty="0">
+                <a:solidFill>
+                  <a:schemeClr val="lt1"/>
+                </a:solidFill>
+                <a:latin typeface="Arial" charset="0"/>
+                <a:ea typeface="Arial" charset="0"/>
+                <a:cs typeface="Arial" charset="0"/>
+                <a:sym typeface="Cabin"/>
+              </a:rPr>
+              <a:t> is the </a:t>
+            </a:r>
+            <a:r>
+              <a:rPr lang="en" sz="2800" dirty="0">
+                <a:solidFill>
+                  <a:srgbClr val="FF00FF"/>
+                </a:solidFill>
+                <a:latin typeface="Arial" charset="0"/>
+                <a:ea typeface="Arial" charset="0"/>
+                <a:cs typeface="Arial" charset="0"/>
+                <a:sym typeface="Cabin"/>
+              </a:rPr>
+              <a:t>structure or format of a database</a:t>
+            </a:r>
+            <a:r>
+              <a:rPr lang="en" sz="2800" dirty="0">
+                <a:solidFill>
+                  <a:schemeClr val="lt1"/>
+                </a:solidFill>
+                <a:latin typeface="Arial" charset="0"/>
+                <a:ea typeface="Arial" charset="0"/>
+                <a:cs typeface="Arial" charset="0"/>
+                <a:sym typeface="Cabin"/>
+              </a:rPr>
+              <a:t>, described in a formal language supported by the database management system. In other words, a “database model” is the application of a data model when used in conjunction with a database management system.</a:t>
+            </a:r>
+          </a:p>
+        </p:txBody>
+      </p:sp>
+    </p:spTree>
+    <p:extLst>
+      <p:ext uri="{BB962C8B-B14F-4D97-AF65-F5344CB8AC3E}">
+        <p14:creationId xmlns:p14="http://schemas.microsoft.com/office/powerpoint/2010/main" val="996950163"/>
+      </p:ext>
+    </p:extLst>
+  </p:cSld>
+  <p:clrMapOvr>
+    <a:masterClrMapping/>
+  </p:clrMapOvr>
+  <p:timing>
+    <p:tnLst>
+      <p:par>
+        <p:cTn id="1" dur="indefinite" restart="never" nodeType="tmRoot"/>
+      </p:par>
+    </p:tnLst>
+  </p:timing>
+</p:sld>
+</file>
+
+<file path=ppt/slides/slide9.xml><?xml version="1.0" encoding="utf-8"?>
+<p:sld xmlns:a="http://schemas.openxmlformats.org/drawingml/2006/main" xmlns:r="http://schemas.openxmlformats.org/officeDocument/2006/relationships" xmlns:p="http://schemas.openxmlformats.org/presentationml/2006/main">
+  <p:cSld>
+    <p:spTree>
+      <p:nvGrpSpPr>
+        <p:cNvPr id="1" name="Shape 372"/>
+        <p:cNvGrpSpPr/>
+        <p:nvPr/>
+      </p:nvGrpSpPr>
+      <p:grpSpPr>
+        <a:xfrm>
+          <a:off x="0" y="0"/>
+          <a:ext cx="0" cy="0"/>
+          <a:chOff x="0" y="0"/>
+          <a:chExt cx="0" cy="0"/>
+        </a:xfrm>
+      </p:grpSpPr>
+      <p:sp>
+        <p:nvSpPr>
+          <p:cNvPr id="373" name="Shape 373"/>
+          <p:cNvSpPr txBox="1">
+            <a:spLocks noGrp="1"/>
+          </p:cNvSpPr>
+          <p:nvPr>
+            <p:ph type="title"/>
+          </p:nvPr>
+        </p:nvSpPr>
+        <p:spPr>
+          <a:prstGeom prst="rect">
+            <a:avLst/>
+          </a:prstGeom>
+          <a:noFill/>
+          <a:ln>
+            <a:noFill/>
+          </a:ln>
+        </p:spPr>
+        <p:txBody>
+          <a:bodyPr vert="horz" lIns="28567" tIns="28567" rIns="28567" bIns="28567" rtlCol="0" anchor="ctr" anchorCtr="0">
+            <a:noAutofit/>
+          </a:bodyPr>
+          <a:lstStyle/>
+          <a:p>
+            <a:pPr algn="ctr">
+              <a:lnSpc>
+                <a:spcPct val="100000"/>
+              </a:lnSpc>
+              <a:spcBef>
+                <a:spcPts val="0"/>
+              </a:spcBef>
               <a:buClr>
-                <a:srgbClr val="FFFFFF"/>
+                <a:srgbClr val="FFFF00"/>
               </a:buClr>
               <a:buSzPct val="25000"/>
             </a:pPr>
             <a:r>
-              <a:rPr lang="en" sz="2133" b="1" dirty="0">
-                <a:solidFill>
-                  <a:srgbClr val="FFFFFF"/>
-                </a:solidFill>
-                <a:latin typeface="Courier New"/>
-                <a:ea typeface="Courier New"/>
-                <a:cs typeface="Courier New"/>
-                <a:sym typeface="Courier New"/>
-              </a:rPr>
-              <a:t>  email </a:t>
-            </a:r>
-            <a:r>
-              <a:rPr lang="en" sz="2133" b="1" dirty="0">
-                <a:solidFill>
-                  <a:srgbClr val="FF8000"/>
-                </a:solidFill>
-                <a:latin typeface="Courier New"/>
-                <a:ea typeface="Courier New"/>
-                <a:cs typeface="Courier New"/>
-                <a:sym typeface="Courier New"/>
-              </a:rPr>
-              <a:t>VARCHAR</a:t>
-            </a:r>
-            <a:r>
-              <a:rPr lang="en" sz="2133" b="1" dirty="0">
-                <a:solidFill>
-                  <a:srgbClr val="FFFFFF"/>
-                </a:solidFill>
-                <a:latin typeface="Courier New"/>
-                <a:ea typeface="Courier New"/>
-                <a:cs typeface="Courier New"/>
-                <a:sym typeface="Courier New"/>
-              </a:rPr>
-              <a:t>(128)</a:t>
-            </a:r>
-          </a:p>
-          <a:p>
-            <a:pPr>
-              <a:buClr>
-                <a:srgbClr val="FFFFFF"/>
-              </a:buClr>
-              <a:buSzPct val="25000"/>
-            </a:pPr>
-            <a:r>
-              <a:rPr lang="en" sz="2133" b="1" dirty="0">
-                <a:solidFill>
-                  <a:srgbClr val="FFFFFF"/>
-                </a:solidFill>
-                <a:latin typeface="Courier New"/>
-                <a:ea typeface="Courier New"/>
-                <a:cs typeface="Courier New"/>
-                <a:sym typeface="Courier New"/>
-              </a:rPr>
-              <a:t>)</a:t>
-            </a:r>
-          </a:p>
-          <a:p>
-            <a:pPr>
-              <a:buClr>
-                <a:srgbClr val="000000"/>
-              </a:buClr>
-            </a:pPr>
-            <a:endParaRPr sz="2133" b="1" dirty="0">
-              <a:solidFill>
-                <a:srgbClr val="000000"/>
-              </a:solidFill>
-              <a:latin typeface="Arial"/>
-              <a:ea typeface="Arial"/>
-              <a:cs typeface="Arial"/>
-              <a:sym typeface="Arial"/>
-            </a:endParaRPr>
-          </a:p>
-        </p:txBody>
-      </p:sp>
-      <p:sp>
-        <p:nvSpPr>
-          <p:cNvPr id="2" name="TextBox 1"/>
+              <a:rPr lang="en" sz="5733" dirty="0">
+                <a:solidFill>
+                  <a:srgbClr val="FFD966"/>
+                </a:solidFill>
+                <a:latin typeface="Arial" charset="0"/>
+                <a:ea typeface="Arial" charset="0"/>
+                <a:cs typeface="Arial" charset="0"/>
+                <a:sym typeface="Cabin"/>
+              </a:rPr>
+              <a:t>SQL</a:t>
+            </a:r>
+          </a:p>
+        </p:txBody>
+      </p:sp>
+      <p:sp>
+        <p:nvSpPr>
+          <p:cNvPr id="375" name="Shape 375"/>
           <p:cNvSpPr txBox="1"/>
           <p:nvPr/>
         </p:nvSpPr>
         <p:spPr>
           <a:xfrm>
-            <a:off x="1285875" y="1690688"/>
-            <a:ext cx="5902578" cy="4801314"/>
+            <a:off x="6663397" y="6008288"/>
+            <a:ext cx="5084999" cy="466648"/>
           </a:xfrm>
           <a:prstGeom prst="rect">
             <a:avLst/>
           </a:prstGeom>
           <a:noFill/>
+          <a:ln>
+            <a:noFill/>
+          </a:ln>
         </p:spPr>
         <p:txBody>
-          <a:bodyPr wrap="none" rtlCol="0">
-            <a:spAutoFit/>
+          <a:bodyPr lIns="0" tIns="0" rIns="0" bIns="0" anchor="ctr" anchorCtr="0">
+            <a:noAutofit/>
           </a:bodyPr>
           <a:lstStyle/>
           <a:p>
-            <a:r>
-              <a:rPr lang="en-US" b="1" dirty="0">
-                <a:solidFill>
-                  <a:srgbClr val="17B111"/>
-                </a:solidFill>
-                <a:latin typeface="Menlo-Bold" charset="0"/>
-              </a:rPr>
-              <a:t>$ </a:t>
-            </a:r>
-            <a:r>
-              <a:rPr lang="en-US" dirty="0">
-                <a:solidFill>
-                  <a:srgbClr val="C9CEC4"/>
-                </a:solidFill>
-                <a:latin typeface="Menlo-Regular" charset="0"/>
-              </a:rPr>
-              <a:t>sqlite3 zip.sqlite3</a:t>
-            </a:r>
-            <a:endParaRPr lang="en-US" dirty="0">
+            <a:pPr algn="ctr">
+              <a:buClr>
+                <a:schemeClr val="lt1"/>
+              </a:buClr>
+              <a:buSzPct val="25000"/>
+            </a:pPr>
+            <a:r>
+              <a:rPr lang="en" sz="2667" u="sng" dirty="0">
+                <a:solidFill>
+                  <a:srgbClr val="FFFF00"/>
+                </a:solidFill>
+                <a:latin typeface="Arial" charset="0"/>
+                <a:ea typeface="Arial" charset="0"/>
+                <a:cs typeface="Arial" charset="0"/>
+                <a:sym typeface="Cabin"/>
+                <a:hlinkClick r:id="rId3"/>
+              </a:rPr>
+              <a:t>http://en.wikipedia.org/wiki/SQL</a:t>
+            </a:r>
+          </a:p>
+        </p:txBody>
+      </p:sp>
+      <p:sp>
+        <p:nvSpPr>
+          <p:cNvPr id="6" name="Shape 249"/>
+          <p:cNvSpPr txBox="1">
+            <a:spLocks noGrp="1"/>
+          </p:cNvSpPr>
+          <p:nvPr>
+            <p:ph type="body" idx="1"/>
+          </p:nvPr>
+        </p:nvSpPr>
+        <p:spPr>
+          <a:xfrm>
+            <a:off x="866775" y="1952625"/>
+            <a:ext cx="10449000" cy="3837652"/>
+          </a:xfrm>
+          <a:prstGeom prst="rect">
+            <a:avLst/>
+          </a:prstGeom>
+          <a:noFill/>
+          <a:ln>
+            <a:noFill/>
+          </a:ln>
+        </p:spPr>
+        <p:txBody>
+          <a:bodyPr vert="horz" lIns="28567" tIns="28567" rIns="28567" bIns="28567" rtlCol="0" anchor="ctr" anchorCtr="0">
+            <a:noAutofit/>
+          </a:bodyPr>
+          <a:lstStyle/>
+          <a:p>
+            <a:pPr marL="0" indent="0">
+              <a:lnSpc>
+                <a:spcPct val="100000"/>
+              </a:lnSpc>
+              <a:spcBef>
+                <a:spcPts val="0"/>
+              </a:spcBef>
+              <a:buClr>
+                <a:schemeClr val="lt1"/>
+              </a:buClr>
+              <a:buSzPct val="100000"/>
+              <a:buNone/>
+            </a:pPr>
+            <a:r>
+              <a:rPr lang="en" sz="2667" dirty="0">
+                <a:solidFill>
+                  <a:srgbClr val="FFFF00"/>
+                </a:solidFill>
+                <a:latin typeface="Arial" charset="0"/>
+                <a:ea typeface="Arial" charset="0"/>
+                <a:cs typeface="Arial" charset="0"/>
+                <a:sym typeface="Cabin"/>
+              </a:rPr>
+              <a:t>Structured Query Language</a:t>
+            </a:r>
+            <a:r>
+              <a:rPr lang="en" sz="2667" dirty="0">
+                <a:solidFill>
+                  <a:schemeClr val="lt1"/>
+                </a:solidFill>
+                <a:latin typeface="Arial" charset="0"/>
+                <a:ea typeface="Arial" charset="0"/>
+                <a:cs typeface="Arial" charset="0"/>
+                <a:sym typeface="Cabin"/>
+              </a:rPr>
+              <a:t> is the language we use to issue commands to the database</a:t>
+            </a:r>
+          </a:p>
+          <a:p>
+            <a:pPr marL="338658" lvl="1" indent="0">
+              <a:lnSpc>
+                <a:spcPct val="100000"/>
+              </a:lnSpc>
+              <a:spcBef>
+                <a:spcPts val="3333"/>
+              </a:spcBef>
+              <a:buClr>
+                <a:schemeClr val="lt1"/>
+              </a:buClr>
+              <a:buSzPct val="100000"/>
+              <a:buNone/>
+            </a:pPr>
+            <a:r>
+              <a:rPr lang="en-US" sz="2667" dirty="0">
+                <a:solidFill>
+                  <a:schemeClr val="lt1"/>
+                </a:solidFill>
+                <a:latin typeface="Arial" charset="0"/>
+                <a:ea typeface="Arial" charset="0"/>
+                <a:cs typeface="Arial" charset="0"/>
+                <a:sym typeface="Cabin"/>
+              </a:rPr>
+              <a:t>-  </a:t>
+            </a:r>
+            <a:r>
+              <a:rPr lang="en" sz="2667" dirty="0">
+                <a:solidFill>
+                  <a:schemeClr val="lt1"/>
+                </a:solidFill>
+                <a:latin typeface="Arial" charset="0"/>
+                <a:ea typeface="Arial" charset="0"/>
+                <a:cs typeface="Arial" charset="0"/>
+                <a:sym typeface="Cabin"/>
+              </a:rPr>
+              <a:t>Create </a:t>
+            </a:r>
+            <a:r>
+              <a:rPr lang="en-US" sz="2667" dirty="0">
+                <a:solidFill>
+                  <a:schemeClr val="lt1"/>
+                </a:solidFill>
+                <a:latin typeface="Arial" charset="0"/>
+                <a:ea typeface="Arial" charset="0"/>
+                <a:cs typeface="Arial" charset="0"/>
+                <a:sym typeface="Cabin"/>
+              </a:rPr>
+              <a:t>data (</a:t>
+            </a:r>
+            <a:r>
+              <a:rPr lang="en-US" sz="2667" dirty="0" err="1">
+                <a:solidFill>
+                  <a:schemeClr val="lt1"/>
+                </a:solidFill>
+                <a:latin typeface="Arial" charset="0"/>
+                <a:ea typeface="Arial" charset="0"/>
+                <a:cs typeface="Arial" charset="0"/>
+                <a:sym typeface="Cabin"/>
+              </a:rPr>
+              <a:t>a.k.a</a:t>
+            </a:r>
+            <a:r>
+              <a:rPr lang="en-US" sz="2667" dirty="0">
+                <a:solidFill>
+                  <a:schemeClr val="lt1"/>
+                </a:solidFill>
+                <a:latin typeface="Arial" charset="0"/>
+                <a:ea typeface="Arial" charset="0"/>
+                <a:cs typeface="Arial" charset="0"/>
+                <a:sym typeface="Cabin"/>
+              </a:rPr>
+              <a:t> Insert)</a:t>
+            </a:r>
+            <a:endParaRPr lang="en" sz="2667" dirty="0">
               <a:solidFill>
-                <a:srgbClr val="ECECEC"/>
+                <a:schemeClr val="lt1"/>
               </a:solidFill>
-              <a:latin typeface="Menlo-Regular" charset="0"/>
+              <a:latin typeface="Arial" charset="0"/>
+              <a:ea typeface="Arial" charset="0"/>
+              <a:cs typeface="Arial" charset="0"/>
+              <a:sym typeface="Cabin"/>
             </a:endParaRPr>
           </a:p>
           <a:p>
-            <a:r>
-              <a:rPr lang="it-IT" dirty="0" err="1">
-                <a:solidFill>
-                  <a:srgbClr val="C9CEC4"/>
-                </a:solidFill>
-                <a:latin typeface="Menlo-Regular" charset="0"/>
-              </a:rPr>
-              <a:t>SQLite</a:t>
-            </a:r>
-            <a:r>
-              <a:rPr lang="it-IT" dirty="0">
-                <a:solidFill>
-                  <a:srgbClr val="C9CEC4"/>
-                </a:solidFill>
-                <a:latin typeface="Menlo-Regular" charset="0"/>
-              </a:rPr>
-              <a:t> </a:t>
-            </a:r>
-            <a:r>
-              <a:rPr lang="it-IT" dirty="0" err="1">
-                <a:solidFill>
-                  <a:srgbClr val="C9CEC4"/>
-                </a:solidFill>
-                <a:latin typeface="Menlo-Regular" charset="0"/>
-              </a:rPr>
-              <a:t>version</a:t>
-            </a:r>
-            <a:r>
-              <a:rPr lang="it-IT" dirty="0">
-                <a:solidFill>
-                  <a:srgbClr val="C9CEC4"/>
-                </a:solidFill>
-                <a:latin typeface="Menlo-Regular" charset="0"/>
-              </a:rPr>
-              <a:t> 3.11.0 2016-02-15 17:29:24</a:t>
-            </a:r>
-            <a:endParaRPr lang="it-IT" dirty="0">
+            <a:pPr marL="338658" lvl="1" indent="0">
+              <a:lnSpc>
+                <a:spcPct val="100000"/>
+              </a:lnSpc>
+              <a:spcBef>
+                <a:spcPts val="3333"/>
+              </a:spcBef>
+              <a:buClr>
+                <a:schemeClr val="lt1"/>
+              </a:buClr>
+              <a:buSzPct val="100000"/>
+              <a:buNone/>
+            </a:pPr>
+            <a:r>
+              <a:rPr lang="en-US" sz="2667" dirty="0">
+                <a:solidFill>
+                  <a:schemeClr val="lt1"/>
+                </a:solidFill>
+                <a:latin typeface="Arial" charset="0"/>
+                <a:ea typeface="Arial" charset="0"/>
+                <a:cs typeface="Arial" charset="0"/>
+                <a:sym typeface="Cabin"/>
+              </a:rPr>
+              <a:t>-  </a:t>
+            </a:r>
+            <a:r>
+              <a:rPr lang="en" sz="2667" dirty="0">
+                <a:solidFill>
+                  <a:schemeClr val="lt1"/>
+                </a:solidFill>
+                <a:latin typeface="Arial" charset="0"/>
+                <a:ea typeface="Arial" charset="0"/>
+                <a:cs typeface="Arial" charset="0"/>
+                <a:sym typeface="Cabin"/>
+              </a:rPr>
+              <a:t>Retrieve data</a:t>
+            </a:r>
+          </a:p>
+          <a:p>
+            <a:pPr marL="338658" lvl="1" indent="0">
+              <a:lnSpc>
+                <a:spcPct val="100000"/>
+              </a:lnSpc>
+              <a:spcBef>
+                <a:spcPts val="3333"/>
+              </a:spcBef>
+              <a:buClr>
+                <a:schemeClr val="lt1"/>
+              </a:buClr>
+              <a:buSzPct val="100000"/>
+              <a:buNone/>
+            </a:pPr>
+            <a:r>
+              <a:rPr lang="en-US" sz="2667" dirty="0">
+                <a:solidFill>
+                  <a:schemeClr val="lt1"/>
+                </a:solidFill>
+                <a:latin typeface="Arial" charset="0"/>
+                <a:ea typeface="Arial" charset="0"/>
+                <a:cs typeface="Arial" charset="0"/>
+                <a:sym typeface="Cabin"/>
+              </a:rPr>
+              <a:t>-  Update data</a:t>
+            </a:r>
+            <a:endParaRPr lang="en" sz="2667" dirty="0">
               <a:solidFill>
-                <a:srgbClr val="ECECEC"/>
+                <a:schemeClr val="lt1"/>
               </a:solidFill>
-              <a:latin typeface="Menlo-Regular" charset="0"/>
+              <a:latin typeface="Arial" charset="0"/>
+              <a:ea typeface="Arial" charset="0"/>
+              <a:cs typeface="Arial" charset="0"/>
+              <a:sym typeface="Cabin"/>
             </a:endParaRPr>
           </a:p>
           <a:p>
-            <a:r>
-              <a:rPr lang="it-IT" dirty="0" err="1">
-                <a:solidFill>
-                  <a:srgbClr val="C9CEC4"/>
-                </a:solidFill>
-                <a:latin typeface="Menlo-Regular" charset="0"/>
-              </a:rPr>
-              <a:t>Enter</a:t>
-            </a:r>
-            <a:r>
-              <a:rPr lang="it-IT" dirty="0">
-                <a:solidFill>
-                  <a:srgbClr val="C9CEC4"/>
-                </a:solidFill>
-                <a:latin typeface="Menlo-Regular" charset="0"/>
-              </a:rPr>
-              <a:t> ".help" for </a:t>
-            </a:r>
-            <a:r>
-              <a:rPr lang="it-IT" dirty="0" err="1">
-                <a:solidFill>
-                  <a:srgbClr val="C9CEC4"/>
-                </a:solidFill>
-                <a:latin typeface="Menlo-Regular" charset="0"/>
-              </a:rPr>
-              <a:t>usage</a:t>
-            </a:r>
-            <a:r>
-              <a:rPr lang="it-IT" dirty="0">
-                <a:solidFill>
-                  <a:srgbClr val="C9CEC4"/>
-                </a:solidFill>
-                <a:latin typeface="Menlo-Regular" charset="0"/>
-              </a:rPr>
-              <a:t> </a:t>
-            </a:r>
-            <a:r>
-              <a:rPr lang="it-IT" dirty="0" err="1">
-                <a:solidFill>
-                  <a:srgbClr val="C9CEC4"/>
-                </a:solidFill>
-                <a:latin typeface="Menlo-Regular" charset="0"/>
-              </a:rPr>
-              <a:t>hints</a:t>
-            </a:r>
-            <a:r>
-              <a:rPr lang="it-IT" dirty="0">
-                <a:solidFill>
-                  <a:srgbClr val="C9CEC4"/>
-                </a:solidFill>
-                <a:latin typeface="Menlo-Regular" charset="0"/>
-              </a:rPr>
-              <a:t>.</a:t>
-            </a:r>
-            <a:endParaRPr lang="it-IT" dirty="0">
-              <a:solidFill>
-                <a:srgbClr val="ECECEC"/>
-              </a:solidFill>
-              <a:latin typeface="Menlo-Regular" charset="0"/>
-            </a:endParaRPr>
-          </a:p>
-          <a:p>
-            <a:r>
-              <a:rPr lang="it-IT" dirty="0" err="1">
-                <a:solidFill>
-                  <a:srgbClr val="C9CEC4"/>
-                </a:solidFill>
-                <a:latin typeface="Menlo-Regular" charset="0"/>
-              </a:rPr>
-              <a:t>sqlite</a:t>
-            </a:r>
-            <a:r>
-              <a:rPr lang="it-IT" dirty="0">
-                <a:solidFill>
-                  <a:srgbClr val="C9CEC4"/>
-                </a:solidFill>
-                <a:latin typeface="Menlo-Regular" charset="0"/>
-              </a:rPr>
-              <a:t>&gt; .</a:t>
-            </a:r>
-            <a:r>
-              <a:rPr lang="it-IT" dirty="0" err="1">
-                <a:solidFill>
-                  <a:srgbClr val="C9CEC4"/>
-                </a:solidFill>
-                <a:latin typeface="Menlo-Regular" charset="0"/>
-              </a:rPr>
-              <a:t>tables</a:t>
-            </a:r>
-            <a:endParaRPr lang="it-IT" dirty="0">
-              <a:solidFill>
-                <a:srgbClr val="ECECEC"/>
-              </a:solidFill>
-              <a:latin typeface="Menlo-Regular" charset="0"/>
-            </a:endParaRPr>
-          </a:p>
-          <a:p>
-            <a:r>
-              <a:rPr lang="it-IT" dirty="0" err="1">
-                <a:solidFill>
-                  <a:srgbClr val="C9CEC4"/>
-                </a:solidFill>
-                <a:latin typeface="Menlo-Regular" charset="0"/>
-              </a:rPr>
-              <a:t>sqlite</a:t>
-            </a:r>
-            <a:r>
-              <a:rPr lang="it-IT" dirty="0">
-                <a:solidFill>
-                  <a:srgbClr val="C9CEC4"/>
-                </a:solidFill>
-                <a:latin typeface="Menlo-Regular" charset="0"/>
-              </a:rPr>
-              <a:t>&gt; CREATE TABLE </a:t>
-            </a:r>
-            <a:r>
-              <a:rPr lang="it-IT" dirty="0" err="1">
-                <a:solidFill>
-                  <a:srgbClr val="C9CEC4"/>
-                </a:solidFill>
-                <a:latin typeface="Menlo-Regular" charset="0"/>
-              </a:rPr>
-              <a:t>Users</a:t>
-            </a:r>
-            <a:r>
-              <a:rPr lang="it-IT" dirty="0">
-                <a:solidFill>
-                  <a:srgbClr val="C9CEC4"/>
-                </a:solidFill>
-                <a:latin typeface="Menlo-Regular" charset="0"/>
-              </a:rPr>
-              <a:t>( </a:t>
-            </a:r>
-            <a:endParaRPr lang="it-IT" dirty="0">
-              <a:solidFill>
-                <a:srgbClr val="ECECEC"/>
-              </a:solidFill>
-              <a:latin typeface="Menlo-Regular" charset="0"/>
-            </a:endParaRPr>
-          </a:p>
-          <a:p>
-            <a:r>
-              <a:rPr lang="mr-IN" dirty="0">
-                <a:solidFill>
-                  <a:srgbClr val="C9CEC4"/>
-                </a:solidFill>
-                <a:latin typeface="Menlo-Regular" charset="0"/>
-              </a:rPr>
-              <a:t>   ...&gt;   </a:t>
-            </a:r>
-            <a:r>
-              <a:rPr lang="mr-IN" dirty="0" err="1">
-                <a:solidFill>
-                  <a:srgbClr val="C9CEC4"/>
-                </a:solidFill>
-                <a:latin typeface="Menlo-Regular" charset="0"/>
-              </a:rPr>
-              <a:t>name</a:t>
-            </a:r>
-            <a:r>
-              <a:rPr lang="mr-IN" dirty="0">
-                <a:solidFill>
-                  <a:srgbClr val="C9CEC4"/>
-                </a:solidFill>
-                <a:latin typeface="Menlo-Regular" charset="0"/>
-              </a:rPr>
-              <a:t> VARCHAR(128), </a:t>
-            </a:r>
-            <a:endParaRPr lang="mr-IN" dirty="0">
-              <a:solidFill>
-                <a:srgbClr val="ECECEC"/>
-              </a:solidFill>
-              <a:latin typeface="Menlo-Regular" charset="0"/>
-            </a:endParaRPr>
-          </a:p>
-          <a:p>
-            <a:r>
-              <a:rPr lang="mr-IN" dirty="0">
-                <a:solidFill>
-                  <a:srgbClr val="C9CEC4"/>
-                </a:solidFill>
-                <a:latin typeface="Menlo-Regular" charset="0"/>
-              </a:rPr>
-              <a:t>   ...&gt;   </a:t>
-            </a:r>
-            <a:r>
-              <a:rPr lang="mr-IN" dirty="0" err="1">
-                <a:solidFill>
-                  <a:srgbClr val="C9CEC4"/>
-                </a:solidFill>
-                <a:latin typeface="Menlo-Regular" charset="0"/>
-              </a:rPr>
-              <a:t>email</a:t>
-            </a:r>
-            <a:r>
-              <a:rPr lang="mr-IN" dirty="0">
-                <a:solidFill>
-                  <a:srgbClr val="C9CEC4"/>
-                </a:solidFill>
-                <a:latin typeface="Menlo-Regular" charset="0"/>
-              </a:rPr>
-              <a:t> VARCHAR(128)</a:t>
-            </a:r>
-            <a:endParaRPr lang="mr-IN" dirty="0">
-              <a:solidFill>
-                <a:srgbClr val="ECECEC"/>
-              </a:solidFill>
-              <a:latin typeface="Menlo-Regular" charset="0"/>
-            </a:endParaRPr>
-          </a:p>
-          <a:p>
-            <a:r>
-              <a:rPr lang="mr-IN" dirty="0">
-                <a:solidFill>
-                  <a:srgbClr val="C9CEC4"/>
-                </a:solidFill>
-                <a:latin typeface="Menlo-Regular" charset="0"/>
-              </a:rPr>
-              <a:t>   ...&gt; )</a:t>
-            </a:r>
-            <a:endParaRPr lang="mr-IN" dirty="0">
-              <a:solidFill>
-                <a:srgbClr val="ECECEC"/>
-              </a:solidFill>
-              <a:latin typeface="Menlo-Regular" charset="0"/>
-            </a:endParaRPr>
-          </a:p>
-          <a:p>
-            <a:r>
-              <a:rPr lang="mr-IN" dirty="0">
-                <a:solidFill>
-                  <a:srgbClr val="C9CEC4"/>
-                </a:solidFill>
-                <a:latin typeface="Menlo-Regular" charset="0"/>
-              </a:rPr>
-              <a:t>   ...&gt; ;</a:t>
-            </a:r>
-            <a:endParaRPr lang="mr-IN" dirty="0">
-              <a:solidFill>
-                <a:srgbClr val="ECECEC"/>
-              </a:solidFill>
-              <a:latin typeface="Menlo-Regular" charset="0"/>
-            </a:endParaRPr>
-          </a:p>
-          <a:p>
-            <a:r>
-              <a:rPr lang="en-US" dirty="0" err="1">
-                <a:solidFill>
-                  <a:srgbClr val="C9CEC4"/>
-                </a:solidFill>
-                <a:latin typeface="Menlo-Regular" charset="0"/>
-              </a:rPr>
-              <a:t>sqlite</a:t>
-            </a:r>
-            <a:r>
-              <a:rPr lang="en-US" dirty="0">
-                <a:solidFill>
-                  <a:srgbClr val="C9CEC4"/>
-                </a:solidFill>
-                <a:latin typeface="Menlo-Regular" charset="0"/>
-              </a:rPr>
-              <a:t>&gt; .tables</a:t>
-            </a:r>
-            <a:endParaRPr lang="en-US" dirty="0">
-              <a:solidFill>
-                <a:srgbClr val="ECECEC"/>
-              </a:solidFill>
-              <a:latin typeface="Menlo-Regular" charset="0"/>
-            </a:endParaRPr>
-          </a:p>
-          <a:p>
-            <a:r>
-              <a:rPr lang="en-US" dirty="0">
-                <a:solidFill>
-                  <a:srgbClr val="C9CEC4"/>
-                </a:solidFill>
-                <a:latin typeface="Menlo-Regular" charset="0"/>
-              </a:rPr>
-              <a:t>Users</a:t>
-            </a:r>
-            <a:endParaRPr lang="en-US" dirty="0">
-              <a:solidFill>
-                <a:srgbClr val="ECECEC"/>
-              </a:solidFill>
-              <a:latin typeface="Menlo-Regular" charset="0"/>
-            </a:endParaRPr>
-          </a:p>
-          <a:p>
-            <a:r>
-              <a:rPr lang="en-US" dirty="0" err="1">
-                <a:solidFill>
-                  <a:srgbClr val="C9CEC4"/>
-                </a:solidFill>
-                <a:latin typeface="Menlo-Regular" charset="0"/>
-              </a:rPr>
-              <a:t>sqlite</a:t>
-            </a:r>
-            <a:r>
-              <a:rPr lang="en-US" dirty="0">
-                <a:solidFill>
-                  <a:srgbClr val="C9CEC4"/>
-                </a:solidFill>
-                <a:latin typeface="Menlo-Regular" charset="0"/>
-              </a:rPr>
-              <a:t>&gt; .schema Users</a:t>
-            </a:r>
-            <a:endParaRPr lang="en-US" dirty="0">
-              <a:solidFill>
-                <a:srgbClr val="ECECEC"/>
-              </a:solidFill>
-              <a:latin typeface="Menlo-Regular" charset="0"/>
-            </a:endParaRPr>
-          </a:p>
-          <a:p>
-            <a:r>
-              <a:rPr lang="en-US" dirty="0">
-                <a:solidFill>
-                  <a:srgbClr val="C9CEC4"/>
-                </a:solidFill>
-                <a:latin typeface="Menlo-Regular" charset="0"/>
-              </a:rPr>
-              <a:t>CREATE TABLE Users( </a:t>
-            </a:r>
-            <a:endParaRPr lang="en-US" dirty="0">
-              <a:solidFill>
-                <a:srgbClr val="ECECEC"/>
-              </a:solidFill>
-              <a:latin typeface="Menlo-Regular" charset="0"/>
-            </a:endParaRPr>
-          </a:p>
-          <a:p>
-            <a:r>
-              <a:rPr lang="mr-IN" dirty="0">
-                <a:solidFill>
-                  <a:srgbClr val="C9CEC4"/>
-                </a:solidFill>
-                <a:latin typeface="Menlo-Regular" charset="0"/>
-              </a:rPr>
-              <a:t>  </a:t>
-            </a:r>
-            <a:r>
-              <a:rPr lang="mr-IN" dirty="0" err="1">
-                <a:solidFill>
-                  <a:srgbClr val="C9CEC4"/>
-                </a:solidFill>
-                <a:latin typeface="Menlo-Regular" charset="0"/>
-              </a:rPr>
-              <a:t>name</a:t>
-            </a:r>
-            <a:r>
-              <a:rPr lang="mr-IN" dirty="0">
-                <a:solidFill>
-                  <a:srgbClr val="C9CEC4"/>
-                </a:solidFill>
-                <a:latin typeface="Menlo-Regular" charset="0"/>
-              </a:rPr>
-              <a:t> VARCHAR(128), </a:t>
-            </a:r>
-            <a:endParaRPr lang="mr-IN" dirty="0">
-              <a:solidFill>
-                <a:srgbClr val="ECECEC"/>
-              </a:solidFill>
-              <a:latin typeface="Menlo-Regular" charset="0"/>
-            </a:endParaRPr>
-          </a:p>
-          <a:p>
-            <a:r>
-              <a:rPr lang="en-US" dirty="0">
-                <a:solidFill>
-                  <a:srgbClr val="C9CEC4"/>
-                </a:solidFill>
-                <a:latin typeface="Menlo-Regular" charset="0"/>
-              </a:rPr>
-              <a:t>  email VARCHAR(128)</a:t>
-            </a:r>
-            <a:endParaRPr lang="en-US" dirty="0">
-              <a:solidFill>
-                <a:srgbClr val="ECECEC"/>
-              </a:solidFill>
-              <a:latin typeface="Menlo-Regular" charset="0"/>
-            </a:endParaRPr>
-          </a:p>
-          <a:p>
-            <a:r>
-              <a:rPr lang="mr-IN" dirty="0">
-                <a:solidFill>
-                  <a:srgbClr val="C9CEC4"/>
-                </a:solidFill>
-                <a:latin typeface="Menlo-Regular" charset="0"/>
-              </a:rPr>
-              <a:t>);</a:t>
-            </a:r>
-            <a:endParaRPr lang="mr-IN" dirty="0">
-              <a:solidFill>
-                <a:srgbClr val="ECECEC"/>
-              </a:solidFill>
-              <a:latin typeface="Menlo-Regular" charset="0"/>
-            </a:endParaRPr>
-          </a:p>
-          <a:p>
-            <a:r>
-              <a:rPr lang="en-US" dirty="0" err="1">
-                <a:solidFill>
-                  <a:srgbClr val="C9CEC4"/>
-                </a:solidFill>
-                <a:latin typeface="Menlo-Regular" charset="0"/>
-              </a:rPr>
-              <a:t>sqlite</a:t>
-            </a:r>
-            <a:r>
-              <a:rPr lang="en-US" dirty="0">
-                <a:solidFill>
-                  <a:srgbClr val="C9CEC4"/>
-                </a:solidFill>
-                <a:latin typeface="Menlo-Regular" charset="0"/>
-              </a:rPr>
-              <a:t>&gt; </a:t>
-            </a:r>
-            <a:endParaRPr lang="en-US" dirty="0">
-              <a:solidFill>
-                <a:srgbClr val="ECECEC"/>
-              </a:solidFill>
-              <a:latin typeface="Menlo-Regular" charset="0"/>
-            </a:endParaRPr>
+            <a:pPr marL="338658" lvl="1" indent="0">
+              <a:lnSpc>
+                <a:spcPct val="100000"/>
+              </a:lnSpc>
+              <a:spcBef>
+                <a:spcPts val="3333"/>
+              </a:spcBef>
+              <a:spcAft>
+                <a:spcPts val="800"/>
+              </a:spcAft>
+              <a:buClr>
+                <a:schemeClr val="lt1"/>
+              </a:buClr>
+              <a:buSzPct val="100000"/>
+              <a:buNone/>
+            </a:pPr>
+            <a:r>
+              <a:rPr lang="en-US" sz="2667" dirty="0">
+                <a:solidFill>
+                  <a:schemeClr val="lt1"/>
+                </a:solidFill>
+                <a:latin typeface="Arial" charset="0"/>
+                <a:ea typeface="Arial" charset="0"/>
+                <a:cs typeface="Arial" charset="0"/>
+                <a:sym typeface="Cabin"/>
+              </a:rPr>
+              <a:t>-  </a:t>
+            </a:r>
+            <a:r>
+              <a:rPr lang="en" sz="2667" dirty="0">
+                <a:solidFill>
+                  <a:schemeClr val="lt1"/>
+                </a:solidFill>
+                <a:latin typeface="Arial" charset="0"/>
+                <a:ea typeface="Arial" charset="0"/>
+                <a:cs typeface="Arial" charset="0"/>
+                <a:sym typeface="Cabin"/>
+              </a:rPr>
+              <a:t>Delete data </a:t>
+            </a:r>
           </a:p>
         </p:txBody>
       </p:sp>
     </p:spTree>
     <p:extLst>
       <p:ext uri="{BB962C8B-B14F-4D97-AF65-F5344CB8AC3E}">
-        <p14:creationId xmlns:p14="http://schemas.microsoft.com/office/powerpoint/2010/main" val="158678624"/>
+        <p14:creationId xmlns:p14="http://schemas.microsoft.com/office/powerpoint/2010/main" val="931295138"/>
       </p:ext>
     </p:extLst>
   </p:cSld>

--- a/lectures/SQL-01-Basics.pptx
+++ b/lectures/SQL-01-Basics.pptx
@@ -215,7 +215,7 @@
           <a:p>
             <a:fld id="{C97B56FC-7D2E-F343-9D09-0D14B00AA564}" type="datetimeFigureOut">
               <a:rPr lang="en-US" smtClean="0"/>
-              <a:t>1/21/19</a:t>
+              <a:t>1/25/19</a:t>
             </a:fld>
             <a:endParaRPr lang="en-US"/>
           </a:p>
@@ -2472,7 +2472,7 @@
           <a:p>
             <a:fld id="{EEE7C04C-7AF8-1445-A186-502B631B934F}" type="datetimeFigureOut">
               <a:rPr lang="en-US" smtClean="0"/>
-              <a:t>1/21/19</a:t>
+              <a:t>1/25/19</a:t>
             </a:fld>
             <a:endParaRPr lang="en-US"/>
           </a:p>
@@ -2637,7 +2637,7 @@
           <a:p>
             <a:fld id="{EEE7C04C-7AF8-1445-A186-502B631B934F}" type="datetimeFigureOut">
               <a:rPr lang="en-US" smtClean="0"/>
-              <a:t>1/21/19</a:t>
+              <a:t>1/25/19</a:t>
             </a:fld>
             <a:endParaRPr lang="en-US"/>
           </a:p>
@@ -2812,7 +2812,7 @@
           <a:p>
             <a:fld id="{EEE7C04C-7AF8-1445-A186-502B631B934F}" type="datetimeFigureOut">
               <a:rPr lang="en-US" smtClean="0"/>
-              <a:t>1/21/19</a:t>
+              <a:t>1/25/19</a:t>
             </a:fld>
             <a:endParaRPr lang="en-US"/>
           </a:p>
@@ -2977,7 +2977,7 @@
           <a:p>
             <a:fld id="{EEE7C04C-7AF8-1445-A186-502B631B934F}" type="datetimeFigureOut">
               <a:rPr lang="en-US" smtClean="0"/>
-              <a:t>1/21/19</a:t>
+              <a:t>1/25/19</a:t>
             </a:fld>
             <a:endParaRPr lang="en-US"/>
           </a:p>
@@ -3218,7 +3218,7 @@
           <a:p>
             <a:fld id="{EEE7C04C-7AF8-1445-A186-502B631B934F}" type="datetimeFigureOut">
               <a:rPr lang="en-US" smtClean="0"/>
-              <a:t>1/21/19</a:t>
+              <a:t>1/25/19</a:t>
             </a:fld>
             <a:endParaRPr lang="en-US"/>
           </a:p>
@@ -3445,7 +3445,7 @@
           <a:p>
             <a:fld id="{EEE7C04C-7AF8-1445-A186-502B631B934F}" type="datetimeFigureOut">
               <a:rPr lang="en-US" smtClean="0"/>
-              <a:t>1/21/19</a:t>
+              <a:t>1/25/19</a:t>
             </a:fld>
             <a:endParaRPr lang="en-US"/>
           </a:p>
@@ -3807,7 +3807,7 @@
           <a:p>
             <a:fld id="{EEE7C04C-7AF8-1445-A186-502B631B934F}" type="datetimeFigureOut">
               <a:rPr lang="en-US" smtClean="0"/>
-              <a:t>1/21/19</a:t>
+              <a:t>1/25/19</a:t>
             </a:fld>
             <a:endParaRPr lang="en-US"/>
           </a:p>
@@ -3920,7 +3920,7 @@
           <a:p>
             <a:fld id="{EEE7C04C-7AF8-1445-A186-502B631B934F}" type="datetimeFigureOut">
               <a:rPr lang="en-US" smtClean="0"/>
-              <a:t>1/21/19</a:t>
+              <a:t>1/25/19</a:t>
             </a:fld>
             <a:endParaRPr lang="en-US"/>
           </a:p>
@@ -4010,7 +4010,7 @@
           <a:p>
             <a:fld id="{EEE7C04C-7AF8-1445-A186-502B631B934F}" type="datetimeFigureOut">
               <a:rPr lang="en-US" smtClean="0"/>
-              <a:t>1/21/19</a:t>
+              <a:t>1/25/19</a:t>
             </a:fld>
             <a:endParaRPr lang="en-US"/>
           </a:p>
@@ -4282,7 +4282,7 @@
           <a:p>
             <a:fld id="{EEE7C04C-7AF8-1445-A186-502B631B934F}" type="datetimeFigureOut">
               <a:rPr lang="en-US" smtClean="0"/>
-              <a:t>1/21/19</a:t>
+              <a:t>1/25/19</a:t>
             </a:fld>
             <a:endParaRPr lang="en-US"/>
           </a:p>
@@ -4534,7 +4534,7 @@
           <a:p>
             <a:fld id="{EEE7C04C-7AF8-1445-A186-502B631B934F}" type="datetimeFigureOut">
               <a:rPr lang="en-US" smtClean="0"/>
-              <a:t>1/21/19</a:t>
+              <a:t>1/25/19</a:t>
             </a:fld>
             <a:endParaRPr lang="en-US"/>
           </a:p>
@@ -4742,7 +4742,7 @@
           <a:p>
             <a:fld id="{EEE7C04C-7AF8-1445-A186-502B631B934F}" type="datetimeFigureOut">
               <a:rPr lang="en-US" smtClean="0"/>
-              <a:t>1/21/19</a:t>
+              <a:t>1/25/19</a:t>
             </a:fld>
             <a:endParaRPr lang="en-US"/>
           </a:p>
@@ -5160,10 +5160,10 @@
           <p:cNvPr id="10" name="Rectangle 9">
             <a:extLst>
               <a:ext uri="{FF2B5EF4-FFF2-40B4-BE49-F238E27FC236}">
-                <a16:creationId xmlns:a16="http://schemas.microsoft.com/office/drawing/2014/main" xmlns="" id="{E20EB187-900F-4AF5-813B-101456D9FD39}"/>
+                <a16:creationId xmlns="" xmlns:a16="http://schemas.microsoft.com/office/drawing/2014/main" id="{E20EB187-900F-4AF5-813B-101456D9FD39}"/>
               </a:ext>
               <a:ext uri="{C183D7F6-B498-43B3-948B-1728B52AA6E4}">
-                <adec:decorative xmlns:adec="http://schemas.microsoft.com/office/drawing/2017/decorative" xmlns="" val="1"/>
+                <adec:decorative xmlns="" xmlns:adec="http://schemas.microsoft.com/office/drawing/2017/decorative" val="1"/>
               </a:ext>
             </a:extLst>
           </p:cNvPr>
@@ -5337,10 +5337,10 @@
           <p:cNvPr id="12" name="Straight Connector 11">
             <a:extLst>
               <a:ext uri="{FF2B5EF4-FFF2-40B4-BE49-F238E27FC236}">
-                <a16:creationId xmlns:a16="http://schemas.microsoft.com/office/drawing/2014/main" xmlns="" id="{624D17C8-E9C2-48A4-AA36-D7048A6CCC41}"/>
+                <a16:creationId xmlns="" xmlns:a16="http://schemas.microsoft.com/office/drawing/2014/main" id="{624D17C8-E9C2-48A4-AA36-D7048A6CCC41}"/>
               </a:ext>
               <a:ext uri="{C183D7F6-B498-43B3-948B-1728B52AA6E4}">
-                <adec:decorative xmlns:adec="http://schemas.microsoft.com/office/drawing/2017/decorative" xmlns="" val="1"/>
+                <adec:decorative xmlns="" xmlns:adec="http://schemas.microsoft.com/office/drawing/2017/decorative" val="1"/>
               </a:ext>
             </a:extLst>
           </p:cNvPr>
@@ -5555,6 +5555,10 @@
           </p:nvPr>
         </p:nvSpPr>
         <p:spPr>
+          <a:xfrm>
+            <a:off x="6257924" y="365125"/>
+            <a:ext cx="5095875" cy="1325563"/>
+          </a:xfrm>
           <a:prstGeom prst="rect">
             <a:avLst/>
           </a:prstGeom>
@@ -5582,7 +5586,7 @@
               <a:buSzPct val="25000"/>
             </a:pPr>
             <a:r>
-              <a:rPr lang="en" sz="5733" dirty="0">
+              <a:rPr lang="en" sz="4000" dirty="0">
                 <a:solidFill>
                   <a:srgbClr val="FFD966"/>
                 </a:solidFill>
@@ -5604,8 +5608,8 @@
         </p:nvSpPr>
         <p:spPr>
           <a:xfrm>
-            <a:off x="8195624" y="2756127"/>
-            <a:ext cx="3516923" cy="1685076"/>
+            <a:off x="7415212" y="2367678"/>
+            <a:ext cx="4397347" cy="2618660"/>
           </a:xfrm>
           <a:prstGeom prst="rect">
             <a:avLst/>
@@ -5652,7 +5656,7 @@
               <a:t>Users</a:t>
             </a:r>
             <a:r>
-              <a:rPr lang="en" sz="2133" b="1" dirty="0">
+              <a:rPr lang="en" sz="2133" b="1" dirty="0" smtClean="0">
                 <a:solidFill>
                   <a:schemeClr val="lt1"/>
                 </a:solidFill>
@@ -5661,8 +5665,194 @@
                 <a:cs typeface="Courier New"/>
                 <a:sym typeface="Courier New"/>
               </a:rPr>
-              <a:t>( </a:t>
-            </a:r>
+              <a:t>(</a:t>
+            </a:r>
+            <a:endParaRPr lang="en-US" sz="2133" b="1" dirty="0" smtClean="0">
+              <a:solidFill>
+                <a:schemeClr val="lt1"/>
+              </a:solidFill>
+              <a:latin typeface="Courier New"/>
+              <a:ea typeface="Courier New"/>
+              <a:cs typeface="Courier New"/>
+              <a:sym typeface="Courier New"/>
+            </a:endParaRPr>
+          </a:p>
+          <a:p>
+            <a:pPr>
+              <a:buClr>
+                <a:srgbClr val="FF8000"/>
+              </a:buClr>
+              <a:buSzPct val="25000"/>
+            </a:pPr>
+            <a:r>
+              <a:rPr lang="en-US" sz="2133" b="1" dirty="0" smtClean="0">
+                <a:solidFill>
+                  <a:schemeClr val="lt1"/>
+                </a:solidFill>
+                <a:latin typeface="Courier New"/>
+                <a:ea typeface="Courier New"/>
+                <a:cs typeface="Courier New"/>
+                <a:sym typeface="Courier New"/>
+              </a:rPr>
+              <a:t>   id </a:t>
+            </a:r>
+            <a:r>
+              <a:rPr lang="en-US" sz="2133" b="1" dirty="0">
+                <a:solidFill>
+                  <a:schemeClr val="lt1"/>
+                </a:solidFill>
+                <a:latin typeface="Courier New"/>
+                <a:ea typeface="Courier New"/>
+                <a:cs typeface="Courier New"/>
+                <a:sym typeface="Courier New"/>
+              </a:rPr>
+              <a:t>integer </a:t>
+            </a:r>
+            <a:r>
+              <a:rPr lang="en-US" sz="2133" b="1" dirty="0">
+                <a:solidFill>
+                  <a:srgbClr val="FF8000"/>
+                </a:solidFill>
+                <a:latin typeface="Courier New"/>
+                <a:ea typeface="Courier New"/>
+                <a:cs typeface="Courier New"/>
+                <a:sym typeface="Courier New"/>
+              </a:rPr>
+              <a:t>NOT </a:t>
+            </a:r>
+            <a:r>
+              <a:rPr lang="en-US" sz="2133" b="1" dirty="0" smtClean="0">
+                <a:solidFill>
+                  <a:srgbClr val="FF8000"/>
+                </a:solidFill>
+                <a:latin typeface="Courier New"/>
+                <a:ea typeface="Courier New"/>
+                <a:cs typeface="Courier New"/>
+                <a:sym typeface="Courier New"/>
+              </a:rPr>
+              <a:t>NULL</a:t>
+            </a:r>
+          </a:p>
+          <a:p>
+            <a:pPr>
+              <a:buClr>
+                <a:srgbClr val="FF8000"/>
+              </a:buClr>
+              <a:buSzPct val="25000"/>
+            </a:pPr>
+            <a:r>
+              <a:rPr lang="en-US" sz="2133" b="1" dirty="0">
+                <a:solidFill>
+                  <a:srgbClr val="FF8000"/>
+                </a:solidFill>
+                <a:latin typeface="Courier New"/>
+                <a:ea typeface="Courier New"/>
+                <a:cs typeface="Courier New"/>
+                <a:sym typeface="Courier New"/>
+              </a:rPr>
+              <a:t> </a:t>
+            </a:r>
+            <a:r>
+              <a:rPr lang="en-US" sz="2133" b="1" dirty="0" smtClean="0">
+                <a:solidFill>
+                  <a:srgbClr val="FF8000"/>
+                </a:solidFill>
+                <a:latin typeface="Courier New"/>
+                <a:ea typeface="Courier New"/>
+                <a:cs typeface="Courier New"/>
+                <a:sym typeface="Courier New"/>
+              </a:rPr>
+              <a:t>    </a:t>
+            </a:r>
+            <a:r>
+              <a:rPr lang="en-US" sz="2133" b="1" dirty="0">
+                <a:solidFill>
+                  <a:srgbClr val="FF8000"/>
+                </a:solidFill>
+                <a:latin typeface="Courier New"/>
+                <a:ea typeface="Courier New"/>
+                <a:cs typeface="Courier New"/>
+                <a:sym typeface="Courier New"/>
+              </a:rPr>
+              <a:t>PRIMARY </a:t>
+            </a:r>
+            <a:r>
+              <a:rPr lang="en-US" sz="2133" b="1" dirty="0" smtClean="0">
+                <a:solidFill>
+                  <a:srgbClr val="FF8000"/>
+                </a:solidFill>
+                <a:latin typeface="Courier New"/>
+                <a:ea typeface="Courier New"/>
+                <a:cs typeface="Courier New"/>
+                <a:sym typeface="Courier New"/>
+              </a:rPr>
+              <a:t>KEY  </a:t>
+            </a:r>
+          </a:p>
+          <a:p>
+            <a:pPr>
+              <a:buClr>
+                <a:srgbClr val="FF8000"/>
+              </a:buClr>
+              <a:buSzPct val="25000"/>
+            </a:pPr>
+            <a:r>
+              <a:rPr lang="en-US" sz="2133" b="1" dirty="0">
+                <a:solidFill>
+                  <a:srgbClr val="FF8000"/>
+                </a:solidFill>
+                <a:latin typeface="Courier New"/>
+                <a:ea typeface="Courier New"/>
+                <a:cs typeface="Courier New"/>
+                <a:sym typeface="Courier New"/>
+              </a:rPr>
+              <a:t> </a:t>
+            </a:r>
+            <a:r>
+              <a:rPr lang="en-US" sz="2133" b="1" dirty="0" smtClean="0">
+                <a:solidFill>
+                  <a:srgbClr val="FF8000"/>
+                </a:solidFill>
+                <a:latin typeface="Courier New"/>
+                <a:ea typeface="Courier New"/>
+                <a:cs typeface="Courier New"/>
+                <a:sym typeface="Courier New"/>
+              </a:rPr>
+              <a:t>    AUTOINCREMENT</a:t>
+            </a:r>
+            <a:r>
+              <a:rPr lang="en-US" sz="2133" b="1" dirty="0">
+                <a:solidFill>
+                  <a:schemeClr val="lt1"/>
+                </a:solidFill>
+                <a:latin typeface="Courier New"/>
+                <a:ea typeface="Courier New"/>
+                <a:cs typeface="Courier New"/>
+                <a:sym typeface="Courier New"/>
+              </a:rPr>
+              <a:t>,</a:t>
+            </a:r>
+            <a:r>
+              <a:rPr lang="en" sz="2133" b="1" dirty="0" smtClean="0">
+                <a:solidFill>
+                  <a:schemeClr val="lt1"/>
+                </a:solidFill>
+                <a:latin typeface="Courier New"/>
+                <a:ea typeface="Courier New"/>
+                <a:cs typeface="Courier New"/>
+                <a:sym typeface="Courier New"/>
+              </a:rPr>
+              <a:t> </a:t>
+            </a:r>
+            <a:endParaRPr lang="en" sz="2133" b="1" dirty="0">
+              <a:solidFill>
+                <a:schemeClr val="lt1"/>
+              </a:solidFill>
+              <a:latin typeface="Courier New"/>
+              <a:ea typeface="Courier New"/>
+              <a:cs typeface="Courier New"/>
+              <a:sym typeface="Courier New"/>
+            </a:endParaRPr>
           </a:p>
           <a:p>
             <a:pPr>
@@ -5760,7 +5950,7 @@
               <a:buSzPct val="25000"/>
             </a:pPr>
             <a:r>
-              <a:rPr lang="en" sz="2133" b="1" dirty="0">
+              <a:rPr lang="en" sz="2133" b="1" dirty="0" smtClean="0">
                 <a:solidFill>
                   <a:srgbClr val="FFFFFF"/>
                 </a:solidFill>
@@ -5771,6 +5961,27 @@
               </a:rPr>
               <a:t>)</a:t>
             </a:r>
+            <a:r>
+              <a:rPr lang="en-US" sz="2133" b="1" dirty="0" smtClean="0">
+                <a:solidFill>
+                  <a:srgbClr val="FFFFFF"/>
+                </a:solidFill>
+                <a:latin typeface="Courier New"/>
+                <a:ea typeface="Courier New"/>
+                <a:cs typeface="Courier New"/>
+                <a:sym typeface="Courier New"/>
+              </a:rPr>
+              <a:t>;</a:t>
+            </a:r>
+            <a:endParaRPr lang="en" sz="2133" b="1" dirty="0">
+              <a:solidFill>
+                <a:srgbClr val="FFFFFF"/>
+              </a:solidFill>
+              <a:latin typeface="Courier New"/>
+              <a:ea typeface="Courier New"/>
+              <a:cs typeface="Courier New"/>
+              <a:sym typeface="Courier New"/>
+            </a:endParaRPr>
           </a:p>
           <a:p>
             <a:pPr>
@@ -5798,8 +6009,8 @@
         </p:nvSpPr>
         <p:spPr>
           <a:xfrm>
-            <a:off x="1285875" y="1690688"/>
-            <a:ext cx="5902578" cy="4801314"/>
+            <a:off x="421070" y="782509"/>
+            <a:ext cx="5836854" cy="5632311"/>
           </a:xfrm>
           <a:prstGeom prst="rect">
             <a:avLst/>
@@ -5815,497 +6026,749 @@
             <a:r>
               <a:rPr lang="en-US" b="1" dirty="0">
                 <a:solidFill>
-                  <a:srgbClr val="17B111"/>
-                </a:solidFill>
-                <a:latin typeface="Menlo-Bold" charset="0"/>
+                  <a:schemeClr val="tx2"/>
+                </a:solidFill>
+                <a:latin typeface="Courier" charset="0"/>
+                <a:ea typeface="Courier" charset="0"/>
+                <a:cs typeface="Courier" charset="0"/>
               </a:rPr>
               <a:t>$ </a:t>
             </a:r>
             <a:r>
               <a:rPr lang="en-US" dirty="0">
                 <a:solidFill>
-                  <a:srgbClr val="C9CEC4"/>
-                </a:solidFill>
-                <a:latin typeface="Menlo-Regular" charset="0"/>
+                  <a:schemeClr val="tx2"/>
+                </a:solidFill>
+                <a:latin typeface="Courier" charset="0"/>
+                <a:ea typeface="Courier" charset="0"/>
+                <a:cs typeface="Courier" charset="0"/>
               </a:rPr>
               <a:t>sqlite3 zip.sqlite3</a:t>
+            </a:r>
+          </a:p>
+          <a:p>
+            <a:r>
+              <a:rPr lang="it-IT" dirty="0" err="1">
+                <a:solidFill>
+                  <a:schemeClr val="tx2"/>
+                </a:solidFill>
+                <a:latin typeface="Courier" charset="0"/>
+                <a:ea typeface="Courier" charset="0"/>
+                <a:cs typeface="Courier" charset="0"/>
+              </a:rPr>
+              <a:t>SQLite</a:t>
+            </a:r>
+            <a:r>
+              <a:rPr lang="it-IT" dirty="0">
+                <a:solidFill>
+                  <a:schemeClr val="tx2"/>
+                </a:solidFill>
+                <a:latin typeface="Courier" charset="0"/>
+                <a:ea typeface="Courier" charset="0"/>
+                <a:cs typeface="Courier" charset="0"/>
+              </a:rPr>
+              <a:t> </a:t>
+            </a:r>
+            <a:r>
+              <a:rPr lang="it-IT" dirty="0" err="1">
+                <a:solidFill>
+                  <a:schemeClr val="tx2"/>
+                </a:solidFill>
+                <a:latin typeface="Courier" charset="0"/>
+                <a:ea typeface="Courier" charset="0"/>
+                <a:cs typeface="Courier" charset="0"/>
+              </a:rPr>
+              <a:t>version</a:t>
+            </a:r>
+            <a:r>
+              <a:rPr lang="it-IT" dirty="0">
+                <a:solidFill>
+                  <a:schemeClr val="tx2"/>
+                </a:solidFill>
+                <a:latin typeface="Courier" charset="0"/>
+                <a:ea typeface="Courier" charset="0"/>
+                <a:cs typeface="Courier" charset="0"/>
+              </a:rPr>
+              <a:t> 3.11.0 2016-02-15 17:29:24</a:t>
+            </a:r>
+          </a:p>
+          <a:p>
+            <a:r>
+              <a:rPr lang="it-IT" dirty="0" err="1">
+                <a:solidFill>
+                  <a:schemeClr val="tx2"/>
+                </a:solidFill>
+                <a:latin typeface="Courier" charset="0"/>
+                <a:ea typeface="Courier" charset="0"/>
+                <a:cs typeface="Courier" charset="0"/>
+              </a:rPr>
+              <a:t>Enter</a:t>
+            </a:r>
+            <a:r>
+              <a:rPr lang="it-IT" dirty="0">
+                <a:solidFill>
+                  <a:schemeClr val="tx2"/>
+                </a:solidFill>
+                <a:latin typeface="Courier" charset="0"/>
+                <a:ea typeface="Courier" charset="0"/>
+                <a:cs typeface="Courier" charset="0"/>
+              </a:rPr>
+              <a:t> ".help" for </a:t>
+            </a:r>
+            <a:r>
+              <a:rPr lang="it-IT" dirty="0" err="1">
+                <a:solidFill>
+                  <a:schemeClr val="tx2"/>
+                </a:solidFill>
+                <a:latin typeface="Courier" charset="0"/>
+                <a:ea typeface="Courier" charset="0"/>
+                <a:cs typeface="Courier" charset="0"/>
+              </a:rPr>
+              <a:t>usage</a:t>
+            </a:r>
+            <a:r>
+              <a:rPr lang="it-IT" dirty="0">
+                <a:solidFill>
+                  <a:schemeClr val="tx2"/>
+                </a:solidFill>
+                <a:latin typeface="Courier" charset="0"/>
+                <a:ea typeface="Courier" charset="0"/>
+                <a:cs typeface="Courier" charset="0"/>
+              </a:rPr>
+              <a:t> </a:t>
+            </a:r>
+            <a:r>
+              <a:rPr lang="it-IT" dirty="0" err="1">
+                <a:solidFill>
+                  <a:schemeClr val="tx2"/>
+                </a:solidFill>
+                <a:latin typeface="Courier" charset="0"/>
+                <a:ea typeface="Courier" charset="0"/>
+                <a:cs typeface="Courier" charset="0"/>
+              </a:rPr>
+              <a:t>hints</a:t>
+            </a:r>
+            <a:r>
+              <a:rPr lang="it-IT" dirty="0">
+                <a:solidFill>
+                  <a:schemeClr val="tx2"/>
+                </a:solidFill>
+                <a:latin typeface="Courier" charset="0"/>
+                <a:ea typeface="Courier" charset="0"/>
+                <a:cs typeface="Courier" charset="0"/>
+              </a:rPr>
+              <a:t>.</a:t>
+            </a:r>
+          </a:p>
+          <a:p>
+            <a:r>
+              <a:rPr lang="it-IT" dirty="0" err="1">
+                <a:solidFill>
+                  <a:schemeClr val="tx2"/>
+                </a:solidFill>
+                <a:latin typeface="Courier" charset="0"/>
+                <a:ea typeface="Courier" charset="0"/>
+                <a:cs typeface="Courier" charset="0"/>
+              </a:rPr>
+              <a:t>sqlite</a:t>
+            </a:r>
+            <a:r>
+              <a:rPr lang="it-IT" dirty="0">
+                <a:solidFill>
+                  <a:schemeClr val="tx2"/>
+                </a:solidFill>
+                <a:latin typeface="Courier" charset="0"/>
+                <a:ea typeface="Courier" charset="0"/>
+                <a:cs typeface="Courier" charset="0"/>
+              </a:rPr>
+              <a:t>&gt; .</a:t>
+            </a:r>
+            <a:r>
+              <a:rPr lang="it-IT" dirty="0" err="1">
+                <a:solidFill>
+                  <a:schemeClr val="tx2"/>
+                </a:solidFill>
+                <a:latin typeface="Courier" charset="0"/>
+                <a:ea typeface="Courier" charset="0"/>
+                <a:cs typeface="Courier" charset="0"/>
+              </a:rPr>
+              <a:t>tables</a:t>
+            </a:r>
+            <a:endParaRPr lang="it-IT" dirty="0">
+              <a:solidFill>
+                <a:schemeClr val="tx2"/>
+              </a:solidFill>
+              <a:latin typeface="Courier" charset="0"/>
+              <a:ea typeface="Courier" charset="0"/>
+              <a:cs typeface="Courier" charset="0"/>
+            </a:endParaRPr>
+          </a:p>
+          <a:p>
+            <a:r>
+              <a:rPr lang="it-IT" dirty="0" err="1">
+                <a:solidFill>
+                  <a:schemeClr val="tx2"/>
+                </a:solidFill>
+                <a:latin typeface="Courier" charset="0"/>
+                <a:ea typeface="Courier" charset="0"/>
+                <a:cs typeface="Courier" charset="0"/>
+              </a:rPr>
+              <a:t>sqlite</a:t>
+            </a:r>
+            <a:r>
+              <a:rPr lang="it-IT" dirty="0">
+                <a:solidFill>
+                  <a:schemeClr val="tx2"/>
+                </a:solidFill>
+                <a:latin typeface="Courier" charset="0"/>
+                <a:ea typeface="Courier" charset="0"/>
+                <a:cs typeface="Courier" charset="0"/>
+              </a:rPr>
+              <a:t>&gt; CREATE TABLE </a:t>
+            </a:r>
+            <a:r>
+              <a:rPr lang="it-IT" dirty="0" err="1">
+                <a:solidFill>
+                  <a:schemeClr val="tx2"/>
+                </a:solidFill>
+                <a:latin typeface="Courier" charset="0"/>
+                <a:ea typeface="Courier" charset="0"/>
+                <a:cs typeface="Courier" charset="0"/>
+              </a:rPr>
+              <a:t>Users</a:t>
+            </a:r>
+            <a:r>
+              <a:rPr lang="it-IT" dirty="0">
+                <a:solidFill>
+                  <a:schemeClr val="tx2"/>
+                </a:solidFill>
+                <a:latin typeface="Courier" charset="0"/>
+                <a:ea typeface="Courier" charset="0"/>
+                <a:cs typeface="Courier" charset="0"/>
+              </a:rPr>
+              <a:t>( </a:t>
+            </a:r>
+            <a:endParaRPr lang="it-IT" dirty="0" smtClean="0">
+              <a:solidFill>
+                <a:schemeClr val="tx2"/>
+              </a:solidFill>
+              <a:latin typeface="Courier" charset="0"/>
+              <a:ea typeface="Courier" charset="0"/>
+              <a:cs typeface="Courier" charset="0"/>
+            </a:endParaRPr>
+          </a:p>
+          <a:p>
+            <a:r>
+              <a:rPr lang="mr-IN" dirty="0">
+                <a:solidFill>
+                  <a:schemeClr val="tx2"/>
+                </a:solidFill>
+                <a:latin typeface="Courier" charset="0"/>
+                <a:ea typeface="Courier" charset="0"/>
+                <a:cs typeface="Courier" charset="0"/>
+              </a:rPr>
+              <a:t> </a:t>
+            </a:r>
+            <a:r>
+              <a:rPr lang="en-US" dirty="0" smtClean="0">
+                <a:solidFill>
+                  <a:schemeClr val="tx2"/>
+                </a:solidFill>
+                <a:latin typeface="Courier" charset="0"/>
+                <a:ea typeface="Courier" charset="0"/>
+                <a:cs typeface="Courier" charset="0"/>
+              </a:rPr>
+              <a:t>  </a:t>
+            </a:r>
+            <a:r>
+              <a:rPr lang="mr-IN" dirty="0" smtClean="0">
+                <a:solidFill>
+                  <a:schemeClr val="tx2"/>
+                </a:solidFill>
+                <a:latin typeface="Courier" charset="0"/>
+                <a:ea typeface="Courier" charset="0"/>
+                <a:cs typeface="Courier" charset="0"/>
+              </a:rPr>
+              <a:t>...&gt; </a:t>
+            </a:r>
+            <a:r>
+              <a:rPr lang="it-IT" dirty="0">
+                <a:solidFill>
+                  <a:schemeClr val="tx2"/>
+                </a:solidFill>
+                <a:latin typeface="Courier" charset="0"/>
+                <a:ea typeface="Courier" charset="0"/>
+                <a:cs typeface="Courier" charset="0"/>
+              </a:rPr>
+              <a:t> </a:t>
+            </a:r>
+            <a:r>
+              <a:rPr lang="it-IT" dirty="0" smtClean="0">
+                <a:solidFill>
+                  <a:schemeClr val="tx2"/>
+                </a:solidFill>
+                <a:latin typeface="Courier" charset="0"/>
+                <a:ea typeface="Courier" charset="0"/>
+                <a:cs typeface="Courier" charset="0"/>
+              </a:rPr>
+              <a:t> id INTEGER NOT </a:t>
+            </a:r>
+            <a:r>
+              <a:rPr lang="it-IT" dirty="0">
+                <a:solidFill>
+                  <a:schemeClr val="tx2"/>
+                </a:solidFill>
+                <a:latin typeface="Courier" charset="0"/>
+                <a:ea typeface="Courier" charset="0"/>
+                <a:cs typeface="Courier" charset="0"/>
+              </a:rPr>
+              <a:t>NULL </a:t>
+            </a:r>
+            <a:endParaRPr lang="it-IT" dirty="0" smtClean="0">
+              <a:solidFill>
+                <a:schemeClr val="tx2"/>
+              </a:solidFill>
+              <a:latin typeface="Courier" charset="0"/>
+              <a:ea typeface="Courier" charset="0"/>
+              <a:cs typeface="Courier" charset="0"/>
+            </a:endParaRPr>
+          </a:p>
+          <a:p>
+            <a:r>
+              <a:rPr lang="it-IT" dirty="0">
+                <a:solidFill>
+                  <a:schemeClr val="tx2"/>
+                </a:solidFill>
+                <a:latin typeface="Courier" charset="0"/>
+                <a:ea typeface="Courier" charset="0"/>
+                <a:cs typeface="Courier" charset="0"/>
+              </a:rPr>
+              <a:t> </a:t>
+            </a:r>
+            <a:r>
+              <a:rPr lang="it-IT" dirty="0" smtClean="0">
+                <a:solidFill>
+                  <a:schemeClr val="tx2"/>
+                </a:solidFill>
+                <a:latin typeface="Courier" charset="0"/>
+                <a:ea typeface="Courier" charset="0"/>
+                <a:cs typeface="Courier" charset="0"/>
+              </a:rPr>
+              <a:t>  ...</a:t>
+            </a:r>
+            <a:r>
+              <a:rPr lang="en-US" dirty="0" smtClean="0">
+                <a:solidFill>
+                  <a:schemeClr val="tx2"/>
+                </a:solidFill>
+                <a:latin typeface="Courier" charset="0"/>
+                <a:ea typeface="Courier" charset="0"/>
+                <a:cs typeface="Courier" charset="0"/>
+              </a:rPr>
+              <a:t>&gt;       </a:t>
+            </a:r>
+            <a:r>
+              <a:rPr lang="it-IT" dirty="0" smtClean="0">
+                <a:solidFill>
+                  <a:schemeClr val="tx2"/>
+                </a:solidFill>
+                <a:latin typeface="Courier" charset="0"/>
+                <a:ea typeface="Courier" charset="0"/>
+                <a:cs typeface="Courier" charset="0"/>
+              </a:rPr>
+              <a:t>PRIMARY </a:t>
+            </a:r>
+            <a:r>
+              <a:rPr lang="it-IT" dirty="0">
+                <a:solidFill>
+                  <a:schemeClr val="tx2"/>
+                </a:solidFill>
+                <a:latin typeface="Courier" charset="0"/>
+                <a:ea typeface="Courier" charset="0"/>
+                <a:cs typeface="Courier" charset="0"/>
+              </a:rPr>
+              <a:t>KEY </a:t>
+            </a:r>
+            <a:r>
+              <a:rPr lang="it-IT" dirty="0" smtClean="0">
+                <a:solidFill>
+                  <a:schemeClr val="tx2"/>
+                </a:solidFill>
+                <a:latin typeface="Courier" charset="0"/>
+                <a:ea typeface="Courier" charset="0"/>
+                <a:cs typeface="Courier" charset="0"/>
+              </a:rPr>
+              <a:t>AUTOINCREMENT</a:t>
+            </a:r>
+            <a:r>
+              <a:rPr lang="it-IT" dirty="0">
+                <a:solidFill>
+                  <a:schemeClr val="tx2"/>
+                </a:solidFill>
+                <a:latin typeface="Courier" charset="0"/>
+                <a:ea typeface="Courier" charset="0"/>
+                <a:cs typeface="Courier" charset="0"/>
+              </a:rPr>
+              <a:t>,</a:t>
+            </a:r>
+            <a:endParaRPr lang="it-IT" dirty="0">
+              <a:solidFill>
+                <a:schemeClr val="tx2"/>
+              </a:solidFill>
+              <a:latin typeface="Courier" charset="0"/>
+              <a:ea typeface="Courier" charset="0"/>
+              <a:cs typeface="Courier" charset="0"/>
+            </a:endParaRPr>
+          </a:p>
+          <a:p>
+            <a:r>
+              <a:rPr lang="mr-IN" dirty="0">
+                <a:solidFill>
+                  <a:schemeClr val="tx2"/>
+                </a:solidFill>
+                <a:latin typeface="Courier" charset="0"/>
+                <a:ea typeface="Courier" charset="0"/>
+                <a:cs typeface="Courier" charset="0"/>
+              </a:rPr>
+              <a:t>   ...&gt;   </a:t>
+            </a:r>
+            <a:r>
+              <a:rPr lang="mr-IN" dirty="0" err="1">
+                <a:solidFill>
+                  <a:schemeClr val="tx2"/>
+                </a:solidFill>
+                <a:latin typeface="Courier" charset="0"/>
+                <a:ea typeface="Courier" charset="0"/>
+                <a:cs typeface="Courier" charset="0"/>
+              </a:rPr>
+              <a:t>name</a:t>
+            </a:r>
+            <a:r>
+              <a:rPr lang="mr-IN" dirty="0">
+                <a:solidFill>
+                  <a:schemeClr val="tx2"/>
+                </a:solidFill>
+                <a:latin typeface="Courier" charset="0"/>
+                <a:ea typeface="Courier" charset="0"/>
+                <a:cs typeface="Courier" charset="0"/>
+              </a:rPr>
+              <a:t> VARCHAR(128), </a:t>
+            </a:r>
+          </a:p>
+          <a:p>
+            <a:r>
+              <a:rPr lang="mr-IN" dirty="0">
+                <a:solidFill>
+                  <a:schemeClr val="tx2"/>
+                </a:solidFill>
+                <a:latin typeface="Courier" charset="0"/>
+                <a:ea typeface="Courier" charset="0"/>
+                <a:cs typeface="Courier" charset="0"/>
+              </a:rPr>
+              <a:t>   ...&gt;   </a:t>
+            </a:r>
+            <a:r>
+              <a:rPr lang="mr-IN" dirty="0" err="1">
+                <a:solidFill>
+                  <a:schemeClr val="tx2"/>
+                </a:solidFill>
+                <a:latin typeface="Courier" charset="0"/>
+                <a:ea typeface="Courier" charset="0"/>
+                <a:cs typeface="Courier" charset="0"/>
+              </a:rPr>
+              <a:t>email</a:t>
+            </a:r>
+            <a:r>
+              <a:rPr lang="mr-IN" dirty="0">
+                <a:solidFill>
+                  <a:schemeClr val="tx2"/>
+                </a:solidFill>
+                <a:latin typeface="Courier" charset="0"/>
+                <a:ea typeface="Courier" charset="0"/>
+                <a:cs typeface="Courier" charset="0"/>
+              </a:rPr>
+              <a:t> VARCHAR(128)</a:t>
+            </a:r>
+          </a:p>
+          <a:p>
+            <a:r>
+              <a:rPr lang="mr-IN" dirty="0">
+                <a:solidFill>
+                  <a:schemeClr val="tx2"/>
+                </a:solidFill>
+                <a:latin typeface="Courier" charset="0"/>
+                <a:ea typeface="Courier" charset="0"/>
+                <a:cs typeface="Courier" charset="0"/>
+              </a:rPr>
+              <a:t>   ...&gt; </a:t>
+            </a:r>
+            <a:r>
+              <a:rPr lang="mr-IN" dirty="0" smtClean="0">
+                <a:solidFill>
+                  <a:schemeClr val="tx2"/>
+                </a:solidFill>
+                <a:latin typeface="Courier" charset="0"/>
+                <a:ea typeface="Courier" charset="0"/>
+                <a:cs typeface="Courier" charset="0"/>
+              </a:rPr>
+              <a:t>)</a:t>
+            </a:r>
+            <a:r>
+              <a:rPr lang="en-US" dirty="0" smtClean="0">
+                <a:solidFill>
+                  <a:schemeClr val="tx2"/>
+                </a:solidFill>
+                <a:latin typeface="Courier" charset="0"/>
+                <a:ea typeface="Courier" charset="0"/>
+                <a:cs typeface="Courier" charset="0"/>
+              </a:rPr>
+              <a:t> ;</a:t>
+            </a:r>
+            <a:endParaRPr lang="mr-IN" dirty="0">
+              <a:solidFill>
+                <a:schemeClr val="tx2"/>
+              </a:solidFill>
+              <a:latin typeface="Courier" charset="0"/>
+              <a:ea typeface="Courier" charset="0"/>
+              <a:cs typeface="Courier" charset="0"/>
+            </a:endParaRPr>
+          </a:p>
+          <a:p>
+            <a:r>
+              <a:rPr lang="en-US" dirty="0" err="1" smtClean="0">
+                <a:solidFill>
+                  <a:schemeClr val="tx2"/>
+                </a:solidFill>
+                <a:latin typeface="Courier" charset="0"/>
+                <a:ea typeface="Courier" charset="0"/>
+                <a:cs typeface="Courier" charset="0"/>
+              </a:rPr>
+              <a:t>sqlite</a:t>
+            </a:r>
+            <a:r>
+              <a:rPr lang="en-US" dirty="0">
+                <a:solidFill>
+                  <a:schemeClr val="tx2"/>
+                </a:solidFill>
+                <a:latin typeface="Courier" charset="0"/>
+                <a:ea typeface="Courier" charset="0"/>
+                <a:cs typeface="Courier" charset="0"/>
+              </a:rPr>
+              <a:t>&gt; .tables</a:t>
+            </a:r>
+          </a:p>
+          <a:p>
+            <a:r>
+              <a:rPr lang="en-US" dirty="0">
+                <a:solidFill>
+                  <a:schemeClr val="tx2"/>
+                </a:solidFill>
+                <a:latin typeface="Courier" charset="0"/>
+                <a:ea typeface="Courier" charset="0"/>
+                <a:cs typeface="Courier" charset="0"/>
+              </a:rPr>
+              <a:t>Users</a:t>
+            </a:r>
+          </a:p>
+          <a:p>
+            <a:r>
+              <a:rPr lang="en-US" dirty="0" err="1">
+                <a:solidFill>
+                  <a:schemeClr val="tx2"/>
+                </a:solidFill>
+                <a:latin typeface="Courier" charset="0"/>
+                <a:ea typeface="Courier" charset="0"/>
+                <a:cs typeface="Courier" charset="0"/>
+              </a:rPr>
+              <a:t>sqlite</a:t>
+            </a:r>
+            <a:r>
+              <a:rPr lang="en-US" dirty="0">
+                <a:solidFill>
+                  <a:schemeClr val="tx2"/>
+                </a:solidFill>
+                <a:latin typeface="Courier" charset="0"/>
+                <a:ea typeface="Courier" charset="0"/>
+                <a:cs typeface="Courier" charset="0"/>
+              </a:rPr>
+              <a:t>&gt; .schema Users</a:t>
+            </a:r>
+          </a:p>
+          <a:p>
+            <a:r>
+              <a:rPr lang="en-US" dirty="0">
+                <a:solidFill>
+                  <a:schemeClr val="tx2"/>
+                </a:solidFill>
+                <a:latin typeface="Courier" charset="0"/>
+                <a:ea typeface="Courier" charset="0"/>
+                <a:cs typeface="Courier" charset="0"/>
+              </a:rPr>
+              <a:t>CREATE TABLE Users</a:t>
+            </a:r>
+            <a:r>
+              <a:rPr lang="en-US" dirty="0" smtClean="0">
+                <a:solidFill>
+                  <a:schemeClr val="tx2"/>
+                </a:solidFill>
+                <a:latin typeface="Courier" charset="0"/>
+                <a:ea typeface="Courier" charset="0"/>
+                <a:cs typeface="Courier" charset="0"/>
+              </a:rPr>
+              <a:t>(</a:t>
+            </a:r>
+          </a:p>
+          <a:p>
+            <a:r>
+              <a:rPr lang="it-IT" dirty="0" smtClean="0">
+                <a:solidFill>
+                  <a:schemeClr val="tx2"/>
+                </a:solidFill>
+                <a:latin typeface="Courier" charset="0"/>
+                <a:ea typeface="Courier" charset="0"/>
+                <a:cs typeface="Courier" charset="0"/>
+              </a:rPr>
+              <a:t>  id </a:t>
+            </a:r>
+            <a:r>
+              <a:rPr lang="it-IT" dirty="0">
+                <a:solidFill>
+                  <a:schemeClr val="tx2"/>
+                </a:solidFill>
+                <a:latin typeface="Courier" charset="0"/>
+                <a:ea typeface="Courier" charset="0"/>
+                <a:cs typeface="Courier" charset="0"/>
+              </a:rPr>
+              <a:t>INTEGER NOT NULL </a:t>
+            </a:r>
+          </a:p>
+          <a:p>
+            <a:r>
+              <a:rPr lang="it-IT" dirty="0" smtClean="0">
+                <a:solidFill>
+                  <a:schemeClr val="tx2"/>
+                </a:solidFill>
+                <a:latin typeface="Courier" charset="0"/>
+                <a:ea typeface="Courier" charset="0"/>
+                <a:cs typeface="Courier" charset="0"/>
+              </a:rPr>
+              <a:t>      PRIMARY </a:t>
+            </a:r>
+            <a:r>
+              <a:rPr lang="it-IT" dirty="0">
+                <a:solidFill>
+                  <a:schemeClr val="tx2"/>
+                </a:solidFill>
+                <a:latin typeface="Courier" charset="0"/>
+                <a:ea typeface="Courier" charset="0"/>
+                <a:cs typeface="Courier" charset="0"/>
+              </a:rPr>
+              <a:t>KEY AUTOINCREMENT</a:t>
+            </a:r>
+            <a:r>
+              <a:rPr lang="it-IT" dirty="0" smtClean="0">
+                <a:solidFill>
+                  <a:schemeClr val="tx2"/>
+                </a:solidFill>
+                <a:latin typeface="Courier" charset="0"/>
+                <a:ea typeface="Courier" charset="0"/>
+                <a:cs typeface="Courier" charset="0"/>
+              </a:rPr>
+              <a:t>,</a:t>
             </a:r>
             <a:endParaRPr lang="en-US" dirty="0">
               <a:solidFill>
-                <a:srgbClr val="ECECEC"/>
+                <a:schemeClr val="tx2"/>
               </a:solidFill>
-              <a:latin typeface="Menlo-Regular" charset="0"/>
+              <a:latin typeface="Courier" charset="0"/>
+              <a:ea typeface="Courier" charset="0"/>
+              <a:cs typeface="Courier" charset="0"/>
             </a:endParaRPr>
           </a:p>
           <a:p>
             <a:r>
-              <a:rPr lang="it-IT" dirty="0" err="1">
-                <a:solidFill>
-                  <a:srgbClr val="C9CEC4"/>
-                </a:solidFill>
-                <a:latin typeface="Menlo-Regular" charset="0"/>
-              </a:rPr>
-              <a:t>SQLite</a:t>
-            </a:r>
-            <a:r>
-              <a:rPr lang="it-IT" dirty="0">
-                <a:solidFill>
-                  <a:srgbClr val="C9CEC4"/>
-                </a:solidFill>
-                <a:latin typeface="Menlo-Regular" charset="0"/>
-              </a:rPr>
-              <a:t> </a:t>
-            </a:r>
-            <a:r>
-              <a:rPr lang="it-IT" dirty="0" err="1">
-                <a:solidFill>
-                  <a:srgbClr val="C9CEC4"/>
-                </a:solidFill>
-                <a:latin typeface="Menlo-Regular" charset="0"/>
-              </a:rPr>
-              <a:t>version</a:t>
-            </a:r>
-            <a:r>
-              <a:rPr lang="it-IT" dirty="0">
-                <a:solidFill>
-                  <a:srgbClr val="C9CEC4"/>
-                </a:solidFill>
-                <a:latin typeface="Menlo-Regular" charset="0"/>
-              </a:rPr>
-              <a:t> 3.11.0 2016-02-15 17:29:24</a:t>
-            </a:r>
-            <a:endParaRPr lang="it-IT" dirty="0">
-              <a:solidFill>
-                <a:srgbClr val="ECECEC"/>
-              </a:solidFill>
-              <a:latin typeface="Menlo-Regular" charset="0"/>
-            </a:endParaRPr>
-          </a:p>
-          <a:p>
-            <a:r>
-              <a:rPr lang="it-IT" dirty="0" err="1">
-                <a:solidFill>
-                  <a:srgbClr val="C9CEC4"/>
-                </a:solidFill>
-                <a:latin typeface="Menlo-Regular" charset="0"/>
-              </a:rPr>
-              <a:t>Enter</a:t>
-            </a:r>
-            <a:r>
-              <a:rPr lang="it-IT" dirty="0">
-                <a:solidFill>
-                  <a:srgbClr val="C9CEC4"/>
-                </a:solidFill>
-                <a:latin typeface="Menlo-Regular" charset="0"/>
-              </a:rPr>
-              <a:t> ".help" for </a:t>
-            </a:r>
-            <a:r>
-              <a:rPr lang="it-IT" dirty="0" err="1">
-                <a:solidFill>
-                  <a:srgbClr val="C9CEC4"/>
-                </a:solidFill>
-                <a:latin typeface="Menlo-Regular" charset="0"/>
-              </a:rPr>
-              <a:t>usage</a:t>
-            </a:r>
-            <a:r>
-              <a:rPr lang="it-IT" dirty="0">
-                <a:solidFill>
-                  <a:srgbClr val="C9CEC4"/>
-                </a:solidFill>
-                <a:latin typeface="Menlo-Regular" charset="0"/>
-              </a:rPr>
-              <a:t> </a:t>
-            </a:r>
-            <a:r>
-              <a:rPr lang="it-IT" dirty="0" err="1">
-                <a:solidFill>
-                  <a:srgbClr val="C9CEC4"/>
-                </a:solidFill>
-                <a:latin typeface="Menlo-Regular" charset="0"/>
-              </a:rPr>
-              <a:t>hints</a:t>
-            </a:r>
-            <a:r>
-              <a:rPr lang="it-IT" dirty="0">
-                <a:solidFill>
-                  <a:srgbClr val="C9CEC4"/>
-                </a:solidFill>
-                <a:latin typeface="Menlo-Regular" charset="0"/>
-              </a:rPr>
-              <a:t>.</a:t>
-            </a:r>
-            <a:endParaRPr lang="it-IT" dirty="0">
-              <a:solidFill>
-                <a:srgbClr val="ECECEC"/>
-              </a:solidFill>
-              <a:latin typeface="Menlo-Regular" charset="0"/>
-            </a:endParaRPr>
-          </a:p>
-          <a:p>
-            <a:r>
-              <a:rPr lang="it-IT" dirty="0" err="1">
-                <a:solidFill>
-                  <a:srgbClr val="C9CEC4"/>
-                </a:solidFill>
-                <a:latin typeface="Menlo-Regular" charset="0"/>
+              <a:rPr lang="mr-IN" dirty="0">
+                <a:solidFill>
+                  <a:schemeClr val="tx2"/>
+                </a:solidFill>
+                <a:latin typeface="Courier" charset="0"/>
+                <a:ea typeface="Courier" charset="0"/>
+                <a:cs typeface="Courier" charset="0"/>
+              </a:rPr>
+              <a:t>  </a:t>
+            </a:r>
+            <a:r>
+              <a:rPr lang="mr-IN" dirty="0" err="1">
+                <a:solidFill>
+                  <a:schemeClr val="tx2"/>
+                </a:solidFill>
+                <a:latin typeface="Courier" charset="0"/>
+                <a:ea typeface="Courier" charset="0"/>
+                <a:cs typeface="Courier" charset="0"/>
+              </a:rPr>
+              <a:t>name</a:t>
+            </a:r>
+            <a:r>
+              <a:rPr lang="mr-IN" dirty="0">
+                <a:solidFill>
+                  <a:schemeClr val="tx2"/>
+                </a:solidFill>
+                <a:latin typeface="Courier" charset="0"/>
+                <a:ea typeface="Courier" charset="0"/>
+                <a:cs typeface="Courier" charset="0"/>
+              </a:rPr>
+              <a:t> VARCHAR(128), </a:t>
+            </a:r>
+          </a:p>
+          <a:p>
+            <a:r>
+              <a:rPr lang="en-US" dirty="0">
+                <a:solidFill>
+                  <a:schemeClr val="tx2"/>
+                </a:solidFill>
+                <a:latin typeface="Courier" charset="0"/>
+                <a:ea typeface="Courier" charset="0"/>
+                <a:cs typeface="Courier" charset="0"/>
+              </a:rPr>
+              <a:t>  email VARCHAR(128)</a:t>
+            </a:r>
+          </a:p>
+          <a:p>
+            <a:r>
+              <a:rPr lang="mr-IN" dirty="0">
+                <a:solidFill>
+                  <a:schemeClr val="tx2"/>
+                </a:solidFill>
+                <a:latin typeface="Courier" charset="0"/>
+                <a:ea typeface="Courier" charset="0"/>
+                <a:cs typeface="Courier" charset="0"/>
+              </a:rPr>
+              <a:t>);</a:t>
+            </a:r>
+          </a:p>
+          <a:p>
+            <a:r>
+              <a:rPr lang="en-US" dirty="0" err="1">
+                <a:solidFill>
+                  <a:schemeClr val="tx2"/>
+                </a:solidFill>
+                <a:latin typeface="Courier" charset="0"/>
+                <a:ea typeface="Courier" charset="0"/>
+                <a:cs typeface="Courier" charset="0"/>
               </a:rPr>
               <a:t>sqlite</a:t>
             </a:r>
             <a:r>
-              <a:rPr lang="it-IT" dirty="0">
-                <a:solidFill>
-                  <a:srgbClr val="C9CEC4"/>
-                </a:solidFill>
-                <a:latin typeface="Menlo-Regular" charset="0"/>
-              </a:rPr>
-              <a:t>&gt; .</a:t>
-            </a:r>
-            <a:r>
-              <a:rPr lang="it-IT" dirty="0" err="1">
-                <a:solidFill>
-                  <a:srgbClr val="C9CEC4"/>
-                </a:solidFill>
-                <a:latin typeface="Menlo-Regular" charset="0"/>
-              </a:rPr>
-              <a:t>tables</a:t>
-            </a:r>
-            <a:endParaRPr lang="it-IT" dirty="0">
-              <a:solidFill>
-                <a:srgbClr val="ECECEC"/>
-              </a:solidFill>
-              <a:latin typeface="Menlo-Regular" charset="0"/>
-            </a:endParaRPr>
-          </a:p>
-          <a:p>
-            <a:r>
-              <a:rPr lang="it-IT" dirty="0" err="1">
-                <a:solidFill>
-                  <a:srgbClr val="C9CEC4"/>
-                </a:solidFill>
-                <a:latin typeface="Menlo-Regular" charset="0"/>
-              </a:rPr>
-              <a:t>sqlite</a:t>
-            </a:r>
-            <a:r>
-              <a:rPr lang="it-IT" dirty="0">
-                <a:solidFill>
-                  <a:srgbClr val="C9CEC4"/>
-                </a:solidFill>
-                <a:latin typeface="Menlo-Regular" charset="0"/>
-              </a:rPr>
-              <a:t>&gt; CREATE TABLE </a:t>
-            </a:r>
-            <a:r>
-              <a:rPr lang="it-IT" dirty="0" err="1">
-                <a:solidFill>
-                  <a:srgbClr val="C9CEC4"/>
-                </a:solidFill>
-                <a:latin typeface="Menlo-Regular" charset="0"/>
-              </a:rPr>
-              <a:t>Users</a:t>
-            </a:r>
-            <a:r>
-              <a:rPr lang="it-IT" dirty="0">
-                <a:solidFill>
-                  <a:srgbClr val="C9CEC4"/>
-                </a:solidFill>
-                <a:latin typeface="Menlo-Regular" charset="0"/>
-              </a:rPr>
-              <a:t>( </a:t>
-            </a:r>
-            <a:endParaRPr lang="it-IT" dirty="0">
-              <a:solidFill>
-                <a:srgbClr val="ECECEC"/>
-              </a:solidFill>
-              <a:latin typeface="Menlo-Regular" charset="0"/>
-            </a:endParaRPr>
-          </a:p>
-          <a:p>
-            <a:r>
-              <a:rPr lang="mr-IN" dirty="0">
-                <a:solidFill>
-                  <a:srgbClr val="C9CEC4"/>
-                </a:solidFill>
-                <a:latin typeface="Menlo-Regular" charset="0"/>
-              </a:rPr>
-              <a:t>   ...&gt;   </a:t>
-            </a:r>
-            <a:r>
-              <a:rPr lang="mr-IN" dirty="0" err="1">
-                <a:solidFill>
-                  <a:srgbClr val="C9CEC4"/>
-                </a:solidFill>
-                <a:latin typeface="Menlo-Regular" charset="0"/>
-              </a:rPr>
-              <a:t>name</a:t>
-            </a:r>
-            <a:r>
-              <a:rPr lang="mr-IN" dirty="0">
-                <a:solidFill>
-                  <a:srgbClr val="C9CEC4"/>
-                </a:solidFill>
-                <a:latin typeface="Menlo-Regular" charset="0"/>
-              </a:rPr>
-              <a:t> VARCHAR(128), </a:t>
-            </a:r>
-            <a:endParaRPr lang="mr-IN" dirty="0">
-              <a:solidFill>
-                <a:srgbClr val="ECECEC"/>
-              </a:solidFill>
-              <a:latin typeface="Menlo-Regular" charset="0"/>
-            </a:endParaRPr>
-          </a:p>
-          <a:p>
-            <a:r>
-              <a:rPr lang="mr-IN" dirty="0">
-                <a:solidFill>
-                  <a:srgbClr val="C9CEC4"/>
-                </a:solidFill>
-                <a:latin typeface="Menlo-Regular" charset="0"/>
-              </a:rPr>
-              <a:t>   ...&gt;   </a:t>
-            </a:r>
-            <a:r>
-              <a:rPr lang="mr-IN" dirty="0" err="1">
-                <a:solidFill>
-                  <a:srgbClr val="C9CEC4"/>
-                </a:solidFill>
-                <a:latin typeface="Menlo-Regular" charset="0"/>
-              </a:rPr>
-              <a:t>email</a:t>
-            </a:r>
-            <a:r>
-              <a:rPr lang="mr-IN" dirty="0">
-                <a:solidFill>
-                  <a:srgbClr val="C9CEC4"/>
-                </a:solidFill>
-                <a:latin typeface="Menlo-Regular" charset="0"/>
-              </a:rPr>
-              <a:t> VARCHAR(128)</a:t>
-            </a:r>
-            <a:endParaRPr lang="mr-IN" dirty="0">
-              <a:solidFill>
-                <a:srgbClr val="ECECEC"/>
-              </a:solidFill>
-              <a:latin typeface="Menlo-Regular" charset="0"/>
-            </a:endParaRPr>
-          </a:p>
-          <a:p>
-            <a:r>
-              <a:rPr lang="mr-IN" dirty="0">
-                <a:solidFill>
-                  <a:srgbClr val="C9CEC4"/>
-                </a:solidFill>
-                <a:latin typeface="Menlo-Regular" charset="0"/>
-              </a:rPr>
-              <a:t>   ...&gt; )</a:t>
-            </a:r>
-            <a:endParaRPr lang="mr-IN" dirty="0">
-              <a:solidFill>
-                <a:srgbClr val="ECECEC"/>
-              </a:solidFill>
-              <a:latin typeface="Menlo-Regular" charset="0"/>
-            </a:endParaRPr>
-          </a:p>
-          <a:p>
-            <a:r>
-              <a:rPr lang="mr-IN" dirty="0">
-                <a:solidFill>
-                  <a:srgbClr val="C9CEC4"/>
-                </a:solidFill>
-                <a:latin typeface="Menlo-Regular" charset="0"/>
-              </a:rPr>
-              <a:t>   ...&gt; ;</a:t>
-            </a:r>
-            <a:endParaRPr lang="mr-IN" dirty="0">
-              <a:solidFill>
-                <a:srgbClr val="ECECEC"/>
-              </a:solidFill>
-              <a:latin typeface="Menlo-Regular" charset="0"/>
-            </a:endParaRPr>
-          </a:p>
-          <a:p>
-            <a:r>
-              <a:rPr lang="en-US" dirty="0" err="1">
-                <a:solidFill>
-                  <a:srgbClr val="C9CEC4"/>
-                </a:solidFill>
-                <a:latin typeface="Menlo-Regular" charset="0"/>
-              </a:rPr>
-              <a:t>sqlite</a:t>
-            </a:r>
-            <a:r>
               <a:rPr lang="en-US" dirty="0">
                 <a:solidFill>
-                  <a:srgbClr val="C9CEC4"/>
-                </a:solidFill>
-                <a:latin typeface="Menlo-Regular" charset="0"/>
-              </a:rPr>
-              <a:t>&gt; .tables</a:t>
-            </a:r>
-            <a:endParaRPr lang="en-US" dirty="0">
-              <a:solidFill>
-                <a:srgbClr val="ECECEC"/>
-              </a:solidFill>
-              <a:latin typeface="Menlo-Regular" charset="0"/>
-            </a:endParaRPr>
-          </a:p>
-          <a:p>
-            <a:r>
-              <a:rPr lang="en-US" dirty="0">
-                <a:solidFill>
-                  <a:srgbClr val="C9CEC4"/>
-                </a:solidFill>
-                <a:latin typeface="Menlo-Regular" charset="0"/>
-              </a:rPr>
-              <a:t>Users</a:t>
-            </a:r>
-            <a:endParaRPr lang="en-US" dirty="0">
-              <a:solidFill>
-                <a:srgbClr val="ECECEC"/>
-              </a:solidFill>
-              <a:latin typeface="Menlo-Regular" charset="0"/>
-            </a:endParaRPr>
-          </a:p>
-          <a:p>
-            <a:r>
-              <a:rPr lang="en-US" dirty="0" err="1">
-                <a:solidFill>
-                  <a:srgbClr val="C9CEC4"/>
-                </a:solidFill>
-                <a:latin typeface="Menlo-Regular" charset="0"/>
-              </a:rPr>
-              <a:t>sqlite</a:t>
-            </a:r>
-            <a:r>
-              <a:rPr lang="en-US" dirty="0">
-                <a:solidFill>
-                  <a:srgbClr val="C9CEC4"/>
-                </a:solidFill>
-                <a:latin typeface="Menlo-Regular" charset="0"/>
-              </a:rPr>
-              <a:t>&gt; .schema Users</a:t>
-            </a:r>
-            <a:endParaRPr lang="en-US" dirty="0">
-              <a:solidFill>
-                <a:srgbClr val="ECECEC"/>
-              </a:solidFill>
-              <a:latin typeface="Menlo-Regular" charset="0"/>
-            </a:endParaRPr>
-          </a:p>
-          <a:p>
-            <a:r>
-              <a:rPr lang="en-US" dirty="0">
-                <a:solidFill>
-                  <a:srgbClr val="C9CEC4"/>
-                </a:solidFill>
-                <a:latin typeface="Menlo-Regular" charset="0"/>
-              </a:rPr>
-              <a:t>CREATE TABLE Users( </a:t>
-            </a:r>
-            <a:endParaRPr lang="en-US" dirty="0">
-              <a:solidFill>
-                <a:srgbClr val="ECECEC"/>
-              </a:solidFill>
-              <a:latin typeface="Menlo-Regular" charset="0"/>
-            </a:endParaRPr>
-          </a:p>
-          <a:p>
-            <a:r>
-              <a:rPr lang="mr-IN" dirty="0">
-                <a:solidFill>
-                  <a:srgbClr val="C9CEC4"/>
-                </a:solidFill>
-                <a:latin typeface="Menlo-Regular" charset="0"/>
-              </a:rPr>
-              <a:t>  </a:t>
-            </a:r>
-            <a:r>
-              <a:rPr lang="mr-IN" dirty="0" err="1">
-                <a:solidFill>
-                  <a:srgbClr val="C9CEC4"/>
-                </a:solidFill>
-                <a:latin typeface="Menlo-Regular" charset="0"/>
-              </a:rPr>
-              <a:t>name</a:t>
-            </a:r>
-            <a:r>
-              <a:rPr lang="mr-IN" dirty="0">
-                <a:solidFill>
-                  <a:srgbClr val="C9CEC4"/>
-                </a:solidFill>
-                <a:latin typeface="Menlo-Regular" charset="0"/>
-              </a:rPr>
-              <a:t> VARCHAR(128), </a:t>
-            </a:r>
-            <a:endParaRPr lang="mr-IN" dirty="0">
-              <a:solidFill>
-                <a:srgbClr val="ECECEC"/>
-              </a:solidFill>
-              <a:latin typeface="Menlo-Regular" charset="0"/>
-            </a:endParaRPr>
-          </a:p>
-          <a:p>
-            <a:r>
-              <a:rPr lang="en-US" dirty="0">
-                <a:solidFill>
-                  <a:srgbClr val="C9CEC4"/>
-                </a:solidFill>
-                <a:latin typeface="Menlo-Regular" charset="0"/>
-              </a:rPr>
-              <a:t>  email VARCHAR(128)</a:t>
-            </a:r>
-            <a:endParaRPr lang="en-US" dirty="0">
-              <a:solidFill>
-                <a:srgbClr val="ECECEC"/>
-              </a:solidFill>
-              <a:latin typeface="Menlo-Regular" charset="0"/>
-            </a:endParaRPr>
-          </a:p>
-          <a:p>
-            <a:r>
-              <a:rPr lang="mr-IN" dirty="0">
-                <a:solidFill>
-                  <a:srgbClr val="C9CEC4"/>
-                </a:solidFill>
-                <a:latin typeface="Menlo-Regular" charset="0"/>
-              </a:rPr>
-              <a:t>);</a:t>
-            </a:r>
-            <a:endParaRPr lang="mr-IN" dirty="0">
-              <a:solidFill>
-                <a:srgbClr val="ECECEC"/>
-              </a:solidFill>
-              <a:latin typeface="Menlo-Regular" charset="0"/>
-            </a:endParaRPr>
-          </a:p>
-          <a:p>
-            <a:r>
-              <a:rPr lang="en-US" dirty="0" err="1">
-                <a:solidFill>
-                  <a:srgbClr val="C9CEC4"/>
-                </a:solidFill>
-                <a:latin typeface="Menlo-Regular" charset="0"/>
-              </a:rPr>
-              <a:t>sqlite</a:t>
-            </a:r>
-            <a:r>
-              <a:rPr lang="en-US" dirty="0">
-                <a:solidFill>
-                  <a:srgbClr val="C9CEC4"/>
-                </a:solidFill>
-                <a:latin typeface="Menlo-Regular" charset="0"/>
+                  <a:schemeClr val="tx2"/>
+                </a:solidFill>
+                <a:latin typeface="Courier" charset="0"/>
+                <a:ea typeface="Courier" charset="0"/>
+                <a:cs typeface="Courier" charset="0"/>
               </a:rPr>
               <a:t>&gt; </a:t>
             </a:r>
-            <a:endParaRPr lang="en-US" dirty="0">
-              <a:solidFill>
-                <a:srgbClr val="ECECEC"/>
-              </a:solidFill>
-              <a:latin typeface="Menlo-Regular" charset="0"/>
-            </a:endParaRPr>
           </a:p>
         </p:txBody>
       </p:sp>
@@ -10896,14 +11359,14 @@
           </a:ln>
           <a:extLst>
             <a:ext uri="{909E8E84-426E-40dd-AFC4-6F175D3DCCD1}">
-              <a14:hiddenFill xmlns:a14="http://schemas.microsoft.com/office/drawing/2010/main" xmlns="">
+              <a14:hiddenFill xmlns="" xmlns:a14="http://schemas.microsoft.com/office/drawing/2010/main">
                 <a:solidFill>
                   <a:srgbClr val="FFFFFF"/>
                 </a:solidFill>
               </a14:hiddenFill>
             </a:ext>
             <a:ext uri="{91240B29-F687-4f45-9708-019B960494DF}">
-              <a14:hiddenLine xmlns:a14="http://schemas.microsoft.com/office/drawing/2010/main" xmlns="" w="9525">
+              <a14:hiddenLine xmlns="" xmlns:a14="http://schemas.microsoft.com/office/drawing/2010/main" w="9525">
                 <a:solidFill>
                   <a:srgbClr val="000000"/>
                 </a:solidFill>
@@ -10937,14 +11400,14 @@
           </a:ln>
           <a:extLst>
             <a:ext uri="{909E8E84-426E-40dd-AFC4-6F175D3DCCD1}">
-              <a14:hiddenFill xmlns:a14="http://schemas.microsoft.com/office/drawing/2010/main" xmlns="">
+              <a14:hiddenFill xmlns="" xmlns:a14="http://schemas.microsoft.com/office/drawing/2010/main">
                 <a:solidFill>
                   <a:srgbClr val="FFFFFF"/>
                 </a:solidFill>
               </a14:hiddenFill>
             </a:ext>
             <a:ext uri="{91240B29-F687-4f45-9708-019B960494DF}">
-              <a14:hiddenLine xmlns:a14="http://schemas.microsoft.com/office/drawing/2010/main" xmlns="" w="9525">
+              <a14:hiddenLine xmlns="" xmlns:a14="http://schemas.microsoft.com/office/drawing/2010/main" w="9525">
                 <a:solidFill>
                   <a:srgbClr val="000000"/>
                 </a:solidFill>
@@ -11556,11 +12019,11 @@
   <p:clrMapOvr>
     <a:masterClrMapping/>
   </p:clrMapOvr>
-  <mc:AlternateContent xmlns:mc="http://schemas.openxmlformats.org/markup-compatibility/2006">
-    <mc:Choice xmlns:p14="http://schemas.microsoft.com/office/powerpoint/2010/main" Requires="p14">
+  <mc:AlternateContent xmlns:mc="http://schemas.openxmlformats.org/markup-compatibility/2006" xmlns:p14="http://schemas.microsoft.com/office/powerpoint/2010/main">
+    <mc:Choice Requires="p14">
       <p:transition spd="slow" p14:dur="2000"/>
     </mc:Choice>
-    <mc:Fallback>
+    <mc:Fallback xmlns="">
       <p:transition spd="slow"/>
     </mc:Fallback>
   </mc:AlternateContent>
@@ -11947,11 +12410,11 @@
   <p:clrMapOvr>
     <a:masterClrMapping/>
   </p:clrMapOvr>
-  <mc:AlternateContent xmlns:mc="http://schemas.openxmlformats.org/markup-compatibility/2006">
-    <mc:Choice xmlns:p14="http://schemas.microsoft.com/office/powerpoint/2010/main" Requires="p14">
+  <mc:AlternateContent xmlns:mc="http://schemas.openxmlformats.org/markup-compatibility/2006" xmlns:p14="http://schemas.microsoft.com/office/powerpoint/2010/main">
+    <mc:Choice Requires="p14">
       <p:transition spd="slow" p14:dur="2000"/>
     </mc:Choice>
-    <mc:Fallback>
+    <mc:Fallback xmlns="">
       <p:transition spd="slow"/>
     </mc:Fallback>
   </mc:AlternateContent>

--- a/lectures/SQL-01-Basics.pptx
+++ b/lectures/SQL-01-Basics.pptx
@@ -5160,10 +5160,10 @@
           <p:cNvPr id="10" name="Rectangle 9">
             <a:extLst>
               <a:ext uri="{FF2B5EF4-FFF2-40B4-BE49-F238E27FC236}">
-                <a16:creationId xmlns="" xmlns:a16="http://schemas.microsoft.com/office/drawing/2014/main" id="{E20EB187-900F-4AF5-813B-101456D9FD39}"/>
+                <a16:creationId xmlns:a16="http://schemas.microsoft.com/office/drawing/2014/main" xmlns="" id="{E20EB187-900F-4AF5-813B-101456D9FD39}"/>
               </a:ext>
               <a:ext uri="{C183D7F6-B498-43B3-948B-1728B52AA6E4}">
-                <adec:decorative xmlns="" xmlns:adec="http://schemas.microsoft.com/office/drawing/2017/decorative" val="1"/>
+                <adec:decorative xmlns:adec="http://schemas.microsoft.com/office/drawing/2017/decorative" xmlns="" val="1"/>
               </a:ext>
             </a:extLst>
           </p:cNvPr>
@@ -5337,10 +5337,10 @@
           <p:cNvPr id="12" name="Straight Connector 11">
             <a:extLst>
               <a:ext uri="{FF2B5EF4-FFF2-40B4-BE49-F238E27FC236}">
-                <a16:creationId xmlns="" xmlns:a16="http://schemas.microsoft.com/office/drawing/2014/main" id="{624D17C8-E9C2-48A4-AA36-D7048A6CCC41}"/>
+                <a16:creationId xmlns:a16="http://schemas.microsoft.com/office/drawing/2014/main" xmlns="" id="{624D17C8-E9C2-48A4-AA36-D7048A6CCC41}"/>
               </a:ext>
               <a:ext uri="{C183D7F6-B498-43B3-948B-1728B52AA6E4}">
-                <adec:decorative xmlns="" xmlns:adec="http://schemas.microsoft.com/office/drawing/2017/decorative" val="1"/>
+                <adec:decorative xmlns:adec="http://schemas.microsoft.com/office/drawing/2017/decorative" xmlns="" val="1"/>
               </a:ext>
             </a:extLst>
           </p:cNvPr>
@@ -5448,6 +5448,13 @@
   <p:clrMapOvr>
     <a:masterClrMapping/>
   </p:clrMapOvr>
+  <p:timing>
+    <p:tnLst>
+      <p:par>
+        <p:cTn id="1" dur="indefinite" restart="never" nodeType="tmRoot"/>
+      </p:par>
+    </p:tnLst>
+  </p:timing>
 </p:sld>
 </file>
 
@@ -5524,6 +5531,13 @@
   <p:clrMapOvr>
     <a:masterClrMapping/>
   </p:clrMapOvr>
+  <p:timing>
+    <p:tnLst>
+      <p:par>
+        <p:cTn id="1" dur="indefinite" restart="never" nodeType="tmRoot"/>
+      </p:par>
+    </p:tnLst>
+  </p:timing>
 </p:sld>
 </file>
 
@@ -6411,14 +6425,6 @@
               </a:rPr>
               <a:t>,</a:t>
             </a:r>
-            <a:endParaRPr lang="it-IT" dirty="0">
-              <a:solidFill>
-                <a:schemeClr val="tx2"/>
-              </a:solidFill>
-              <a:latin typeface="Courier" charset="0"/>
-              <a:ea typeface="Courier" charset="0"/>
-              <a:cs typeface="Courier" charset="0"/>
-            </a:endParaRPr>
           </a:p>
           <a:p>
             <a:r>
@@ -6769,6 +6775,35 @@
               </a:rPr>
               <a:t>&gt; </a:t>
             </a:r>
+          </a:p>
+        </p:txBody>
+      </p:sp>
+      <p:sp>
+        <p:nvSpPr>
+          <p:cNvPr id="3" name="Rectangle 2"/>
+          <p:cNvSpPr/>
+          <p:nvPr/>
+        </p:nvSpPr>
+        <p:spPr>
+          <a:xfrm>
+            <a:off x="6962898" y="6045488"/>
+            <a:ext cx="4849661" cy="369332"/>
+          </a:xfrm>
+          <a:prstGeom prst="rect">
+            <a:avLst/>
+          </a:prstGeom>
+        </p:spPr>
+        <p:txBody>
+          <a:bodyPr wrap="none">
+            <a:spAutoFit/>
+          </a:bodyPr>
+          <a:lstStyle/>
+          <a:p>
+            <a:r>
+              <a:rPr lang="en-US"/>
+              <a:t>https://www.dj4e.com/lectures/SQL-01-Basics.txt</a:t>
+            </a:r>
+            <a:endParaRPr lang="en-US" dirty="0"/>
           </a:p>
         </p:txBody>
       </p:sp>
@@ -7502,7 +7537,7 @@
               <a:buSzPct val="25000"/>
             </a:pPr>
             <a:r>
-              <a:rPr lang="en" sz="3200" dirty="0">
+              <a:rPr lang="en" sz="2800" dirty="0">
                 <a:solidFill>
                   <a:srgbClr val="FF7F00"/>
                 </a:solidFill>
@@ -7514,7 +7549,7 @@
               <a:t>UPDATE</a:t>
             </a:r>
             <a:r>
-              <a:rPr lang="en" sz="3200" dirty="0">
+              <a:rPr lang="en" sz="2800" dirty="0">
                 <a:solidFill>
                   <a:srgbClr val="FFFF00"/>
                 </a:solidFill>
@@ -7526,7 +7561,7 @@
               <a:t> Users </a:t>
             </a:r>
             <a:r>
-              <a:rPr lang="en" sz="3200" dirty="0">
+              <a:rPr lang="en" sz="2800" dirty="0">
                 <a:solidFill>
                   <a:srgbClr val="FF7F00"/>
                 </a:solidFill>
@@ -7538,7 +7573,7 @@
               <a:t>SET</a:t>
             </a:r>
             <a:r>
-              <a:rPr lang="en" sz="3200" dirty="0">
+              <a:rPr lang="en" sz="2800" dirty="0">
                 <a:solidFill>
                   <a:srgbClr val="FFFF00"/>
                 </a:solidFill>
@@ -7550,7 +7585,7 @@
               <a:t> name='Charles' </a:t>
             </a:r>
             <a:r>
-              <a:rPr lang="en" sz="3200" dirty="0">
+              <a:rPr lang="en" sz="2800" dirty="0">
                 <a:solidFill>
                   <a:srgbClr val="FF7F00"/>
                 </a:solidFill>
@@ -7562,7 +7597,7 @@
               <a:t>WHERE</a:t>
             </a:r>
             <a:r>
-              <a:rPr lang="en" sz="3200" dirty="0">
+              <a:rPr lang="en" sz="2800" dirty="0">
                 <a:solidFill>
                   <a:srgbClr val="FFFF00"/>
                 </a:solidFill>
@@ -7574,7 +7609,7 @@
               <a:t> email='</a:t>
             </a:r>
             <a:r>
-              <a:rPr lang="en" sz="3200" dirty="0" err="1">
+              <a:rPr lang="en" sz="2800" dirty="0" err="1">
                 <a:solidFill>
                   <a:srgbClr val="FFFF00"/>
                 </a:solidFill>
@@ -7586,7 +7621,7 @@
               <a:t>csev@umich.edu</a:t>
             </a:r>
             <a:r>
-              <a:rPr lang="en" sz="3200" dirty="0">
+              <a:rPr lang="en" sz="2800" dirty="0">
                 <a:solidFill>
                   <a:srgbClr val="FFFF00"/>
                 </a:solidFill>
@@ -11359,14 +11394,14 @@
           </a:ln>
           <a:extLst>
             <a:ext uri="{909E8E84-426E-40dd-AFC4-6F175D3DCCD1}">
-              <a14:hiddenFill xmlns="" xmlns:a14="http://schemas.microsoft.com/office/drawing/2010/main">
+              <a14:hiddenFill xmlns:a14="http://schemas.microsoft.com/office/drawing/2010/main" xmlns="">
                 <a:solidFill>
                   <a:srgbClr val="FFFFFF"/>
                 </a:solidFill>
               </a14:hiddenFill>
             </a:ext>
             <a:ext uri="{91240B29-F687-4f45-9708-019B960494DF}">
-              <a14:hiddenLine xmlns="" xmlns:a14="http://schemas.microsoft.com/office/drawing/2010/main" w="9525">
+              <a14:hiddenLine xmlns:a14="http://schemas.microsoft.com/office/drawing/2010/main" xmlns="" w="9525">
                 <a:solidFill>
                   <a:srgbClr val="000000"/>
                 </a:solidFill>
@@ -11400,14 +11435,14 @@
           </a:ln>
           <a:extLst>
             <a:ext uri="{909E8E84-426E-40dd-AFC4-6F175D3DCCD1}">
-              <a14:hiddenFill xmlns="" xmlns:a14="http://schemas.microsoft.com/office/drawing/2010/main">
+              <a14:hiddenFill xmlns:a14="http://schemas.microsoft.com/office/drawing/2010/main" xmlns="">
                 <a:solidFill>
                   <a:srgbClr val="FFFFFF"/>
                 </a:solidFill>
               </a14:hiddenFill>
             </a:ext>
             <a:ext uri="{91240B29-F687-4f45-9708-019B960494DF}">
-              <a14:hiddenLine xmlns="" xmlns:a14="http://schemas.microsoft.com/office/drawing/2010/main" w="9525">
+              <a14:hiddenLine xmlns:a14="http://schemas.microsoft.com/office/drawing/2010/main" xmlns="" w="9525">
                 <a:solidFill>
                   <a:srgbClr val="000000"/>
                 </a:solidFill>

--- a/lectures/SQL-01-Basics.pptx
+++ b/lectures/SQL-01-Basics.pptx
@@ -5,7 +5,7 @@
     <p:sldMasterId id="2147483660" r:id="rId1"/>
   </p:sldMasterIdLst>
   <p:notesMasterIdLst>
-    <p:notesMasterId r:id="rId21"/>
+    <p:notesMasterId r:id="rId22"/>
   </p:notesMasterIdLst>
   <p:sldIdLst>
     <p:sldId id="258" r:id="rId2"/>
@@ -18,7 +18,7 @@
     <p:sldId id="301" r:id="rId9"/>
     <p:sldId id="306" r:id="rId10"/>
     <p:sldId id="304" r:id="rId11"/>
-    <p:sldId id="305" r:id="rId12"/>
+    <p:sldId id="326" r:id="rId12"/>
     <p:sldId id="307" r:id="rId13"/>
     <p:sldId id="310" r:id="rId14"/>
     <p:sldId id="313" r:id="rId15"/>
@@ -26,7 +26,8 @@
     <p:sldId id="319" r:id="rId17"/>
     <p:sldId id="321" r:id="rId18"/>
     <p:sldId id="322" r:id="rId19"/>
-    <p:sldId id="273" r:id="rId20"/>
+    <p:sldId id="325" r:id="rId20"/>
+    <p:sldId id="273" r:id="rId21"/>
   </p:sldIdLst>
   <p:sldSz cx="12192000" cy="6858000"/>
   <p:notesSz cx="6858000" cy="9144000"/>
@@ -215,7 +216,7 @@
           <a:p>
             <a:fld id="{C97B56FC-7D2E-F343-9D09-0D14B00AA564}" type="datetimeFigureOut">
               <a:rPr lang="en-US" smtClean="0"/>
-              <a:t>1/25/19</a:t>
+              <a:t>9/11/19</a:t>
             </a:fld>
             <a:endParaRPr lang="en-US"/>
           </a:p>
@@ -1935,7 +1936,7 @@
     </p:spTree>
     <p:extLst>
       <p:ext uri="{BB962C8B-B14F-4D97-AF65-F5344CB8AC3E}">
-        <p14:creationId xmlns:p14="http://schemas.microsoft.com/office/powerpoint/2010/main" val="1884427641"/>
+        <p14:creationId xmlns:p14="http://schemas.microsoft.com/office/powerpoint/2010/main" val="2114801811"/>
       </p:ext>
     </p:extLst>
   </p:cSld>
@@ -2472,7 +2473,7 @@
           <a:p>
             <a:fld id="{EEE7C04C-7AF8-1445-A186-502B631B934F}" type="datetimeFigureOut">
               <a:rPr lang="en-US" smtClean="0"/>
-              <a:t>1/25/19</a:t>
+              <a:t>9/11/19</a:t>
             </a:fld>
             <a:endParaRPr lang="en-US"/>
           </a:p>
@@ -2637,7 +2638,7 @@
           <a:p>
             <a:fld id="{EEE7C04C-7AF8-1445-A186-502B631B934F}" type="datetimeFigureOut">
               <a:rPr lang="en-US" smtClean="0"/>
-              <a:t>1/25/19</a:t>
+              <a:t>9/11/19</a:t>
             </a:fld>
             <a:endParaRPr lang="en-US"/>
           </a:p>
@@ -2812,7 +2813,7 @@
           <a:p>
             <a:fld id="{EEE7C04C-7AF8-1445-A186-502B631B934F}" type="datetimeFigureOut">
               <a:rPr lang="en-US" smtClean="0"/>
-              <a:t>1/25/19</a:t>
+              <a:t>9/11/19</a:t>
             </a:fld>
             <a:endParaRPr lang="en-US"/>
           </a:p>
@@ -2977,7 +2978,7 @@
           <a:p>
             <a:fld id="{EEE7C04C-7AF8-1445-A186-502B631B934F}" type="datetimeFigureOut">
               <a:rPr lang="en-US" smtClean="0"/>
-              <a:t>1/25/19</a:t>
+              <a:t>9/11/19</a:t>
             </a:fld>
             <a:endParaRPr lang="en-US"/>
           </a:p>
@@ -3218,7 +3219,7 @@
           <a:p>
             <a:fld id="{EEE7C04C-7AF8-1445-A186-502B631B934F}" type="datetimeFigureOut">
               <a:rPr lang="en-US" smtClean="0"/>
-              <a:t>1/25/19</a:t>
+              <a:t>9/11/19</a:t>
             </a:fld>
             <a:endParaRPr lang="en-US"/>
           </a:p>
@@ -3445,7 +3446,7 @@
           <a:p>
             <a:fld id="{EEE7C04C-7AF8-1445-A186-502B631B934F}" type="datetimeFigureOut">
               <a:rPr lang="en-US" smtClean="0"/>
-              <a:t>1/25/19</a:t>
+              <a:t>9/11/19</a:t>
             </a:fld>
             <a:endParaRPr lang="en-US"/>
           </a:p>
@@ -3807,7 +3808,7 @@
           <a:p>
             <a:fld id="{EEE7C04C-7AF8-1445-A186-502B631B934F}" type="datetimeFigureOut">
               <a:rPr lang="en-US" smtClean="0"/>
-              <a:t>1/25/19</a:t>
+              <a:t>9/11/19</a:t>
             </a:fld>
             <a:endParaRPr lang="en-US"/>
           </a:p>
@@ -3920,7 +3921,7 @@
           <a:p>
             <a:fld id="{EEE7C04C-7AF8-1445-A186-502B631B934F}" type="datetimeFigureOut">
               <a:rPr lang="en-US" smtClean="0"/>
-              <a:t>1/25/19</a:t>
+              <a:t>9/11/19</a:t>
             </a:fld>
             <a:endParaRPr lang="en-US"/>
           </a:p>
@@ -4010,7 +4011,7 @@
           <a:p>
             <a:fld id="{EEE7C04C-7AF8-1445-A186-502B631B934F}" type="datetimeFigureOut">
               <a:rPr lang="en-US" smtClean="0"/>
-              <a:t>1/25/19</a:t>
+              <a:t>9/11/19</a:t>
             </a:fld>
             <a:endParaRPr lang="en-US"/>
           </a:p>
@@ -4282,7 +4283,7 @@
           <a:p>
             <a:fld id="{EEE7C04C-7AF8-1445-A186-502B631B934F}" type="datetimeFigureOut">
               <a:rPr lang="en-US" smtClean="0"/>
-              <a:t>1/25/19</a:t>
+              <a:t>9/11/19</a:t>
             </a:fld>
             <a:endParaRPr lang="en-US"/>
           </a:p>
@@ -4534,7 +4535,7 @@
           <a:p>
             <a:fld id="{EEE7C04C-7AF8-1445-A186-502B631B934F}" type="datetimeFigureOut">
               <a:rPr lang="en-US" smtClean="0"/>
-              <a:t>1/25/19</a:t>
+              <a:t>9/11/19</a:t>
             </a:fld>
             <a:endParaRPr lang="en-US"/>
           </a:p>
@@ -4742,7 +4743,7 @@
           <a:p>
             <a:fld id="{EEE7C04C-7AF8-1445-A186-502B631B934F}" type="datetimeFigureOut">
               <a:rPr lang="en-US" smtClean="0"/>
-              <a:t>1/25/19</a:t>
+              <a:t>9/11/19</a:t>
             </a:fld>
             <a:endParaRPr lang="en-US"/>
           </a:p>
@@ -5160,10 +5161,10 @@
           <p:cNvPr id="10" name="Rectangle 9">
             <a:extLst>
               <a:ext uri="{FF2B5EF4-FFF2-40B4-BE49-F238E27FC236}">
-                <a16:creationId xmlns:a16="http://schemas.microsoft.com/office/drawing/2014/main" xmlns="" id="{E20EB187-900F-4AF5-813B-101456D9FD39}"/>
+                <a16:creationId xmlns="" xmlns:a16="http://schemas.microsoft.com/office/drawing/2014/main" id="{E20EB187-900F-4AF5-813B-101456D9FD39}"/>
               </a:ext>
               <a:ext uri="{C183D7F6-B498-43B3-948B-1728B52AA6E4}">
-                <adec:decorative xmlns:adec="http://schemas.microsoft.com/office/drawing/2017/decorative" xmlns="" val="1"/>
+                <adec:decorative xmlns="" xmlns:adec="http://schemas.microsoft.com/office/drawing/2017/decorative" val="1"/>
               </a:ext>
             </a:extLst>
           </p:cNvPr>
@@ -5218,36 +5219,6 @@
           </a:p>
         </p:txBody>
       </p:sp>
-      <p:pic>
-        <p:nvPicPr>
-          <p:cNvPr id="4" name="Picture 3"/>
-          <p:cNvPicPr>
-            <a:picLocks noChangeAspect="1"/>
-          </p:cNvPicPr>
-          <p:nvPr/>
-        </p:nvPicPr>
-        <p:blipFill rotWithShape="1">
-          <a:blip r:embed="rId2">
-            <a:alphaModFix amt="50000"/>
-            <a:extLst>
-              <a:ext uri="{28A0092B-C50C-407E-A947-70E740481C1C}">
-                <a14:useLocalDpi xmlns:a14="http://schemas.microsoft.com/office/drawing/2010/main" val="0"/>
-              </a:ext>
-            </a:extLst>
-          </a:blip>
-          <a:srcRect b="2174"/>
-          <a:stretch/>
-        </p:blipFill>
-        <p:spPr>
-          <a:xfrm>
-            <a:off x="20" y="1"/>
-            <a:ext cx="12191980" cy="6857999"/>
-          </a:xfrm>
-          <a:prstGeom prst="rect">
-            <a:avLst/>
-          </a:prstGeom>
-        </p:spPr>
-      </p:pic>
       <p:sp>
         <p:nvSpPr>
           <p:cNvPr id="2" name="Title 1"/>
@@ -5337,10 +5308,10 @@
           <p:cNvPr id="12" name="Straight Connector 11">
             <a:extLst>
               <a:ext uri="{FF2B5EF4-FFF2-40B4-BE49-F238E27FC236}">
-                <a16:creationId xmlns:a16="http://schemas.microsoft.com/office/drawing/2014/main" xmlns="" id="{624D17C8-E9C2-48A4-AA36-D7048A6CCC41}"/>
+                <a16:creationId xmlns="" xmlns:a16="http://schemas.microsoft.com/office/drawing/2014/main" id="{624D17C8-E9C2-48A4-AA36-D7048A6CCC41}"/>
               </a:ext>
               <a:ext uri="{C183D7F6-B498-43B3-948B-1728B52AA6E4}">
-                <adec:decorative xmlns:adec="http://schemas.microsoft.com/office/drawing/2017/decorative" xmlns="" val="1"/>
+                <adec:decorative xmlns="" xmlns:adec="http://schemas.microsoft.com/office/drawing/2017/decorative" val="1"/>
               </a:ext>
             </a:extLst>
           </p:cNvPr>
@@ -5393,7 +5364,7 @@
           <p:nvPr/>
         </p:nvPicPr>
         <p:blipFill>
-          <a:blip r:embed="rId3">
+          <a:blip r:embed="rId2">
             <a:extLst>
               <a:ext uri="{28A0092B-C50C-407E-A947-70E740481C1C}">
                 <a14:useLocalDpi xmlns:a14="http://schemas.microsoft.com/office/drawing/2010/main" val="0"/>
@@ -6051,7 +6022,7 @@
             <a:r>
               <a:rPr lang="en-US" dirty="0">
                 <a:solidFill>
-                  <a:schemeClr val="tx2"/>
+                  <a:srgbClr val="FFFF00"/>
                 </a:solidFill>
                 <a:latin typeface="Courier" charset="0"/>
                 <a:ea typeface="Courier" charset="0"/>
@@ -6195,22 +6166,33 @@
                 <a:ea typeface="Courier" charset="0"/>
                 <a:cs typeface="Courier" charset="0"/>
               </a:rPr>
-              <a:t>&gt; .</a:t>
-            </a:r>
-            <a:r>
-              <a:rPr lang="it-IT" dirty="0" err="1">
-                <a:solidFill>
-                  <a:schemeClr val="tx2"/>
+              <a:t>&gt; </a:t>
+            </a:r>
+            <a:r>
+              <a:rPr lang="it-IT" dirty="0">
+                <a:solidFill>
+                  <a:srgbClr val="FFFF00"/>
                 </a:solidFill>
                 <a:latin typeface="Courier" charset="0"/>
                 <a:ea typeface="Courier" charset="0"/>
                 <a:cs typeface="Courier" charset="0"/>
               </a:rPr>
+              <a:t>.</a:t>
+            </a:r>
+            <a:r>
+              <a:rPr lang="it-IT" dirty="0" err="1">
+                <a:solidFill>
+                  <a:srgbClr val="FFFF00"/>
+                </a:solidFill>
+                <a:latin typeface="Courier" charset="0"/>
+                <a:ea typeface="Courier" charset="0"/>
+                <a:cs typeface="Courier" charset="0"/>
+              </a:rPr>
               <a:t>tables</a:t>
             </a:r>
             <a:endParaRPr lang="it-IT" dirty="0">
               <a:solidFill>
-                <a:schemeClr val="tx2"/>
+                <a:srgbClr val="FFFF00"/>
               </a:solidFill>
               <a:latin typeface="Courier" charset="0"/>
               <a:ea typeface="Courier" charset="0"/>
@@ -6238,33 +6220,44 @@
                 <a:ea typeface="Courier" charset="0"/>
                 <a:cs typeface="Courier" charset="0"/>
               </a:rPr>
-              <a:t>&gt; CREATE TABLE </a:t>
-            </a:r>
-            <a:r>
-              <a:rPr lang="it-IT" dirty="0" err="1">
-                <a:solidFill>
-                  <a:schemeClr val="tx2"/>
+              <a:t>&gt; </a:t>
+            </a:r>
+            <a:r>
+              <a:rPr lang="it-IT" dirty="0">
+                <a:solidFill>
+                  <a:srgbClr val="FFFF00"/>
                 </a:solidFill>
                 <a:latin typeface="Courier" charset="0"/>
                 <a:ea typeface="Courier" charset="0"/>
                 <a:cs typeface="Courier" charset="0"/>
               </a:rPr>
-              <a:t>Users</a:t>
-            </a:r>
-            <a:r>
-              <a:rPr lang="it-IT" dirty="0">
-                <a:solidFill>
-                  <a:schemeClr val="tx2"/>
+              <a:t>CREATE TABLE </a:t>
+            </a:r>
+            <a:r>
+              <a:rPr lang="it-IT" dirty="0" err="1">
+                <a:solidFill>
+                  <a:srgbClr val="FFFF00"/>
                 </a:solidFill>
                 <a:latin typeface="Courier" charset="0"/>
                 <a:ea typeface="Courier" charset="0"/>
                 <a:cs typeface="Courier" charset="0"/>
               </a:rPr>
+              <a:t>Users</a:t>
+            </a:r>
+            <a:r>
+              <a:rPr lang="it-IT" dirty="0">
+                <a:solidFill>
+                  <a:srgbClr val="FFFF00"/>
+                </a:solidFill>
+                <a:latin typeface="Courier" charset="0"/>
+                <a:ea typeface="Courier" charset="0"/>
+                <a:cs typeface="Courier" charset="0"/>
+              </a:rPr>
               <a:t>( </a:t>
             </a:r>
             <a:endParaRPr lang="it-IT" dirty="0" smtClean="0">
               <a:solidFill>
-                <a:schemeClr val="tx2"/>
+                <a:srgbClr val="FFFF00"/>
               </a:solidFill>
               <a:latin typeface="Courier" charset="0"/>
               <a:ea typeface="Courier" charset="0"/>
@@ -6274,9 +6267,6 @@
           <a:p>
             <a:r>
               <a:rPr lang="mr-IN" dirty="0">
-                <a:solidFill>
-                  <a:schemeClr val="tx2"/>
-                </a:solidFill>
                 <a:latin typeface="Courier" charset="0"/>
                 <a:ea typeface="Courier" charset="0"/>
                 <a:cs typeface="Courier" charset="0"/>
@@ -6285,9 +6275,6 @@
             </a:r>
             <a:r>
               <a:rPr lang="en-US" dirty="0" smtClean="0">
-                <a:solidFill>
-                  <a:schemeClr val="tx2"/>
-                </a:solidFill>
                 <a:latin typeface="Courier" charset="0"/>
                 <a:ea typeface="Courier" charset="0"/>
                 <a:cs typeface="Courier" charset="0"/>
@@ -6296,9 +6283,6 @@
             </a:r>
             <a:r>
               <a:rPr lang="mr-IN" dirty="0" smtClean="0">
-                <a:solidFill>
-                  <a:schemeClr val="tx2"/>
-                </a:solidFill>
                 <a:latin typeface="Courier" charset="0"/>
                 <a:ea typeface="Courier" charset="0"/>
                 <a:cs typeface="Courier" charset="0"/>
@@ -6307,9 +6291,6 @@
             </a:r>
             <a:r>
               <a:rPr lang="it-IT" dirty="0">
-                <a:solidFill>
-                  <a:schemeClr val="tx2"/>
-                </a:solidFill>
                 <a:latin typeface="Courier" charset="0"/>
                 <a:ea typeface="Courier" charset="0"/>
                 <a:cs typeface="Courier" charset="0"/>
@@ -6318,29 +6299,37 @@
             </a:r>
             <a:r>
               <a:rPr lang="it-IT" dirty="0" smtClean="0">
-                <a:solidFill>
-                  <a:schemeClr val="tx2"/>
-                </a:solidFill>
                 <a:latin typeface="Courier" charset="0"/>
                 <a:ea typeface="Courier" charset="0"/>
                 <a:cs typeface="Courier" charset="0"/>
               </a:rPr>
-              <a:t> id INTEGER NOT </a:t>
-            </a:r>
-            <a:r>
-              <a:rPr lang="it-IT" dirty="0">
-                <a:solidFill>
-                  <a:schemeClr val="tx2"/>
+              <a:t> </a:t>
+            </a:r>
+            <a:r>
+              <a:rPr lang="it-IT" dirty="0" smtClean="0">
+                <a:solidFill>
+                  <a:srgbClr val="FFFF00"/>
                 </a:solidFill>
                 <a:latin typeface="Courier" charset="0"/>
                 <a:ea typeface="Courier" charset="0"/>
                 <a:cs typeface="Courier" charset="0"/>
               </a:rPr>
+              <a:t>id INTEGER NOT </a:t>
+            </a:r>
+            <a:r>
+              <a:rPr lang="it-IT" dirty="0">
+                <a:solidFill>
+                  <a:srgbClr val="FFFF00"/>
+                </a:solidFill>
+                <a:latin typeface="Courier" charset="0"/>
+                <a:ea typeface="Courier" charset="0"/>
+                <a:cs typeface="Courier" charset="0"/>
+              </a:rPr>
               <a:t>NULL </a:t>
             </a:r>
             <a:endParaRPr lang="it-IT" dirty="0" smtClean="0">
               <a:solidFill>
-                <a:schemeClr val="tx2"/>
+                <a:srgbClr val="FFFF00"/>
               </a:solidFill>
               <a:latin typeface="Courier" charset="0"/>
               <a:ea typeface="Courier" charset="0"/>
@@ -6350,9 +6339,6 @@
           <a:p>
             <a:r>
               <a:rPr lang="it-IT" dirty="0">
-                <a:solidFill>
-                  <a:schemeClr val="tx2"/>
-                </a:solidFill>
                 <a:latin typeface="Courier" charset="0"/>
                 <a:ea typeface="Courier" charset="0"/>
                 <a:cs typeface="Courier" charset="0"/>
@@ -6361,9 +6347,6 @@
             </a:r>
             <a:r>
               <a:rPr lang="it-IT" dirty="0" smtClean="0">
-                <a:solidFill>
-                  <a:schemeClr val="tx2"/>
-                </a:solidFill>
                 <a:latin typeface="Courier" charset="0"/>
                 <a:ea typeface="Courier" charset="0"/>
                 <a:cs typeface="Courier" charset="0"/>
@@ -6372,9 +6355,6 @@
             </a:r>
             <a:r>
               <a:rPr lang="en-US" dirty="0" smtClean="0">
-                <a:solidFill>
-                  <a:schemeClr val="tx2"/>
-                </a:solidFill>
                 <a:latin typeface="Courier" charset="0"/>
                 <a:ea typeface="Courier" charset="0"/>
                 <a:cs typeface="Courier" charset="0"/>
@@ -6384,7 +6364,7 @@
             <a:r>
               <a:rPr lang="it-IT" dirty="0" smtClean="0">
                 <a:solidFill>
-                  <a:schemeClr val="tx2"/>
+                  <a:srgbClr val="FFFF00"/>
                 </a:solidFill>
                 <a:latin typeface="Courier" charset="0"/>
                 <a:ea typeface="Courier" charset="0"/>
@@ -6395,7 +6375,7 @@
             <a:r>
               <a:rPr lang="it-IT" dirty="0">
                 <a:solidFill>
-                  <a:schemeClr val="tx2"/>
+                  <a:srgbClr val="FFFF00"/>
                 </a:solidFill>
                 <a:latin typeface="Courier" charset="0"/>
                 <a:ea typeface="Courier" charset="0"/>
@@ -6406,7 +6386,7 @@
             <a:r>
               <a:rPr lang="it-IT" dirty="0" smtClean="0">
                 <a:solidFill>
-                  <a:schemeClr val="tx2"/>
+                  <a:srgbClr val="FFFF00"/>
                 </a:solidFill>
                 <a:latin typeface="Courier" charset="0"/>
                 <a:ea typeface="Courier" charset="0"/>
@@ -6417,7 +6397,7 @@
             <a:r>
               <a:rPr lang="it-IT" dirty="0">
                 <a:solidFill>
-                  <a:schemeClr val="tx2"/>
+                  <a:srgbClr val="FFFF00"/>
                 </a:solidFill>
                 <a:latin typeface="Courier" charset="0"/>
                 <a:ea typeface="Courier" charset="0"/>
@@ -6429,9 +6409,6 @@
           <a:p>
             <a:r>
               <a:rPr lang="mr-IN" dirty="0">
-                <a:solidFill>
-                  <a:schemeClr val="tx2"/>
-                </a:solidFill>
                 <a:latin typeface="Courier" charset="0"/>
                 <a:ea typeface="Courier" charset="0"/>
                 <a:cs typeface="Courier" charset="0"/>
@@ -6441,7 +6418,7 @@
             <a:r>
               <a:rPr lang="mr-IN" dirty="0" err="1">
                 <a:solidFill>
-                  <a:schemeClr val="tx2"/>
+                  <a:srgbClr val="FFFF00"/>
                 </a:solidFill>
                 <a:latin typeface="Courier" charset="0"/>
                 <a:ea typeface="Courier" charset="0"/>
@@ -6452,7 +6429,7 @@
             <a:r>
               <a:rPr lang="mr-IN" dirty="0">
                 <a:solidFill>
-                  <a:schemeClr val="tx2"/>
+                  <a:srgbClr val="FFFF00"/>
                 </a:solidFill>
                 <a:latin typeface="Courier" charset="0"/>
                 <a:ea typeface="Courier" charset="0"/>
@@ -6464,9 +6441,6 @@
           <a:p>
             <a:r>
               <a:rPr lang="mr-IN" dirty="0">
-                <a:solidFill>
-                  <a:schemeClr val="tx2"/>
-                </a:solidFill>
                 <a:latin typeface="Courier" charset="0"/>
                 <a:ea typeface="Courier" charset="0"/>
                 <a:cs typeface="Courier" charset="0"/>
@@ -6476,7 +6450,7 @@
             <a:r>
               <a:rPr lang="mr-IN" dirty="0" err="1">
                 <a:solidFill>
-                  <a:schemeClr val="tx2"/>
+                  <a:srgbClr val="FFFF00"/>
                 </a:solidFill>
                 <a:latin typeface="Courier" charset="0"/>
                 <a:ea typeface="Courier" charset="0"/>
@@ -6487,7 +6461,7 @@
             <a:r>
               <a:rPr lang="mr-IN" dirty="0">
                 <a:solidFill>
-                  <a:schemeClr val="tx2"/>
+                  <a:srgbClr val="FFFF00"/>
                 </a:solidFill>
                 <a:latin typeface="Courier" charset="0"/>
                 <a:ea typeface="Courier" charset="0"/>
@@ -6499,9 +6473,6 @@
           <a:p>
             <a:r>
               <a:rPr lang="mr-IN" dirty="0">
-                <a:solidFill>
-                  <a:schemeClr val="tx2"/>
-                </a:solidFill>
                 <a:latin typeface="Courier" charset="0"/>
                 <a:ea typeface="Courier" charset="0"/>
                 <a:cs typeface="Courier" charset="0"/>
@@ -6511,7 +6482,7 @@
             <a:r>
               <a:rPr lang="mr-IN" dirty="0" smtClean="0">
                 <a:solidFill>
-                  <a:schemeClr val="tx2"/>
+                  <a:srgbClr val="FFFF00"/>
                 </a:solidFill>
                 <a:latin typeface="Courier" charset="0"/>
                 <a:ea typeface="Courier" charset="0"/>
@@ -6522,7 +6493,7 @@
             <a:r>
               <a:rPr lang="en-US" dirty="0" smtClean="0">
                 <a:solidFill>
-                  <a:schemeClr val="tx2"/>
+                  <a:srgbClr val="FFFF00"/>
                 </a:solidFill>
                 <a:latin typeface="Courier" charset="0"/>
                 <a:ea typeface="Courier" charset="0"/>
@@ -6532,7 +6503,7 @@
             </a:r>
             <a:endParaRPr lang="mr-IN" dirty="0">
               <a:solidFill>
-                <a:schemeClr val="tx2"/>
+                <a:srgbClr val="FFFF00"/>
               </a:solidFill>
               <a:latin typeface="Courier" charset="0"/>
               <a:ea typeface="Courier" charset="0"/>
@@ -6560,25 +6531,23 @@
                 <a:ea typeface="Courier" charset="0"/>
                 <a:cs typeface="Courier" charset="0"/>
               </a:rPr>
-              <a:t>&gt; .tables</a:t>
-            </a:r>
-          </a:p>
-          <a:p>
+              <a:t>&gt; </a:t>
+            </a:r>
             <a:r>
               <a:rPr lang="en-US" dirty="0">
                 <a:solidFill>
-                  <a:schemeClr val="tx2"/>
+                  <a:srgbClr val="FFFF00"/>
                 </a:solidFill>
                 <a:latin typeface="Courier" charset="0"/>
                 <a:ea typeface="Courier" charset="0"/>
                 <a:cs typeface="Courier" charset="0"/>
               </a:rPr>
-              <a:t>Users</a:t>
-            </a:r>
-          </a:p>
-          <a:p>
-            <a:r>
-              <a:rPr lang="en-US" dirty="0" err="1">
+              <a:t>.tables</a:t>
+            </a:r>
+          </a:p>
+          <a:p>
+            <a:r>
+              <a:rPr lang="en-US" dirty="0">
                 <a:solidFill>
                   <a:schemeClr val="tx2"/>
                 </a:solidFill>
@@ -6586,10 +6555,12 @@
                 <a:ea typeface="Courier" charset="0"/>
                 <a:cs typeface="Courier" charset="0"/>
               </a:rPr>
-              <a:t>sqlite</a:t>
-            </a:r>
-            <a:r>
-              <a:rPr lang="en-US" dirty="0">
+              <a:t>Users</a:t>
+            </a:r>
+          </a:p>
+          <a:p>
+            <a:r>
+              <a:rPr lang="en-US" dirty="0" err="1">
                 <a:solidFill>
                   <a:schemeClr val="tx2"/>
                 </a:solidFill>
@@ -6597,7 +6568,29 @@
                 <a:ea typeface="Courier" charset="0"/>
                 <a:cs typeface="Courier" charset="0"/>
               </a:rPr>
-              <a:t>&gt; .schema Users</a:t>
+              <a:t>sqlite</a:t>
+            </a:r>
+            <a:r>
+              <a:rPr lang="en-US" dirty="0">
+                <a:solidFill>
+                  <a:schemeClr val="tx2"/>
+                </a:solidFill>
+                <a:latin typeface="Courier" charset="0"/>
+                <a:ea typeface="Courier" charset="0"/>
+                <a:cs typeface="Courier" charset="0"/>
+              </a:rPr>
+              <a:t>&gt; </a:t>
+            </a:r>
+            <a:r>
+              <a:rPr lang="en-US" dirty="0">
+                <a:solidFill>
+                  <a:srgbClr val="FFFF00"/>
+                </a:solidFill>
+                <a:latin typeface="Courier" charset="0"/>
+                <a:ea typeface="Courier" charset="0"/>
+                <a:cs typeface="Courier" charset="0"/>
+              </a:rPr>
+              <a:t>.schema Users</a:t>
             </a:r>
           </a:p>
           <a:p>
@@ -6810,7 +6803,7 @@
     </p:spTree>
     <p:extLst>
       <p:ext uri="{BB962C8B-B14F-4D97-AF65-F5344CB8AC3E}">
-        <p14:creationId xmlns:p14="http://schemas.microsoft.com/office/powerpoint/2010/main" val="158678624"/>
+        <p14:creationId xmlns:p14="http://schemas.microsoft.com/office/powerpoint/2010/main" val="300265002"/>
       </p:ext>
     </p:extLst>
   </p:cSld>
@@ -9280,7 +9273,7 @@
       </p:grpSpPr>
       <p:pic>
         <p:nvPicPr>
-          <p:cNvPr id="350" name="Shape 350" descr="Untitled.png"/>
+          <p:cNvPr id="350" name="Shape 350" title="Screen shot of SQLiteBrowser"/>
           <p:cNvPicPr preferRelativeResize="0"/>
           <p:nvPr/>
         </p:nvPicPr>
@@ -9417,38 +9410,113 @@
       </p:grpSpPr>
       <p:sp>
         <p:nvSpPr>
-          <p:cNvPr id="4" name="Title 3"/>
+          <p:cNvPr id="2" name="Title 1"/>
           <p:cNvSpPr>
             <a:spLocks noGrp="1"/>
           </p:cNvSpPr>
           <p:nvPr>
-            <p:ph type="title"/>
+            <p:ph type="ctrTitle"/>
           </p:nvPr>
         </p:nvSpPr>
-        <p:spPr/>
-        <p:txBody>
-          <a:bodyPr/>
+        <p:spPr>
+          <a:xfrm>
+            <a:off x="4387349" y="1200152"/>
+            <a:ext cx="6897171" cy="4457696"/>
+          </a:xfrm>
+        </p:spPr>
+        <p:txBody>
+          <a:bodyPr anchor="ctr">
+            <a:normAutofit/>
+          </a:bodyPr>
           <a:lstStyle/>
           <a:p>
-            <a:r>
-              <a:rPr lang="en-US" dirty="0"/>
-              <a:t>Acknowledgements / Contributions</a:t>
-            </a:r>
-          </a:p>
-        </p:txBody>
-      </p:sp>
-      <p:sp>
-        <p:nvSpPr>
-          <p:cNvPr id="8" name="TextBox 4"/>
-          <p:cNvSpPr txBox="1">
-            <a:spLocks noChangeArrowheads="1"/>
+            <a:pPr algn="l"/>
+            <a:r>
+              <a:rPr lang="en-US" sz="8000" dirty="0" smtClean="0"/>
+              <a:t>Single Table SQL</a:t>
+            </a:r>
+            <a:endParaRPr lang="en-US" sz="8000" dirty="0"/>
+          </a:p>
+        </p:txBody>
+      </p:sp>
+      <p:sp>
+        <p:nvSpPr>
+          <p:cNvPr id="3" name="Subtitle 2"/>
+          <p:cNvSpPr>
+            <a:spLocks noGrp="1"/>
           </p:cNvSpPr>
+          <p:nvPr>
+            <p:ph type="subTitle" idx="1"/>
+          </p:nvPr>
+        </p:nvSpPr>
+        <p:spPr>
+          <a:xfrm>
+            <a:off x="849963" y="1200152"/>
+            <a:ext cx="2816535" cy="4457696"/>
+          </a:xfrm>
+        </p:spPr>
+        <p:txBody>
+          <a:bodyPr anchor="ctr">
+            <a:normAutofit/>
+          </a:bodyPr>
+          <a:lstStyle/>
+          <a:p>
+            <a:pPr algn="r"/>
+            <a:r>
+              <a:rPr lang="en-US" sz="2800">
+                <a:solidFill>
+                  <a:srgbClr val="FFFFFF"/>
+                </a:solidFill>
+              </a:rPr>
+              <a:t>Charles Severance</a:t>
+            </a:r>
+          </a:p>
+          <a:p>
+            <a:pPr algn="r"/>
+            <a:r>
+              <a:rPr lang="en-US" sz="2800">
+                <a:solidFill>
+                  <a:srgbClr val="FFFFFF"/>
+                </a:solidFill>
+              </a:rPr>
+              <a:t>www.dj4e.com</a:t>
+            </a:r>
+          </a:p>
+          <a:p>
+            <a:pPr algn="r"/>
+            <a:endParaRPr lang="en-US" sz="2800">
+              <a:solidFill>
+                <a:srgbClr val="FFFFFF"/>
+              </a:solidFill>
+            </a:endParaRPr>
+          </a:p>
+        </p:txBody>
+      </p:sp>
+      <p:pic>
+        <p:nvPicPr>
+          <p:cNvPr id="5" name="Picture 6" descr="CCby.png"/>
+          <p:cNvPicPr>
+            <a:picLocks noChangeAspect="1"/>
+          </p:cNvPicPr>
           <p:nvPr/>
-        </p:nvSpPr>
+        </p:nvPicPr>
+        <p:blipFill>
+          <a:blip r:embed="rId2">
+            <a:extLst>
+              <a:ext uri="{28A0092B-C50C-407E-A947-70E740481C1C}">
+                <a14:useLocalDpi xmlns:a14="http://schemas.microsoft.com/office/drawing/2010/main" val="0"/>
+              </a:ext>
+            </a:extLst>
+          </a:blip>
+          <a:srcRect/>
+          <a:stretch>
+            <a:fillRect/>
+          </a:stretch>
+        </p:blipFill>
         <p:spPr bwMode="auto">
           <a:xfrm>
-            <a:off x="838200" y="1512888"/>
-            <a:ext cx="5257800" cy="4401205"/>
+            <a:off x="10339754" y="5638800"/>
+            <a:ext cx="1106488" cy="376238"/>
           </a:xfrm>
           <a:prstGeom prst="rect">
             <a:avLst/>
@@ -9457,692 +9525,44 @@
           <a:ln>
             <a:noFill/>
           </a:ln>
+          <a:extLst>
+            <a:ext uri="{909E8E84-426E-40DD-AFC4-6F175D3DCCD1}">
+              <a14:hiddenFill xmlns:a14="http://schemas.microsoft.com/office/drawing/2010/main">
+                <a:solidFill>
+                  <a:srgbClr val="FFFFFF"/>
+                </a:solidFill>
+              </a14:hiddenFill>
+            </a:ext>
+            <a:ext uri="{91240B29-F687-4F45-9708-019B960494DF}">
+              <a14:hiddenLine xmlns:a14="http://schemas.microsoft.com/office/drawing/2010/main" w="9525">
+                <a:solidFill>
+                  <a:srgbClr val="000000"/>
+                </a:solidFill>
+                <a:miter lim="800000"/>
+                <a:headEnd/>
+                <a:tailEnd/>
+              </a14:hiddenLine>
+            </a:ext>
+          </a:extLst>
         </p:spPr>
-        <p:txBody>
-          <a:bodyPr wrap="square">
-            <a:spAutoFit/>
-          </a:bodyPr>
-          <a:lstStyle>
-            <a:lvl1pPr>
-              <a:defRPr sz="2000">
-                <a:solidFill>
-                  <a:srgbClr val="FFFFFF"/>
-                </a:solidFill>
-                <a:latin typeface="Gill Sans" charset="0"/>
-                <a:ea typeface="ヒラギノ角ゴ ProN W3" charset="-128"/>
-                <a:sym typeface="Gill Sans" charset="0"/>
-              </a:defRPr>
-            </a:lvl1pPr>
-            <a:lvl2pPr marL="742950" indent="-285750">
-              <a:defRPr sz="2000">
-                <a:solidFill>
-                  <a:srgbClr val="FFFFFF"/>
-                </a:solidFill>
-                <a:latin typeface="Gill Sans" charset="0"/>
-                <a:ea typeface="ヒラギノ角ゴ ProN W3" charset="-128"/>
-                <a:sym typeface="Gill Sans" charset="0"/>
-              </a:defRPr>
-            </a:lvl2pPr>
-            <a:lvl3pPr marL="1143000" indent="-228600">
-              <a:defRPr sz="2000">
-                <a:solidFill>
-                  <a:srgbClr val="FFFFFF"/>
-                </a:solidFill>
-                <a:latin typeface="Gill Sans" charset="0"/>
-                <a:ea typeface="ヒラギノ角ゴ ProN W3" charset="-128"/>
-                <a:sym typeface="Gill Sans" charset="0"/>
-              </a:defRPr>
-            </a:lvl3pPr>
-            <a:lvl4pPr marL="1600200" indent="-228600">
-              <a:defRPr sz="2000">
-                <a:solidFill>
-                  <a:srgbClr val="FFFFFF"/>
-                </a:solidFill>
-                <a:latin typeface="Gill Sans" charset="0"/>
-                <a:ea typeface="ヒラギノ角ゴ ProN W3" charset="-128"/>
-                <a:sym typeface="Gill Sans" charset="0"/>
-              </a:defRPr>
-            </a:lvl4pPr>
-            <a:lvl5pPr marL="2057400" indent="-228600">
-              <a:defRPr sz="2000">
-                <a:solidFill>
-                  <a:srgbClr val="FFFFFF"/>
-                </a:solidFill>
-                <a:latin typeface="Gill Sans" charset="0"/>
-                <a:ea typeface="ヒラギノ角ゴ ProN W3" charset="-128"/>
-                <a:sym typeface="Gill Sans" charset="0"/>
-              </a:defRPr>
-            </a:lvl5pPr>
-            <a:lvl6pPr marL="2514600" indent="-228600" eaLnBrk="0" fontAlgn="base" hangingPunct="0">
-              <a:spcBef>
-                <a:spcPct val="0"/>
-              </a:spcBef>
-              <a:spcAft>
-                <a:spcPct val="0"/>
-              </a:spcAft>
-              <a:defRPr sz="2000">
-                <a:solidFill>
-                  <a:srgbClr val="FFFFFF"/>
-                </a:solidFill>
-                <a:latin typeface="Gill Sans" charset="0"/>
-                <a:ea typeface="ヒラギノ角ゴ ProN W3" charset="-128"/>
-                <a:sym typeface="Gill Sans" charset="0"/>
-              </a:defRPr>
-            </a:lvl6pPr>
-            <a:lvl7pPr marL="2971800" indent="-228600" eaLnBrk="0" fontAlgn="base" hangingPunct="0">
-              <a:spcBef>
-                <a:spcPct val="0"/>
-              </a:spcBef>
-              <a:spcAft>
-                <a:spcPct val="0"/>
-              </a:spcAft>
-              <a:defRPr sz="2000">
-                <a:solidFill>
-                  <a:srgbClr val="FFFFFF"/>
-                </a:solidFill>
-                <a:latin typeface="Gill Sans" charset="0"/>
-                <a:ea typeface="ヒラギノ角ゴ ProN W3" charset="-128"/>
-                <a:sym typeface="Gill Sans" charset="0"/>
-              </a:defRPr>
-            </a:lvl7pPr>
-            <a:lvl8pPr marL="3429000" indent="-228600" eaLnBrk="0" fontAlgn="base" hangingPunct="0">
-              <a:spcBef>
-                <a:spcPct val="0"/>
-              </a:spcBef>
-              <a:spcAft>
-                <a:spcPct val="0"/>
-              </a:spcAft>
-              <a:defRPr sz="2000">
-                <a:solidFill>
-                  <a:srgbClr val="FFFFFF"/>
-                </a:solidFill>
-                <a:latin typeface="Gill Sans" charset="0"/>
-                <a:ea typeface="ヒラギノ角ゴ ProN W3" charset="-128"/>
-                <a:sym typeface="Gill Sans" charset="0"/>
-              </a:defRPr>
-            </a:lvl8pPr>
-            <a:lvl9pPr marL="3886200" indent="-228600" eaLnBrk="0" fontAlgn="base" hangingPunct="0">
-              <a:spcBef>
-                <a:spcPct val="0"/>
-              </a:spcBef>
-              <a:spcAft>
-                <a:spcPct val="0"/>
-              </a:spcAft>
-              <a:defRPr sz="2000">
-                <a:solidFill>
-                  <a:srgbClr val="FFFFFF"/>
-                </a:solidFill>
-                <a:latin typeface="Gill Sans" charset="0"/>
-                <a:ea typeface="ヒラギノ角ゴ ProN W3" charset="-128"/>
-                <a:sym typeface="Gill Sans" charset="0"/>
-              </a:defRPr>
-            </a:lvl9pPr>
-          </a:lstStyle>
-          <a:p>
-            <a:pPr eaLnBrk="1" hangingPunct="1"/>
-            <a:r>
-              <a:rPr lang="en-US" altLang="x-none" sz="1400" dirty="0">
-                <a:solidFill>
-                  <a:schemeClr val="tx1"/>
-                </a:solidFill>
-              </a:rPr>
-              <a:t>These slides are Copyright 2019-  Charles R. Severance (</a:t>
-            </a:r>
-            <a:r>
-              <a:rPr lang="en-US" altLang="x-none" sz="1400" dirty="0" err="1">
-                <a:solidFill>
-                  <a:schemeClr val="tx1"/>
-                </a:solidFill>
-              </a:rPr>
-              <a:t>www.dr-chuck.com</a:t>
-            </a:r>
-            <a:r>
-              <a:rPr lang="en-US" altLang="x-none" sz="1400" dirty="0">
-                <a:solidFill>
-                  <a:schemeClr val="tx1"/>
-                </a:solidFill>
-              </a:rPr>
-              <a:t>) as part of www.dj4e.com and made available under a Creative Commons Attribution 4.0 License.  Please maintain this last slide in all copies of the document to comply with the attribution requirements of the license.  If you make a change, feel free to add your name and organization to the list of contributors on this page as you republish the materials.</a:t>
-            </a:r>
-          </a:p>
-          <a:p>
-            <a:pPr eaLnBrk="1" hangingPunct="1"/>
-            <a:endParaRPr lang="en-US" altLang="x-none" sz="1400" dirty="0">
-              <a:solidFill>
-                <a:schemeClr val="tx1"/>
-              </a:solidFill>
-            </a:endParaRPr>
-          </a:p>
-          <a:p>
-            <a:pPr eaLnBrk="1" hangingPunct="1"/>
-            <a:r>
-              <a:rPr lang="en-US" altLang="x-none" sz="1400" dirty="0">
-                <a:solidFill>
-                  <a:schemeClr val="tx1"/>
-                </a:solidFill>
-              </a:rPr>
-              <a:t>Initial Development: Charles Severance, University of Michigan School of Information</a:t>
-            </a:r>
-          </a:p>
-          <a:p>
-            <a:pPr eaLnBrk="1" hangingPunct="1"/>
-            <a:endParaRPr lang="en-US" altLang="x-none" sz="1400" dirty="0">
-              <a:solidFill>
-                <a:schemeClr val="tx1"/>
-              </a:solidFill>
-            </a:endParaRPr>
-          </a:p>
-          <a:p>
-            <a:pPr eaLnBrk="1" hangingPunct="1"/>
-            <a:r>
-              <a:rPr lang="en-US" altLang="x-none" sz="1400" dirty="0">
-                <a:solidFill>
-                  <a:srgbClr val="FFCC66"/>
-                </a:solidFill>
-              </a:rPr>
-              <a:t>Insert new Contributors and Translators here including names and dates</a:t>
-            </a:r>
-          </a:p>
-          <a:p>
-            <a:pPr eaLnBrk="1" hangingPunct="1"/>
-            <a:endParaRPr lang="en-US" altLang="x-none" sz="1400" dirty="0">
-              <a:solidFill>
-                <a:srgbClr val="7575D1"/>
-              </a:solidFill>
-            </a:endParaRPr>
-          </a:p>
-          <a:p>
-            <a:pPr eaLnBrk="1" hangingPunct="1"/>
-            <a:endParaRPr lang="en-US" altLang="x-none" sz="1400" dirty="0">
-              <a:solidFill>
-                <a:srgbClr val="7575D1"/>
-              </a:solidFill>
-            </a:endParaRPr>
-          </a:p>
-          <a:p>
-            <a:pPr eaLnBrk="1" hangingPunct="1"/>
-            <a:endParaRPr lang="en-US" altLang="x-none" sz="1400" dirty="0">
-              <a:solidFill>
-                <a:srgbClr val="7575D1"/>
-              </a:solidFill>
-            </a:endParaRPr>
-          </a:p>
-          <a:p>
-            <a:pPr eaLnBrk="1" hangingPunct="1"/>
-            <a:endParaRPr lang="en-US" altLang="x-none" sz="1400" dirty="0">
-              <a:solidFill>
-                <a:srgbClr val="7575D1"/>
-              </a:solidFill>
-            </a:endParaRPr>
-          </a:p>
-          <a:p>
-            <a:pPr eaLnBrk="1" hangingPunct="1"/>
-            <a:endParaRPr lang="en-US" altLang="x-none" sz="1400" dirty="0">
-              <a:solidFill>
-                <a:srgbClr val="7575D1"/>
-              </a:solidFill>
-            </a:endParaRPr>
-          </a:p>
-          <a:p>
-            <a:pPr eaLnBrk="1" hangingPunct="1"/>
-            <a:endParaRPr lang="en-US" altLang="x-none" sz="1400" dirty="0">
-              <a:solidFill>
-                <a:srgbClr val="7575D1"/>
-              </a:solidFill>
-            </a:endParaRPr>
-          </a:p>
-          <a:p>
-            <a:pPr eaLnBrk="1" hangingPunct="1"/>
-            <a:endParaRPr lang="en-US" altLang="x-none" sz="1400" dirty="0">
-              <a:solidFill>
-                <a:srgbClr val="7575D1"/>
-              </a:solidFill>
-            </a:endParaRPr>
-          </a:p>
-        </p:txBody>
-      </p:sp>
-      <p:sp>
-        <p:nvSpPr>
-          <p:cNvPr id="9" name="TextBox 5"/>
-          <p:cNvSpPr txBox="1">
-            <a:spLocks noChangeArrowheads="1"/>
-          </p:cNvSpPr>
-          <p:nvPr/>
-        </p:nvSpPr>
-        <p:spPr bwMode="auto">
-          <a:xfrm>
-            <a:off x="6310312" y="1512888"/>
-            <a:ext cx="5257800" cy="4893647"/>
-          </a:xfrm>
-          <a:prstGeom prst="rect">
-            <a:avLst/>
-          </a:prstGeom>
-          <a:noFill/>
-          <a:ln>
-            <a:noFill/>
-          </a:ln>
-        </p:spPr>
-        <p:txBody>
-          <a:bodyPr wrap="square">
-            <a:spAutoFit/>
-          </a:bodyPr>
-          <a:lstStyle>
-            <a:lvl1pPr>
-              <a:defRPr sz="2000">
-                <a:solidFill>
-                  <a:srgbClr val="FFFFFF"/>
-                </a:solidFill>
-                <a:latin typeface="Gill Sans" charset="0"/>
-                <a:ea typeface="ヒラギノ角ゴ ProN W3" charset="-128"/>
-                <a:sym typeface="Gill Sans" charset="0"/>
-              </a:defRPr>
-            </a:lvl1pPr>
-            <a:lvl2pPr marL="742950" indent="-285750">
-              <a:defRPr sz="2000">
-                <a:solidFill>
-                  <a:srgbClr val="FFFFFF"/>
-                </a:solidFill>
-                <a:latin typeface="Gill Sans" charset="0"/>
-                <a:ea typeface="ヒラギノ角ゴ ProN W3" charset="-128"/>
-                <a:sym typeface="Gill Sans" charset="0"/>
-              </a:defRPr>
-            </a:lvl2pPr>
-            <a:lvl3pPr marL="1143000" indent="-228600">
-              <a:defRPr sz="2000">
-                <a:solidFill>
-                  <a:srgbClr val="FFFFFF"/>
-                </a:solidFill>
-                <a:latin typeface="Gill Sans" charset="0"/>
-                <a:ea typeface="ヒラギノ角ゴ ProN W3" charset="-128"/>
-                <a:sym typeface="Gill Sans" charset="0"/>
-              </a:defRPr>
-            </a:lvl3pPr>
-            <a:lvl4pPr marL="1600200" indent="-228600">
-              <a:defRPr sz="2000">
-                <a:solidFill>
-                  <a:srgbClr val="FFFFFF"/>
-                </a:solidFill>
-                <a:latin typeface="Gill Sans" charset="0"/>
-                <a:ea typeface="ヒラギノ角ゴ ProN W3" charset="-128"/>
-                <a:sym typeface="Gill Sans" charset="0"/>
-              </a:defRPr>
-            </a:lvl4pPr>
-            <a:lvl5pPr marL="2057400" indent="-228600">
-              <a:defRPr sz="2000">
-                <a:solidFill>
-                  <a:srgbClr val="FFFFFF"/>
-                </a:solidFill>
-                <a:latin typeface="Gill Sans" charset="0"/>
-                <a:ea typeface="ヒラギノ角ゴ ProN W3" charset="-128"/>
-                <a:sym typeface="Gill Sans" charset="0"/>
-              </a:defRPr>
-            </a:lvl5pPr>
-            <a:lvl6pPr marL="2514600" indent="-228600" eaLnBrk="0" fontAlgn="base" hangingPunct="0">
-              <a:spcBef>
-                <a:spcPct val="0"/>
-              </a:spcBef>
-              <a:spcAft>
-                <a:spcPct val="0"/>
-              </a:spcAft>
-              <a:defRPr sz="2000">
-                <a:solidFill>
-                  <a:srgbClr val="FFFFFF"/>
-                </a:solidFill>
-                <a:latin typeface="Gill Sans" charset="0"/>
-                <a:ea typeface="ヒラギノ角ゴ ProN W3" charset="-128"/>
-                <a:sym typeface="Gill Sans" charset="0"/>
-              </a:defRPr>
-            </a:lvl6pPr>
-            <a:lvl7pPr marL="2971800" indent="-228600" eaLnBrk="0" fontAlgn="base" hangingPunct="0">
-              <a:spcBef>
-                <a:spcPct val="0"/>
-              </a:spcBef>
-              <a:spcAft>
-                <a:spcPct val="0"/>
-              </a:spcAft>
-              <a:defRPr sz="2000">
-                <a:solidFill>
-                  <a:srgbClr val="FFFFFF"/>
-                </a:solidFill>
-                <a:latin typeface="Gill Sans" charset="0"/>
-                <a:ea typeface="ヒラギノ角ゴ ProN W3" charset="-128"/>
-                <a:sym typeface="Gill Sans" charset="0"/>
-              </a:defRPr>
-            </a:lvl7pPr>
-            <a:lvl8pPr marL="3429000" indent="-228600" eaLnBrk="0" fontAlgn="base" hangingPunct="0">
-              <a:spcBef>
-                <a:spcPct val="0"/>
-              </a:spcBef>
-              <a:spcAft>
-                <a:spcPct val="0"/>
-              </a:spcAft>
-              <a:defRPr sz="2000">
-                <a:solidFill>
-                  <a:srgbClr val="FFFFFF"/>
-                </a:solidFill>
-                <a:latin typeface="Gill Sans" charset="0"/>
-                <a:ea typeface="ヒラギノ角ゴ ProN W3" charset="-128"/>
-                <a:sym typeface="Gill Sans" charset="0"/>
-              </a:defRPr>
-            </a:lvl8pPr>
-            <a:lvl9pPr marL="3886200" indent="-228600" eaLnBrk="0" fontAlgn="base" hangingPunct="0">
-              <a:spcBef>
-                <a:spcPct val="0"/>
-              </a:spcBef>
-              <a:spcAft>
-                <a:spcPct val="0"/>
-              </a:spcAft>
-              <a:defRPr sz="2000">
-                <a:solidFill>
-                  <a:srgbClr val="FFFFFF"/>
-                </a:solidFill>
-                <a:latin typeface="Gill Sans" charset="0"/>
-                <a:ea typeface="ヒラギノ角ゴ ProN W3" charset="-128"/>
-                <a:sym typeface="Gill Sans" charset="0"/>
-              </a:defRPr>
-            </a:lvl9pPr>
-          </a:lstStyle>
-          <a:p>
-            <a:pPr algn="ctr" eaLnBrk="1" hangingPunct="1"/>
-            <a:r>
-              <a:rPr lang="en-US" altLang="x-none" sz="1200" dirty="0">
-                <a:solidFill>
-                  <a:srgbClr val="FFCC66"/>
-                </a:solidFill>
-                <a:latin typeface="Helvetica" charset="0"/>
-                <a:ea typeface="ＭＳ Ｐゴシック" charset="-128"/>
-                <a:sym typeface="Helvetica" charset="0"/>
-              </a:rPr>
-              <a:t>Continue new Contributors and Translators here</a:t>
-            </a:r>
-          </a:p>
-          <a:p>
-            <a:pPr algn="ctr" eaLnBrk="1" hangingPunct="1"/>
-            <a:endParaRPr lang="en-US" altLang="x-none" sz="1200" dirty="0">
-              <a:solidFill>
-                <a:schemeClr val="tx1"/>
-              </a:solidFill>
-              <a:latin typeface="Helvetica" charset="0"/>
-              <a:ea typeface="ＭＳ Ｐゴシック" charset="-128"/>
-              <a:sym typeface="Helvetica" charset="0"/>
-            </a:endParaRPr>
-          </a:p>
-          <a:p>
-            <a:pPr algn="ctr" eaLnBrk="1" hangingPunct="1"/>
-            <a:endParaRPr lang="en-US" altLang="x-none" sz="1200" dirty="0">
-              <a:solidFill>
-                <a:schemeClr val="tx1"/>
-              </a:solidFill>
-              <a:latin typeface="Helvetica" charset="0"/>
-              <a:ea typeface="ＭＳ Ｐゴシック" charset="-128"/>
-              <a:sym typeface="Helvetica" charset="0"/>
-            </a:endParaRPr>
-          </a:p>
-          <a:p>
-            <a:pPr algn="ctr" eaLnBrk="1" hangingPunct="1"/>
-            <a:endParaRPr lang="en-US" altLang="x-none" sz="1200" dirty="0">
-              <a:solidFill>
-                <a:schemeClr val="tx1"/>
-              </a:solidFill>
-              <a:latin typeface="Helvetica" charset="0"/>
-              <a:ea typeface="ＭＳ Ｐゴシック" charset="-128"/>
-              <a:sym typeface="Helvetica" charset="0"/>
-            </a:endParaRPr>
-          </a:p>
-          <a:p>
-            <a:pPr algn="ctr" eaLnBrk="1" hangingPunct="1"/>
-            <a:endParaRPr lang="en-US" altLang="x-none" sz="1200" dirty="0">
-              <a:solidFill>
-                <a:schemeClr val="tx1"/>
-              </a:solidFill>
-              <a:latin typeface="Helvetica" charset="0"/>
-              <a:ea typeface="ＭＳ Ｐゴシック" charset="-128"/>
-              <a:sym typeface="Helvetica" charset="0"/>
-            </a:endParaRPr>
-          </a:p>
-          <a:p>
-            <a:pPr algn="ctr" eaLnBrk="1" hangingPunct="1"/>
-            <a:endParaRPr lang="en-US" altLang="x-none" sz="1200" dirty="0">
-              <a:solidFill>
-                <a:schemeClr val="tx1"/>
-              </a:solidFill>
-              <a:latin typeface="Helvetica" charset="0"/>
-              <a:ea typeface="ＭＳ Ｐゴシック" charset="-128"/>
-              <a:sym typeface="Helvetica" charset="0"/>
-            </a:endParaRPr>
-          </a:p>
-          <a:p>
-            <a:pPr algn="ctr" eaLnBrk="1" hangingPunct="1"/>
-            <a:endParaRPr lang="en-US" altLang="x-none" sz="1200" dirty="0">
-              <a:solidFill>
-                <a:schemeClr val="tx1"/>
-              </a:solidFill>
-              <a:latin typeface="Helvetica" charset="0"/>
-              <a:ea typeface="ＭＳ Ｐゴシック" charset="-128"/>
-              <a:sym typeface="Helvetica" charset="0"/>
-            </a:endParaRPr>
-          </a:p>
-          <a:p>
-            <a:pPr algn="ctr" eaLnBrk="1" hangingPunct="1"/>
-            <a:endParaRPr lang="en-US" altLang="x-none" sz="1200" dirty="0">
-              <a:solidFill>
-                <a:schemeClr val="tx1"/>
-              </a:solidFill>
-              <a:latin typeface="Helvetica" charset="0"/>
-              <a:ea typeface="ＭＳ Ｐゴシック" charset="-128"/>
-              <a:sym typeface="Helvetica" charset="0"/>
-            </a:endParaRPr>
-          </a:p>
-          <a:p>
-            <a:pPr algn="ctr" eaLnBrk="1" hangingPunct="1"/>
-            <a:endParaRPr lang="en-US" altLang="x-none" sz="1200" dirty="0">
-              <a:solidFill>
-                <a:schemeClr val="tx1"/>
-              </a:solidFill>
-              <a:latin typeface="Helvetica" charset="0"/>
-              <a:ea typeface="ＭＳ Ｐゴシック" charset="-128"/>
-              <a:sym typeface="Helvetica" charset="0"/>
-            </a:endParaRPr>
-          </a:p>
-          <a:p>
-            <a:pPr algn="ctr" eaLnBrk="1" hangingPunct="1"/>
-            <a:endParaRPr lang="en-US" altLang="x-none" sz="1200" dirty="0">
-              <a:solidFill>
-                <a:schemeClr val="tx1"/>
-              </a:solidFill>
-              <a:latin typeface="Helvetica" charset="0"/>
-              <a:ea typeface="ＭＳ Ｐゴシック" charset="-128"/>
-              <a:sym typeface="Helvetica" charset="0"/>
-            </a:endParaRPr>
-          </a:p>
-          <a:p>
-            <a:pPr algn="ctr" eaLnBrk="1" hangingPunct="1"/>
-            <a:endParaRPr lang="en-US" altLang="x-none" sz="1200" dirty="0">
-              <a:solidFill>
-                <a:schemeClr val="tx1"/>
-              </a:solidFill>
-              <a:latin typeface="Helvetica" charset="0"/>
-              <a:ea typeface="ＭＳ Ｐゴシック" charset="-128"/>
-              <a:sym typeface="Helvetica" charset="0"/>
-            </a:endParaRPr>
-          </a:p>
-          <a:p>
-            <a:pPr algn="ctr" eaLnBrk="1" hangingPunct="1"/>
-            <a:endParaRPr lang="en-US" altLang="x-none" sz="1200" dirty="0">
-              <a:solidFill>
-                <a:schemeClr val="tx1"/>
-              </a:solidFill>
-              <a:latin typeface="Helvetica" charset="0"/>
-              <a:ea typeface="ＭＳ Ｐゴシック" charset="-128"/>
-              <a:sym typeface="Helvetica" charset="0"/>
-            </a:endParaRPr>
-          </a:p>
-          <a:p>
-            <a:pPr algn="ctr" eaLnBrk="1" hangingPunct="1"/>
-            <a:endParaRPr lang="en-US" altLang="x-none" sz="1200" dirty="0">
-              <a:solidFill>
-                <a:schemeClr val="tx1"/>
-              </a:solidFill>
-              <a:latin typeface="Helvetica" charset="0"/>
-              <a:ea typeface="ＭＳ Ｐゴシック" charset="-128"/>
-              <a:sym typeface="Helvetica" charset="0"/>
-            </a:endParaRPr>
-          </a:p>
-          <a:p>
-            <a:pPr algn="ctr" eaLnBrk="1" hangingPunct="1"/>
-            <a:endParaRPr lang="en-US" altLang="x-none" sz="1200" dirty="0">
-              <a:solidFill>
-                <a:schemeClr val="tx1"/>
-              </a:solidFill>
-              <a:latin typeface="Helvetica" charset="0"/>
-              <a:ea typeface="ＭＳ Ｐゴシック" charset="-128"/>
-              <a:sym typeface="Helvetica" charset="0"/>
-            </a:endParaRPr>
-          </a:p>
-          <a:p>
-            <a:pPr algn="ctr" eaLnBrk="1" hangingPunct="1"/>
-            <a:endParaRPr lang="en-US" altLang="x-none" sz="1200" dirty="0">
-              <a:solidFill>
-                <a:schemeClr val="tx1"/>
-              </a:solidFill>
-              <a:latin typeface="Helvetica" charset="0"/>
-              <a:ea typeface="ＭＳ Ｐゴシック" charset="-128"/>
-              <a:sym typeface="Helvetica" charset="0"/>
-            </a:endParaRPr>
-          </a:p>
-          <a:p>
-            <a:pPr algn="ctr" eaLnBrk="1" hangingPunct="1"/>
-            <a:endParaRPr lang="en-US" altLang="x-none" sz="1200" dirty="0">
-              <a:solidFill>
-                <a:schemeClr val="tx1"/>
-              </a:solidFill>
-              <a:latin typeface="Helvetica" charset="0"/>
-              <a:ea typeface="ＭＳ Ｐゴシック" charset="-128"/>
-              <a:sym typeface="Helvetica" charset="0"/>
-            </a:endParaRPr>
-          </a:p>
-          <a:p>
-            <a:pPr algn="ctr" eaLnBrk="1" hangingPunct="1"/>
-            <a:endParaRPr lang="en-US" altLang="x-none" sz="1200" dirty="0">
-              <a:solidFill>
-                <a:schemeClr val="tx1"/>
-              </a:solidFill>
-              <a:latin typeface="Helvetica" charset="0"/>
-              <a:ea typeface="ＭＳ Ｐゴシック" charset="-128"/>
-              <a:sym typeface="Helvetica" charset="0"/>
-            </a:endParaRPr>
-          </a:p>
-          <a:p>
-            <a:pPr algn="ctr" eaLnBrk="1" hangingPunct="1"/>
-            <a:endParaRPr lang="en-US" altLang="x-none" sz="1200" dirty="0">
-              <a:solidFill>
-                <a:schemeClr val="tx1"/>
-              </a:solidFill>
-              <a:latin typeface="Helvetica" charset="0"/>
-              <a:ea typeface="ＭＳ Ｐゴシック" charset="-128"/>
-              <a:sym typeface="Helvetica" charset="0"/>
-            </a:endParaRPr>
-          </a:p>
-          <a:p>
-            <a:pPr algn="ctr" eaLnBrk="1" hangingPunct="1"/>
-            <a:endParaRPr lang="en-US" altLang="x-none" sz="1200" dirty="0">
-              <a:solidFill>
-                <a:schemeClr val="tx1"/>
-              </a:solidFill>
-              <a:latin typeface="Helvetica" charset="0"/>
-              <a:ea typeface="ＭＳ Ｐゴシック" charset="-128"/>
-              <a:sym typeface="Helvetica" charset="0"/>
-            </a:endParaRPr>
-          </a:p>
-          <a:p>
-            <a:pPr algn="ctr" eaLnBrk="1" hangingPunct="1"/>
-            <a:endParaRPr lang="en-US" altLang="x-none" sz="1200" dirty="0" smtClean="0">
-              <a:solidFill>
-                <a:schemeClr val="tx1"/>
-              </a:solidFill>
-              <a:latin typeface="Helvetica" charset="0"/>
-              <a:ea typeface="ＭＳ Ｐゴシック" charset="-128"/>
-              <a:sym typeface="Helvetica" charset="0"/>
-            </a:endParaRPr>
-          </a:p>
-          <a:p>
-            <a:pPr algn="ctr" eaLnBrk="1" hangingPunct="1"/>
-            <a:endParaRPr lang="en-US" altLang="x-none" sz="1200" dirty="0">
-              <a:solidFill>
-                <a:schemeClr val="tx1"/>
-              </a:solidFill>
-              <a:latin typeface="Helvetica" charset="0"/>
-              <a:ea typeface="ＭＳ Ｐゴシック" charset="-128"/>
-              <a:sym typeface="Helvetica" charset="0"/>
-            </a:endParaRPr>
-          </a:p>
-          <a:p>
-            <a:pPr algn="ctr" eaLnBrk="1" hangingPunct="1"/>
-            <a:endParaRPr lang="en-US" altLang="x-none" sz="1200" dirty="0" smtClean="0">
-              <a:solidFill>
-                <a:schemeClr val="tx1"/>
-              </a:solidFill>
-              <a:latin typeface="Helvetica" charset="0"/>
-              <a:ea typeface="ＭＳ Ｐゴシック" charset="-128"/>
-              <a:sym typeface="Helvetica" charset="0"/>
-            </a:endParaRPr>
-          </a:p>
-          <a:p>
-            <a:pPr algn="ctr" eaLnBrk="1" hangingPunct="1"/>
-            <a:endParaRPr lang="en-US" altLang="x-none" sz="1200" dirty="0">
-              <a:solidFill>
-                <a:schemeClr val="tx1"/>
-              </a:solidFill>
-              <a:latin typeface="Helvetica" charset="0"/>
-              <a:ea typeface="ＭＳ Ｐゴシック" charset="-128"/>
-              <a:sym typeface="Helvetica" charset="0"/>
-            </a:endParaRPr>
-          </a:p>
-          <a:p>
-            <a:pPr algn="ctr" eaLnBrk="1" hangingPunct="1"/>
-            <a:endParaRPr lang="en-US" altLang="x-none" sz="1200" dirty="0" smtClean="0">
-              <a:solidFill>
-                <a:schemeClr val="tx1"/>
-              </a:solidFill>
-              <a:latin typeface="Helvetica" charset="0"/>
-              <a:ea typeface="ＭＳ Ｐゴシック" charset="-128"/>
-              <a:sym typeface="Helvetica" charset="0"/>
-            </a:endParaRPr>
-          </a:p>
-          <a:p>
-            <a:pPr algn="ctr" eaLnBrk="1" hangingPunct="1"/>
-            <a:endParaRPr lang="en-US" altLang="x-none" sz="1200" dirty="0">
-              <a:solidFill>
-                <a:schemeClr val="tx1"/>
-              </a:solidFill>
-              <a:latin typeface="Helvetica" charset="0"/>
-              <a:ea typeface="ＭＳ Ｐゴシック" charset="-128"/>
-              <a:sym typeface="Helvetica" charset="0"/>
-            </a:endParaRPr>
-          </a:p>
-          <a:p>
-            <a:pPr algn="ctr" eaLnBrk="1" hangingPunct="1"/>
-            <a:endParaRPr lang="en-US" altLang="x-none" sz="1200" dirty="0">
-              <a:solidFill>
-                <a:schemeClr val="tx1"/>
-              </a:solidFill>
-              <a:latin typeface="Helvetica" charset="0"/>
-              <a:ea typeface="ＭＳ Ｐゴシック" charset="-128"/>
-              <a:sym typeface="Helvetica" charset="0"/>
-            </a:endParaRPr>
-          </a:p>
-        </p:txBody>
-      </p:sp>
+      </p:pic>
     </p:spTree>
     <p:extLst>
       <p:ext uri="{BB962C8B-B14F-4D97-AF65-F5344CB8AC3E}">
-        <p14:creationId xmlns:p14="http://schemas.microsoft.com/office/powerpoint/2010/main" val="1048975579"/>
+        <p14:creationId xmlns:p14="http://schemas.microsoft.com/office/powerpoint/2010/main" val="517213655"/>
       </p:ext>
     </p:extLst>
   </p:cSld>
   <p:clrMapOvr>
     <a:masterClrMapping/>
   </p:clrMapOvr>
+  <p:timing>
+    <p:tnLst>
+      <p:par>
+        <p:cTn id="1" dur="indefinite" restart="never" nodeType="tmRoot"/>
+      </p:par>
+    </p:tnLst>
+  </p:timing>
 </p:sld>
 </file>
 
@@ -11272,6 +10692,754 @@
 </p:sld>
 </file>
 
+<file path=ppt/slides/slide20.xml><?xml version="1.0" encoding="utf-8"?>
+<p:sld xmlns:a="http://schemas.openxmlformats.org/drawingml/2006/main" xmlns:r="http://schemas.openxmlformats.org/officeDocument/2006/relationships" xmlns:p="http://schemas.openxmlformats.org/presentationml/2006/main">
+  <p:cSld>
+    <p:spTree>
+      <p:nvGrpSpPr>
+        <p:cNvPr id="1" name=""/>
+        <p:cNvGrpSpPr/>
+        <p:nvPr/>
+      </p:nvGrpSpPr>
+      <p:grpSpPr>
+        <a:xfrm>
+          <a:off x="0" y="0"/>
+          <a:ext cx="0" cy="0"/>
+          <a:chOff x="0" y="0"/>
+          <a:chExt cx="0" cy="0"/>
+        </a:xfrm>
+      </p:grpSpPr>
+      <p:sp>
+        <p:nvSpPr>
+          <p:cNvPr id="4" name="Title 3"/>
+          <p:cNvSpPr>
+            <a:spLocks noGrp="1"/>
+          </p:cNvSpPr>
+          <p:nvPr>
+            <p:ph type="title"/>
+          </p:nvPr>
+        </p:nvSpPr>
+        <p:spPr/>
+        <p:txBody>
+          <a:bodyPr/>
+          <a:lstStyle/>
+          <a:p>
+            <a:r>
+              <a:rPr lang="en-US" dirty="0"/>
+              <a:t>Acknowledgements / Contributions</a:t>
+            </a:r>
+          </a:p>
+        </p:txBody>
+      </p:sp>
+      <p:sp>
+        <p:nvSpPr>
+          <p:cNvPr id="8" name="TextBox 4"/>
+          <p:cNvSpPr txBox="1">
+            <a:spLocks noChangeArrowheads="1"/>
+          </p:cNvSpPr>
+          <p:nvPr/>
+        </p:nvSpPr>
+        <p:spPr bwMode="auto">
+          <a:xfrm>
+            <a:off x="838200" y="1512888"/>
+            <a:ext cx="5257800" cy="4401205"/>
+          </a:xfrm>
+          <a:prstGeom prst="rect">
+            <a:avLst/>
+          </a:prstGeom>
+          <a:noFill/>
+          <a:ln>
+            <a:noFill/>
+          </a:ln>
+        </p:spPr>
+        <p:txBody>
+          <a:bodyPr wrap="square">
+            <a:spAutoFit/>
+          </a:bodyPr>
+          <a:lstStyle>
+            <a:lvl1pPr>
+              <a:defRPr sz="2000">
+                <a:solidFill>
+                  <a:srgbClr val="FFFFFF"/>
+                </a:solidFill>
+                <a:latin typeface="Gill Sans" charset="0"/>
+                <a:ea typeface="ヒラギノ角ゴ ProN W3" charset="-128"/>
+                <a:sym typeface="Gill Sans" charset="0"/>
+              </a:defRPr>
+            </a:lvl1pPr>
+            <a:lvl2pPr marL="742950" indent="-285750">
+              <a:defRPr sz="2000">
+                <a:solidFill>
+                  <a:srgbClr val="FFFFFF"/>
+                </a:solidFill>
+                <a:latin typeface="Gill Sans" charset="0"/>
+                <a:ea typeface="ヒラギノ角ゴ ProN W3" charset="-128"/>
+                <a:sym typeface="Gill Sans" charset="0"/>
+              </a:defRPr>
+            </a:lvl2pPr>
+            <a:lvl3pPr marL="1143000" indent="-228600">
+              <a:defRPr sz="2000">
+                <a:solidFill>
+                  <a:srgbClr val="FFFFFF"/>
+                </a:solidFill>
+                <a:latin typeface="Gill Sans" charset="0"/>
+                <a:ea typeface="ヒラギノ角ゴ ProN W3" charset="-128"/>
+                <a:sym typeface="Gill Sans" charset="0"/>
+              </a:defRPr>
+            </a:lvl3pPr>
+            <a:lvl4pPr marL="1600200" indent="-228600">
+              <a:defRPr sz="2000">
+                <a:solidFill>
+                  <a:srgbClr val="FFFFFF"/>
+                </a:solidFill>
+                <a:latin typeface="Gill Sans" charset="0"/>
+                <a:ea typeface="ヒラギノ角ゴ ProN W3" charset="-128"/>
+                <a:sym typeface="Gill Sans" charset="0"/>
+              </a:defRPr>
+            </a:lvl4pPr>
+            <a:lvl5pPr marL="2057400" indent="-228600">
+              <a:defRPr sz="2000">
+                <a:solidFill>
+                  <a:srgbClr val="FFFFFF"/>
+                </a:solidFill>
+                <a:latin typeface="Gill Sans" charset="0"/>
+                <a:ea typeface="ヒラギノ角ゴ ProN W3" charset="-128"/>
+                <a:sym typeface="Gill Sans" charset="0"/>
+              </a:defRPr>
+            </a:lvl5pPr>
+            <a:lvl6pPr marL="2514600" indent="-228600" eaLnBrk="0" fontAlgn="base" hangingPunct="0">
+              <a:spcBef>
+                <a:spcPct val="0"/>
+              </a:spcBef>
+              <a:spcAft>
+                <a:spcPct val="0"/>
+              </a:spcAft>
+              <a:defRPr sz="2000">
+                <a:solidFill>
+                  <a:srgbClr val="FFFFFF"/>
+                </a:solidFill>
+                <a:latin typeface="Gill Sans" charset="0"/>
+                <a:ea typeface="ヒラギノ角ゴ ProN W3" charset="-128"/>
+                <a:sym typeface="Gill Sans" charset="0"/>
+              </a:defRPr>
+            </a:lvl6pPr>
+            <a:lvl7pPr marL="2971800" indent="-228600" eaLnBrk="0" fontAlgn="base" hangingPunct="0">
+              <a:spcBef>
+                <a:spcPct val="0"/>
+              </a:spcBef>
+              <a:spcAft>
+                <a:spcPct val="0"/>
+              </a:spcAft>
+              <a:defRPr sz="2000">
+                <a:solidFill>
+                  <a:srgbClr val="FFFFFF"/>
+                </a:solidFill>
+                <a:latin typeface="Gill Sans" charset="0"/>
+                <a:ea typeface="ヒラギノ角ゴ ProN W3" charset="-128"/>
+                <a:sym typeface="Gill Sans" charset="0"/>
+              </a:defRPr>
+            </a:lvl7pPr>
+            <a:lvl8pPr marL="3429000" indent="-228600" eaLnBrk="0" fontAlgn="base" hangingPunct="0">
+              <a:spcBef>
+                <a:spcPct val="0"/>
+              </a:spcBef>
+              <a:spcAft>
+                <a:spcPct val="0"/>
+              </a:spcAft>
+              <a:defRPr sz="2000">
+                <a:solidFill>
+                  <a:srgbClr val="FFFFFF"/>
+                </a:solidFill>
+                <a:latin typeface="Gill Sans" charset="0"/>
+                <a:ea typeface="ヒラギノ角ゴ ProN W3" charset="-128"/>
+                <a:sym typeface="Gill Sans" charset="0"/>
+              </a:defRPr>
+            </a:lvl8pPr>
+            <a:lvl9pPr marL="3886200" indent="-228600" eaLnBrk="0" fontAlgn="base" hangingPunct="0">
+              <a:spcBef>
+                <a:spcPct val="0"/>
+              </a:spcBef>
+              <a:spcAft>
+                <a:spcPct val="0"/>
+              </a:spcAft>
+              <a:defRPr sz="2000">
+                <a:solidFill>
+                  <a:srgbClr val="FFFFFF"/>
+                </a:solidFill>
+                <a:latin typeface="Gill Sans" charset="0"/>
+                <a:ea typeface="ヒラギノ角ゴ ProN W3" charset="-128"/>
+                <a:sym typeface="Gill Sans" charset="0"/>
+              </a:defRPr>
+            </a:lvl9pPr>
+          </a:lstStyle>
+          <a:p>
+            <a:pPr eaLnBrk="1" hangingPunct="1"/>
+            <a:r>
+              <a:rPr lang="en-US" altLang="x-none" sz="1400" dirty="0">
+                <a:solidFill>
+                  <a:schemeClr val="tx1"/>
+                </a:solidFill>
+              </a:rPr>
+              <a:t>These slides are Copyright 2019-  Charles R. Severance (</a:t>
+            </a:r>
+            <a:r>
+              <a:rPr lang="en-US" altLang="x-none" sz="1400" dirty="0" err="1">
+                <a:solidFill>
+                  <a:schemeClr val="tx1"/>
+                </a:solidFill>
+              </a:rPr>
+              <a:t>www.dr-chuck.com</a:t>
+            </a:r>
+            <a:r>
+              <a:rPr lang="en-US" altLang="x-none" sz="1400" dirty="0">
+                <a:solidFill>
+                  <a:schemeClr val="tx1"/>
+                </a:solidFill>
+              </a:rPr>
+              <a:t>) as part of www.dj4e.com and made available under a Creative Commons Attribution 4.0 License.  Please maintain this last slide in all copies of the document to comply with the attribution requirements of the license.  If you make a change, feel free to add your name and organization to the list of contributors on this page as you republish the materials.</a:t>
+            </a:r>
+          </a:p>
+          <a:p>
+            <a:pPr eaLnBrk="1" hangingPunct="1"/>
+            <a:endParaRPr lang="en-US" altLang="x-none" sz="1400" dirty="0">
+              <a:solidFill>
+                <a:schemeClr val="tx1"/>
+              </a:solidFill>
+            </a:endParaRPr>
+          </a:p>
+          <a:p>
+            <a:pPr eaLnBrk="1" hangingPunct="1"/>
+            <a:r>
+              <a:rPr lang="en-US" altLang="x-none" sz="1400" dirty="0">
+                <a:solidFill>
+                  <a:schemeClr val="tx1"/>
+                </a:solidFill>
+              </a:rPr>
+              <a:t>Initial Development: Charles Severance, University of Michigan School of Information</a:t>
+            </a:r>
+          </a:p>
+          <a:p>
+            <a:pPr eaLnBrk="1" hangingPunct="1"/>
+            <a:endParaRPr lang="en-US" altLang="x-none" sz="1400" dirty="0">
+              <a:solidFill>
+                <a:schemeClr val="tx1"/>
+              </a:solidFill>
+            </a:endParaRPr>
+          </a:p>
+          <a:p>
+            <a:pPr eaLnBrk="1" hangingPunct="1"/>
+            <a:r>
+              <a:rPr lang="en-US" altLang="x-none" sz="1400" dirty="0">
+                <a:solidFill>
+                  <a:srgbClr val="FFCC66"/>
+                </a:solidFill>
+              </a:rPr>
+              <a:t>Insert new Contributors and Translators here including names and dates</a:t>
+            </a:r>
+          </a:p>
+          <a:p>
+            <a:pPr eaLnBrk="1" hangingPunct="1"/>
+            <a:endParaRPr lang="en-US" altLang="x-none" sz="1400" dirty="0">
+              <a:solidFill>
+                <a:srgbClr val="7575D1"/>
+              </a:solidFill>
+            </a:endParaRPr>
+          </a:p>
+          <a:p>
+            <a:pPr eaLnBrk="1" hangingPunct="1"/>
+            <a:endParaRPr lang="en-US" altLang="x-none" sz="1400" dirty="0">
+              <a:solidFill>
+                <a:srgbClr val="7575D1"/>
+              </a:solidFill>
+            </a:endParaRPr>
+          </a:p>
+          <a:p>
+            <a:pPr eaLnBrk="1" hangingPunct="1"/>
+            <a:endParaRPr lang="en-US" altLang="x-none" sz="1400" dirty="0">
+              <a:solidFill>
+                <a:srgbClr val="7575D1"/>
+              </a:solidFill>
+            </a:endParaRPr>
+          </a:p>
+          <a:p>
+            <a:pPr eaLnBrk="1" hangingPunct="1"/>
+            <a:endParaRPr lang="en-US" altLang="x-none" sz="1400" dirty="0">
+              <a:solidFill>
+                <a:srgbClr val="7575D1"/>
+              </a:solidFill>
+            </a:endParaRPr>
+          </a:p>
+          <a:p>
+            <a:pPr eaLnBrk="1" hangingPunct="1"/>
+            <a:endParaRPr lang="en-US" altLang="x-none" sz="1400" dirty="0">
+              <a:solidFill>
+                <a:srgbClr val="7575D1"/>
+              </a:solidFill>
+            </a:endParaRPr>
+          </a:p>
+          <a:p>
+            <a:pPr eaLnBrk="1" hangingPunct="1"/>
+            <a:endParaRPr lang="en-US" altLang="x-none" sz="1400" dirty="0">
+              <a:solidFill>
+                <a:srgbClr val="7575D1"/>
+              </a:solidFill>
+            </a:endParaRPr>
+          </a:p>
+          <a:p>
+            <a:pPr eaLnBrk="1" hangingPunct="1"/>
+            <a:endParaRPr lang="en-US" altLang="x-none" sz="1400" dirty="0">
+              <a:solidFill>
+                <a:srgbClr val="7575D1"/>
+              </a:solidFill>
+            </a:endParaRPr>
+          </a:p>
+        </p:txBody>
+      </p:sp>
+      <p:sp>
+        <p:nvSpPr>
+          <p:cNvPr id="9" name="TextBox 5"/>
+          <p:cNvSpPr txBox="1">
+            <a:spLocks noChangeArrowheads="1"/>
+          </p:cNvSpPr>
+          <p:nvPr/>
+        </p:nvSpPr>
+        <p:spPr bwMode="auto">
+          <a:xfrm>
+            <a:off x="6310312" y="1512888"/>
+            <a:ext cx="5257800" cy="4893647"/>
+          </a:xfrm>
+          <a:prstGeom prst="rect">
+            <a:avLst/>
+          </a:prstGeom>
+          <a:noFill/>
+          <a:ln>
+            <a:noFill/>
+          </a:ln>
+        </p:spPr>
+        <p:txBody>
+          <a:bodyPr wrap="square">
+            <a:spAutoFit/>
+          </a:bodyPr>
+          <a:lstStyle>
+            <a:lvl1pPr>
+              <a:defRPr sz="2000">
+                <a:solidFill>
+                  <a:srgbClr val="FFFFFF"/>
+                </a:solidFill>
+                <a:latin typeface="Gill Sans" charset="0"/>
+                <a:ea typeface="ヒラギノ角ゴ ProN W3" charset="-128"/>
+                <a:sym typeface="Gill Sans" charset="0"/>
+              </a:defRPr>
+            </a:lvl1pPr>
+            <a:lvl2pPr marL="742950" indent="-285750">
+              <a:defRPr sz="2000">
+                <a:solidFill>
+                  <a:srgbClr val="FFFFFF"/>
+                </a:solidFill>
+                <a:latin typeface="Gill Sans" charset="0"/>
+                <a:ea typeface="ヒラギノ角ゴ ProN W3" charset="-128"/>
+                <a:sym typeface="Gill Sans" charset="0"/>
+              </a:defRPr>
+            </a:lvl2pPr>
+            <a:lvl3pPr marL="1143000" indent="-228600">
+              <a:defRPr sz="2000">
+                <a:solidFill>
+                  <a:srgbClr val="FFFFFF"/>
+                </a:solidFill>
+                <a:latin typeface="Gill Sans" charset="0"/>
+                <a:ea typeface="ヒラギノ角ゴ ProN W3" charset="-128"/>
+                <a:sym typeface="Gill Sans" charset="0"/>
+              </a:defRPr>
+            </a:lvl3pPr>
+            <a:lvl4pPr marL="1600200" indent="-228600">
+              <a:defRPr sz="2000">
+                <a:solidFill>
+                  <a:srgbClr val="FFFFFF"/>
+                </a:solidFill>
+                <a:latin typeface="Gill Sans" charset="0"/>
+                <a:ea typeface="ヒラギノ角ゴ ProN W3" charset="-128"/>
+                <a:sym typeface="Gill Sans" charset="0"/>
+              </a:defRPr>
+            </a:lvl4pPr>
+            <a:lvl5pPr marL="2057400" indent="-228600">
+              <a:defRPr sz="2000">
+                <a:solidFill>
+                  <a:srgbClr val="FFFFFF"/>
+                </a:solidFill>
+                <a:latin typeface="Gill Sans" charset="0"/>
+                <a:ea typeface="ヒラギノ角ゴ ProN W3" charset="-128"/>
+                <a:sym typeface="Gill Sans" charset="0"/>
+              </a:defRPr>
+            </a:lvl5pPr>
+            <a:lvl6pPr marL="2514600" indent="-228600" eaLnBrk="0" fontAlgn="base" hangingPunct="0">
+              <a:spcBef>
+                <a:spcPct val="0"/>
+              </a:spcBef>
+              <a:spcAft>
+                <a:spcPct val="0"/>
+              </a:spcAft>
+              <a:defRPr sz="2000">
+                <a:solidFill>
+                  <a:srgbClr val="FFFFFF"/>
+                </a:solidFill>
+                <a:latin typeface="Gill Sans" charset="0"/>
+                <a:ea typeface="ヒラギノ角ゴ ProN W3" charset="-128"/>
+                <a:sym typeface="Gill Sans" charset="0"/>
+              </a:defRPr>
+            </a:lvl6pPr>
+            <a:lvl7pPr marL="2971800" indent="-228600" eaLnBrk="0" fontAlgn="base" hangingPunct="0">
+              <a:spcBef>
+                <a:spcPct val="0"/>
+              </a:spcBef>
+              <a:spcAft>
+                <a:spcPct val="0"/>
+              </a:spcAft>
+              <a:defRPr sz="2000">
+                <a:solidFill>
+                  <a:srgbClr val="FFFFFF"/>
+                </a:solidFill>
+                <a:latin typeface="Gill Sans" charset="0"/>
+                <a:ea typeface="ヒラギノ角ゴ ProN W3" charset="-128"/>
+                <a:sym typeface="Gill Sans" charset="0"/>
+              </a:defRPr>
+            </a:lvl7pPr>
+            <a:lvl8pPr marL="3429000" indent="-228600" eaLnBrk="0" fontAlgn="base" hangingPunct="0">
+              <a:spcBef>
+                <a:spcPct val="0"/>
+              </a:spcBef>
+              <a:spcAft>
+                <a:spcPct val="0"/>
+              </a:spcAft>
+              <a:defRPr sz="2000">
+                <a:solidFill>
+                  <a:srgbClr val="FFFFFF"/>
+                </a:solidFill>
+                <a:latin typeface="Gill Sans" charset="0"/>
+                <a:ea typeface="ヒラギノ角ゴ ProN W3" charset="-128"/>
+                <a:sym typeface="Gill Sans" charset="0"/>
+              </a:defRPr>
+            </a:lvl8pPr>
+            <a:lvl9pPr marL="3886200" indent="-228600" eaLnBrk="0" fontAlgn="base" hangingPunct="0">
+              <a:spcBef>
+                <a:spcPct val="0"/>
+              </a:spcBef>
+              <a:spcAft>
+                <a:spcPct val="0"/>
+              </a:spcAft>
+              <a:defRPr sz="2000">
+                <a:solidFill>
+                  <a:srgbClr val="FFFFFF"/>
+                </a:solidFill>
+                <a:latin typeface="Gill Sans" charset="0"/>
+                <a:ea typeface="ヒラギノ角ゴ ProN W3" charset="-128"/>
+                <a:sym typeface="Gill Sans" charset="0"/>
+              </a:defRPr>
+            </a:lvl9pPr>
+          </a:lstStyle>
+          <a:p>
+            <a:pPr algn="ctr" eaLnBrk="1" hangingPunct="1"/>
+            <a:r>
+              <a:rPr lang="en-US" altLang="x-none" sz="1200" dirty="0">
+                <a:solidFill>
+                  <a:srgbClr val="FFCC66"/>
+                </a:solidFill>
+                <a:latin typeface="Helvetica" charset="0"/>
+                <a:ea typeface="ＭＳ Ｐゴシック" charset="-128"/>
+                <a:sym typeface="Helvetica" charset="0"/>
+              </a:rPr>
+              <a:t>Continue new Contributors and Translators here</a:t>
+            </a:r>
+          </a:p>
+          <a:p>
+            <a:pPr algn="ctr" eaLnBrk="1" hangingPunct="1"/>
+            <a:endParaRPr lang="en-US" altLang="x-none" sz="1200" dirty="0">
+              <a:solidFill>
+                <a:schemeClr val="tx1"/>
+              </a:solidFill>
+              <a:latin typeface="Helvetica" charset="0"/>
+              <a:ea typeface="ＭＳ Ｐゴシック" charset="-128"/>
+              <a:sym typeface="Helvetica" charset="0"/>
+            </a:endParaRPr>
+          </a:p>
+          <a:p>
+            <a:pPr algn="ctr" eaLnBrk="1" hangingPunct="1"/>
+            <a:endParaRPr lang="en-US" altLang="x-none" sz="1200" dirty="0">
+              <a:solidFill>
+                <a:schemeClr val="tx1"/>
+              </a:solidFill>
+              <a:latin typeface="Helvetica" charset="0"/>
+              <a:ea typeface="ＭＳ Ｐゴシック" charset="-128"/>
+              <a:sym typeface="Helvetica" charset="0"/>
+            </a:endParaRPr>
+          </a:p>
+          <a:p>
+            <a:pPr algn="ctr" eaLnBrk="1" hangingPunct="1"/>
+            <a:endParaRPr lang="en-US" altLang="x-none" sz="1200" dirty="0">
+              <a:solidFill>
+                <a:schemeClr val="tx1"/>
+              </a:solidFill>
+              <a:latin typeface="Helvetica" charset="0"/>
+              <a:ea typeface="ＭＳ Ｐゴシック" charset="-128"/>
+              <a:sym typeface="Helvetica" charset="0"/>
+            </a:endParaRPr>
+          </a:p>
+          <a:p>
+            <a:pPr algn="ctr" eaLnBrk="1" hangingPunct="1"/>
+            <a:endParaRPr lang="en-US" altLang="x-none" sz="1200" dirty="0">
+              <a:solidFill>
+                <a:schemeClr val="tx1"/>
+              </a:solidFill>
+              <a:latin typeface="Helvetica" charset="0"/>
+              <a:ea typeface="ＭＳ Ｐゴシック" charset="-128"/>
+              <a:sym typeface="Helvetica" charset="0"/>
+            </a:endParaRPr>
+          </a:p>
+          <a:p>
+            <a:pPr algn="ctr" eaLnBrk="1" hangingPunct="1"/>
+            <a:endParaRPr lang="en-US" altLang="x-none" sz="1200" dirty="0">
+              <a:solidFill>
+                <a:schemeClr val="tx1"/>
+              </a:solidFill>
+              <a:latin typeface="Helvetica" charset="0"/>
+              <a:ea typeface="ＭＳ Ｐゴシック" charset="-128"/>
+              <a:sym typeface="Helvetica" charset="0"/>
+            </a:endParaRPr>
+          </a:p>
+          <a:p>
+            <a:pPr algn="ctr" eaLnBrk="1" hangingPunct="1"/>
+            <a:endParaRPr lang="en-US" altLang="x-none" sz="1200" dirty="0">
+              <a:solidFill>
+                <a:schemeClr val="tx1"/>
+              </a:solidFill>
+              <a:latin typeface="Helvetica" charset="0"/>
+              <a:ea typeface="ＭＳ Ｐゴシック" charset="-128"/>
+              <a:sym typeface="Helvetica" charset="0"/>
+            </a:endParaRPr>
+          </a:p>
+          <a:p>
+            <a:pPr algn="ctr" eaLnBrk="1" hangingPunct="1"/>
+            <a:endParaRPr lang="en-US" altLang="x-none" sz="1200" dirty="0">
+              <a:solidFill>
+                <a:schemeClr val="tx1"/>
+              </a:solidFill>
+              <a:latin typeface="Helvetica" charset="0"/>
+              <a:ea typeface="ＭＳ Ｐゴシック" charset="-128"/>
+              <a:sym typeface="Helvetica" charset="0"/>
+            </a:endParaRPr>
+          </a:p>
+          <a:p>
+            <a:pPr algn="ctr" eaLnBrk="1" hangingPunct="1"/>
+            <a:endParaRPr lang="en-US" altLang="x-none" sz="1200" dirty="0">
+              <a:solidFill>
+                <a:schemeClr val="tx1"/>
+              </a:solidFill>
+              <a:latin typeface="Helvetica" charset="0"/>
+              <a:ea typeface="ＭＳ Ｐゴシック" charset="-128"/>
+              <a:sym typeface="Helvetica" charset="0"/>
+            </a:endParaRPr>
+          </a:p>
+          <a:p>
+            <a:pPr algn="ctr" eaLnBrk="1" hangingPunct="1"/>
+            <a:endParaRPr lang="en-US" altLang="x-none" sz="1200" dirty="0">
+              <a:solidFill>
+                <a:schemeClr val="tx1"/>
+              </a:solidFill>
+              <a:latin typeface="Helvetica" charset="0"/>
+              <a:ea typeface="ＭＳ Ｐゴシック" charset="-128"/>
+              <a:sym typeface="Helvetica" charset="0"/>
+            </a:endParaRPr>
+          </a:p>
+          <a:p>
+            <a:pPr algn="ctr" eaLnBrk="1" hangingPunct="1"/>
+            <a:endParaRPr lang="en-US" altLang="x-none" sz="1200" dirty="0">
+              <a:solidFill>
+                <a:schemeClr val="tx1"/>
+              </a:solidFill>
+              <a:latin typeface="Helvetica" charset="0"/>
+              <a:ea typeface="ＭＳ Ｐゴシック" charset="-128"/>
+              <a:sym typeface="Helvetica" charset="0"/>
+            </a:endParaRPr>
+          </a:p>
+          <a:p>
+            <a:pPr algn="ctr" eaLnBrk="1" hangingPunct="1"/>
+            <a:endParaRPr lang="en-US" altLang="x-none" sz="1200" dirty="0">
+              <a:solidFill>
+                <a:schemeClr val="tx1"/>
+              </a:solidFill>
+              <a:latin typeface="Helvetica" charset="0"/>
+              <a:ea typeface="ＭＳ Ｐゴシック" charset="-128"/>
+              <a:sym typeface="Helvetica" charset="0"/>
+            </a:endParaRPr>
+          </a:p>
+          <a:p>
+            <a:pPr algn="ctr" eaLnBrk="1" hangingPunct="1"/>
+            <a:endParaRPr lang="en-US" altLang="x-none" sz="1200" dirty="0">
+              <a:solidFill>
+                <a:schemeClr val="tx1"/>
+              </a:solidFill>
+              <a:latin typeface="Helvetica" charset="0"/>
+              <a:ea typeface="ＭＳ Ｐゴシック" charset="-128"/>
+              <a:sym typeface="Helvetica" charset="0"/>
+            </a:endParaRPr>
+          </a:p>
+          <a:p>
+            <a:pPr algn="ctr" eaLnBrk="1" hangingPunct="1"/>
+            <a:endParaRPr lang="en-US" altLang="x-none" sz="1200" dirty="0">
+              <a:solidFill>
+                <a:schemeClr val="tx1"/>
+              </a:solidFill>
+              <a:latin typeface="Helvetica" charset="0"/>
+              <a:ea typeface="ＭＳ Ｐゴシック" charset="-128"/>
+              <a:sym typeface="Helvetica" charset="0"/>
+            </a:endParaRPr>
+          </a:p>
+          <a:p>
+            <a:pPr algn="ctr" eaLnBrk="1" hangingPunct="1"/>
+            <a:endParaRPr lang="en-US" altLang="x-none" sz="1200" dirty="0">
+              <a:solidFill>
+                <a:schemeClr val="tx1"/>
+              </a:solidFill>
+              <a:latin typeface="Helvetica" charset="0"/>
+              <a:ea typeface="ＭＳ Ｐゴシック" charset="-128"/>
+              <a:sym typeface="Helvetica" charset="0"/>
+            </a:endParaRPr>
+          </a:p>
+          <a:p>
+            <a:pPr algn="ctr" eaLnBrk="1" hangingPunct="1"/>
+            <a:endParaRPr lang="en-US" altLang="x-none" sz="1200" dirty="0">
+              <a:solidFill>
+                <a:schemeClr val="tx1"/>
+              </a:solidFill>
+              <a:latin typeface="Helvetica" charset="0"/>
+              <a:ea typeface="ＭＳ Ｐゴシック" charset="-128"/>
+              <a:sym typeface="Helvetica" charset="0"/>
+            </a:endParaRPr>
+          </a:p>
+          <a:p>
+            <a:pPr algn="ctr" eaLnBrk="1" hangingPunct="1"/>
+            <a:endParaRPr lang="en-US" altLang="x-none" sz="1200" dirty="0">
+              <a:solidFill>
+                <a:schemeClr val="tx1"/>
+              </a:solidFill>
+              <a:latin typeface="Helvetica" charset="0"/>
+              <a:ea typeface="ＭＳ Ｐゴシック" charset="-128"/>
+              <a:sym typeface="Helvetica" charset="0"/>
+            </a:endParaRPr>
+          </a:p>
+          <a:p>
+            <a:pPr algn="ctr" eaLnBrk="1" hangingPunct="1"/>
+            <a:endParaRPr lang="en-US" altLang="x-none" sz="1200" dirty="0">
+              <a:solidFill>
+                <a:schemeClr val="tx1"/>
+              </a:solidFill>
+              <a:latin typeface="Helvetica" charset="0"/>
+              <a:ea typeface="ＭＳ Ｐゴシック" charset="-128"/>
+              <a:sym typeface="Helvetica" charset="0"/>
+            </a:endParaRPr>
+          </a:p>
+          <a:p>
+            <a:pPr algn="ctr" eaLnBrk="1" hangingPunct="1"/>
+            <a:endParaRPr lang="en-US" altLang="x-none" sz="1200" dirty="0">
+              <a:solidFill>
+                <a:schemeClr val="tx1"/>
+              </a:solidFill>
+              <a:latin typeface="Helvetica" charset="0"/>
+              <a:ea typeface="ＭＳ Ｐゴシック" charset="-128"/>
+              <a:sym typeface="Helvetica" charset="0"/>
+            </a:endParaRPr>
+          </a:p>
+          <a:p>
+            <a:pPr algn="ctr" eaLnBrk="1" hangingPunct="1"/>
+            <a:endParaRPr lang="en-US" altLang="x-none" sz="1200" dirty="0" smtClean="0">
+              <a:solidFill>
+                <a:schemeClr val="tx1"/>
+              </a:solidFill>
+              <a:latin typeface="Helvetica" charset="0"/>
+              <a:ea typeface="ＭＳ Ｐゴシック" charset="-128"/>
+              <a:sym typeface="Helvetica" charset="0"/>
+            </a:endParaRPr>
+          </a:p>
+          <a:p>
+            <a:pPr algn="ctr" eaLnBrk="1" hangingPunct="1"/>
+            <a:endParaRPr lang="en-US" altLang="x-none" sz="1200" dirty="0">
+              <a:solidFill>
+                <a:schemeClr val="tx1"/>
+              </a:solidFill>
+              <a:latin typeface="Helvetica" charset="0"/>
+              <a:ea typeface="ＭＳ Ｐゴシック" charset="-128"/>
+              <a:sym typeface="Helvetica" charset="0"/>
+            </a:endParaRPr>
+          </a:p>
+          <a:p>
+            <a:pPr algn="ctr" eaLnBrk="1" hangingPunct="1"/>
+            <a:endParaRPr lang="en-US" altLang="x-none" sz="1200" dirty="0" smtClean="0">
+              <a:solidFill>
+                <a:schemeClr val="tx1"/>
+              </a:solidFill>
+              <a:latin typeface="Helvetica" charset="0"/>
+              <a:ea typeface="ＭＳ Ｐゴシック" charset="-128"/>
+              <a:sym typeface="Helvetica" charset="0"/>
+            </a:endParaRPr>
+          </a:p>
+          <a:p>
+            <a:pPr algn="ctr" eaLnBrk="1" hangingPunct="1"/>
+            <a:endParaRPr lang="en-US" altLang="x-none" sz="1200" dirty="0">
+              <a:solidFill>
+                <a:schemeClr val="tx1"/>
+              </a:solidFill>
+              <a:latin typeface="Helvetica" charset="0"/>
+              <a:ea typeface="ＭＳ Ｐゴシック" charset="-128"/>
+              <a:sym typeface="Helvetica" charset="0"/>
+            </a:endParaRPr>
+          </a:p>
+          <a:p>
+            <a:pPr algn="ctr" eaLnBrk="1" hangingPunct="1"/>
+            <a:endParaRPr lang="en-US" altLang="x-none" sz="1200" dirty="0" smtClean="0">
+              <a:solidFill>
+                <a:schemeClr val="tx1"/>
+              </a:solidFill>
+              <a:latin typeface="Helvetica" charset="0"/>
+              <a:ea typeface="ＭＳ Ｐゴシック" charset="-128"/>
+              <a:sym typeface="Helvetica" charset="0"/>
+            </a:endParaRPr>
+          </a:p>
+          <a:p>
+            <a:pPr algn="ctr" eaLnBrk="1" hangingPunct="1"/>
+            <a:endParaRPr lang="en-US" altLang="x-none" sz="1200" dirty="0">
+              <a:solidFill>
+                <a:schemeClr val="tx1"/>
+              </a:solidFill>
+              <a:latin typeface="Helvetica" charset="0"/>
+              <a:ea typeface="ＭＳ Ｐゴシック" charset="-128"/>
+              <a:sym typeface="Helvetica" charset="0"/>
+            </a:endParaRPr>
+          </a:p>
+          <a:p>
+            <a:pPr algn="ctr" eaLnBrk="1" hangingPunct="1"/>
+            <a:endParaRPr lang="en-US" altLang="x-none" sz="1200" dirty="0">
+              <a:solidFill>
+                <a:schemeClr val="tx1"/>
+              </a:solidFill>
+              <a:latin typeface="Helvetica" charset="0"/>
+              <a:ea typeface="ＭＳ Ｐゴシック" charset="-128"/>
+              <a:sym typeface="Helvetica" charset="0"/>
+            </a:endParaRPr>
+          </a:p>
+        </p:txBody>
+      </p:sp>
+    </p:spTree>
+    <p:extLst>
+      <p:ext uri="{BB962C8B-B14F-4D97-AF65-F5344CB8AC3E}">
+        <p14:creationId xmlns:p14="http://schemas.microsoft.com/office/powerpoint/2010/main" val="1048975579"/>
+      </p:ext>
+    </p:extLst>
+  </p:cSld>
+  <p:clrMapOvr>
+    <a:masterClrMapping/>
+  </p:clrMapOvr>
+</p:sld>
+</file>
+
 <file path=ppt/slides/slide3.xml><?xml version="1.0" encoding="utf-8"?>
 <p:sld xmlns:a="http://schemas.openxmlformats.org/drawingml/2006/main" xmlns:r="http://schemas.openxmlformats.org/officeDocument/2006/relationships" xmlns:p="http://schemas.openxmlformats.org/presentationml/2006/main">
   <p:cSld>
@@ -11394,14 +11562,14 @@
           </a:ln>
           <a:extLst>
             <a:ext uri="{909E8E84-426E-40dd-AFC4-6F175D3DCCD1}">
-              <a14:hiddenFill xmlns:a14="http://schemas.microsoft.com/office/drawing/2010/main" xmlns="">
+              <a14:hiddenFill xmlns="" xmlns:a14="http://schemas.microsoft.com/office/drawing/2010/main">
                 <a:solidFill>
                   <a:srgbClr val="FFFFFF"/>
                 </a:solidFill>
               </a14:hiddenFill>
             </a:ext>
             <a:ext uri="{91240B29-F687-4f45-9708-019B960494DF}">
-              <a14:hiddenLine xmlns:a14="http://schemas.microsoft.com/office/drawing/2010/main" xmlns="" w="9525">
+              <a14:hiddenLine xmlns="" xmlns:a14="http://schemas.microsoft.com/office/drawing/2010/main" w="9525">
                 <a:solidFill>
                   <a:srgbClr val="000000"/>
                 </a:solidFill>
@@ -11435,14 +11603,14 @@
           </a:ln>
           <a:extLst>
             <a:ext uri="{909E8E84-426E-40dd-AFC4-6F175D3DCCD1}">
-              <a14:hiddenFill xmlns:a14="http://schemas.microsoft.com/office/drawing/2010/main" xmlns="">
+              <a14:hiddenFill xmlns="" xmlns:a14="http://schemas.microsoft.com/office/drawing/2010/main">
                 <a:solidFill>
                   <a:srgbClr val="FFFFFF"/>
                 </a:solidFill>
               </a14:hiddenFill>
             </a:ext>
             <a:ext uri="{91240B29-F687-4f45-9708-019B960494DF}">
-              <a14:hiddenLine xmlns:a14="http://schemas.microsoft.com/office/drawing/2010/main" xmlns="" w="9525">
+              <a14:hiddenLine xmlns="" xmlns:a14="http://schemas.microsoft.com/office/drawing/2010/main" w="9525">
                 <a:solidFill>
                   <a:srgbClr val="000000"/>
                 </a:solidFill>
@@ -12794,10 +12962,10 @@
                 <a:cs typeface="Arial" charset="0"/>
                 <a:sym typeface="Cabin"/>
               </a:rPr>
-              <a:t>-  </a:t>
-            </a:r>
-            <a:r>
-              <a:rPr lang="en" sz="2667" dirty="0">
+              <a:t>- </a:t>
+            </a:r>
+            <a:r>
+              <a:rPr lang="en-US" sz="2667" dirty="0" smtClean="0">
                 <a:solidFill>
                   <a:srgbClr val="00FF00"/>
                 </a:solidFill>
@@ -12806,10 +12974,10 @@
                 <a:cs typeface="Arial" charset="0"/>
                 <a:sym typeface="Cabin"/>
               </a:rPr>
-              <a:t>Oracle</a:t>
-            </a:r>
-            <a:r>
-              <a:rPr lang="en" sz="2667" dirty="0">
+              <a:t>Postgres </a:t>
+            </a:r>
+            <a:r>
+              <a:rPr lang="mr-IN" sz="2667" dirty="0" smtClean="0">
                 <a:solidFill>
                   <a:schemeClr val="lt1"/>
                 </a:solidFill>
@@ -12818,8 +12986,77 @@
                 <a:cs typeface="Arial" charset="0"/>
                 <a:sym typeface="Cabin"/>
               </a:rPr>
-              <a:t> - Large, commercial, enterprise-scale, very very tweakable</a:t>
-            </a:r>
+              <a:t>–</a:t>
+            </a:r>
+            <a:r>
+              <a:rPr lang="en" sz="2667" dirty="0" smtClean="0">
+                <a:solidFill>
+                  <a:schemeClr val="lt1"/>
+                </a:solidFill>
+                <a:latin typeface="Arial" charset="0"/>
+                <a:ea typeface="Arial" charset="0"/>
+                <a:cs typeface="Arial" charset="0"/>
+                <a:sym typeface="Cabin"/>
+              </a:rPr>
+              <a:t> </a:t>
+            </a:r>
+            <a:r>
+              <a:rPr lang="en-US" sz="2667" dirty="0" smtClean="0">
+                <a:solidFill>
+                  <a:schemeClr val="lt1"/>
+                </a:solidFill>
+                <a:latin typeface="Arial" charset="0"/>
+                <a:ea typeface="Arial" charset="0"/>
+                <a:cs typeface="Arial" charset="0"/>
+                <a:sym typeface="Cabin"/>
+              </a:rPr>
+              <a:t>Open source</a:t>
+            </a:r>
+            <a:r>
+              <a:rPr lang="en" sz="2667" dirty="0" smtClean="0">
+                <a:solidFill>
+                  <a:schemeClr val="lt1"/>
+                </a:solidFill>
+                <a:latin typeface="Arial" charset="0"/>
+                <a:ea typeface="Arial" charset="0"/>
+                <a:cs typeface="Arial" charset="0"/>
+                <a:sym typeface="Cabin"/>
+              </a:rPr>
+              <a:t>, </a:t>
+            </a:r>
+            <a:r>
+              <a:rPr lang="en" sz="2667" dirty="0">
+                <a:solidFill>
+                  <a:schemeClr val="lt1"/>
+                </a:solidFill>
+                <a:latin typeface="Arial" charset="0"/>
+                <a:ea typeface="Arial" charset="0"/>
+                <a:cs typeface="Arial" charset="0"/>
+                <a:sym typeface="Cabin"/>
+              </a:rPr>
+              <a:t>enterprise-scale, </a:t>
+            </a:r>
+            <a:r>
+              <a:rPr lang="en" sz="2667" dirty="0" smtClean="0">
+                <a:solidFill>
+                  <a:schemeClr val="lt1"/>
+                </a:solidFill>
+                <a:latin typeface="Arial" charset="0"/>
+                <a:ea typeface="Arial" charset="0"/>
+                <a:cs typeface="Arial" charset="0"/>
+                <a:sym typeface="Cabin"/>
+              </a:rPr>
+              <a:t>very tweakable</a:t>
+            </a:r>
+            <a:endParaRPr lang="en-US" sz="2667" dirty="0" smtClean="0">
+              <a:solidFill>
+                <a:srgbClr val="00FF00"/>
+              </a:solidFill>
+              <a:latin typeface="Arial" charset="0"/>
+              <a:ea typeface="Arial" charset="0"/>
+              <a:cs typeface="Arial" charset="0"/>
+              <a:sym typeface="Cabin"/>
+            </a:endParaRPr>
           </a:p>
           <a:p>
             <a:pPr marL="338658" lvl="1" indent="0">
@@ -12836,7 +13073,7 @@
               <a:buNone/>
             </a:pPr>
             <a:r>
-              <a:rPr lang="en-US" sz="2667" dirty="0" err="1">
+              <a:rPr lang="en-US" sz="2667" dirty="0" smtClean="0">
                 <a:solidFill>
                   <a:srgbClr val="00FF00"/>
                 </a:solidFill>
@@ -12845,10 +13082,10 @@
                 <a:cs typeface="Arial" charset="0"/>
                 <a:sym typeface="Cabin"/>
               </a:rPr>
-              <a:t>-  </a:t>
-            </a:r>
-            <a:r>
-              <a:rPr lang="en" sz="2667" dirty="0" err="1">
+              <a:t>- </a:t>
+            </a:r>
+            <a:r>
+              <a:rPr lang="en" sz="2667" dirty="0" smtClean="0">
                 <a:solidFill>
                   <a:srgbClr val="00FF00"/>
                 </a:solidFill>
@@ -12857,10 +13094,10 @@
                 <a:cs typeface="Arial" charset="0"/>
                 <a:sym typeface="Cabin"/>
               </a:rPr>
-              <a:t>MySql</a:t>
-            </a:r>
-            <a:r>
-              <a:rPr lang="en" sz="2667" dirty="0">
+              <a:t>Oracle</a:t>
+            </a:r>
+            <a:r>
+              <a:rPr lang="en" sz="2667" dirty="0" smtClean="0">
                 <a:solidFill>
                   <a:schemeClr val="lt1"/>
                 </a:solidFill>
@@ -12869,8 +13106,41 @@
                 <a:cs typeface="Arial" charset="0"/>
                 <a:sym typeface="Cabin"/>
               </a:rPr>
-              <a:t> - Simpler but very fast and scalable - commercial open source</a:t>
-            </a:r>
+              <a:t> </a:t>
+            </a:r>
+            <a:r>
+              <a:rPr lang="en" sz="2667" dirty="0">
+                <a:solidFill>
+                  <a:schemeClr val="lt1"/>
+                </a:solidFill>
+                <a:latin typeface="Arial" charset="0"/>
+                <a:ea typeface="Arial" charset="0"/>
+                <a:cs typeface="Arial" charset="0"/>
+                <a:sym typeface="Cabin"/>
+              </a:rPr>
+              <a:t>- Large, commercial, enterprise-scale, very </a:t>
+            </a:r>
+            <a:r>
+              <a:rPr lang="en" sz="2667" dirty="0" smtClean="0">
+                <a:solidFill>
+                  <a:schemeClr val="lt1"/>
+                </a:solidFill>
+                <a:latin typeface="Arial" charset="0"/>
+                <a:ea typeface="Arial" charset="0"/>
+                <a:cs typeface="Arial" charset="0"/>
+                <a:sym typeface="Cabin"/>
+              </a:rPr>
+              <a:t>tweakable</a:t>
+            </a:r>
+            <a:endParaRPr lang="en" sz="2667" dirty="0">
+              <a:solidFill>
+                <a:schemeClr val="lt1"/>
+              </a:solidFill>
+              <a:latin typeface="Arial" charset="0"/>
+              <a:ea typeface="Arial" charset="0"/>
+              <a:cs typeface="Arial" charset="0"/>
+              <a:sym typeface="Cabin"/>
+            </a:endParaRPr>
           </a:p>
           <a:p>
             <a:pPr marL="338658" lvl="1" indent="0">
@@ -12887,7 +13157,7 @@
               <a:buNone/>
             </a:pPr>
             <a:r>
-              <a:rPr lang="en-US" sz="2667" dirty="0" err="1">
+              <a:rPr lang="en-US" sz="2667" dirty="0">
                 <a:solidFill>
                   <a:srgbClr val="00FF00"/>
                 </a:solidFill>
@@ -12896,10 +13166,10 @@
                 <a:cs typeface="Arial" charset="0"/>
                 <a:sym typeface="Cabin"/>
               </a:rPr>
-              <a:t>-  </a:t>
-            </a:r>
-            <a:r>
-              <a:rPr lang="en" sz="2667" dirty="0" err="1">
+              <a:t>- </a:t>
+            </a:r>
+            <a:r>
+              <a:rPr lang="en" sz="2667" dirty="0" err="1" smtClean="0">
                 <a:solidFill>
                   <a:srgbClr val="00FF00"/>
                 </a:solidFill>
@@ -12908,10 +13178,10 @@
                 <a:cs typeface="Arial" charset="0"/>
                 <a:sym typeface="Cabin"/>
               </a:rPr>
-              <a:t>SqlServer</a:t>
-            </a:r>
-            <a:r>
-              <a:rPr lang="en" sz="2667" dirty="0">
+              <a:t>MySql</a:t>
+            </a:r>
+            <a:r>
+              <a:rPr lang="en" sz="2667" dirty="0" smtClean="0">
                 <a:solidFill>
                   <a:schemeClr val="lt1"/>
                 </a:solidFill>
@@ -12920,7 +13190,82 @@
                 <a:cs typeface="Arial" charset="0"/>
                 <a:sym typeface="Cabin"/>
               </a:rPr>
-              <a:t> - Very nice - from Microsoft (also Access)</a:t>
+              <a:t> </a:t>
+            </a:r>
+            <a:r>
+              <a:rPr lang="en" sz="2667" dirty="0">
+                <a:solidFill>
+                  <a:schemeClr val="lt1"/>
+                </a:solidFill>
+                <a:latin typeface="Arial" charset="0"/>
+                <a:ea typeface="Arial" charset="0"/>
+                <a:cs typeface="Arial" charset="0"/>
+                <a:sym typeface="Cabin"/>
+              </a:rPr>
+              <a:t>- Simpler but very fast and scalable - commercial open source</a:t>
+            </a:r>
+          </a:p>
+          <a:p>
+            <a:pPr marL="338658" lvl="1" indent="0">
+              <a:lnSpc>
+                <a:spcPct val="100000"/>
+              </a:lnSpc>
+              <a:spcBef>
+                <a:spcPts val="800"/>
+              </a:spcBef>
+              <a:buClr>
+                <a:schemeClr val="lt1"/>
+              </a:buClr>
+              <a:buSzPct val="100000"/>
+              <a:buNone/>
+            </a:pPr>
+            <a:r>
+              <a:rPr lang="en-US" sz="2667" dirty="0">
+                <a:solidFill>
+                  <a:srgbClr val="00FF00"/>
+                </a:solidFill>
+                <a:latin typeface="Arial" charset="0"/>
+                <a:ea typeface="Arial" charset="0"/>
+                <a:cs typeface="Arial" charset="0"/>
+                <a:sym typeface="Cabin"/>
+              </a:rPr>
+              <a:t>- </a:t>
+            </a:r>
+            <a:r>
+              <a:rPr lang="en" sz="2667" dirty="0" err="1" smtClean="0">
+                <a:solidFill>
+                  <a:srgbClr val="00FF00"/>
+                </a:solidFill>
+                <a:latin typeface="Arial" charset="0"/>
+                <a:ea typeface="Arial" charset="0"/>
+                <a:cs typeface="Arial" charset="0"/>
+                <a:sym typeface="Cabin"/>
+              </a:rPr>
+              <a:t>SqlServer</a:t>
+            </a:r>
+            <a:r>
+              <a:rPr lang="en" sz="2667" dirty="0" smtClean="0">
+                <a:solidFill>
+                  <a:schemeClr val="lt1"/>
+                </a:solidFill>
+                <a:latin typeface="Arial" charset="0"/>
+                <a:ea typeface="Arial" charset="0"/>
+                <a:cs typeface="Arial" charset="0"/>
+                <a:sym typeface="Cabin"/>
+              </a:rPr>
+              <a:t> </a:t>
+            </a:r>
+            <a:r>
+              <a:rPr lang="en" sz="2667" dirty="0">
+                <a:solidFill>
+                  <a:schemeClr val="lt1"/>
+                </a:solidFill>
+                <a:latin typeface="Arial" charset="0"/>
+                <a:ea typeface="Arial" charset="0"/>
+                <a:cs typeface="Arial" charset="0"/>
+                <a:sym typeface="Cabin"/>
+              </a:rPr>
+              <a:t>- Very nice - from Microsoft (also Access)</a:t>
             </a:r>
           </a:p>
           <a:p>
@@ -13011,8 +13356,29 @@
                 <a:cs typeface="Arial" charset="0"/>
                 <a:sym typeface="Cabin"/>
               </a:rPr>
-              <a:t>, Postgres, ... </a:t>
-            </a:r>
+              <a:t>, </a:t>
+            </a:r>
+            <a:r>
+              <a:rPr lang="en" sz="2667" dirty="0" smtClean="0">
+                <a:solidFill>
+                  <a:schemeClr val="lt1"/>
+                </a:solidFill>
+                <a:latin typeface="Arial" charset="0"/>
+                <a:ea typeface="Arial" charset="0"/>
+                <a:cs typeface="Arial" charset="0"/>
+                <a:sym typeface="Cabin"/>
+              </a:rPr>
+              <a:t>... </a:t>
+            </a:r>
+            <a:endParaRPr lang="en" sz="2667" dirty="0">
+              <a:solidFill>
+                <a:schemeClr val="lt1"/>
+              </a:solidFill>
+              <a:latin typeface="Arial" charset="0"/>
+              <a:ea typeface="Arial" charset="0"/>
+              <a:cs typeface="Arial" charset="0"/>
+              <a:sym typeface="Cabin"/>
+            </a:endParaRPr>
           </a:p>
         </p:txBody>
       </p:sp>
